--- a/Prez.pptx
+++ b/Prez.pptx
@@ -4251,13 +4251,13 @@
   <p:clrMapOvr>
     <a:masterClrMapping/>
   </p:clrMapOvr>
-  <mc:AlternateContent xmlns:mc="http://schemas.openxmlformats.org/markup-compatibility/2006">
-    <mc:Choice xmlns:p14="http://schemas.microsoft.com/office/powerpoint/2010/main" Requires="p14">
+  <mc:AlternateContent xmlns:mc="http://schemas.openxmlformats.org/markup-compatibility/2006" xmlns:p14="http://schemas.microsoft.com/office/powerpoint/2010/main">
+    <mc:Choice Requires="p14">
       <p:transition spd="med" p14:dur="700">
         <p:fade/>
       </p:transition>
     </mc:Choice>
-    <mc:Fallback>
+    <mc:Fallback xmlns="">
       <p:transition spd="med">
         <p:fade/>
       </p:transition>
@@ -4480,13 +4480,13 @@
   <p:clrMapOvr>
     <a:masterClrMapping/>
   </p:clrMapOvr>
-  <mc:AlternateContent xmlns:mc="http://schemas.openxmlformats.org/markup-compatibility/2006">
-    <mc:Choice xmlns:p14="http://schemas.microsoft.com/office/powerpoint/2010/main" Requires="p14">
+  <mc:AlternateContent xmlns:mc="http://schemas.openxmlformats.org/markup-compatibility/2006" xmlns:p14="http://schemas.microsoft.com/office/powerpoint/2010/main">
+    <mc:Choice Requires="p14">
       <p:transition spd="med" p14:dur="700">
         <p:fade/>
       </p:transition>
     </mc:Choice>
-    <mc:Fallback>
+    <mc:Fallback xmlns="">
       <p:transition spd="med">
         <p:fade/>
       </p:transition>
@@ -4594,12 +4594,16 @@
           <a:bodyPr/>
           <a:lstStyle/>
           <a:p>
-            <a:pPr marL="0" indent="0">
+            <a:pPr marL="0" indent="0" algn="ctr">
               <a:buNone/>
             </a:pPr>
             <a:r>
+              <a:rPr lang="ru-RU" smtClean="0"/>
+              <a:t>Управление </a:t>
+            </a:r>
+            <a:r>
               <a:rPr lang="ru-RU" dirty="0" smtClean="0"/>
-              <a:t>	Управление возможностью регистрации</a:t>
+              <a:t>возможностью регистрации</a:t>
             </a:r>
             <a:endParaRPr lang="ru-RU" dirty="0"/>
           </a:p>
@@ -4745,13 +4749,13 @@
   <p:clrMapOvr>
     <a:masterClrMapping/>
   </p:clrMapOvr>
-  <mc:AlternateContent xmlns:mc="http://schemas.openxmlformats.org/markup-compatibility/2006">
-    <mc:Choice xmlns:p14="http://schemas.microsoft.com/office/powerpoint/2010/main" Requires="p14">
+  <mc:AlternateContent xmlns:mc="http://schemas.openxmlformats.org/markup-compatibility/2006" xmlns:p14="http://schemas.microsoft.com/office/powerpoint/2010/main">
+    <mc:Choice Requires="p14">
       <p:transition spd="med" p14:dur="700">
         <p:fade/>
       </p:transition>
     </mc:Choice>
-    <mc:Fallback>
+    <mc:Fallback xmlns="">
       <p:transition spd="med">
         <p:fade/>
       </p:transition>
@@ -4976,13 +4980,13 @@
   <p:clrMapOvr>
     <a:masterClrMapping/>
   </p:clrMapOvr>
-  <mc:AlternateContent xmlns:mc="http://schemas.openxmlformats.org/markup-compatibility/2006">
-    <mc:Choice xmlns:p14="http://schemas.microsoft.com/office/powerpoint/2010/main" Requires="p14">
+  <mc:AlternateContent xmlns:mc="http://schemas.openxmlformats.org/markup-compatibility/2006" xmlns:p14="http://schemas.microsoft.com/office/powerpoint/2010/main">
+    <mc:Choice Requires="p14">
       <p:transition spd="med" p14:dur="700">
         <p:fade/>
       </p:transition>
     </mc:Choice>
-    <mc:Fallback>
+    <mc:Fallback xmlns="">
       <p:transition spd="med">
         <p:fade/>
       </p:transition>
@@ -5082,13 +5086,13 @@
   <p:clrMapOvr>
     <a:masterClrMapping/>
   </p:clrMapOvr>
-  <mc:AlternateContent xmlns:mc="http://schemas.openxmlformats.org/markup-compatibility/2006">
-    <mc:Choice xmlns:p14="http://schemas.microsoft.com/office/powerpoint/2010/main" Requires="p14">
+  <mc:AlternateContent xmlns:mc="http://schemas.openxmlformats.org/markup-compatibility/2006" xmlns:p14="http://schemas.microsoft.com/office/powerpoint/2010/main">
+    <mc:Choice Requires="p14">
       <p:transition spd="med" p14:dur="700">
         <p:fade/>
       </p:transition>
     </mc:Choice>
-    <mc:Fallback>
+    <mc:Fallback xmlns="">
       <p:transition spd="med">
         <p:fade/>
       </p:transition>
@@ -8377,13 +8381,13 @@
   <p:clrMapOvr>
     <a:masterClrMapping/>
   </p:clrMapOvr>
-  <mc:AlternateContent xmlns:mc="http://schemas.openxmlformats.org/markup-compatibility/2006">
-    <mc:Choice xmlns:p14="http://schemas.microsoft.com/office/powerpoint/2010/main" Requires="p14">
+  <mc:AlternateContent xmlns:mc="http://schemas.openxmlformats.org/markup-compatibility/2006" xmlns:p14="http://schemas.microsoft.com/office/powerpoint/2010/main">
+    <mc:Choice Requires="p14">
       <p:transition spd="med" p14:dur="700">
         <p:fade/>
       </p:transition>
     </mc:Choice>
-    <mc:Fallback>
+    <mc:Fallback xmlns="">
       <p:transition spd="med">
         <p:fade/>
       </p:transition>
@@ -8788,13 +8792,13 @@
   <p:clrMapOvr>
     <a:masterClrMapping/>
   </p:clrMapOvr>
-  <mc:AlternateContent xmlns:mc="http://schemas.openxmlformats.org/markup-compatibility/2006">
-    <mc:Choice xmlns:p14="http://schemas.microsoft.com/office/powerpoint/2010/main" Requires="p14">
+  <mc:AlternateContent xmlns:mc="http://schemas.openxmlformats.org/markup-compatibility/2006" xmlns:p14="http://schemas.microsoft.com/office/powerpoint/2010/main">
+    <mc:Choice Requires="p14">
       <p:transition spd="med" p14:dur="700">
         <p:fade/>
       </p:transition>
     </mc:Choice>
-    <mc:Fallback>
+    <mc:Fallback xmlns="">
       <p:transition spd="med">
         <p:fade/>
       </p:transition>
@@ -8865,13 +8869,13 @@
   <p:clrMapOvr>
     <a:masterClrMapping/>
   </p:clrMapOvr>
-  <mc:AlternateContent xmlns:mc="http://schemas.openxmlformats.org/markup-compatibility/2006">
-    <mc:Choice xmlns:p14="http://schemas.microsoft.com/office/powerpoint/2010/main" Requires="p14">
+  <mc:AlternateContent xmlns:mc="http://schemas.openxmlformats.org/markup-compatibility/2006" xmlns:p14="http://schemas.microsoft.com/office/powerpoint/2010/main">
+    <mc:Choice Requires="p14">
       <p:transition spd="med" p14:dur="700">
         <p:fade/>
       </p:transition>
     </mc:Choice>
-    <mc:Fallback>
+    <mc:Fallback xmlns="">
       <p:transition spd="med">
         <p:fade/>
       </p:transition>
@@ -9009,13 +9013,13 @@
   <p:clrMapOvr>
     <a:masterClrMapping/>
   </p:clrMapOvr>
-  <mc:AlternateContent xmlns:mc="http://schemas.openxmlformats.org/markup-compatibility/2006">
-    <mc:Choice xmlns:p14="http://schemas.microsoft.com/office/powerpoint/2010/main" Requires="p14">
+  <mc:AlternateContent xmlns:mc="http://schemas.openxmlformats.org/markup-compatibility/2006" xmlns:p14="http://schemas.microsoft.com/office/powerpoint/2010/main">
+    <mc:Choice Requires="p14">
       <p:transition spd="med" p14:dur="700">
         <p:fade/>
       </p:transition>
     </mc:Choice>
-    <mc:Fallback>
+    <mc:Fallback xmlns="">
       <p:transition spd="med">
         <p:fade/>
       </p:transition>
@@ -9257,13 +9261,13 @@
   <p:clrMapOvr>
     <a:masterClrMapping/>
   </p:clrMapOvr>
-  <mc:AlternateContent xmlns:mc="http://schemas.openxmlformats.org/markup-compatibility/2006">
-    <mc:Choice xmlns:p14="http://schemas.microsoft.com/office/powerpoint/2010/main" Requires="p14">
+  <mc:AlternateContent xmlns:mc="http://schemas.openxmlformats.org/markup-compatibility/2006" xmlns:p14="http://schemas.microsoft.com/office/powerpoint/2010/main">
+    <mc:Choice Requires="p14">
       <p:transition spd="med" p14:dur="700">
         <p:fade/>
       </p:transition>
     </mc:Choice>
-    <mc:Fallback>
+    <mc:Fallback xmlns="">
       <p:transition spd="med">
         <p:fade/>
       </p:transition>
@@ -13291,13 +13295,13 @@
   <p:clrMapOvr>
     <a:masterClrMapping/>
   </p:clrMapOvr>
-  <mc:AlternateContent xmlns:mc="http://schemas.openxmlformats.org/markup-compatibility/2006">
-    <mc:Choice xmlns:p14="http://schemas.microsoft.com/office/powerpoint/2010/main" Requires="p14">
+  <mc:AlternateContent xmlns:mc="http://schemas.openxmlformats.org/markup-compatibility/2006" xmlns:p14="http://schemas.microsoft.com/office/powerpoint/2010/main">
+    <mc:Choice Requires="p14">
       <p:transition spd="med" p14:dur="700">
         <p:fade/>
       </p:transition>
     </mc:Choice>
-    <mc:Fallback>
+    <mc:Fallback xmlns="">
       <p:transition spd="med">
         <p:fade/>
       </p:transition>
@@ -13556,13 +13560,13 @@
   <p:clrMapOvr>
     <a:masterClrMapping/>
   </p:clrMapOvr>
-  <mc:AlternateContent xmlns:mc="http://schemas.openxmlformats.org/markup-compatibility/2006">
-    <mc:Choice xmlns:p14="http://schemas.microsoft.com/office/powerpoint/2010/main" Requires="p14">
+  <mc:AlternateContent xmlns:mc="http://schemas.openxmlformats.org/markup-compatibility/2006" xmlns:p14="http://schemas.microsoft.com/office/powerpoint/2010/main">
+    <mc:Choice Requires="p14">
       <p:transition spd="med" p14:dur="700">
         <p:fade/>
       </p:transition>
     </mc:Choice>
-    <mc:Fallback>
+    <mc:Fallback xmlns="">
       <p:transition spd="med">
         <p:fade/>
       </p:transition>
@@ -13913,13 +13917,13 @@
   <p:clrMapOvr>
     <a:masterClrMapping/>
   </p:clrMapOvr>
-  <mc:AlternateContent xmlns:mc="http://schemas.openxmlformats.org/markup-compatibility/2006">
-    <mc:Choice xmlns:p14="http://schemas.microsoft.com/office/powerpoint/2010/main" Requires="p14">
+  <mc:AlternateContent xmlns:mc="http://schemas.openxmlformats.org/markup-compatibility/2006" xmlns:p14="http://schemas.microsoft.com/office/powerpoint/2010/main">
+    <mc:Choice Requires="p14">
       <p:transition spd="med" p14:dur="700">
         <p:fade/>
       </p:transition>
     </mc:Choice>
-    <mc:Fallback>
+    <mc:Fallback xmlns="">
       <p:transition spd="med">
         <p:fade/>
       </p:transition>
@@ -14302,13 +14306,13 @@
   <p:clrMapOvr>
     <a:masterClrMapping/>
   </p:clrMapOvr>
-  <mc:AlternateContent xmlns:mc="http://schemas.openxmlformats.org/markup-compatibility/2006">
-    <mc:Choice xmlns:p14="http://schemas.microsoft.com/office/powerpoint/2010/main" Requires="p14">
+  <mc:AlternateContent xmlns:mc="http://schemas.openxmlformats.org/markup-compatibility/2006" xmlns:p14="http://schemas.microsoft.com/office/powerpoint/2010/main">
+    <mc:Choice Requires="p14">
       <p:transition spd="med" p14:dur="700">
         <p:fade/>
       </p:transition>
     </mc:Choice>
-    <mc:Fallback>
+    <mc:Fallback xmlns="">
       <p:transition spd="med">
         <p:fade/>
       </p:transition>
@@ -14494,13 +14498,13 @@
   <p:clrMapOvr>
     <a:masterClrMapping/>
   </p:clrMapOvr>
-  <mc:AlternateContent xmlns:mc="http://schemas.openxmlformats.org/markup-compatibility/2006">
-    <mc:Choice xmlns:p14="http://schemas.microsoft.com/office/powerpoint/2010/main" Requires="p14">
+  <mc:AlternateContent xmlns:mc="http://schemas.openxmlformats.org/markup-compatibility/2006" xmlns:p14="http://schemas.microsoft.com/office/powerpoint/2010/main">
+    <mc:Choice Requires="p14">
       <p:transition spd="med" p14:dur="700">
         <p:fade/>
       </p:transition>
     </mc:Choice>
-    <mc:Fallback>
+    <mc:Fallback xmlns="">
       <p:transition spd="med">
         <p:fade/>
       </p:transition>
@@ -14679,13 +14683,13 @@
   <p:clrMapOvr>
     <a:masterClrMapping/>
   </p:clrMapOvr>
-  <mc:AlternateContent xmlns:mc="http://schemas.openxmlformats.org/markup-compatibility/2006">
-    <mc:Choice xmlns:p14="http://schemas.microsoft.com/office/powerpoint/2010/main" Requires="p14">
+  <mc:AlternateContent xmlns:mc="http://schemas.openxmlformats.org/markup-compatibility/2006" xmlns:p14="http://schemas.microsoft.com/office/powerpoint/2010/main">
+    <mc:Choice Requires="p14">
       <p:transition spd="med" p14:dur="700">
         <p:fade/>
       </p:transition>
     </mc:Choice>
-    <mc:Fallback>
+    <mc:Fallback xmlns="">
       <p:transition spd="med">
         <p:fade/>
       </p:transition>

--- a/Prez.pptx
+++ b/Prez.pptx
@@ -2,7 +2,7 @@
 <file path=ppt/presentation.xml><?xml version="1.0" encoding="utf-8"?>
 <p:presentation xmlns:a="http://schemas.openxmlformats.org/drawingml/2006/main" xmlns:r="http://schemas.openxmlformats.org/officeDocument/2006/relationships" xmlns:p="http://schemas.openxmlformats.org/presentationml/2006/main" autoCompressPictures="0">
   <p:sldMasterIdLst>
-    <p:sldMasterId id="2147483780" r:id="rId1"/>
+    <p:sldMasterId id="2147483888" r:id="rId1"/>
   </p:sldMasterIdLst>
   <p:sldIdLst>
     <p:sldId id="256" r:id="rId2"/>
@@ -161,6 +161,14 @@
 <file path=ppt/slideLayouts/slideLayout1.xml><?xml version="1.0" encoding="utf-8"?>
 <p:sldLayout xmlns:a="http://schemas.openxmlformats.org/drawingml/2006/main" xmlns:r="http://schemas.openxmlformats.org/officeDocument/2006/relationships" xmlns:p="http://schemas.openxmlformats.org/presentationml/2006/main" type="title" preserve="1">
   <p:cSld name="Титульный слайд">
+    <p:bg>
+      <p:bgPr>
+        <a:solidFill>
+          <a:schemeClr val="accent2"/>
+        </a:solidFill>
+        <a:effectLst/>
+      </p:bgPr>
+    </p:bg>
     <p:spTree>
       <p:nvGrpSpPr>
         <p:cNvPr id="1" name=""/>
@@ -185,19 +193,31 @@
             <p:ph type="ctrTitle"/>
           </p:nvPr>
         </p:nvSpPr>
-        <p:spPr>
+        <p:spPr bwMode="blackWhite">
           <a:xfrm>
-            <a:off x="1370693" y="1769540"/>
-            <a:ext cx="9440034" cy="1828801"/>
+            <a:off x="1600200" y="2386744"/>
+            <a:ext cx="8991600" cy="1645920"/>
           </a:xfrm>
+          <a:solidFill>
+            <a:srgbClr val="FFFFFF"/>
+          </a:solidFill>
+          <a:ln w="38100">
+            <a:solidFill>
+              <a:srgbClr val="404040"/>
+            </a:solidFill>
+          </a:ln>
         </p:spPr>
         <p:txBody>
-          <a:bodyPr anchor="b">
+          <a:bodyPr lIns="274320" rIns="274320" anchor="ctr" anchorCtr="1">
             <a:normAutofit/>
           </a:bodyPr>
           <a:lstStyle>
             <a:lvl1pPr algn="ctr">
-              <a:defRPr sz="5400"/>
+              <a:defRPr sz="3800">
+                <a:solidFill>
+                  <a:srgbClr val="262626"/>
+                </a:solidFill>
+              </a:defRPr>
             </a:lvl1pPr>
           </a:lstStyle>
           <a:p>
@@ -221,100 +241,58 @@
         </p:nvSpPr>
         <p:spPr>
           <a:xfrm>
-            <a:off x="1370693" y="3598339"/>
-            <a:ext cx="9440034" cy="1049867"/>
+            <a:off x="2695194" y="4352544"/>
+            <a:ext cx="6801612" cy="1239894"/>
           </a:xfrm>
+          <a:noFill/>
         </p:spPr>
         <p:txBody>
-          <a:bodyPr anchor="t"/>
+          <a:bodyPr>
+            <a:normAutofit/>
+          </a:bodyPr>
           <a:lstStyle>
             <a:lvl1pPr marL="0" indent="0" algn="ctr">
               <a:buNone/>
-              <a:defRPr>
+              <a:defRPr sz="2000">
                 <a:solidFill>
-                  <a:schemeClr val="tx1"/>
+                  <a:schemeClr val="tx1">
+                    <a:lumMod val="75000"/>
+                    <a:lumOff val="25000"/>
+                  </a:schemeClr>
                 </a:solidFill>
               </a:defRPr>
             </a:lvl1pPr>
             <a:lvl2pPr marL="457200" indent="0" algn="ctr">
               <a:buNone/>
-              <a:defRPr>
-                <a:solidFill>
-                  <a:schemeClr val="tx1">
-                    <a:tint val="75000"/>
-                  </a:schemeClr>
-                </a:solidFill>
-              </a:defRPr>
+              <a:defRPr sz="2000"/>
             </a:lvl2pPr>
             <a:lvl3pPr marL="914400" indent="0" algn="ctr">
               <a:buNone/>
-              <a:defRPr>
-                <a:solidFill>
-                  <a:schemeClr val="tx1">
-                    <a:tint val="75000"/>
-                  </a:schemeClr>
-                </a:solidFill>
-              </a:defRPr>
+              <a:defRPr sz="1800"/>
             </a:lvl3pPr>
             <a:lvl4pPr marL="1371600" indent="0" algn="ctr">
               <a:buNone/>
-              <a:defRPr>
-                <a:solidFill>
-                  <a:schemeClr val="tx1">
-                    <a:tint val="75000"/>
-                  </a:schemeClr>
-                </a:solidFill>
-              </a:defRPr>
+              <a:defRPr sz="1600"/>
             </a:lvl4pPr>
             <a:lvl5pPr marL="1828800" indent="0" algn="ctr">
               <a:buNone/>
-              <a:defRPr>
-                <a:solidFill>
-                  <a:schemeClr val="tx1">
-                    <a:tint val="75000"/>
-                  </a:schemeClr>
-                </a:solidFill>
-              </a:defRPr>
+              <a:defRPr sz="1600"/>
             </a:lvl5pPr>
             <a:lvl6pPr marL="2286000" indent="0" algn="ctr">
               <a:buNone/>
-              <a:defRPr>
-                <a:solidFill>
-                  <a:schemeClr val="tx1">
-                    <a:tint val="75000"/>
-                  </a:schemeClr>
-                </a:solidFill>
-              </a:defRPr>
+              <a:defRPr sz="1600"/>
             </a:lvl6pPr>
             <a:lvl7pPr marL="2743200" indent="0" algn="ctr">
               <a:buNone/>
-              <a:defRPr>
-                <a:solidFill>
-                  <a:schemeClr val="tx1">
-                    <a:tint val="75000"/>
-                  </a:schemeClr>
-                </a:solidFill>
-              </a:defRPr>
+              <a:defRPr sz="1600"/>
             </a:lvl7pPr>
             <a:lvl8pPr marL="3200400" indent="0" algn="ctr">
               <a:buNone/>
-              <a:defRPr>
-                <a:solidFill>
-                  <a:schemeClr val="tx1">
-                    <a:tint val="75000"/>
-                  </a:schemeClr>
-                </a:solidFill>
-              </a:defRPr>
+              <a:defRPr sz="1600"/>
             </a:lvl8pPr>
             <a:lvl9pPr marL="3657600" indent="0" algn="ctr">
               <a:buNone/>
-              <a:defRPr>
-                <a:solidFill>
-                  <a:schemeClr val="tx1">
-                    <a:tint val="75000"/>
-                  </a:schemeClr>
-                </a:solidFill>
-              </a:defRPr>
+              <a:defRPr sz="1600"/>
             </a:lvl9pPr>
           </a:lstStyle>
           <a:p>
@@ -328,7 +306,7 @@
       </p:sp>
       <p:sp>
         <p:nvSpPr>
-          <p:cNvPr id="4" name="Date Placeholder 3"/>
+          <p:cNvPr id="7" name="Date Placeholder 6"/>
           <p:cNvSpPr>
             <a:spLocks noGrp="1"/>
           </p:cNvSpPr>
@@ -343,7 +321,7 @@
           <a:p>
             <a:fld id="{DDA51639-B2D6-4652-B8C3-1B4C224A7BAF}" type="datetimeFigureOut">
               <a:rPr lang="en-US" smtClean="0"/>
-              <a:t>6/11/2019</a:t>
+              <a:t>6/12/2019</a:t>
             </a:fld>
             <a:endParaRPr lang="en-US" dirty="0"/>
           </a:p>
@@ -351,7 +329,7 @@
       </p:sp>
       <p:sp>
         <p:nvSpPr>
-          <p:cNvPr id="5" name="Footer Placeholder 4"/>
+          <p:cNvPr id="8" name="Footer Placeholder 7"/>
           <p:cNvSpPr>
             <a:spLocks noGrp="1"/>
           </p:cNvSpPr>
@@ -370,7 +348,7 @@
       </p:sp>
       <p:sp>
         <p:nvSpPr>
-          <p:cNvPr id="6" name="Slide Number Placeholder 5"/>
+          <p:cNvPr id="9" name="Slide Number Placeholder 8"/>
           <p:cNvSpPr>
             <a:spLocks noGrp="1"/>
           </p:cNvSpPr>
@@ -395,2605 +373,17 @@
     </p:spTree>
     <p:extLst>
       <p:ext uri="{BB962C8B-B14F-4D97-AF65-F5344CB8AC3E}">
-        <p14:creationId xmlns:p14="http://schemas.microsoft.com/office/powerpoint/2010/main" val="2521120682"/>
+        <p14:creationId xmlns:p14="http://schemas.microsoft.com/office/powerpoint/2010/main" val="3645623168"/>
       </p:ext>
     </p:extLst>
   </p:cSld>
   <p:clrMapOvr>
-    <a:masterClrMapping/>
+    <a:overrideClrMapping bg1="dk1" tx1="lt1" bg2="dk2" tx2="lt2" accent1="accent1" accent2="accent2" accent3="accent3" accent4="accent4" accent5="accent5" accent6="accent6" hlink="hlink" folHlink="folHlink"/>
   </p:clrMapOvr>
 </p:sldLayout>
 </file>
 
 <file path=ppt/slideLayouts/slideLayout10.xml><?xml version="1.0" encoding="utf-8"?>
-<p:sldLayout xmlns:a="http://schemas.openxmlformats.org/drawingml/2006/main" xmlns:r="http://schemas.openxmlformats.org/officeDocument/2006/relationships" xmlns:p="http://schemas.openxmlformats.org/presentationml/2006/main" preserve="1">
-  <p:cSld name="Панорамная фотография с подписью">
-    <p:spTree>
-      <p:nvGrpSpPr>
-        <p:cNvPr id="1" name=""/>
-        <p:cNvGrpSpPr/>
-        <p:nvPr/>
-      </p:nvGrpSpPr>
-      <p:grpSpPr>
-        <a:xfrm>
-          <a:off x="0" y="0"/>
-          <a:ext cx="0" cy="0"/>
-          <a:chOff x="0" y="0"/>
-          <a:chExt cx="0" cy="0"/>
-        </a:xfrm>
-      </p:grpSpPr>
-      <p:pic>
-        <p:nvPicPr>
-          <p:cNvPr id="16" name="Picture 15" descr="Slate-V2-HD-panoPhotoInset.png"/>
-          <p:cNvPicPr>
-            <a:picLocks noChangeAspect="1"/>
-          </p:cNvPicPr>
-          <p:nvPr/>
-        </p:nvPicPr>
-        <p:blipFill>
-          <a:blip r:embed="rId2">
-            <a:extLst>
-              <a:ext uri="{28A0092B-C50C-407E-A947-70E740481C1C}">
-                <a14:useLocalDpi xmlns:a14="http://schemas.microsoft.com/office/drawing/2010/main" val="0"/>
-              </a:ext>
-            </a:extLst>
-          </a:blip>
-          <a:stretch>
-            <a:fillRect/>
-          </a:stretch>
-        </p:blipFill>
-        <p:spPr>
-          <a:xfrm>
-            <a:off x="1013883" y="547807"/>
-            <a:ext cx="10141799" cy="3816806"/>
-          </a:xfrm>
-          <a:prstGeom prst="rect">
-            <a:avLst/>
-          </a:prstGeom>
-        </p:spPr>
-      </p:pic>
-      <p:sp>
-        <p:nvSpPr>
-          <p:cNvPr id="2" name="Title 1"/>
-          <p:cNvSpPr>
-            <a:spLocks noGrp="1"/>
-          </p:cNvSpPr>
-          <p:nvPr>
-            <p:ph type="title"/>
-          </p:nvPr>
-        </p:nvSpPr>
-        <p:spPr>
-          <a:xfrm>
-            <a:off x="913806" y="4565255"/>
-            <a:ext cx="10355326" cy="543472"/>
-          </a:xfrm>
-        </p:spPr>
-        <p:txBody>
-          <a:bodyPr anchor="b">
-            <a:normAutofit/>
-          </a:bodyPr>
-          <a:lstStyle>
-            <a:lvl1pPr algn="ctr">
-              <a:defRPr sz="2800"/>
-            </a:lvl1pPr>
-          </a:lstStyle>
-          <a:p>
-            <a:r>
-              <a:rPr lang="ru-RU" smtClean="0"/>
-              <a:t>Образец заголовка</a:t>
-            </a:r>
-            <a:endParaRPr lang="en-US" dirty="0"/>
-          </a:p>
-        </p:txBody>
-      </p:sp>
-      <p:sp>
-        <p:nvSpPr>
-          <p:cNvPr id="3" name="Picture Placeholder 2"/>
-          <p:cNvSpPr>
-            <a:spLocks noGrp="1" noChangeAspect="1"/>
-          </p:cNvSpPr>
-          <p:nvPr>
-            <p:ph type="pic" idx="1"/>
-          </p:nvPr>
-        </p:nvSpPr>
-        <p:spPr>
-          <a:xfrm>
-            <a:off x="1169349" y="695009"/>
-            <a:ext cx="9845346" cy="3525671"/>
-          </a:xfrm>
-          <a:effectLst>
-            <a:outerShdw blurRad="38100" dist="25400" dir="4440000">
-              <a:srgbClr val="000000">
-                <a:alpha val="36000"/>
-              </a:srgbClr>
-            </a:outerShdw>
-          </a:effectLst>
-        </p:spPr>
-        <p:txBody>
-          <a:bodyPr anchor="t">
-            <a:normAutofit/>
-          </a:bodyPr>
-          <a:lstStyle>
-            <a:lvl1pPr marL="0" indent="0" algn="ctr">
-              <a:buNone/>
-              <a:defRPr sz="2000"/>
-            </a:lvl1pPr>
-            <a:lvl2pPr marL="457200" indent="0">
-              <a:buNone/>
-              <a:defRPr sz="2000"/>
-            </a:lvl2pPr>
-            <a:lvl3pPr marL="914400" indent="0">
-              <a:buNone/>
-              <a:defRPr sz="2000"/>
-            </a:lvl3pPr>
-            <a:lvl4pPr marL="1371600" indent="0">
-              <a:buNone/>
-              <a:defRPr sz="2000"/>
-            </a:lvl4pPr>
-            <a:lvl5pPr marL="1828800" indent="0">
-              <a:buNone/>
-              <a:defRPr sz="2000"/>
-            </a:lvl5pPr>
-            <a:lvl6pPr marL="2286000" indent="0">
-              <a:buNone/>
-              <a:defRPr sz="2000"/>
-            </a:lvl6pPr>
-            <a:lvl7pPr marL="2743200" indent="0">
-              <a:buNone/>
-              <a:defRPr sz="2000"/>
-            </a:lvl7pPr>
-            <a:lvl8pPr marL="3200400" indent="0">
-              <a:buNone/>
-              <a:defRPr sz="2000"/>
-            </a:lvl8pPr>
-            <a:lvl9pPr marL="3657600" indent="0">
-              <a:buNone/>
-              <a:defRPr sz="2000"/>
-            </a:lvl9pPr>
-          </a:lstStyle>
-          <a:p>
-            <a:r>
-              <a:rPr lang="ru-RU" smtClean="0"/>
-              <a:t>Вставка рисунка</a:t>
-            </a:r>
-            <a:endParaRPr lang="en-US" dirty="0"/>
-          </a:p>
-        </p:txBody>
-      </p:sp>
-      <p:sp>
-        <p:nvSpPr>
-          <p:cNvPr id="4" name="Text Placeholder 3"/>
-          <p:cNvSpPr>
-            <a:spLocks noGrp="1"/>
-          </p:cNvSpPr>
-          <p:nvPr>
-            <p:ph type="body" sz="half" idx="2"/>
-          </p:nvPr>
-        </p:nvSpPr>
-        <p:spPr>
-          <a:xfrm>
-            <a:off x="913795" y="5108728"/>
-            <a:ext cx="10353762" cy="682472"/>
-          </a:xfrm>
-        </p:spPr>
-        <p:txBody>
-          <a:bodyPr anchor="t"/>
-          <a:lstStyle>
-            <a:lvl1pPr marL="0" indent="0" algn="ctr">
-              <a:buNone/>
-              <a:defRPr sz="1600"/>
-            </a:lvl1pPr>
-            <a:lvl2pPr marL="457200" indent="0">
-              <a:buNone/>
-              <a:defRPr sz="1400"/>
-            </a:lvl2pPr>
-            <a:lvl3pPr marL="914400" indent="0">
-              <a:buNone/>
-              <a:defRPr sz="1200"/>
-            </a:lvl3pPr>
-            <a:lvl4pPr marL="1371600" indent="0">
-              <a:buNone/>
-              <a:defRPr sz="1000"/>
-            </a:lvl4pPr>
-            <a:lvl5pPr marL="1828800" indent="0">
-              <a:buNone/>
-              <a:defRPr sz="1000"/>
-            </a:lvl5pPr>
-            <a:lvl6pPr marL="2286000" indent="0">
-              <a:buNone/>
-              <a:defRPr sz="1000"/>
-            </a:lvl6pPr>
-            <a:lvl7pPr marL="2743200" indent="0">
-              <a:buNone/>
-              <a:defRPr sz="1000"/>
-            </a:lvl7pPr>
-            <a:lvl8pPr marL="3200400" indent="0">
-              <a:buNone/>
-              <a:defRPr sz="1000"/>
-            </a:lvl8pPr>
-            <a:lvl9pPr marL="3657600" indent="0">
-              <a:buNone/>
-              <a:defRPr sz="1000"/>
-            </a:lvl9pPr>
-          </a:lstStyle>
-          <a:p>
-            <a:pPr lvl="0"/>
-            <a:r>
-              <a:rPr lang="ru-RU" smtClean="0"/>
-              <a:t>Образец текста</a:t>
-            </a:r>
-          </a:p>
-        </p:txBody>
-      </p:sp>
-      <p:sp>
-        <p:nvSpPr>
-          <p:cNvPr id="5" name="Date Placeholder 4"/>
-          <p:cNvSpPr>
-            <a:spLocks noGrp="1"/>
-          </p:cNvSpPr>
-          <p:nvPr>
-            <p:ph type="dt" sz="half" idx="10"/>
-          </p:nvPr>
-        </p:nvSpPr>
-        <p:spPr/>
-        <p:txBody>
-          <a:bodyPr/>
-          <a:lstStyle/>
-          <a:p>
-            <a:fld id="{CBC48EC7-AF6A-48D3-8284-14BACBEBDD84}" type="datetimeFigureOut">
-              <a:rPr lang="en-US" smtClean="0"/>
-              <a:t>6/11/2019</a:t>
-            </a:fld>
-            <a:endParaRPr lang="en-US" dirty="0"/>
-          </a:p>
-        </p:txBody>
-      </p:sp>
-      <p:sp>
-        <p:nvSpPr>
-          <p:cNvPr id="6" name="Footer Placeholder 5"/>
-          <p:cNvSpPr>
-            <a:spLocks noGrp="1"/>
-          </p:cNvSpPr>
-          <p:nvPr>
-            <p:ph type="ftr" sz="quarter" idx="11"/>
-          </p:nvPr>
-        </p:nvSpPr>
-        <p:spPr/>
-        <p:txBody>
-          <a:bodyPr/>
-          <a:lstStyle/>
-          <a:p>
-            <a:endParaRPr lang="en-US" dirty="0"/>
-          </a:p>
-        </p:txBody>
-      </p:sp>
-      <p:sp>
-        <p:nvSpPr>
-          <p:cNvPr id="7" name="Slide Number Placeholder 6"/>
-          <p:cNvSpPr>
-            <a:spLocks noGrp="1"/>
-          </p:cNvSpPr>
-          <p:nvPr>
-            <p:ph type="sldNum" sz="quarter" idx="12"/>
-          </p:nvPr>
-        </p:nvSpPr>
-        <p:spPr/>
-        <p:txBody>
-          <a:bodyPr/>
-          <a:lstStyle/>
-          <a:p>
-            <a:fld id="{4FAB73BC-B049-4115-A692-8D63A059BFB8}" type="slidenum">
-              <a:rPr lang="en-US" smtClean="0"/>
-              <a:pPr/>
-              <a:t>‹#›</a:t>
-            </a:fld>
-            <a:endParaRPr lang="en-US" dirty="0"/>
-          </a:p>
-        </p:txBody>
-      </p:sp>
-    </p:spTree>
-    <p:extLst>
-      <p:ext uri="{BB962C8B-B14F-4D97-AF65-F5344CB8AC3E}">
-        <p14:creationId xmlns:p14="http://schemas.microsoft.com/office/powerpoint/2010/main" val="2255036533"/>
-      </p:ext>
-    </p:extLst>
-  </p:cSld>
-  <p:clrMapOvr>
-    <a:masterClrMapping/>
-  </p:clrMapOvr>
-  <p:hf sldNum="0" hdr="0" ftr="0" dt="0"/>
-</p:sldLayout>
-</file>
-
-<file path=ppt/slideLayouts/slideLayout11.xml><?xml version="1.0" encoding="utf-8"?>
-<p:sldLayout xmlns:a="http://schemas.openxmlformats.org/drawingml/2006/main" xmlns:r="http://schemas.openxmlformats.org/officeDocument/2006/relationships" xmlns:p="http://schemas.openxmlformats.org/presentationml/2006/main" preserve="1">
-  <p:cSld name="Заголовок и подпись">
-    <p:spTree>
-      <p:nvGrpSpPr>
-        <p:cNvPr id="1" name=""/>
-        <p:cNvGrpSpPr/>
-        <p:nvPr/>
-      </p:nvGrpSpPr>
-      <p:grpSpPr>
-        <a:xfrm>
-          <a:off x="0" y="0"/>
-          <a:ext cx="0" cy="0"/>
-          <a:chOff x="0" y="0"/>
-          <a:chExt cx="0" cy="0"/>
-        </a:xfrm>
-      </p:grpSpPr>
-      <p:sp>
-        <p:nvSpPr>
-          <p:cNvPr id="2" name="Title 1"/>
-          <p:cNvSpPr>
-            <a:spLocks noGrp="1"/>
-          </p:cNvSpPr>
-          <p:nvPr>
-            <p:ph type="title"/>
-          </p:nvPr>
-        </p:nvSpPr>
-        <p:spPr>
-          <a:xfrm>
-            <a:off x="913795" y="608437"/>
-            <a:ext cx="10353762" cy="3534344"/>
-          </a:xfrm>
-        </p:spPr>
-        <p:txBody>
-          <a:bodyPr anchor="ctr"/>
-          <a:lstStyle>
-            <a:lvl1pPr>
-              <a:defRPr sz="3200"/>
-            </a:lvl1pPr>
-          </a:lstStyle>
-          <a:p>
-            <a:r>
-              <a:rPr lang="ru-RU" smtClean="0"/>
-              <a:t>Образец заголовка</a:t>
-            </a:r>
-            <a:endParaRPr lang="en-US" dirty="0"/>
-          </a:p>
-        </p:txBody>
-      </p:sp>
-      <p:sp>
-        <p:nvSpPr>
-          <p:cNvPr id="4" name="Text Placeholder 3"/>
-          <p:cNvSpPr>
-            <a:spLocks noGrp="1"/>
-          </p:cNvSpPr>
-          <p:nvPr>
-            <p:ph type="body" sz="half" idx="2"/>
-          </p:nvPr>
-        </p:nvSpPr>
-        <p:spPr>
-          <a:xfrm>
-            <a:off x="913794" y="4295180"/>
-            <a:ext cx="10353763" cy="1501826"/>
-          </a:xfrm>
-        </p:spPr>
-        <p:txBody>
-          <a:bodyPr anchor="ctr"/>
-          <a:lstStyle>
-            <a:lvl1pPr marL="0" indent="0" algn="ctr">
-              <a:buNone/>
-              <a:defRPr sz="1600"/>
-            </a:lvl1pPr>
-            <a:lvl2pPr marL="457200" indent="0">
-              <a:buNone/>
-              <a:defRPr sz="1400"/>
-            </a:lvl2pPr>
-            <a:lvl3pPr marL="914400" indent="0">
-              <a:buNone/>
-              <a:defRPr sz="1200"/>
-            </a:lvl3pPr>
-            <a:lvl4pPr marL="1371600" indent="0">
-              <a:buNone/>
-              <a:defRPr sz="1000"/>
-            </a:lvl4pPr>
-            <a:lvl5pPr marL="1828800" indent="0">
-              <a:buNone/>
-              <a:defRPr sz="1000"/>
-            </a:lvl5pPr>
-            <a:lvl6pPr marL="2286000" indent="0">
-              <a:buNone/>
-              <a:defRPr sz="1000"/>
-            </a:lvl6pPr>
-            <a:lvl7pPr marL="2743200" indent="0">
-              <a:buNone/>
-              <a:defRPr sz="1000"/>
-            </a:lvl7pPr>
-            <a:lvl8pPr marL="3200400" indent="0">
-              <a:buNone/>
-              <a:defRPr sz="1000"/>
-            </a:lvl8pPr>
-            <a:lvl9pPr marL="3657600" indent="0">
-              <a:buNone/>
-              <a:defRPr sz="1000"/>
-            </a:lvl9pPr>
-          </a:lstStyle>
-          <a:p>
-            <a:pPr lvl="0"/>
-            <a:r>
-              <a:rPr lang="ru-RU" smtClean="0"/>
-              <a:t>Образец текста</a:t>
-            </a:r>
-          </a:p>
-        </p:txBody>
-      </p:sp>
-      <p:sp>
-        <p:nvSpPr>
-          <p:cNvPr id="5" name="Date Placeholder 4"/>
-          <p:cNvSpPr>
-            <a:spLocks noGrp="1"/>
-          </p:cNvSpPr>
-          <p:nvPr>
-            <p:ph type="dt" sz="half" idx="10"/>
-          </p:nvPr>
-        </p:nvSpPr>
-        <p:spPr/>
-        <p:txBody>
-          <a:bodyPr/>
-          <a:lstStyle/>
-          <a:p>
-            <a:fld id="{CBC48EC7-AF6A-48D3-8284-14BACBEBDD84}" type="datetimeFigureOut">
-              <a:rPr lang="en-US" smtClean="0"/>
-              <a:t>6/11/2019</a:t>
-            </a:fld>
-            <a:endParaRPr lang="en-US" dirty="0"/>
-          </a:p>
-        </p:txBody>
-      </p:sp>
-      <p:sp>
-        <p:nvSpPr>
-          <p:cNvPr id="6" name="Footer Placeholder 5"/>
-          <p:cNvSpPr>
-            <a:spLocks noGrp="1"/>
-          </p:cNvSpPr>
-          <p:nvPr>
-            <p:ph type="ftr" sz="quarter" idx="11"/>
-          </p:nvPr>
-        </p:nvSpPr>
-        <p:spPr/>
-        <p:txBody>
-          <a:bodyPr/>
-          <a:lstStyle/>
-          <a:p>
-            <a:endParaRPr lang="en-US" dirty="0"/>
-          </a:p>
-        </p:txBody>
-      </p:sp>
-      <p:sp>
-        <p:nvSpPr>
-          <p:cNvPr id="7" name="Slide Number Placeholder 6"/>
-          <p:cNvSpPr>
-            <a:spLocks noGrp="1"/>
-          </p:cNvSpPr>
-          <p:nvPr>
-            <p:ph type="sldNum" sz="quarter" idx="12"/>
-          </p:nvPr>
-        </p:nvSpPr>
-        <p:spPr/>
-        <p:txBody>
-          <a:bodyPr/>
-          <a:lstStyle/>
-          <a:p>
-            <a:fld id="{4FAB73BC-B049-4115-A692-8D63A059BFB8}" type="slidenum">
-              <a:rPr lang="en-US" smtClean="0"/>
-              <a:pPr/>
-              <a:t>‹#›</a:t>
-            </a:fld>
-            <a:endParaRPr lang="en-US" dirty="0"/>
-          </a:p>
-        </p:txBody>
-      </p:sp>
-    </p:spTree>
-    <p:extLst>
-      <p:ext uri="{BB962C8B-B14F-4D97-AF65-F5344CB8AC3E}">
-        <p14:creationId xmlns:p14="http://schemas.microsoft.com/office/powerpoint/2010/main" val="3183857631"/>
-      </p:ext>
-    </p:extLst>
-  </p:cSld>
-  <p:clrMapOvr>
-    <a:masterClrMapping/>
-  </p:clrMapOvr>
-  <p:hf sldNum="0" hdr="0" ftr="0" dt="0"/>
-</p:sldLayout>
-</file>
-
-<file path=ppt/slideLayouts/slideLayout12.xml><?xml version="1.0" encoding="utf-8"?>
-<p:sldLayout xmlns:a="http://schemas.openxmlformats.org/drawingml/2006/main" xmlns:r="http://schemas.openxmlformats.org/officeDocument/2006/relationships" xmlns:p="http://schemas.openxmlformats.org/presentationml/2006/main" preserve="1">
-  <p:cSld name="Цитата с подписью">
-    <p:spTree>
-      <p:nvGrpSpPr>
-        <p:cNvPr id="1" name=""/>
-        <p:cNvGrpSpPr/>
-        <p:nvPr/>
-      </p:nvGrpSpPr>
-      <p:grpSpPr>
-        <a:xfrm>
-          <a:off x="0" y="0"/>
-          <a:ext cx="0" cy="0"/>
-          <a:chOff x="0" y="0"/>
-          <a:chExt cx="0" cy="0"/>
-        </a:xfrm>
-      </p:grpSpPr>
-      <p:sp>
-        <p:nvSpPr>
-          <p:cNvPr id="2" name="Title 1"/>
-          <p:cNvSpPr>
-            <a:spLocks noGrp="1"/>
-          </p:cNvSpPr>
-          <p:nvPr>
-            <p:ph type="title"/>
-          </p:nvPr>
-        </p:nvSpPr>
-        <p:spPr>
-          <a:xfrm>
-            <a:off x="1446212" y="609600"/>
-            <a:ext cx="9302752" cy="2992904"/>
-          </a:xfrm>
-        </p:spPr>
-        <p:txBody>
-          <a:bodyPr anchor="ctr"/>
-          <a:lstStyle>
-            <a:lvl1pPr>
-              <a:defRPr sz="3200"/>
-            </a:lvl1pPr>
-          </a:lstStyle>
-          <a:p>
-            <a:r>
-              <a:rPr lang="ru-RU" smtClean="0"/>
-              <a:t>Образец заголовка</a:t>
-            </a:r>
-            <a:endParaRPr lang="en-US" dirty="0"/>
-          </a:p>
-        </p:txBody>
-      </p:sp>
-      <p:sp>
-        <p:nvSpPr>
-          <p:cNvPr id="12" name="Text Placeholder 3"/>
-          <p:cNvSpPr>
-            <a:spLocks noGrp="1"/>
-          </p:cNvSpPr>
-          <p:nvPr>
-            <p:ph type="body" sz="half" idx="13"/>
-          </p:nvPr>
-        </p:nvSpPr>
-        <p:spPr>
-          <a:xfrm>
-            <a:off x="1720644" y="3610032"/>
-            <a:ext cx="8752299" cy="532749"/>
-          </a:xfrm>
-        </p:spPr>
-        <p:txBody>
-          <a:bodyPr anchor="t">
-            <a:normAutofit/>
-          </a:bodyPr>
-          <a:lstStyle>
-            <a:lvl1pPr marL="0" indent="0" algn="r">
-              <a:buNone/>
-              <a:defRPr sz="1400"/>
-            </a:lvl1pPr>
-            <a:lvl2pPr marL="457200" indent="0">
-              <a:buNone/>
-              <a:defRPr sz="1400"/>
-            </a:lvl2pPr>
-            <a:lvl3pPr marL="914400" indent="0">
-              <a:buNone/>
-              <a:defRPr sz="1200"/>
-            </a:lvl3pPr>
-            <a:lvl4pPr marL="1371600" indent="0">
-              <a:buNone/>
-              <a:defRPr sz="1000"/>
-            </a:lvl4pPr>
-            <a:lvl5pPr marL="1828800" indent="0">
-              <a:buNone/>
-              <a:defRPr sz="1000"/>
-            </a:lvl5pPr>
-            <a:lvl6pPr marL="2286000" indent="0">
-              <a:buNone/>
-              <a:defRPr sz="1000"/>
-            </a:lvl6pPr>
-            <a:lvl7pPr marL="2743200" indent="0">
-              <a:buNone/>
-              <a:defRPr sz="1000"/>
-            </a:lvl7pPr>
-            <a:lvl8pPr marL="3200400" indent="0">
-              <a:buNone/>
-              <a:defRPr sz="1000"/>
-            </a:lvl8pPr>
-            <a:lvl9pPr marL="3657600" indent="0">
-              <a:buNone/>
-              <a:defRPr sz="1000"/>
-            </a:lvl9pPr>
-          </a:lstStyle>
-          <a:p>
-            <a:pPr lvl="0"/>
-            <a:r>
-              <a:rPr lang="ru-RU" smtClean="0"/>
-              <a:t>Образец текста</a:t>
-            </a:r>
-          </a:p>
-        </p:txBody>
-      </p:sp>
-      <p:sp>
-        <p:nvSpPr>
-          <p:cNvPr id="4" name="Text Placeholder 3"/>
-          <p:cNvSpPr>
-            <a:spLocks noGrp="1"/>
-          </p:cNvSpPr>
-          <p:nvPr>
-            <p:ph type="body" sz="half" idx="2"/>
-          </p:nvPr>
-        </p:nvSpPr>
-        <p:spPr>
-          <a:xfrm>
-            <a:off x="913794" y="4304353"/>
-            <a:ext cx="10353763" cy="1489496"/>
-          </a:xfrm>
-        </p:spPr>
-        <p:txBody>
-          <a:bodyPr anchor="ctr">
-            <a:normAutofit/>
-          </a:bodyPr>
-          <a:lstStyle>
-            <a:lvl1pPr marL="0" indent="0" algn="ctr">
-              <a:buNone/>
-              <a:defRPr sz="1600"/>
-            </a:lvl1pPr>
-            <a:lvl2pPr marL="457200" indent="0">
-              <a:buNone/>
-              <a:defRPr sz="1400"/>
-            </a:lvl2pPr>
-            <a:lvl3pPr marL="914400" indent="0">
-              <a:buNone/>
-              <a:defRPr sz="1200"/>
-            </a:lvl3pPr>
-            <a:lvl4pPr marL="1371600" indent="0">
-              <a:buNone/>
-              <a:defRPr sz="1000"/>
-            </a:lvl4pPr>
-            <a:lvl5pPr marL="1828800" indent="0">
-              <a:buNone/>
-              <a:defRPr sz="1000"/>
-            </a:lvl5pPr>
-            <a:lvl6pPr marL="2286000" indent="0">
-              <a:buNone/>
-              <a:defRPr sz="1000"/>
-            </a:lvl6pPr>
-            <a:lvl7pPr marL="2743200" indent="0">
-              <a:buNone/>
-              <a:defRPr sz="1000"/>
-            </a:lvl7pPr>
-            <a:lvl8pPr marL="3200400" indent="0">
-              <a:buNone/>
-              <a:defRPr sz="1000"/>
-            </a:lvl8pPr>
-            <a:lvl9pPr marL="3657600" indent="0">
-              <a:buNone/>
-              <a:defRPr sz="1000"/>
-            </a:lvl9pPr>
-          </a:lstStyle>
-          <a:p>
-            <a:pPr lvl="0"/>
-            <a:r>
-              <a:rPr lang="ru-RU" smtClean="0"/>
-              <a:t>Образец текста</a:t>
-            </a:r>
-          </a:p>
-        </p:txBody>
-      </p:sp>
-      <p:sp>
-        <p:nvSpPr>
-          <p:cNvPr id="5" name="Date Placeholder 4"/>
-          <p:cNvSpPr>
-            <a:spLocks noGrp="1"/>
-          </p:cNvSpPr>
-          <p:nvPr>
-            <p:ph type="dt" sz="half" idx="10"/>
-          </p:nvPr>
-        </p:nvSpPr>
-        <p:spPr/>
-        <p:txBody>
-          <a:bodyPr/>
-          <a:lstStyle/>
-          <a:p>
-            <a:fld id="{CBC48EC7-AF6A-48D3-8284-14BACBEBDD84}" type="datetimeFigureOut">
-              <a:rPr lang="en-US" smtClean="0"/>
-              <a:t>6/11/2019</a:t>
-            </a:fld>
-            <a:endParaRPr lang="en-US" dirty="0"/>
-          </a:p>
-        </p:txBody>
-      </p:sp>
-      <p:sp>
-        <p:nvSpPr>
-          <p:cNvPr id="6" name="Footer Placeholder 5"/>
-          <p:cNvSpPr>
-            <a:spLocks noGrp="1"/>
-          </p:cNvSpPr>
-          <p:nvPr>
-            <p:ph type="ftr" sz="quarter" idx="11"/>
-          </p:nvPr>
-        </p:nvSpPr>
-        <p:spPr/>
-        <p:txBody>
-          <a:bodyPr/>
-          <a:lstStyle/>
-          <a:p>
-            <a:endParaRPr lang="en-US" dirty="0"/>
-          </a:p>
-        </p:txBody>
-      </p:sp>
-      <p:sp>
-        <p:nvSpPr>
-          <p:cNvPr id="7" name="Slide Number Placeholder 6"/>
-          <p:cNvSpPr>
-            <a:spLocks noGrp="1"/>
-          </p:cNvSpPr>
-          <p:nvPr>
-            <p:ph type="sldNum" sz="quarter" idx="12"/>
-          </p:nvPr>
-        </p:nvSpPr>
-        <p:spPr/>
-        <p:txBody>
-          <a:bodyPr/>
-          <a:lstStyle/>
-          <a:p>
-            <a:fld id="{4FAB73BC-B049-4115-A692-8D63A059BFB8}" type="slidenum">
-              <a:rPr lang="en-US" smtClean="0"/>
-              <a:pPr/>
-              <a:t>‹#›</a:t>
-            </a:fld>
-            <a:endParaRPr lang="en-US" dirty="0"/>
-          </a:p>
-        </p:txBody>
-      </p:sp>
-      <p:sp>
-        <p:nvSpPr>
-          <p:cNvPr id="11" name="TextBox 10"/>
-          <p:cNvSpPr txBox="1"/>
-          <p:nvPr/>
-        </p:nvSpPr>
-        <p:spPr>
-          <a:xfrm>
-            <a:off x="990600" y="884796"/>
-            <a:ext cx="609600" cy="584776"/>
-          </a:xfrm>
-          <a:prstGeom prst="rect">
-            <a:avLst/>
-          </a:prstGeom>
-        </p:spPr>
-        <p:txBody>
-          <a:bodyPr vert="horz" lIns="91440" tIns="45720" rIns="91440" bIns="45720" rtlCol="0" anchor="ctr">
-            <a:noAutofit/>
-          </a:bodyPr>
-          <a:lstStyle>
-            <a:lvl1pPr>
-              <a:spcBef>
-                <a:spcPct val="0"/>
-              </a:spcBef>
-              <a:buNone/>
-              <a:defRPr sz="3200" b="0" cap="all">
-                <a:ln w="3175" cmpd="sng">
-                  <a:noFill/>
-                </a:ln>
-                <a:effectLst>
-                  <a:glow rad="38100">
-                    <a:schemeClr val="bg1">
-                      <a:lumMod val="65000"/>
-                      <a:lumOff val="35000"/>
-                      <a:alpha val="40000"/>
-                    </a:schemeClr>
-                  </a:glow>
-                  <a:outerShdw blurRad="28575" dist="38100" dir="14040000" algn="tl" rotWithShape="0">
-                    <a:srgbClr val="000000">
-                      <a:alpha val="25000"/>
-                    </a:srgbClr>
-                  </a:outerShdw>
-                </a:effectLst>
-              </a:defRPr>
-            </a:lvl1pPr>
-            <a:lvl2pPr>
-              <a:defRPr>
-                <a:solidFill>
-                  <a:schemeClr val="tx2"/>
-                </a:solidFill>
-              </a:defRPr>
-            </a:lvl2pPr>
-            <a:lvl3pPr>
-              <a:defRPr>
-                <a:solidFill>
-                  <a:schemeClr val="tx2"/>
-                </a:solidFill>
-              </a:defRPr>
-            </a:lvl3pPr>
-            <a:lvl4pPr>
-              <a:defRPr>
-                <a:solidFill>
-                  <a:schemeClr val="tx2"/>
-                </a:solidFill>
-              </a:defRPr>
-            </a:lvl4pPr>
-            <a:lvl5pPr>
-              <a:defRPr>
-                <a:solidFill>
-                  <a:schemeClr val="tx2"/>
-                </a:solidFill>
-              </a:defRPr>
-            </a:lvl5pPr>
-            <a:lvl6pPr>
-              <a:defRPr>
-                <a:solidFill>
-                  <a:schemeClr val="tx2"/>
-                </a:solidFill>
-              </a:defRPr>
-            </a:lvl6pPr>
-            <a:lvl7pPr>
-              <a:defRPr>
-                <a:solidFill>
-                  <a:schemeClr val="tx2"/>
-                </a:solidFill>
-              </a:defRPr>
-            </a:lvl7pPr>
-            <a:lvl8pPr>
-              <a:defRPr>
-                <a:solidFill>
-                  <a:schemeClr val="tx2"/>
-                </a:solidFill>
-              </a:defRPr>
-            </a:lvl8pPr>
-            <a:lvl9pPr>
-              <a:defRPr>
-                <a:solidFill>
-                  <a:schemeClr val="tx2"/>
-                </a:solidFill>
-              </a:defRPr>
-            </a:lvl9pPr>
-          </a:lstStyle>
-          <a:p>
-            <a:pPr lvl="0"/>
-            <a:r>
-              <a:rPr lang="en-US" sz="8000" dirty="0">
-                <a:solidFill>
-                  <a:schemeClr val="tx1"/>
-                </a:solidFill>
-                <a:effectLst/>
-              </a:rPr>
-              <a:t>“</a:t>
-            </a:r>
-          </a:p>
-        </p:txBody>
-      </p:sp>
-      <p:sp>
-        <p:nvSpPr>
-          <p:cNvPr id="13" name="TextBox 12"/>
-          <p:cNvSpPr txBox="1"/>
-          <p:nvPr/>
-        </p:nvSpPr>
-        <p:spPr>
-          <a:xfrm>
-            <a:off x="10504716" y="2928258"/>
-            <a:ext cx="609600" cy="584776"/>
-          </a:xfrm>
-          <a:prstGeom prst="rect">
-            <a:avLst/>
-          </a:prstGeom>
-        </p:spPr>
-        <p:txBody>
-          <a:bodyPr vert="horz" lIns="91440" tIns="45720" rIns="91440" bIns="45720" rtlCol="0" anchor="ctr">
-            <a:noAutofit/>
-          </a:bodyPr>
-          <a:lstStyle>
-            <a:lvl1pPr>
-              <a:spcBef>
-                <a:spcPct val="0"/>
-              </a:spcBef>
-              <a:buNone/>
-              <a:defRPr sz="3200" b="0" cap="all">
-                <a:ln w="3175" cmpd="sng">
-                  <a:noFill/>
-                </a:ln>
-                <a:effectLst>
-                  <a:glow rad="38100">
-                    <a:schemeClr val="bg1">
-                      <a:lumMod val="65000"/>
-                      <a:lumOff val="35000"/>
-                      <a:alpha val="40000"/>
-                    </a:schemeClr>
-                  </a:glow>
-                  <a:outerShdw blurRad="28575" dist="38100" dir="14040000" algn="tl" rotWithShape="0">
-                    <a:srgbClr val="000000">
-                      <a:alpha val="25000"/>
-                    </a:srgbClr>
-                  </a:outerShdw>
-                </a:effectLst>
-              </a:defRPr>
-            </a:lvl1pPr>
-            <a:lvl2pPr>
-              <a:defRPr>
-                <a:solidFill>
-                  <a:schemeClr val="tx2"/>
-                </a:solidFill>
-              </a:defRPr>
-            </a:lvl2pPr>
-            <a:lvl3pPr>
-              <a:defRPr>
-                <a:solidFill>
-                  <a:schemeClr val="tx2"/>
-                </a:solidFill>
-              </a:defRPr>
-            </a:lvl3pPr>
-            <a:lvl4pPr>
-              <a:defRPr>
-                <a:solidFill>
-                  <a:schemeClr val="tx2"/>
-                </a:solidFill>
-              </a:defRPr>
-            </a:lvl4pPr>
-            <a:lvl5pPr>
-              <a:defRPr>
-                <a:solidFill>
-                  <a:schemeClr val="tx2"/>
-                </a:solidFill>
-              </a:defRPr>
-            </a:lvl5pPr>
-            <a:lvl6pPr>
-              <a:defRPr>
-                <a:solidFill>
-                  <a:schemeClr val="tx2"/>
-                </a:solidFill>
-              </a:defRPr>
-            </a:lvl6pPr>
-            <a:lvl7pPr>
-              <a:defRPr>
-                <a:solidFill>
-                  <a:schemeClr val="tx2"/>
-                </a:solidFill>
-              </a:defRPr>
-            </a:lvl7pPr>
-            <a:lvl8pPr>
-              <a:defRPr>
-                <a:solidFill>
-                  <a:schemeClr val="tx2"/>
-                </a:solidFill>
-              </a:defRPr>
-            </a:lvl8pPr>
-            <a:lvl9pPr>
-              <a:defRPr>
-                <a:solidFill>
-                  <a:schemeClr val="tx2"/>
-                </a:solidFill>
-              </a:defRPr>
-            </a:lvl9pPr>
-          </a:lstStyle>
-          <a:p>
-            <a:pPr lvl="0" algn="r"/>
-            <a:r>
-              <a:rPr lang="en-US" sz="8000" dirty="0">
-                <a:solidFill>
-                  <a:schemeClr val="tx1"/>
-                </a:solidFill>
-                <a:effectLst/>
-              </a:rPr>
-              <a:t>”</a:t>
-            </a:r>
-          </a:p>
-        </p:txBody>
-      </p:sp>
-    </p:spTree>
-    <p:extLst>
-      <p:ext uri="{BB962C8B-B14F-4D97-AF65-F5344CB8AC3E}">
-        <p14:creationId xmlns:p14="http://schemas.microsoft.com/office/powerpoint/2010/main" val="1542249451"/>
-      </p:ext>
-    </p:extLst>
-  </p:cSld>
-  <p:clrMapOvr>
-    <a:masterClrMapping/>
-  </p:clrMapOvr>
-  <p:hf sldNum="0" hdr="0" ftr="0" dt="0"/>
-</p:sldLayout>
-</file>
-
-<file path=ppt/slideLayouts/slideLayout13.xml><?xml version="1.0" encoding="utf-8"?>
-<p:sldLayout xmlns:a="http://schemas.openxmlformats.org/drawingml/2006/main" xmlns:r="http://schemas.openxmlformats.org/officeDocument/2006/relationships" xmlns:p="http://schemas.openxmlformats.org/presentationml/2006/main" preserve="1">
-  <p:cSld name="Карточка имени">
-    <p:spTree>
-      <p:nvGrpSpPr>
-        <p:cNvPr id="1" name=""/>
-        <p:cNvGrpSpPr/>
-        <p:nvPr/>
-      </p:nvGrpSpPr>
-      <p:grpSpPr>
-        <a:xfrm>
-          <a:off x="0" y="0"/>
-          <a:ext cx="0" cy="0"/>
-          <a:chOff x="0" y="0"/>
-          <a:chExt cx="0" cy="0"/>
-        </a:xfrm>
-      </p:grpSpPr>
-      <p:sp>
-        <p:nvSpPr>
-          <p:cNvPr id="2" name="Title 1"/>
-          <p:cNvSpPr>
-            <a:spLocks noGrp="1"/>
-          </p:cNvSpPr>
-          <p:nvPr>
-            <p:ph type="title"/>
-          </p:nvPr>
-        </p:nvSpPr>
-        <p:spPr>
-          <a:xfrm>
-            <a:off x="913794" y="2126942"/>
-            <a:ext cx="10353763" cy="2511835"/>
-          </a:xfrm>
-        </p:spPr>
-        <p:txBody>
-          <a:bodyPr anchor="b"/>
-          <a:lstStyle>
-            <a:lvl1pPr>
-              <a:defRPr sz="3200"/>
-            </a:lvl1pPr>
-          </a:lstStyle>
-          <a:p>
-            <a:r>
-              <a:rPr lang="ru-RU" smtClean="0"/>
-              <a:t>Образец заголовка</a:t>
-            </a:r>
-            <a:endParaRPr lang="en-US" dirty="0"/>
-          </a:p>
-        </p:txBody>
-      </p:sp>
-      <p:sp>
-        <p:nvSpPr>
-          <p:cNvPr id="4" name="Text Placeholder 3"/>
-          <p:cNvSpPr>
-            <a:spLocks noGrp="1"/>
-          </p:cNvSpPr>
-          <p:nvPr>
-            <p:ph type="body" sz="half" idx="2"/>
-          </p:nvPr>
-        </p:nvSpPr>
-        <p:spPr>
-          <a:xfrm>
-            <a:off x="913784" y="4650556"/>
-            <a:ext cx="10352199" cy="1140644"/>
-          </a:xfrm>
-        </p:spPr>
-        <p:txBody>
-          <a:bodyPr anchor="t"/>
-          <a:lstStyle>
-            <a:lvl1pPr marL="0" indent="0" algn="ctr">
-              <a:buNone/>
-              <a:defRPr sz="1600"/>
-            </a:lvl1pPr>
-            <a:lvl2pPr marL="457200" indent="0">
-              <a:buNone/>
-              <a:defRPr sz="1400"/>
-            </a:lvl2pPr>
-            <a:lvl3pPr marL="914400" indent="0">
-              <a:buNone/>
-              <a:defRPr sz="1200"/>
-            </a:lvl3pPr>
-            <a:lvl4pPr marL="1371600" indent="0">
-              <a:buNone/>
-              <a:defRPr sz="1000"/>
-            </a:lvl4pPr>
-            <a:lvl5pPr marL="1828800" indent="0">
-              <a:buNone/>
-              <a:defRPr sz="1000"/>
-            </a:lvl5pPr>
-            <a:lvl6pPr marL="2286000" indent="0">
-              <a:buNone/>
-              <a:defRPr sz="1000"/>
-            </a:lvl6pPr>
-            <a:lvl7pPr marL="2743200" indent="0">
-              <a:buNone/>
-              <a:defRPr sz="1000"/>
-            </a:lvl7pPr>
-            <a:lvl8pPr marL="3200400" indent="0">
-              <a:buNone/>
-              <a:defRPr sz="1000"/>
-            </a:lvl8pPr>
-            <a:lvl9pPr marL="3657600" indent="0">
-              <a:buNone/>
-              <a:defRPr sz="1000"/>
-            </a:lvl9pPr>
-          </a:lstStyle>
-          <a:p>
-            <a:pPr lvl="0"/>
-            <a:r>
-              <a:rPr lang="ru-RU" smtClean="0"/>
-              <a:t>Образец текста</a:t>
-            </a:r>
-          </a:p>
-        </p:txBody>
-      </p:sp>
-      <p:sp>
-        <p:nvSpPr>
-          <p:cNvPr id="5" name="Date Placeholder 4"/>
-          <p:cNvSpPr>
-            <a:spLocks noGrp="1"/>
-          </p:cNvSpPr>
-          <p:nvPr>
-            <p:ph type="dt" sz="half" idx="10"/>
-          </p:nvPr>
-        </p:nvSpPr>
-        <p:spPr/>
-        <p:txBody>
-          <a:bodyPr/>
-          <a:lstStyle/>
-          <a:p>
-            <a:fld id="{CBC48EC7-AF6A-48D3-8284-14BACBEBDD84}" type="datetimeFigureOut">
-              <a:rPr lang="en-US" smtClean="0"/>
-              <a:t>6/11/2019</a:t>
-            </a:fld>
-            <a:endParaRPr lang="en-US" dirty="0"/>
-          </a:p>
-        </p:txBody>
-      </p:sp>
-      <p:sp>
-        <p:nvSpPr>
-          <p:cNvPr id="6" name="Footer Placeholder 5"/>
-          <p:cNvSpPr>
-            <a:spLocks noGrp="1"/>
-          </p:cNvSpPr>
-          <p:nvPr>
-            <p:ph type="ftr" sz="quarter" idx="11"/>
-          </p:nvPr>
-        </p:nvSpPr>
-        <p:spPr/>
-        <p:txBody>
-          <a:bodyPr/>
-          <a:lstStyle/>
-          <a:p>
-            <a:endParaRPr lang="en-US" dirty="0"/>
-          </a:p>
-        </p:txBody>
-      </p:sp>
-      <p:sp>
-        <p:nvSpPr>
-          <p:cNvPr id="7" name="Slide Number Placeholder 6"/>
-          <p:cNvSpPr>
-            <a:spLocks noGrp="1"/>
-          </p:cNvSpPr>
-          <p:nvPr>
-            <p:ph type="sldNum" sz="quarter" idx="12"/>
-          </p:nvPr>
-        </p:nvSpPr>
-        <p:spPr/>
-        <p:txBody>
-          <a:bodyPr/>
-          <a:lstStyle/>
-          <a:p>
-            <a:fld id="{4FAB73BC-B049-4115-A692-8D63A059BFB8}" type="slidenum">
-              <a:rPr lang="en-US" smtClean="0"/>
-              <a:pPr/>
-              <a:t>‹#›</a:t>
-            </a:fld>
-            <a:endParaRPr lang="en-US" dirty="0"/>
-          </a:p>
-        </p:txBody>
-      </p:sp>
-    </p:spTree>
-    <p:extLst>
-      <p:ext uri="{BB962C8B-B14F-4D97-AF65-F5344CB8AC3E}">
-        <p14:creationId xmlns:p14="http://schemas.microsoft.com/office/powerpoint/2010/main" val="2726054902"/>
-      </p:ext>
-    </p:extLst>
-  </p:cSld>
-  <p:clrMapOvr>
-    <a:masterClrMapping/>
-  </p:clrMapOvr>
-  <p:hf sldNum="0" hdr="0" ftr="0" dt="0"/>
-</p:sldLayout>
-</file>
-
-<file path=ppt/slideLayouts/slideLayout14.xml><?xml version="1.0" encoding="utf-8"?>
-<p:sldLayout xmlns:a="http://schemas.openxmlformats.org/drawingml/2006/main" xmlns:r="http://schemas.openxmlformats.org/officeDocument/2006/relationships" xmlns:p="http://schemas.openxmlformats.org/presentationml/2006/main" preserve="1">
-  <p:cSld name="Три колонки">
-    <p:spTree>
-      <p:nvGrpSpPr>
-        <p:cNvPr id="1" name=""/>
-        <p:cNvGrpSpPr/>
-        <p:nvPr/>
-      </p:nvGrpSpPr>
-      <p:grpSpPr>
-        <a:xfrm>
-          <a:off x="0" y="0"/>
-          <a:ext cx="0" cy="0"/>
-          <a:chOff x="0" y="0"/>
-          <a:chExt cx="0" cy="0"/>
-        </a:xfrm>
-      </p:grpSpPr>
-      <p:sp>
-        <p:nvSpPr>
-          <p:cNvPr id="15" name="Title 1"/>
-          <p:cNvSpPr>
-            <a:spLocks noGrp="1"/>
-          </p:cNvSpPr>
-          <p:nvPr>
-            <p:ph type="title"/>
-          </p:nvPr>
-        </p:nvSpPr>
-        <p:spPr>
-          <a:xfrm>
-            <a:off x="913795" y="609600"/>
-            <a:ext cx="10353762" cy="970450"/>
-          </a:xfrm>
-        </p:spPr>
-        <p:txBody>
-          <a:bodyPr/>
-          <a:lstStyle/>
-          <a:p>
-            <a:r>
-              <a:rPr lang="ru-RU" smtClean="0"/>
-              <a:t>Образец заголовка</a:t>
-            </a:r>
-            <a:endParaRPr lang="en-US" dirty="0"/>
-          </a:p>
-        </p:txBody>
-      </p:sp>
-      <p:sp>
-        <p:nvSpPr>
-          <p:cNvPr id="7" name="Text Placeholder 2"/>
-          <p:cNvSpPr>
-            <a:spLocks noGrp="1"/>
-          </p:cNvSpPr>
-          <p:nvPr>
-            <p:ph type="body" idx="1"/>
-          </p:nvPr>
-        </p:nvSpPr>
-        <p:spPr>
-          <a:xfrm>
-            <a:off x="913795" y="1885950"/>
-            <a:ext cx="3300984" cy="576262"/>
-          </a:xfrm>
-        </p:spPr>
-        <p:txBody>
-          <a:bodyPr anchor="b">
-            <a:noAutofit/>
-          </a:bodyPr>
-          <a:lstStyle>
-            <a:lvl1pPr marL="0" indent="0" algn="ctr">
-              <a:buNone/>
-              <a:defRPr sz="2400" b="0">
-                <a:solidFill>
-                  <a:schemeClr val="tx1"/>
-                </a:solidFill>
-              </a:defRPr>
-            </a:lvl1pPr>
-            <a:lvl2pPr marL="457200" indent="0">
-              <a:buNone/>
-              <a:defRPr sz="2000" b="1"/>
-            </a:lvl2pPr>
-            <a:lvl3pPr marL="914400" indent="0">
-              <a:buNone/>
-              <a:defRPr sz="1800" b="1"/>
-            </a:lvl3pPr>
-            <a:lvl4pPr marL="1371600" indent="0">
-              <a:buNone/>
-              <a:defRPr sz="1600" b="1"/>
-            </a:lvl4pPr>
-            <a:lvl5pPr marL="1828800" indent="0">
-              <a:buNone/>
-              <a:defRPr sz="1600" b="1"/>
-            </a:lvl5pPr>
-            <a:lvl6pPr marL="2286000" indent="0">
-              <a:buNone/>
-              <a:defRPr sz="1600" b="1"/>
-            </a:lvl6pPr>
-            <a:lvl7pPr marL="2743200" indent="0">
-              <a:buNone/>
-              <a:defRPr sz="1600" b="1"/>
-            </a:lvl7pPr>
-            <a:lvl8pPr marL="3200400" indent="0">
-              <a:buNone/>
-              <a:defRPr sz="1600" b="1"/>
-            </a:lvl8pPr>
-            <a:lvl9pPr marL="3657600" indent="0">
-              <a:buNone/>
-              <a:defRPr sz="1600" b="1"/>
-            </a:lvl9pPr>
-          </a:lstStyle>
-          <a:p>
-            <a:pPr lvl="0"/>
-            <a:r>
-              <a:rPr lang="ru-RU" smtClean="0"/>
-              <a:t>Образец текста</a:t>
-            </a:r>
-          </a:p>
-        </p:txBody>
-      </p:sp>
-      <p:sp>
-        <p:nvSpPr>
-          <p:cNvPr id="8" name="Text Placeholder 3"/>
-          <p:cNvSpPr>
-            <a:spLocks noGrp="1"/>
-          </p:cNvSpPr>
-          <p:nvPr>
-            <p:ph type="body" sz="half" idx="15"/>
-          </p:nvPr>
-        </p:nvSpPr>
-        <p:spPr>
-          <a:xfrm>
-            <a:off x="913795" y="2571750"/>
-            <a:ext cx="3300984" cy="3219450"/>
-          </a:xfrm>
-        </p:spPr>
-        <p:txBody>
-          <a:bodyPr anchor="t">
-            <a:normAutofit/>
-          </a:bodyPr>
-          <a:lstStyle>
-            <a:lvl1pPr marL="0" indent="0" algn="ctr">
-              <a:buNone/>
-              <a:defRPr sz="1400"/>
-            </a:lvl1pPr>
-            <a:lvl2pPr marL="457200" indent="0">
-              <a:buNone/>
-              <a:defRPr sz="1200"/>
-            </a:lvl2pPr>
-            <a:lvl3pPr marL="914400" indent="0">
-              <a:buNone/>
-              <a:defRPr sz="1000"/>
-            </a:lvl3pPr>
-            <a:lvl4pPr marL="1371600" indent="0">
-              <a:buNone/>
-              <a:defRPr sz="900"/>
-            </a:lvl4pPr>
-            <a:lvl5pPr marL="1828800" indent="0">
-              <a:buNone/>
-              <a:defRPr sz="900"/>
-            </a:lvl5pPr>
-            <a:lvl6pPr marL="2286000" indent="0">
-              <a:buNone/>
-              <a:defRPr sz="900"/>
-            </a:lvl6pPr>
-            <a:lvl7pPr marL="2743200" indent="0">
-              <a:buNone/>
-              <a:defRPr sz="900"/>
-            </a:lvl7pPr>
-            <a:lvl8pPr marL="3200400" indent="0">
-              <a:buNone/>
-              <a:defRPr sz="900"/>
-            </a:lvl8pPr>
-            <a:lvl9pPr marL="3657600" indent="0">
-              <a:buNone/>
-              <a:defRPr sz="900"/>
-            </a:lvl9pPr>
-          </a:lstStyle>
-          <a:p>
-            <a:pPr lvl="0"/>
-            <a:r>
-              <a:rPr lang="ru-RU" smtClean="0"/>
-              <a:t>Образец текста</a:t>
-            </a:r>
-          </a:p>
-        </p:txBody>
-      </p:sp>
-      <p:sp>
-        <p:nvSpPr>
-          <p:cNvPr id="9" name="Text Placeholder 4"/>
-          <p:cNvSpPr>
-            <a:spLocks noGrp="1"/>
-          </p:cNvSpPr>
-          <p:nvPr>
-            <p:ph type="body" sz="quarter" idx="3"/>
-          </p:nvPr>
-        </p:nvSpPr>
-        <p:spPr>
-          <a:xfrm>
-            <a:off x="4446711" y="1885950"/>
-            <a:ext cx="3300984" cy="576262"/>
-          </a:xfrm>
-        </p:spPr>
-        <p:txBody>
-          <a:bodyPr anchor="b">
-            <a:noAutofit/>
-          </a:bodyPr>
-          <a:lstStyle>
-            <a:lvl1pPr marL="0" indent="0" algn="ctr">
-              <a:buNone/>
-              <a:defRPr sz="2400" b="0">
-                <a:solidFill>
-                  <a:schemeClr val="tx1"/>
-                </a:solidFill>
-              </a:defRPr>
-            </a:lvl1pPr>
-            <a:lvl2pPr marL="457200" indent="0">
-              <a:buNone/>
-              <a:defRPr sz="2000" b="1"/>
-            </a:lvl2pPr>
-            <a:lvl3pPr marL="914400" indent="0">
-              <a:buNone/>
-              <a:defRPr sz="1800" b="1"/>
-            </a:lvl3pPr>
-            <a:lvl4pPr marL="1371600" indent="0">
-              <a:buNone/>
-              <a:defRPr sz="1600" b="1"/>
-            </a:lvl4pPr>
-            <a:lvl5pPr marL="1828800" indent="0">
-              <a:buNone/>
-              <a:defRPr sz="1600" b="1"/>
-            </a:lvl5pPr>
-            <a:lvl6pPr marL="2286000" indent="0">
-              <a:buNone/>
-              <a:defRPr sz="1600" b="1"/>
-            </a:lvl6pPr>
-            <a:lvl7pPr marL="2743200" indent="0">
-              <a:buNone/>
-              <a:defRPr sz="1600" b="1"/>
-            </a:lvl7pPr>
-            <a:lvl8pPr marL="3200400" indent="0">
-              <a:buNone/>
-              <a:defRPr sz="1600" b="1"/>
-            </a:lvl8pPr>
-            <a:lvl9pPr marL="3657600" indent="0">
-              <a:buNone/>
-              <a:defRPr sz="1600" b="1"/>
-            </a:lvl9pPr>
-          </a:lstStyle>
-          <a:p>
-            <a:pPr lvl="0"/>
-            <a:r>
-              <a:rPr lang="ru-RU" smtClean="0"/>
-              <a:t>Образец текста</a:t>
-            </a:r>
-          </a:p>
-        </p:txBody>
-      </p:sp>
-      <p:sp>
-        <p:nvSpPr>
-          <p:cNvPr id="10" name="Text Placeholder 3"/>
-          <p:cNvSpPr>
-            <a:spLocks noGrp="1"/>
-          </p:cNvSpPr>
-          <p:nvPr>
-            <p:ph type="body" sz="half" idx="16"/>
-          </p:nvPr>
-        </p:nvSpPr>
-        <p:spPr>
-          <a:xfrm>
-            <a:off x="4441435" y="2571750"/>
-            <a:ext cx="3300984" cy="3219450"/>
-          </a:xfrm>
-        </p:spPr>
-        <p:txBody>
-          <a:bodyPr anchor="t">
-            <a:normAutofit/>
-          </a:bodyPr>
-          <a:lstStyle>
-            <a:lvl1pPr marL="0" indent="0" algn="ctr">
-              <a:buNone/>
-              <a:defRPr sz="1400"/>
-            </a:lvl1pPr>
-            <a:lvl2pPr marL="457200" indent="0">
-              <a:buNone/>
-              <a:defRPr sz="1200"/>
-            </a:lvl2pPr>
-            <a:lvl3pPr marL="914400" indent="0">
-              <a:buNone/>
-              <a:defRPr sz="1000"/>
-            </a:lvl3pPr>
-            <a:lvl4pPr marL="1371600" indent="0">
-              <a:buNone/>
-              <a:defRPr sz="900"/>
-            </a:lvl4pPr>
-            <a:lvl5pPr marL="1828800" indent="0">
-              <a:buNone/>
-              <a:defRPr sz="900"/>
-            </a:lvl5pPr>
-            <a:lvl6pPr marL="2286000" indent="0">
-              <a:buNone/>
-              <a:defRPr sz="900"/>
-            </a:lvl6pPr>
-            <a:lvl7pPr marL="2743200" indent="0">
-              <a:buNone/>
-              <a:defRPr sz="900"/>
-            </a:lvl7pPr>
-            <a:lvl8pPr marL="3200400" indent="0">
-              <a:buNone/>
-              <a:defRPr sz="900"/>
-            </a:lvl8pPr>
-            <a:lvl9pPr marL="3657600" indent="0">
-              <a:buNone/>
-              <a:defRPr sz="900"/>
-            </a:lvl9pPr>
-          </a:lstStyle>
-          <a:p>
-            <a:pPr lvl="0"/>
-            <a:r>
-              <a:rPr lang="ru-RU" smtClean="0"/>
-              <a:t>Образец текста</a:t>
-            </a:r>
-          </a:p>
-        </p:txBody>
-      </p:sp>
-      <p:sp>
-        <p:nvSpPr>
-          <p:cNvPr id="11" name="Text Placeholder 4"/>
-          <p:cNvSpPr>
-            <a:spLocks noGrp="1"/>
-          </p:cNvSpPr>
-          <p:nvPr>
-            <p:ph type="body" sz="quarter" idx="13"/>
-          </p:nvPr>
-        </p:nvSpPr>
-        <p:spPr>
-          <a:xfrm>
-            <a:off x="7966572" y="1885950"/>
-            <a:ext cx="3300984" cy="576262"/>
-          </a:xfrm>
-        </p:spPr>
-        <p:txBody>
-          <a:bodyPr anchor="b">
-            <a:noAutofit/>
-          </a:bodyPr>
-          <a:lstStyle>
-            <a:lvl1pPr marL="0" indent="0" algn="ctr">
-              <a:buNone/>
-              <a:defRPr sz="2400" b="0">
-                <a:solidFill>
-                  <a:schemeClr val="tx1"/>
-                </a:solidFill>
-              </a:defRPr>
-            </a:lvl1pPr>
-            <a:lvl2pPr marL="457200" indent="0">
-              <a:buNone/>
-              <a:defRPr sz="2000" b="1"/>
-            </a:lvl2pPr>
-            <a:lvl3pPr marL="914400" indent="0">
-              <a:buNone/>
-              <a:defRPr sz="1800" b="1"/>
-            </a:lvl3pPr>
-            <a:lvl4pPr marL="1371600" indent="0">
-              <a:buNone/>
-              <a:defRPr sz="1600" b="1"/>
-            </a:lvl4pPr>
-            <a:lvl5pPr marL="1828800" indent="0">
-              <a:buNone/>
-              <a:defRPr sz="1600" b="1"/>
-            </a:lvl5pPr>
-            <a:lvl6pPr marL="2286000" indent="0">
-              <a:buNone/>
-              <a:defRPr sz="1600" b="1"/>
-            </a:lvl6pPr>
-            <a:lvl7pPr marL="2743200" indent="0">
-              <a:buNone/>
-              <a:defRPr sz="1600" b="1"/>
-            </a:lvl7pPr>
-            <a:lvl8pPr marL="3200400" indent="0">
-              <a:buNone/>
-              <a:defRPr sz="1600" b="1"/>
-            </a:lvl8pPr>
-            <a:lvl9pPr marL="3657600" indent="0">
-              <a:buNone/>
-              <a:defRPr sz="1600" b="1"/>
-            </a:lvl9pPr>
-          </a:lstStyle>
-          <a:p>
-            <a:pPr lvl="0"/>
-            <a:r>
-              <a:rPr lang="ru-RU" smtClean="0"/>
-              <a:t>Образец текста</a:t>
-            </a:r>
-          </a:p>
-        </p:txBody>
-      </p:sp>
-      <p:sp>
-        <p:nvSpPr>
-          <p:cNvPr id="12" name="Text Placeholder 3"/>
-          <p:cNvSpPr>
-            <a:spLocks noGrp="1"/>
-          </p:cNvSpPr>
-          <p:nvPr>
-            <p:ph type="body" sz="half" idx="17"/>
-          </p:nvPr>
-        </p:nvSpPr>
-        <p:spPr>
-          <a:xfrm>
-            <a:off x="7966572" y="2571750"/>
-            <a:ext cx="3300984" cy="3219450"/>
-          </a:xfrm>
-        </p:spPr>
-        <p:txBody>
-          <a:bodyPr anchor="t">
-            <a:normAutofit/>
-          </a:bodyPr>
-          <a:lstStyle>
-            <a:lvl1pPr marL="0" indent="0" algn="ctr">
-              <a:buNone/>
-              <a:defRPr sz="1400"/>
-            </a:lvl1pPr>
-            <a:lvl2pPr marL="457200" indent="0">
-              <a:buNone/>
-              <a:defRPr sz="1200"/>
-            </a:lvl2pPr>
-            <a:lvl3pPr marL="914400" indent="0">
-              <a:buNone/>
-              <a:defRPr sz="1000"/>
-            </a:lvl3pPr>
-            <a:lvl4pPr marL="1371600" indent="0">
-              <a:buNone/>
-              <a:defRPr sz="900"/>
-            </a:lvl4pPr>
-            <a:lvl5pPr marL="1828800" indent="0">
-              <a:buNone/>
-              <a:defRPr sz="900"/>
-            </a:lvl5pPr>
-            <a:lvl6pPr marL="2286000" indent="0">
-              <a:buNone/>
-              <a:defRPr sz="900"/>
-            </a:lvl6pPr>
-            <a:lvl7pPr marL="2743200" indent="0">
-              <a:buNone/>
-              <a:defRPr sz="900"/>
-            </a:lvl7pPr>
-            <a:lvl8pPr marL="3200400" indent="0">
-              <a:buNone/>
-              <a:defRPr sz="900"/>
-            </a:lvl8pPr>
-            <a:lvl9pPr marL="3657600" indent="0">
-              <a:buNone/>
-              <a:defRPr sz="900"/>
-            </a:lvl9pPr>
-          </a:lstStyle>
-          <a:p>
-            <a:pPr lvl="0"/>
-            <a:r>
-              <a:rPr lang="ru-RU" smtClean="0"/>
-              <a:t>Образец текста</a:t>
-            </a:r>
-          </a:p>
-        </p:txBody>
-      </p:sp>
-      <p:sp>
-        <p:nvSpPr>
-          <p:cNvPr id="3" name="Date Placeholder 2"/>
-          <p:cNvSpPr>
-            <a:spLocks noGrp="1"/>
-          </p:cNvSpPr>
-          <p:nvPr>
-            <p:ph type="dt" sz="half" idx="10"/>
-          </p:nvPr>
-        </p:nvSpPr>
-        <p:spPr/>
-        <p:txBody>
-          <a:bodyPr/>
-          <a:lstStyle/>
-          <a:p>
-            <a:fld id="{CBC48EC7-AF6A-48D3-8284-14BACBEBDD84}" type="datetimeFigureOut">
-              <a:rPr lang="en-US" smtClean="0"/>
-              <a:t>6/11/2019</a:t>
-            </a:fld>
-            <a:endParaRPr lang="en-US" dirty="0"/>
-          </a:p>
-        </p:txBody>
-      </p:sp>
-      <p:sp>
-        <p:nvSpPr>
-          <p:cNvPr id="4" name="Footer Placeholder 3"/>
-          <p:cNvSpPr>
-            <a:spLocks noGrp="1"/>
-          </p:cNvSpPr>
-          <p:nvPr>
-            <p:ph type="ftr" sz="quarter" idx="11"/>
-          </p:nvPr>
-        </p:nvSpPr>
-        <p:spPr/>
-        <p:txBody>
-          <a:bodyPr/>
-          <a:lstStyle/>
-          <a:p>
-            <a:endParaRPr lang="en-US" dirty="0"/>
-          </a:p>
-        </p:txBody>
-      </p:sp>
-      <p:sp>
-        <p:nvSpPr>
-          <p:cNvPr id="5" name="Slide Number Placeholder 4"/>
-          <p:cNvSpPr>
-            <a:spLocks noGrp="1"/>
-          </p:cNvSpPr>
-          <p:nvPr>
-            <p:ph type="sldNum" sz="quarter" idx="12"/>
-          </p:nvPr>
-        </p:nvSpPr>
-        <p:spPr/>
-        <p:txBody>
-          <a:bodyPr/>
-          <a:lstStyle/>
-          <a:p>
-            <a:fld id="{4FAB73BC-B049-4115-A692-8D63A059BFB8}" type="slidenum">
-              <a:rPr lang="en-US" smtClean="0"/>
-              <a:pPr/>
-              <a:t>‹#›</a:t>
-            </a:fld>
-            <a:endParaRPr lang="en-US" dirty="0"/>
-          </a:p>
-        </p:txBody>
-      </p:sp>
-    </p:spTree>
-    <p:extLst>
-      <p:ext uri="{BB962C8B-B14F-4D97-AF65-F5344CB8AC3E}">
-        <p14:creationId xmlns:p14="http://schemas.microsoft.com/office/powerpoint/2010/main" val="2678756099"/>
-      </p:ext>
-    </p:extLst>
-  </p:cSld>
-  <p:clrMapOvr>
-    <a:masterClrMapping/>
-  </p:clrMapOvr>
-  <p:hf sldNum="0" hdr="0" ftr="0" dt="0"/>
-</p:sldLayout>
-</file>
-
-<file path=ppt/slideLayouts/slideLayout15.xml><?xml version="1.0" encoding="utf-8"?>
-<p:sldLayout xmlns:a="http://schemas.openxmlformats.org/drawingml/2006/main" xmlns:r="http://schemas.openxmlformats.org/officeDocument/2006/relationships" xmlns:p="http://schemas.openxmlformats.org/presentationml/2006/main" preserve="1">
-  <p:cSld name="Столбец с тремя рисунками">
-    <p:spTree>
-      <p:nvGrpSpPr>
-        <p:cNvPr id="1" name=""/>
-        <p:cNvGrpSpPr/>
-        <p:nvPr/>
-      </p:nvGrpSpPr>
-      <p:grpSpPr>
-        <a:xfrm>
-          <a:off x="0" y="0"/>
-          <a:ext cx="0" cy="0"/>
-          <a:chOff x="0" y="0"/>
-          <a:chExt cx="0" cy="0"/>
-        </a:xfrm>
-      </p:grpSpPr>
-      <p:pic>
-        <p:nvPicPr>
-          <p:cNvPr id="2" name="Picture 1" descr="Slate-V2-HD-3colPhotoInset.png"/>
-          <p:cNvPicPr>
-            <a:picLocks noChangeAspect="1"/>
-          </p:cNvPicPr>
-          <p:nvPr/>
-        </p:nvPicPr>
-        <p:blipFill>
-          <a:blip r:embed="rId2">
-            <a:extLst>
-              <a:ext uri="{28A0092B-C50C-407E-A947-70E740481C1C}">
-                <a14:useLocalDpi xmlns:a14="http://schemas.microsoft.com/office/drawing/2010/main" val="0"/>
-              </a:ext>
-            </a:extLst>
-          </a:blip>
-          <a:stretch>
-            <a:fillRect/>
-          </a:stretch>
-        </p:blipFill>
-        <p:spPr>
-          <a:xfrm>
-            <a:off x="897962" y="1818214"/>
-            <a:ext cx="3339972" cy="1847851"/>
-          </a:xfrm>
-          <a:prstGeom prst="rect">
-            <a:avLst/>
-          </a:prstGeom>
-        </p:spPr>
-      </p:pic>
-      <p:pic>
-        <p:nvPicPr>
-          <p:cNvPr id="36" name="Picture 35" descr="Slate-V2-HD-3colPhotoInset.png"/>
-          <p:cNvPicPr>
-            <a:picLocks noChangeAspect="1"/>
-          </p:cNvPicPr>
-          <p:nvPr/>
-        </p:nvPicPr>
-        <p:blipFill>
-          <a:blip r:embed="rId2">
-            <a:extLst>
-              <a:ext uri="{28A0092B-C50C-407E-A947-70E740481C1C}">
-                <a14:useLocalDpi xmlns:a14="http://schemas.microsoft.com/office/drawing/2010/main" val="0"/>
-              </a:ext>
-            </a:extLst>
-          </a:blip>
-          <a:stretch>
-            <a:fillRect/>
-          </a:stretch>
-        </p:blipFill>
-        <p:spPr>
-          <a:xfrm>
-            <a:off x="4403800" y="1818214"/>
-            <a:ext cx="3339972" cy="1847851"/>
-          </a:xfrm>
-          <a:prstGeom prst="rect">
-            <a:avLst/>
-          </a:prstGeom>
-        </p:spPr>
-      </p:pic>
-      <p:pic>
-        <p:nvPicPr>
-          <p:cNvPr id="37" name="Picture 36" descr="Slate-V2-HD-3colPhotoInset.png"/>
-          <p:cNvPicPr>
-            <a:picLocks noChangeAspect="1"/>
-          </p:cNvPicPr>
-          <p:nvPr/>
-        </p:nvPicPr>
-        <p:blipFill>
-          <a:blip r:embed="rId2">
-            <a:extLst>
-              <a:ext uri="{28A0092B-C50C-407E-A947-70E740481C1C}">
-                <a14:useLocalDpi xmlns:a14="http://schemas.microsoft.com/office/drawing/2010/main" val="0"/>
-              </a:ext>
-            </a:extLst>
-          </a:blip>
-          <a:stretch>
-            <a:fillRect/>
-          </a:stretch>
-        </p:blipFill>
-        <p:spPr>
-          <a:xfrm>
-            <a:off x="7936051" y="1818214"/>
-            <a:ext cx="3339972" cy="1847851"/>
-          </a:xfrm>
-          <a:prstGeom prst="rect">
-            <a:avLst/>
-          </a:prstGeom>
-        </p:spPr>
-      </p:pic>
-      <p:sp>
-        <p:nvSpPr>
-          <p:cNvPr id="30" name="Title 1"/>
-          <p:cNvSpPr>
-            <a:spLocks noGrp="1"/>
-          </p:cNvSpPr>
-          <p:nvPr>
-            <p:ph type="title"/>
-          </p:nvPr>
-        </p:nvSpPr>
-        <p:spPr>
-          <a:xfrm>
-            <a:off x="913794" y="609600"/>
-            <a:ext cx="10353763" cy="970450"/>
-          </a:xfrm>
-        </p:spPr>
-        <p:txBody>
-          <a:bodyPr/>
-          <a:lstStyle/>
-          <a:p>
-            <a:r>
-              <a:rPr lang="ru-RU" smtClean="0"/>
-              <a:t>Образец заголовка</a:t>
-            </a:r>
-            <a:endParaRPr lang="en-US" dirty="0"/>
-          </a:p>
-        </p:txBody>
-      </p:sp>
-      <p:sp>
-        <p:nvSpPr>
-          <p:cNvPr id="19" name="Text Placeholder 2"/>
-          <p:cNvSpPr>
-            <a:spLocks noGrp="1"/>
-          </p:cNvSpPr>
-          <p:nvPr>
-            <p:ph type="body" idx="1"/>
-          </p:nvPr>
-        </p:nvSpPr>
-        <p:spPr>
-          <a:xfrm>
-            <a:off x="913795" y="3904106"/>
-            <a:ext cx="3300984" cy="576262"/>
-          </a:xfrm>
-        </p:spPr>
-        <p:txBody>
-          <a:bodyPr anchor="b">
-            <a:noAutofit/>
-          </a:bodyPr>
-          <a:lstStyle>
-            <a:lvl1pPr marL="0" indent="0" algn="ctr">
-              <a:buNone/>
-              <a:defRPr sz="2000" b="0">
-                <a:solidFill>
-                  <a:schemeClr val="tx1"/>
-                </a:solidFill>
-              </a:defRPr>
-            </a:lvl1pPr>
-            <a:lvl2pPr marL="457200" indent="0">
-              <a:buNone/>
-              <a:defRPr sz="2000" b="1"/>
-            </a:lvl2pPr>
-            <a:lvl3pPr marL="914400" indent="0">
-              <a:buNone/>
-              <a:defRPr sz="1800" b="1"/>
-            </a:lvl3pPr>
-            <a:lvl4pPr marL="1371600" indent="0">
-              <a:buNone/>
-              <a:defRPr sz="1600" b="1"/>
-            </a:lvl4pPr>
-            <a:lvl5pPr marL="1828800" indent="0">
-              <a:buNone/>
-              <a:defRPr sz="1600" b="1"/>
-            </a:lvl5pPr>
-            <a:lvl6pPr marL="2286000" indent="0">
-              <a:buNone/>
-              <a:defRPr sz="1600" b="1"/>
-            </a:lvl6pPr>
-            <a:lvl7pPr marL="2743200" indent="0">
-              <a:buNone/>
-              <a:defRPr sz="1600" b="1"/>
-            </a:lvl7pPr>
-            <a:lvl8pPr marL="3200400" indent="0">
-              <a:buNone/>
-              <a:defRPr sz="1600" b="1"/>
-            </a:lvl8pPr>
-            <a:lvl9pPr marL="3657600" indent="0">
-              <a:buNone/>
-              <a:defRPr sz="1600" b="1"/>
-            </a:lvl9pPr>
-          </a:lstStyle>
-          <a:p>
-            <a:pPr lvl="0"/>
-            <a:r>
-              <a:rPr lang="ru-RU" smtClean="0"/>
-              <a:t>Образец текста</a:t>
-            </a:r>
-          </a:p>
-        </p:txBody>
-      </p:sp>
-      <p:sp>
-        <p:nvSpPr>
-          <p:cNvPr id="20" name="Picture Placeholder 2"/>
-          <p:cNvSpPr>
-            <a:spLocks noGrp="1" noChangeAspect="1"/>
-          </p:cNvSpPr>
-          <p:nvPr>
-            <p:ph type="pic" idx="15"/>
-          </p:nvPr>
-        </p:nvSpPr>
-        <p:spPr>
-          <a:xfrm>
-            <a:off x="1018102" y="1938918"/>
-            <a:ext cx="3092368" cy="1602954"/>
-          </a:xfrm>
-          <a:prstGeom prst="roundRect">
-            <a:avLst>
-              <a:gd name="adj" fmla="val 1858"/>
-            </a:avLst>
-          </a:prstGeom>
-          <a:effectLst>
-            <a:outerShdw blurRad="38100" dist="25400" dir="4440000">
-              <a:srgbClr val="000000">
-                <a:alpha val="36000"/>
-              </a:srgbClr>
-            </a:outerShdw>
-          </a:effectLst>
-        </p:spPr>
-        <p:txBody>
-          <a:bodyPr anchor="t">
-            <a:normAutofit/>
-          </a:bodyPr>
-          <a:lstStyle>
-            <a:lvl1pPr marL="0" indent="0" algn="ctr">
-              <a:buNone/>
-              <a:defRPr sz="1600"/>
-            </a:lvl1pPr>
-            <a:lvl2pPr marL="457200" indent="0">
-              <a:buNone/>
-              <a:defRPr sz="1600"/>
-            </a:lvl2pPr>
-            <a:lvl3pPr marL="914400" indent="0">
-              <a:buNone/>
-              <a:defRPr sz="1600"/>
-            </a:lvl3pPr>
-            <a:lvl4pPr marL="1371600" indent="0">
-              <a:buNone/>
-              <a:defRPr sz="1600"/>
-            </a:lvl4pPr>
-            <a:lvl5pPr marL="1828800" indent="0">
-              <a:buNone/>
-              <a:defRPr sz="1600"/>
-            </a:lvl5pPr>
-            <a:lvl6pPr marL="2286000" indent="0">
-              <a:buNone/>
-              <a:defRPr sz="1600"/>
-            </a:lvl6pPr>
-            <a:lvl7pPr marL="2743200" indent="0">
-              <a:buNone/>
-              <a:defRPr sz="1600"/>
-            </a:lvl7pPr>
-            <a:lvl8pPr marL="3200400" indent="0">
-              <a:buNone/>
-              <a:defRPr sz="1600"/>
-            </a:lvl8pPr>
-            <a:lvl9pPr marL="3657600" indent="0">
-              <a:buNone/>
-              <a:defRPr sz="1600"/>
-            </a:lvl9pPr>
-          </a:lstStyle>
-          <a:p>
-            <a:r>
-              <a:rPr lang="ru-RU" smtClean="0"/>
-              <a:t>Вставка рисунка</a:t>
-            </a:r>
-            <a:endParaRPr lang="en-US" dirty="0"/>
-          </a:p>
-        </p:txBody>
-      </p:sp>
-      <p:sp>
-        <p:nvSpPr>
-          <p:cNvPr id="21" name="Text Placeholder 3"/>
-          <p:cNvSpPr>
-            <a:spLocks noGrp="1"/>
-          </p:cNvSpPr>
-          <p:nvPr>
-            <p:ph type="body" sz="half" idx="18"/>
-          </p:nvPr>
-        </p:nvSpPr>
-        <p:spPr>
-          <a:xfrm>
-            <a:off x="913795" y="4480368"/>
-            <a:ext cx="3300984" cy="1310833"/>
-          </a:xfrm>
-        </p:spPr>
-        <p:txBody>
-          <a:bodyPr anchor="t">
-            <a:normAutofit/>
-          </a:bodyPr>
-          <a:lstStyle>
-            <a:lvl1pPr marL="0" indent="0" algn="ctr">
-              <a:buNone/>
-              <a:defRPr sz="1400"/>
-            </a:lvl1pPr>
-            <a:lvl2pPr marL="457200" indent="0">
-              <a:buNone/>
-              <a:defRPr sz="1200"/>
-            </a:lvl2pPr>
-            <a:lvl3pPr marL="914400" indent="0">
-              <a:buNone/>
-              <a:defRPr sz="1000"/>
-            </a:lvl3pPr>
-            <a:lvl4pPr marL="1371600" indent="0">
-              <a:buNone/>
-              <a:defRPr sz="900"/>
-            </a:lvl4pPr>
-            <a:lvl5pPr marL="1828800" indent="0">
-              <a:buNone/>
-              <a:defRPr sz="900"/>
-            </a:lvl5pPr>
-            <a:lvl6pPr marL="2286000" indent="0">
-              <a:buNone/>
-              <a:defRPr sz="900"/>
-            </a:lvl6pPr>
-            <a:lvl7pPr marL="2743200" indent="0">
-              <a:buNone/>
-              <a:defRPr sz="900"/>
-            </a:lvl7pPr>
-            <a:lvl8pPr marL="3200400" indent="0">
-              <a:buNone/>
-              <a:defRPr sz="900"/>
-            </a:lvl8pPr>
-            <a:lvl9pPr marL="3657600" indent="0">
-              <a:buNone/>
-              <a:defRPr sz="900"/>
-            </a:lvl9pPr>
-          </a:lstStyle>
-          <a:p>
-            <a:pPr lvl="0"/>
-            <a:r>
-              <a:rPr lang="ru-RU" smtClean="0"/>
-              <a:t>Образец текста</a:t>
-            </a:r>
-          </a:p>
-        </p:txBody>
-      </p:sp>
-      <p:sp>
-        <p:nvSpPr>
-          <p:cNvPr id="22" name="Text Placeholder 4"/>
-          <p:cNvSpPr>
-            <a:spLocks noGrp="1"/>
-          </p:cNvSpPr>
-          <p:nvPr>
-            <p:ph type="body" sz="quarter" idx="3"/>
-          </p:nvPr>
-        </p:nvSpPr>
-        <p:spPr>
-          <a:xfrm>
-            <a:off x="4442788" y="3904106"/>
-            <a:ext cx="3300984" cy="576262"/>
-          </a:xfrm>
-        </p:spPr>
-        <p:txBody>
-          <a:bodyPr anchor="b">
-            <a:noAutofit/>
-          </a:bodyPr>
-          <a:lstStyle>
-            <a:lvl1pPr marL="0" indent="0" algn="ctr">
-              <a:buNone/>
-              <a:defRPr sz="2000" b="0">
-                <a:solidFill>
-                  <a:schemeClr val="tx1"/>
-                </a:solidFill>
-              </a:defRPr>
-            </a:lvl1pPr>
-            <a:lvl2pPr marL="457200" indent="0">
-              <a:buNone/>
-              <a:defRPr sz="2000" b="1"/>
-            </a:lvl2pPr>
-            <a:lvl3pPr marL="914400" indent="0">
-              <a:buNone/>
-              <a:defRPr sz="1800" b="1"/>
-            </a:lvl3pPr>
-            <a:lvl4pPr marL="1371600" indent="0">
-              <a:buNone/>
-              <a:defRPr sz="1600" b="1"/>
-            </a:lvl4pPr>
-            <a:lvl5pPr marL="1828800" indent="0">
-              <a:buNone/>
-              <a:defRPr sz="1600" b="1"/>
-            </a:lvl5pPr>
-            <a:lvl6pPr marL="2286000" indent="0">
-              <a:buNone/>
-              <a:defRPr sz="1600" b="1"/>
-            </a:lvl6pPr>
-            <a:lvl7pPr marL="2743200" indent="0">
-              <a:buNone/>
-              <a:defRPr sz="1600" b="1"/>
-            </a:lvl7pPr>
-            <a:lvl8pPr marL="3200400" indent="0">
-              <a:buNone/>
-              <a:defRPr sz="1600" b="1"/>
-            </a:lvl8pPr>
-            <a:lvl9pPr marL="3657600" indent="0">
-              <a:buNone/>
-              <a:defRPr sz="1600" b="1"/>
-            </a:lvl9pPr>
-          </a:lstStyle>
-          <a:p>
-            <a:pPr lvl="0"/>
-            <a:r>
-              <a:rPr lang="ru-RU" smtClean="0"/>
-              <a:t>Образец текста</a:t>
-            </a:r>
-          </a:p>
-        </p:txBody>
-      </p:sp>
-      <p:sp>
-        <p:nvSpPr>
-          <p:cNvPr id="23" name="Picture Placeholder 2"/>
-          <p:cNvSpPr>
-            <a:spLocks noGrp="1" noChangeAspect="1"/>
-          </p:cNvSpPr>
-          <p:nvPr>
-            <p:ph type="pic" idx="21"/>
-          </p:nvPr>
-        </p:nvSpPr>
-        <p:spPr>
-          <a:xfrm>
-            <a:off x="4545743" y="1939094"/>
-            <a:ext cx="3092368" cy="1608164"/>
-          </a:xfrm>
-          <a:prstGeom prst="roundRect">
-            <a:avLst>
-              <a:gd name="adj" fmla="val 1858"/>
-            </a:avLst>
-          </a:prstGeom>
-          <a:effectLst>
-            <a:outerShdw blurRad="38100" dist="25400" dir="4440000">
-              <a:srgbClr val="000000">
-                <a:alpha val="36000"/>
-              </a:srgbClr>
-            </a:outerShdw>
-          </a:effectLst>
-        </p:spPr>
-        <p:txBody>
-          <a:bodyPr anchor="t">
-            <a:normAutofit/>
-          </a:bodyPr>
-          <a:lstStyle>
-            <a:lvl1pPr marL="0" indent="0" algn="ctr">
-              <a:buNone/>
-              <a:defRPr sz="1600"/>
-            </a:lvl1pPr>
-            <a:lvl2pPr marL="457200" indent="0">
-              <a:buNone/>
-              <a:defRPr sz="1600"/>
-            </a:lvl2pPr>
-            <a:lvl3pPr marL="914400" indent="0">
-              <a:buNone/>
-              <a:defRPr sz="1600"/>
-            </a:lvl3pPr>
-            <a:lvl4pPr marL="1371600" indent="0">
-              <a:buNone/>
-              <a:defRPr sz="1600"/>
-            </a:lvl4pPr>
-            <a:lvl5pPr marL="1828800" indent="0">
-              <a:buNone/>
-              <a:defRPr sz="1600"/>
-            </a:lvl5pPr>
-            <a:lvl6pPr marL="2286000" indent="0">
-              <a:buNone/>
-              <a:defRPr sz="1600"/>
-            </a:lvl6pPr>
-            <a:lvl7pPr marL="2743200" indent="0">
-              <a:buNone/>
-              <a:defRPr sz="1600"/>
-            </a:lvl7pPr>
-            <a:lvl8pPr marL="3200400" indent="0">
-              <a:buNone/>
-              <a:defRPr sz="1600"/>
-            </a:lvl8pPr>
-            <a:lvl9pPr marL="3657600" indent="0">
-              <a:buNone/>
-              <a:defRPr sz="1600"/>
-            </a:lvl9pPr>
-          </a:lstStyle>
-          <a:p>
-            <a:r>
-              <a:rPr lang="ru-RU" smtClean="0"/>
-              <a:t>Вставка рисунка</a:t>
-            </a:r>
-            <a:endParaRPr lang="en-US" dirty="0"/>
-          </a:p>
-        </p:txBody>
-      </p:sp>
-      <p:sp>
-        <p:nvSpPr>
-          <p:cNvPr id="24" name="Text Placeholder 3"/>
-          <p:cNvSpPr>
-            <a:spLocks noGrp="1"/>
-          </p:cNvSpPr>
-          <p:nvPr>
-            <p:ph type="body" sz="half" idx="19"/>
-          </p:nvPr>
-        </p:nvSpPr>
-        <p:spPr>
-          <a:xfrm>
-            <a:off x="4441435" y="4480367"/>
-            <a:ext cx="3300984" cy="1310833"/>
-          </a:xfrm>
-        </p:spPr>
-        <p:txBody>
-          <a:bodyPr anchor="t">
-            <a:normAutofit/>
-          </a:bodyPr>
-          <a:lstStyle>
-            <a:lvl1pPr marL="0" indent="0" algn="ctr">
-              <a:buNone/>
-              <a:defRPr sz="1400"/>
-            </a:lvl1pPr>
-            <a:lvl2pPr marL="457200" indent="0">
-              <a:buNone/>
-              <a:defRPr sz="1200"/>
-            </a:lvl2pPr>
-            <a:lvl3pPr marL="914400" indent="0">
-              <a:buNone/>
-              <a:defRPr sz="1000"/>
-            </a:lvl3pPr>
-            <a:lvl4pPr marL="1371600" indent="0">
-              <a:buNone/>
-              <a:defRPr sz="900"/>
-            </a:lvl4pPr>
-            <a:lvl5pPr marL="1828800" indent="0">
-              <a:buNone/>
-              <a:defRPr sz="900"/>
-            </a:lvl5pPr>
-            <a:lvl6pPr marL="2286000" indent="0">
-              <a:buNone/>
-              <a:defRPr sz="900"/>
-            </a:lvl6pPr>
-            <a:lvl7pPr marL="2743200" indent="0">
-              <a:buNone/>
-              <a:defRPr sz="900"/>
-            </a:lvl7pPr>
-            <a:lvl8pPr marL="3200400" indent="0">
-              <a:buNone/>
-              <a:defRPr sz="900"/>
-            </a:lvl8pPr>
-            <a:lvl9pPr marL="3657600" indent="0">
-              <a:buNone/>
-              <a:defRPr sz="900"/>
-            </a:lvl9pPr>
-          </a:lstStyle>
-          <a:p>
-            <a:pPr lvl="0"/>
-            <a:r>
-              <a:rPr lang="ru-RU" smtClean="0"/>
-              <a:t>Образец текста</a:t>
-            </a:r>
-          </a:p>
-        </p:txBody>
-      </p:sp>
-      <p:sp>
-        <p:nvSpPr>
-          <p:cNvPr id="25" name="Text Placeholder 4"/>
-          <p:cNvSpPr>
-            <a:spLocks noGrp="1"/>
-          </p:cNvSpPr>
-          <p:nvPr>
-            <p:ph type="body" sz="quarter" idx="13"/>
-          </p:nvPr>
-        </p:nvSpPr>
-        <p:spPr>
-          <a:xfrm>
-            <a:off x="7966697" y="3904106"/>
-            <a:ext cx="3300984" cy="576262"/>
-          </a:xfrm>
-        </p:spPr>
-        <p:txBody>
-          <a:bodyPr anchor="b">
-            <a:noAutofit/>
-          </a:bodyPr>
-          <a:lstStyle>
-            <a:lvl1pPr marL="0" indent="0" algn="ctr">
-              <a:buNone/>
-              <a:defRPr sz="2000" b="0">
-                <a:solidFill>
-                  <a:schemeClr val="tx1"/>
-                </a:solidFill>
-              </a:defRPr>
-            </a:lvl1pPr>
-            <a:lvl2pPr marL="457200" indent="0">
-              <a:buNone/>
-              <a:defRPr sz="2000" b="1"/>
-            </a:lvl2pPr>
-            <a:lvl3pPr marL="914400" indent="0">
-              <a:buNone/>
-              <a:defRPr sz="1800" b="1"/>
-            </a:lvl3pPr>
-            <a:lvl4pPr marL="1371600" indent="0">
-              <a:buNone/>
-              <a:defRPr sz="1600" b="1"/>
-            </a:lvl4pPr>
-            <a:lvl5pPr marL="1828800" indent="0">
-              <a:buNone/>
-              <a:defRPr sz="1600" b="1"/>
-            </a:lvl5pPr>
-            <a:lvl6pPr marL="2286000" indent="0">
-              <a:buNone/>
-              <a:defRPr sz="1600" b="1"/>
-            </a:lvl6pPr>
-            <a:lvl7pPr marL="2743200" indent="0">
-              <a:buNone/>
-              <a:defRPr sz="1600" b="1"/>
-            </a:lvl7pPr>
-            <a:lvl8pPr marL="3200400" indent="0">
-              <a:buNone/>
-              <a:defRPr sz="1600" b="1"/>
-            </a:lvl8pPr>
-            <a:lvl9pPr marL="3657600" indent="0">
-              <a:buNone/>
-              <a:defRPr sz="1600" b="1"/>
-            </a:lvl9pPr>
-          </a:lstStyle>
-          <a:p>
-            <a:pPr lvl="0"/>
-            <a:r>
-              <a:rPr lang="ru-RU" smtClean="0"/>
-              <a:t>Образец текста</a:t>
-            </a:r>
-          </a:p>
-        </p:txBody>
-      </p:sp>
-      <p:sp>
-        <p:nvSpPr>
-          <p:cNvPr id="26" name="Picture Placeholder 2"/>
-          <p:cNvSpPr>
-            <a:spLocks noGrp="1" noChangeAspect="1"/>
-          </p:cNvSpPr>
-          <p:nvPr>
-            <p:ph type="pic" idx="22"/>
-          </p:nvPr>
-        </p:nvSpPr>
-        <p:spPr>
-          <a:xfrm>
-            <a:off x="8075698" y="1934432"/>
-            <a:ext cx="3092368" cy="1607294"/>
-          </a:xfrm>
-          <a:prstGeom prst="roundRect">
-            <a:avLst>
-              <a:gd name="adj" fmla="val 1858"/>
-            </a:avLst>
-          </a:prstGeom>
-          <a:effectLst>
-            <a:outerShdw blurRad="38100" dist="25400" dir="4440000">
-              <a:srgbClr val="000000">
-                <a:alpha val="36000"/>
-              </a:srgbClr>
-            </a:outerShdw>
-          </a:effectLst>
-        </p:spPr>
-        <p:txBody>
-          <a:bodyPr anchor="t">
-            <a:normAutofit/>
-          </a:bodyPr>
-          <a:lstStyle>
-            <a:lvl1pPr marL="0" indent="0" algn="ctr">
-              <a:buNone/>
-              <a:defRPr sz="1600"/>
-            </a:lvl1pPr>
-            <a:lvl2pPr marL="457200" indent="0">
-              <a:buNone/>
-              <a:defRPr sz="1600"/>
-            </a:lvl2pPr>
-            <a:lvl3pPr marL="914400" indent="0">
-              <a:buNone/>
-              <a:defRPr sz="1600"/>
-            </a:lvl3pPr>
-            <a:lvl4pPr marL="1371600" indent="0">
-              <a:buNone/>
-              <a:defRPr sz="1600"/>
-            </a:lvl4pPr>
-            <a:lvl5pPr marL="1828800" indent="0">
-              <a:buNone/>
-              <a:defRPr sz="1600"/>
-            </a:lvl5pPr>
-            <a:lvl6pPr marL="2286000" indent="0">
-              <a:buNone/>
-              <a:defRPr sz="1600"/>
-            </a:lvl6pPr>
-            <a:lvl7pPr marL="2743200" indent="0">
-              <a:buNone/>
-              <a:defRPr sz="1600"/>
-            </a:lvl7pPr>
-            <a:lvl8pPr marL="3200400" indent="0">
-              <a:buNone/>
-              <a:defRPr sz="1600"/>
-            </a:lvl8pPr>
-            <a:lvl9pPr marL="3657600" indent="0">
-              <a:buNone/>
-              <a:defRPr sz="1600"/>
-            </a:lvl9pPr>
-          </a:lstStyle>
-          <a:p>
-            <a:r>
-              <a:rPr lang="ru-RU" smtClean="0"/>
-              <a:t>Вставка рисунка</a:t>
-            </a:r>
-            <a:endParaRPr lang="en-US" dirty="0"/>
-          </a:p>
-        </p:txBody>
-      </p:sp>
-      <p:sp>
-        <p:nvSpPr>
-          <p:cNvPr id="27" name="Text Placeholder 3"/>
-          <p:cNvSpPr>
-            <a:spLocks noGrp="1"/>
-          </p:cNvSpPr>
-          <p:nvPr>
-            <p:ph type="body" sz="half" idx="20"/>
-          </p:nvPr>
-        </p:nvSpPr>
-        <p:spPr>
-          <a:xfrm>
-            <a:off x="7966572" y="4480365"/>
-            <a:ext cx="3300984" cy="1310835"/>
-          </a:xfrm>
-        </p:spPr>
-        <p:txBody>
-          <a:bodyPr anchor="t">
-            <a:normAutofit/>
-          </a:bodyPr>
-          <a:lstStyle>
-            <a:lvl1pPr marL="0" indent="0" algn="ctr">
-              <a:buNone/>
-              <a:defRPr sz="1400"/>
-            </a:lvl1pPr>
-            <a:lvl2pPr marL="457200" indent="0">
-              <a:buNone/>
-              <a:defRPr sz="1200"/>
-            </a:lvl2pPr>
-            <a:lvl3pPr marL="914400" indent="0">
-              <a:buNone/>
-              <a:defRPr sz="1000"/>
-            </a:lvl3pPr>
-            <a:lvl4pPr marL="1371600" indent="0">
-              <a:buNone/>
-              <a:defRPr sz="900"/>
-            </a:lvl4pPr>
-            <a:lvl5pPr marL="1828800" indent="0">
-              <a:buNone/>
-              <a:defRPr sz="900"/>
-            </a:lvl5pPr>
-            <a:lvl6pPr marL="2286000" indent="0">
-              <a:buNone/>
-              <a:defRPr sz="900"/>
-            </a:lvl6pPr>
-            <a:lvl7pPr marL="2743200" indent="0">
-              <a:buNone/>
-              <a:defRPr sz="900"/>
-            </a:lvl7pPr>
-            <a:lvl8pPr marL="3200400" indent="0">
-              <a:buNone/>
-              <a:defRPr sz="900"/>
-            </a:lvl8pPr>
-            <a:lvl9pPr marL="3657600" indent="0">
-              <a:buNone/>
-              <a:defRPr sz="900"/>
-            </a:lvl9pPr>
-          </a:lstStyle>
-          <a:p>
-            <a:pPr lvl="0"/>
-            <a:r>
-              <a:rPr lang="ru-RU" smtClean="0"/>
-              <a:t>Образец текста</a:t>
-            </a:r>
-          </a:p>
-        </p:txBody>
-      </p:sp>
-      <p:sp>
-        <p:nvSpPr>
-          <p:cNvPr id="3" name="Date Placeholder 2"/>
-          <p:cNvSpPr>
-            <a:spLocks noGrp="1"/>
-          </p:cNvSpPr>
-          <p:nvPr>
-            <p:ph type="dt" sz="half" idx="10"/>
-          </p:nvPr>
-        </p:nvSpPr>
-        <p:spPr/>
-        <p:txBody>
-          <a:bodyPr/>
-          <a:lstStyle/>
-          <a:p>
-            <a:fld id="{CBC48EC7-AF6A-48D3-8284-14BACBEBDD84}" type="datetimeFigureOut">
-              <a:rPr lang="en-US" smtClean="0"/>
-              <a:t>6/11/2019</a:t>
-            </a:fld>
-            <a:endParaRPr lang="en-US" dirty="0"/>
-          </a:p>
-        </p:txBody>
-      </p:sp>
-      <p:sp>
-        <p:nvSpPr>
-          <p:cNvPr id="4" name="Footer Placeholder 3"/>
-          <p:cNvSpPr>
-            <a:spLocks noGrp="1"/>
-          </p:cNvSpPr>
-          <p:nvPr>
-            <p:ph type="ftr" sz="quarter" idx="11"/>
-          </p:nvPr>
-        </p:nvSpPr>
-        <p:spPr/>
-        <p:txBody>
-          <a:bodyPr/>
-          <a:lstStyle/>
-          <a:p>
-            <a:endParaRPr lang="en-US" dirty="0"/>
-          </a:p>
-        </p:txBody>
-      </p:sp>
-      <p:sp>
-        <p:nvSpPr>
-          <p:cNvPr id="5" name="Slide Number Placeholder 4"/>
-          <p:cNvSpPr>
-            <a:spLocks noGrp="1"/>
-          </p:cNvSpPr>
-          <p:nvPr>
-            <p:ph type="sldNum" sz="quarter" idx="12"/>
-          </p:nvPr>
-        </p:nvSpPr>
-        <p:spPr/>
-        <p:txBody>
-          <a:bodyPr/>
-          <a:lstStyle/>
-          <a:p>
-            <a:fld id="{4FAB73BC-B049-4115-A692-8D63A059BFB8}" type="slidenum">
-              <a:rPr lang="en-US" smtClean="0"/>
-              <a:pPr/>
-              <a:t>‹#›</a:t>
-            </a:fld>
-            <a:endParaRPr lang="en-US" dirty="0"/>
-          </a:p>
-        </p:txBody>
-      </p:sp>
-    </p:spTree>
-    <p:extLst>
-      <p:ext uri="{BB962C8B-B14F-4D97-AF65-F5344CB8AC3E}">
-        <p14:creationId xmlns:p14="http://schemas.microsoft.com/office/powerpoint/2010/main" val="1667361466"/>
-      </p:ext>
-    </p:extLst>
-  </p:cSld>
-  <p:clrMapOvr>
-    <a:masterClrMapping/>
-  </p:clrMapOvr>
-  <p:hf sldNum="0" hdr="0" ftr="0" dt="0"/>
-</p:sldLayout>
-</file>
-
-<file path=ppt/slideLayouts/slideLayout16.xml><?xml version="1.0" encoding="utf-8"?>
 <p:sldLayout xmlns:a="http://schemas.openxmlformats.org/drawingml/2006/main" xmlns:r="http://schemas.openxmlformats.org/officeDocument/2006/relationships" xmlns:p="http://schemas.openxmlformats.org/presentationml/2006/main" type="vertTx" preserve="1">
   <p:cSld name="Заголовок и вертикальный текст">
     <p:spTree>
@@ -3045,7 +435,7 @@
         </p:nvSpPr>
         <p:spPr/>
         <p:txBody>
-          <a:bodyPr vert="eaVert" anchor="t"/>
+          <a:bodyPr vert="eaVert"/>
           <a:lstStyle/>
           <a:p>
             <a:pPr lvl="0"/>
@@ -3102,7 +492,7 @@
           <a:p>
             <a:fld id="{D11A6AA8-A04B-4104-9AE2-BD48D340E27F}" type="datetimeFigureOut">
               <a:rPr lang="en-US" smtClean="0"/>
-              <a:t>6/11/2019</a:t>
+              <a:t>6/12/2019</a:t>
             </a:fld>
             <a:endParaRPr lang="en-US" dirty="0"/>
           </a:p>
@@ -3153,7 +543,7 @@
     </p:spTree>
     <p:extLst>
       <p:ext uri="{BB962C8B-B14F-4D97-AF65-F5344CB8AC3E}">
-        <p14:creationId xmlns:p14="http://schemas.microsoft.com/office/powerpoint/2010/main" val="4161306826"/>
+        <p14:creationId xmlns:p14="http://schemas.microsoft.com/office/powerpoint/2010/main" val="275105665"/>
       </p:ext>
     </p:extLst>
   </p:cSld>
@@ -3163,7 +553,7 @@
 </p:sldLayout>
 </file>
 
-<file path=ppt/slideLayouts/slideLayout17.xml><?xml version="1.0" encoding="utf-8"?>
+<file path=ppt/slideLayouts/slideLayout11.xml><?xml version="1.0" encoding="utf-8"?>
 <p:sldLayout xmlns:a="http://schemas.openxmlformats.org/drawingml/2006/main" xmlns:r="http://schemas.openxmlformats.org/officeDocument/2006/relationships" xmlns:p="http://schemas.openxmlformats.org/presentationml/2006/main" type="vertTitleAndTx" preserve="1">
   <p:cSld name="Вертикальный заголовок и текст">
     <p:spTree>
@@ -3192,17 +582,13 @@
         </p:nvSpPr>
         <p:spPr>
           <a:xfrm>
-            <a:off x="8983068" y="609599"/>
-            <a:ext cx="2284487" cy="5181601"/>
+            <a:off x="8653112" y="937260"/>
+            <a:ext cx="1298608" cy="4983480"/>
           </a:xfrm>
         </p:spPr>
         <p:txBody>
           <a:bodyPr vert="eaVert"/>
-          <a:lstStyle>
-            <a:lvl1pPr algn="l">
-              <a:defRPr/>
-            </a:lvl1pPr>
-          </a:lstStyle>
+          <a:lstStyle/>
           <a:p>
             <a:r>
               <a:rPr lang="ru-RU" smtClean="0"/>
@@ -3224,12 +610,12 @@
         </p:nvSpPr>
         <p:spPr>
           <a:xfrm>
-            <a:off x="913796" y="609599"/>
-            <a:ext cx="7916872" cy="5181601"/>
+            <a:off x="2231136" y="937260"/>
+            <a:ext cx="6198489" cy="4983480"/>
           </a:xfrm>
         </p:spPr>
         <p:txBody>
-          <a:bodyPr vert="eaVert" anchor="t"/>
+          <a:bodyPr vert="eaVert"/>
           <a:lstStyle/>
           <a:p>
             <a:pPr lvl="0"/>
@@ -3286,7 +672,7 @@
           <a:p>
             <a:fld id="{B4E0BF79-FAC6-4A96-8DE1-F7B82E2E1652}" type="datetimeFigureOut">
               <a:rPr lang="en-US" smtClean="0"/>
-              <a:t>6/11/2019</a:t>
+              <a:t>6/12/2019</a:t>
             </a:fld>
             <a:endParaRPr lang="en-US" dirty="0"/>
           </a:p>
@@ -3337,7 +723,7 @@
     </p:spTree>
     <p:extLst>
       <p:ext uri="{BB962C8B-B14F-4D97-AF65-F5344CB8AC3E}">
-        <p14:creationId xmlns:p14="http://schemas.microsoft.com/office/powerpoint/2010/main" val="1911809034"/>
+        <p14:creationId xmlns:p14="http://schemas.microsoft.com/office/powerpoint/2010/main" val="4133752269"/>
       </p:ext>
     </p:extLst>
   </p:cSld>
@@ -3441,7 +827,7 @@
       </p:sp>
       <p:sp>
         <p:nvSpPr>
-          <p:cNvPr id="4" name="Date Placeholder 3"/>
+          <p:cNvPr id="7" name="Date Placeholder 6"/>
           <p:cNvSpPr>
             <a:spLocks noGrp="1"/>
           </p:cNvSpPr>
@@ -3456,7 +842,7 @@
           <a:p>
             <a:fld id="{82FF5DD9-2C52-442D-92E2-8072C0C3D7CD}" type="datetimeFigureOut">
               <a:rPr lang="en-US" smtClean="0"/>
-              <a:t>6/11/2019</a:t>
+              <a:t>6/12/2019</a:t>
             </a:fld>
             <a:endParaRPr lang="en-US" dirty="0"/>
           </a:p>
@@ -3464,7 +850,7 @@
       </p:sp>
       <p:sp>
         <p:nvSpPr>
-          <p:cNvPr id="5" name="Footer Placeholder 4"/>
+          <p:cNvPr id="8" name="Footer Placeholder 7"/>
           <p:cNvSpPr>
             <a:spLocks noGrp="1"/>
           </p:cNvSpPr>
@@ -3483,7 +869,7 @@
       </p:sp>
       <p:sp>
         <p:nvSpPr>
-          <p:cNvPr id="6" name="Slide Number Placeholder 5"/>
+          <p:cNvPr id="9" name="Slide Number Placeholder 8"/>
           <p:cNvSpPr>
             <a:spLocks noGrp="1"/>
           </p:cNvSpPr>
@@ -3508,7 +894,7 @@
     </p:spTree>
     <p:extLst>
       <p:ext uri="{BB962C8B-B14F-4D97-AF65-F5344CB8AC3E}">
-        <p14:creationId xmlns:p14="http://schemas.microsoft.com/office/powerpoint/2010/main" val="4154201520"/>
+        <p14:creationId xmlns:p14="http://schemas.microsoft.com/office/powerpoint/2010/main" val="682690584"/>
       </p:ext>
     </p:extLst>
   </p:cSld>
@@ -3521,6 +907,14 @@
 <file path=ppt/slideLayouts/slideLayout3.xml><?xml version="1.0" encoding="utf-8"?>
 <p:sldLayout xmlns:a="http://schemas.openxmlformats.org/drawingml/2006/main" xmlns:r="http://schemas.openxmlformats.org/officeDocument/2006/relationships" xmlns:p="http://schemas.openxmlformats.org/presentationml/2006/main" type="secHead" preserve="1">
   <p:cSld name="Заголовок раздела">
+    <p:bg>
+      <p:bgPr>
+        <a:solidFill>
+          <a:schemeClr val="accent1"/>
+        </a:solidFill>
+        <a:effectLst/>
+      </p:bgPr>
+    </p:bg>
     <p:spTree>
       <p:nvGrpSpPr>
         <p:cNvPr id="1" name=""/>
@@ -3545,17 +939,31 @@
             <p:ph type="title"/>
           </p:nvPr>
         </p:nvSpPr>
-        <p:spPr>
+        <p:spPr bwMode="blackWhite">
           <a:xfrm>
-            <a:off x="1295401" y="1761067"/>
-            <a:ext cx="9590550" cy="1828813"/>
+            <a:off x="1600200" y="2386744"/>
+            <a:ext cx="8991600" cy="1645920"/>
           </a:xfrm>
+          <a:solidFill>
+            <a:srgbClr val="FFFFFF"/>
+          </a:solidFill>
+          <a:ln w="38100">
+            <a:solidFill>
+              <a:srgbClr val="404040"/>
+            </a:solidFill>
+          </a:ln>
         </p:spPr>
         <p:txBody>
-          <a:bodyPr anchor="b"/>
+          <a:bodyPr lIns="274320" rIns="274320" anchor="ctr" anchorCtr="1">
+            <a:normAutofit/>
+          </a:bodyPr>
           <a:lstStyle>
-            <a:lvl1pPr algn="ctr">
-              <a:defRPr sz="4000" b="0" cap="none"/>
+            <a:lvl1pPr>
+              <a:defRPr sz="3800">
+                <a:solidFill>
+                  <a:srgbClr val="262626"/>
+                </a:solidFill>
+              </a:defRPr>
             </a:lvl1pPr>
           </a:lstStyle>
           <a:p>
@@ -3579,14 +987,16 @@
         </p:nvSpPr>
         <p:spPr>
           <a:xfrm>
-            <a:off x="1295401" y="3589879"/>
-            <a:ext cx="9590550" cy="1507054"/>
+            <a:off x="2695194" y="4352465"/>
+            <a:ext cx="6801612" cy="1265082"/>
           </a:xfrm>
         </p:spPr>
         <p:txBody>
-          <a:bodyPr anchor="t"/>
+          <a:bodyPr anchor="t" anchorCtr="1">
+            <a:normAutofit/>
+          </a:bodyPr>
           <a:lstStyle>
-            <a:lvl1pPr marL="0" indent="0" algn="ctr">
+            <a:lvl1pPr marL="0" indent="0">
               <a:buNone/>
               <a:defRPr sz="2000">
                 <a:solidFill>
@@ -3596,7 +1006,7 @@
             </a:lvl1pPr>
             <a:lvl2pPr marL="457200" indent="0">
               <a:buNone/>
-              <a:defRPr sz="1800">
+              <a:defRPr sz="2000">
                 <a:solidFill>
                   <a:schemeClr val="tx1">
                     <a:tint val="75000"/>
@@ -3606,7 +1016,7 @@
             </a:lvl2pPr>
             <a:lvl3pPr marL="914400" indent="0">
               <a:buNone/>
-              <a:defRPr sz="1600">
+              <a:defRPr sz="1800">
                 <a:solidFill>
                   <a:schemeClr val="tx1">
                     <a:tint val="75000"/>
@@ -3616,7 +1026,7 @@
             </a:lvl3pPr>
             <a:lvl4pPr marL="1371600" indent="0">
               <a:buNone/>
-              <a:defRPr sz="1400">
+              <a:defRPr sz="1600">
                 <a:solidFill>
                   <a:schemeClr val="tx1">
                     <a:tint val="75000"/>
@@ -3626,7 +1036,7 @@
             </a:lvl4pPr>
             <a:lvl5pPr marL="1828800" indent="0">
               <a:buNone/>
-              <a:defRPr sz="1400">
+              <a:defRPr sz="1600">
                 <a:solidFill>
                   <a:schemeClr val="tx1">
                     <a:tint val="75000"/>
@@ -3636,7 +1046,7 @@
             </a:lvl5pPr>
             <a:lvl6pPr marL="2286000" indent="0">
               <a:buNone/>
-              <a:defRPr sz="1400">
+              <a:defRPr sz="1600">
                 <a:solidFill>
                   <a:schemeClr val="tx1">
                     <a:tint val="75000"/>
@@ -3646,7 +1056,7 @@
             </a:lvl6pPr>
             <a:lvl7pPr marL="2743200" indent="0">
               <a:buNone/>
-              <a:defRPr sz="1400">
+              <a:defRPr sz="1600">
                 <a:solidFill>
                   <a:schemeClr val="tx1">
                     <a:tint val="75000"/>
@@ -3656,7 +1066,7 @@
             </a:lvl7pPr>
             <a:lvl8pPr marL="3200400" indent="0">
               <a:buNone/>
-              <a:defRPr sz="1400">
+              <a:defRPr sz="1600">
                 <a:solidFill>
                   <a:schemeClr val="tx1">
                     <a:tint val="75000"/>
@@ -3666,7 +1076,7 @@
             </a:lvl8pPr>
             <a:lvl9pPr marL="3657600" indent="0">
               <a:buNone/>
-              <a:defRPr sz="1400">
+              <a:defRPr sz="1600">
                 <a:solidFill>
                   <a:schemeClr val="tx1">
                     <a:tint val="75000"/>
@@ -3686,7 +1096,7 @@
       </p:sp>
       <p:sp>
         <p:nvSpPr>
-          <p:cNvPr id="4" name="Date Placeholder 3"/>
+          <p:cNvPr id="7" name="Date Placeholder 6"/>
           <p:cNvSpPr>
             <a:spLocks noGrp="1"/>
           </p:cNvSpPr>
@@ -3701,7 +1111,7 @@
           <a:p>
             <a:fld id="{C44961B7-6B89-48AB-966F-622E2788EECC}" type="datetimeFigureOut">
               <a:rPr lang="en-US" smtClean="0"/>
-              <a:t>6/11/2019</a:t>
+              <a:t>6/12/2019</a:t>
             </a:fld>
             <a:endParaRPr lang="en-US" dirty="0"/>
           </a:p>
@@ -3709,7 +1119,7 @@
       </p:sp>
       <p:sp>
         <p:nvSpPr>
-          <p:cNvPr id="5" name="Footer Placeholder 4"/>
+          <p:cNvPr id="8" name="Footer Placeholder 7"/>
           <p:cNvSpPr>
             <a:spLocks noGrp="1"/>
           </p:cNvSpPr>
@@ -3728,7 +1138,7 @@
       </p:sp>
       <p:sp>
         <p:nvSpPr>
-          <p:cNvPr id="6" name="Slide Number Placeholder 5"/>
+          <p:cNvPr id="9" name="Slide Number Placeholder 8"/>
           <p:cNvSpPr>
             <a:spLocks noGrp="1"/>
           </p:cNvSpPr>
@@ -3752,12 +1162,12 @@
     </p:spTree>
     <p:extLst>
       <p:ext uri="{BB962C8B-B14F-4D97-AF65-F5344CB8AC3E}">
-        <p14:creationId xmlns:p14="http://schemas.microsoft.com/office/powerpoint/2010/main" val="4006914660"/>
+        <p14:creationId xmlns:p14="http://schemas.microsoft.com/office/powerpoint/2010/main" val="1728117004"/>
       </p:ext>
     </p:extLst>
   </p:cSld>
   <p:clrMapOvr>
-    <a:masterClrMapping/>
+    <a:overrideClrMapping bg1="dk1" tx1="lt1" bg2="dk2" tx2="lt2" accent1="accent1" accent2="accent2" accent3="accent3" accent4="accent4" accent5="accent5" accent6="accent6" hlink="hlink" folHlink="folHlink"/>
   </p:clrMapOvr>
 </p:sldLayout>
 </file>
@@ -3814,14 +1224,12 @@
         </p:nvSpPr>
         <p:spPr>
           <a:xfrm>
-            <a:off x="913795" y="1732449"/>
-            <a:ext cx="5060497" cy="4058750"/>
+            <a:off x="1581912" y="2638044"/>
+            <a:ext cx="4271771" cy="3101982"/>
           </a:xfrm>
         </p:spPr>
         <p:txBody>
-          <a:bodyPr anchor="t">
-            <a:normAutofit/>
-          </a:bodyPr>
+          <a:bodyPr/>
           <a:lstStyle/>
           <a:p>
             <a:pPr lvl="0"/>
@@ -3873,14 +1281,12 @@
         </p:nvSpPr>
         <p:spPr>
           <a:xfrm>
-            <a:off x="6202892" y="1732449"/>
-            <a:ext cx="5064665" cy="4058751"/>
+            <a:off x="6338315" y="2638044"/>
+            <a:ext cx="4270247" cy="3101982"/>
           </a:xfrm>
         </p:spPr>
         <p:txBody>
-          <a:bodyPr anchor="t">
-            <a:normAutofit/>
-          </a:bodyPr>
+          <a:bodyPr/>
           <a:lstStyle/>
           <a:p>
             <a:pPr lvl="0"/>
@@ -3922,7 +1328,7 @@
       </p:sp>
       <p:sp>
         <p:nvSpPr>
-          <p:cNvPr id="5" name="Date Placeholder 4"/>
+          <p:cNvPr id="8" name="Date Placeholder 7"/>
           <p:cNvSpPr>
             <a:spLocks noGrp="1"/>
           </p:cNvSpPr>
@@ -3937,7 +1343,7 @@
           <a:p>
             <a:fld id="{DBD3D6FB-79CC-4683-A046-BBE785BA1BED}" type="datetimeFigureOut">
               <a:rPr lang="en-US" smtClean="0"/>
-              <a:t>6/11/2019</a:t>
+              <a:t>6/12/2019</a:t>
             </a:fld>
             <a:endParaRPr lang="en-US" dirty="0"/>
           </a:p>
@@ -3945,7 +1351,7 @@
       </p:sp>
       <p:sp>
         <p:nvSpPr>
-          <p:cNvPr id="6" name="Footer Placeholder 5"/>
+          <p:cNvPr id="9" name="Footer Placeholder 8"/>
           <p:cNvSpPr>
             <a:spLocks noGrp="1"/>
           </p:cNvSpPr>
@@ -3964,7 +1370,7 @@
       </p:sp>
       <p:sp>
         <p:nvSpPr>
-          <p:cNvPr id="7" name="Slide Number Placeholder 6"/>
+          <p:cNvPr id="10" name="Slide Number Placeholder 9"/>
           <p:cNvSpPr>
             <a:spLocks noGrp="1"/>
           </p:cNvSpPr>
@@ -3988,7 +1394,7 @@
     </p:spTree>
     <p:extLst>
       <p:ext uri="{BB962C8B-B14F-4D97-AF65-F5344CB8AC3E}">
-        <p14:creationId xmlns:p14="http://schemas.microsoft.com/office/powerpoint/2010/main" val="2352978194"/>
+        <p14:creationId xmlns:p14="http://schemas.microsoft.com/office/powerpoint/2010/main" val="989768388"/>
       </p:ext>
     </p:extLst>
   </p:cSld>
@@ -4015,93 +1421,6 @@
           <a:chExt cx="0" cy="0"/>
         </a:xfrm>
       </p:grpSpPr>
-      <p:pic>
-        <p:nvPicPr>
-          <p:cNvPr id="20" name="Picture 19" descr="Slate-V2-HD-compPhotoInset.png"/>
-          <p:cNvPicPr>
-            <a:picLocks noChangeAspect="1"/>
-          </p:cNvPicPr>
-          <p:nvPr/>
-        </p:nvPicPr>
-        <p:blipFill>
-          <a:blip r:embed="rId2">
-            <a:extLst>
-              <a:ext uri="{28A0092B-C50C-407E-A947-70E740481C1C}">
-                <a14:useLocalDpi xmlns:a14="http://schemas.microsoft.com/office/drawing/2010/main" val="0"/>
-              </a:ext>
-            </a:extLst>
-          </a:blip>
-          <a:stretch>
-            <a:fillRect/>
-          </a:stretch>
-        </p:blipFill>
-        <p:spPr>
-          <a:xfrm>
-            <a:off x="913795" y="1734506"/>
-            <a:ext cx="5089072" cy="4148769"/>
-          </a:xfrm>
-          <a:prstGeom prst="rect">
-            <a:avLst/>
-          </a:prstGeom>
-        </p:spPr>
-      </p:pic>
-      <p:pic>
-        <p:nvPicPr>
-          <p:cNvPr id="21" name="Picture 20" descr="Slate-V2-HD-compPhotoInset.png"/>
-          <p:cNvPicPr>
-            <a:picLocks noChangeAspect="1"/>
-          </p:cNvPicPr>
-          <p:nvPr/>
-        </p:nvPicPr>
-        <p:blipFill>
-          <a:blip r:embed="rId2">
-            <a:extLst>
-              <a:ext uri="{28A0092B-C50C-407E-A947-70E740481C1C}">
-                <a14:useLocalDpi xmlns:a14="http://schemas.microsoft.com/office/drawing/2010/main" val="0"/>
-              </a:ext>
-            </a:extLst>
-          </a:blip>
-          <a:stretch>
-            <a:fillRect/>
-          </a:stretch>
-        </p:blipFill>
-        <p:spPr>
-          <a:xfrm>
-            <a:off x="6178485" y="1734506"/>
-            <a:ext cx="5089072" cy="4148769"/>
-          </a:xfrm>
-          <a:prstGeom prst="rect">
-            <a:avLst/>
-          </a:prstGeom>
-        </p:spPr>
-      </p:pic>
-      <p:sp>
-        <p:nvSpPr>
-          <p:cNvPr id="2" name="Title 1"/>
-          <p:cNvSpPr>
-            <a:spLocks noGrp="1"/>
-          </p:cNvSpPr>
-          <p:nvPr>
-            <p:ph type="title"/>
-          </p:nvPr>
-        </p:nvSpPr>
-        <p:spPr/>
-        <p:txBody>
-          <a:bodyPr/>
-          <a:lstStyle>
-            <a:lvl1pPr>
-              <a:defRPr/>
-            </a:lvl1pPr>
-          </a:lstStyle>
-          <a:p>
-            <a:r>
-              <a:rPr lang="ru-RU" smtClean="0"/>
-              <a:t>Образец заголовка</a:t>
-            </a:r>
-            <a:endParaRPr lang="en-US" dirty="0"/>
-          </a:p>
-        </p:txBody>
-      </p:sp>
       <p:sp>
         <p:nvSpPr>
           <p:cNvPr id="3" name="Text Placeholder 2"/>
@@ -4114,22 +1433,28 @@
         </p:nvSpPr>
         <p:spPr>
           <a:xfrm>
-            <a:off x="1005872" y="1835254"/>
-            <a:ext cx="4876344" cy="544884"/>
+            <a:off x="1583436" y="2313433"/>
+            <a:ext cx="4270248" cy="704087"/>
           </a:xfrm>
         </p:spPr>
         <p:txBody>
-          <a:bodyPr anchor="b">
-            <a:noAutofit/>
+          <a:bodyPr anchor="b" anchorCtr="1">
+            <a:normAutofit/>
           </a:bodyPr>
           <a:lstStyle>
             <a:lvl1pPr marL="0" indent="0" algn="ctr">
               <a:buNone/>
-              <a:defRPr sz="2400" b="0"/>
+              <a:defRPr sz="1900" b="0" cap="all" spc="100" baseline="0">
+                <a:solidFill>
+                  <a:schemeClr val="accent2">
+                    <a:lumMod val="75000"/>
+                  </a:schemeClr>
+                </a:solidFill>
+              </a:defRPr>
             </a:lvl1pPr>
             <a:lvl2pPr marL="457200" indent="0">
               <a:buNone/>
-              <a:defRPr sz="2000" b="1"/>
+              <a:defRPr sz="1900" b="1"/>
             </a:lvl2pPr>
             <a:lvl3pPr marL="914400" indent="0">
               <a:buNone/>
@@ -4181,31 +1506,13 @@
         </p:nvSpPr>
         <p:spPr>
           <a:xfrm>
-            <a:off x="1005872" y="2380137"/>
-            <a:ext cx="4876344" cy="3411063"/>
+            <a:off x="1583436" y="3143250"/>
+            <a:ext cx="4270248" cy="2596776"/>
           </a:xfrm>
         </p:spPr>
         <p:txBody>
-          <a:bodyPr anchor="t">
-            <a:normAutofit/>
-          </a:bodyPr>
-          <a:lstStyle>
-            <a:lvl1pPr>
-              <a:defRPr sz="1800"/>
-            </a:lvl1pPr>
-            <a:lvl2pPr>
-              <a:defRPr sz="1600"/>
-            </a:lvl2pPr>
-            <a:lvl3pPr>
-              <a:defRPr sz="1400"/>
-            </a:lvl3pPr>
-            <a:lvl4pPr>
-              <a:defRPr sz="1200"/>
-            </a:lvl4pPr>
-            <a:lvl5pPr>
-              <a:defRPr sz="1200"/>
-            </a:lvl5pPr>
-          </a:lstStyle>
+          <a:bodyPr/>
+          <a:lstStyle/>
           <a:p>
             <a:pPr lvl="0"/>
             <a:r>
@@ -4246,32 +1553,99 @@
       </p:sp>
       <p:sp>
         <p:nvSpPr>
-          <p:cNvPr id="5" name="Text Placeholder 4"/>
+          <p:cNvPr id="6" name="Content Placeholder 5"/>
           <p:cNvSpPr>
             <a:spLocks noGrp="1"/>
           </p:cNvSpPr>
           <p:nvPr>
-            <p:ph type="body" sz="quarter" idx="3"/>
+            <p:ph sz="quarter" idx="4"/>
           </p:nvPr>
         </p:nvSpPr>
         <p:spPr>
           <a:xfrm>
-            <a:off x="6294967" y="1835254"/>
-            <a:ext cx="4895330" cy="544883"/>
+            <a:off x="6338316" y="3143250"/>
+            <a:ext cx="4253484" cy="2596776"/>
           </a:xfrm>
         </p:spPr>
         <p:txBody>
-          <a:bodyPr anchor="b">
-            <a:noAutofit/>
+          <a:bodyPr/>
+          <a:lstStyle>
+            <a:lvl5pPr>
+              <a:defRPr/>
+            </a:lvl5pPr>
+          </a:lstStyle>
+          <a:p>
+            <a:pPr lvl="0"/>
+            <a:r>
+              <a:rPr lang="ru-RU" smtClean="0"/>
+              <a:t>Образец текста</a:t>
+            </a:r>
+          </a:p>
+          <a:p>
+            <a:pPr lvl="1"/>
+            <a:r>
+              <a:rPr lang="ru-RU" smtClean="0"/>
+              <a:t>Второй уровень</a:t>
+            </a:r>
+          </a:p>
+          <a:p>
+            <a:pPr lvl="2"/>
+            <a:r>
+              <a:rPr lang="ru-RU" smtClean="0"/>
+              <a:t>Третий уровень</a:t>
+            </a:r>
+          </a:p>
+          <a:p>
+            <a:pPr lvl="3"/>
+            <a:r>
+              <a:rPr lang="ru-RU" smtClean="0"/>
+              <a:t>Четвертый уровень</a:t>
+            </a:r>
+          </a:p>
+          <a:p>
+            <a:pPr lvl="4"/>
+            <a:r>
+              <a:rPr lang="ru-RU" smtClean="0"/>
+              <a:t>Пятый уровень</a:t>
+            </a:r>
+            <a:endParaRPr lang="en-US" dirty="0"/>
+          </a:p>
+        </p:txBody>
+      </p:sp>
+      <p:sp>
+        <p:nvSpPr>
+          <p:cNvPr id="11" name="Text Placeholder 4"/>
+          <p:cNvSpPr>
+            <a:spLocks noGrp="1"/>
+          </p:cNvSpPr>
+          <p:nvPr>
+            <p:ph type="body" sz="quarter" idx="13"/>
+          </p:nvPr>
+        </p:nvSpPr>
+        <p:spPr>
+          <a:xfrm>
+            <a:off x="6338316" y="2313433"/>
+            <a:ext cx="4270248" cy="704087"/>
+          </a:xfrm>
+        </p:spPr>
+        <p:txBody>
+          <a:bodyPr anchor="b" anchorCtr="1">
+            <a:normAutofit/>
           </a:bodyPr>
           <a:lstStyle>
             <a:lvl1pPr marL="0" indent="0" algn="ctr">
               <a:buNone/>
-              <a:defRPr sz="2400" b="0"/>
+              <a:defRPr sz="1900" b="0" cap="all" spc="100" baseline="0">
+                <a:solidFill>
+                  <a:schemeClr val="accent2">
+                    <a:lumMod val="75000"/>
+                  </a:schemeClr>
+                </a:solidFill>
+              </a:defRPr>
             </a:lvl1pPr>
             <a:lvl2pPr marL="457200" indent="0">
               <a:buNone/>
-              <a:defRPr sz="2000" b="1"/>
+              <a:defRPr sz="1900" b="1"/>
             </a:lvl2pPr>
             <a:lvl3pPr marL="914400" indent="0">
               <a:buNone/>
@@ -4313,81 +1687,6 @@
       </p:sp>
       <p:sp>
         <p:nvSpPr>
-          <p:cNvPr id="6" name="Content Placeholder 5"/>
-          <p:cNvSpPr>
-            <a:spLocks noGrp="1"/>
-          </p:cNvSpPr>
-          <p:nvPr>
-            <p:ph sz="quarter" idx="4"/>
-          </p:nvPr>
-        </p:nvSpPr>
-        <p:spPr>
-          <a:xfrm>
-            <a:off x="6294967" y="2380137"/>
-            <a:ext cx="4895330" cy="3411063"/>
-          </a:xfrm>
-        </p:spPr>
-        <p:txBody>
-          <a:bodyPr anchor="t">
-            <a:normAutofit/>
-          </a:bodyPr>
-          <a:lstStyle>
-            <a:lvl1pPr>
-              <a:defRPr sz="1800"/>
-            </a:lvl1pPr>
-            <a:lvl2pPr>
-              <a:defRPr sz="1600"/>
-            </a:lvl2pPr>
-            <a:lvl3pPr>
-              <a:defRPr sz="1400"/>
-            </a:lvl3pPr>
-            <a:lvl4pPr>
-              <a:defRPr sz="1200"/>
-            </a:lvl4pPr>
-            <a:lvl5pPr>
-              <a:defRPr sz="1200"/>
-            </a:lvl5pPr>
-          </a:lstStyle>
-          <a:p>
-            <a:pPr lvl="0"/>
-            <a:r>
-              <a:rPr lang="ru-RU" smtClean="0"/>
-              <a:t>Образец текста</a:t>
-            </a:r>
-          </a:p>
-          <a:p>
-            <a:pPr lvl="1"/>
-            <a:r>
-              <a:rPr lang="ru-RU" smtClean="0"/>
-              <a:t>Второй уровень</a:t>
-            </a:r>
-          </a:p>
-          <a:p>
-            <a:pPr lvl="2"/>
-            <a:r>
-              <a:rPr lang="ru-RU" smtClean="0"/>
-              <a:t>Третий уровень</a:t>
-            </a:r>
-          </a:p>
-          <a:p>
-            <a:pPr lvl="3"/>
-            <a:r>
-              <a:rPr lang="ru-RU" smtClean="0"/>
-              <a:t>Четвертый уровень</a:t>
-            </a:r>
-          </a:p>
-          <a:p>
-            <a:pPr lvl="4"/>
-            <a:r>
-              <a:rPr lang="ru-RU" smtClean="0"/>
-              <a:t>Пятый уровень</a:t>
-            </a:r>
-            <a:endParaRPr lang="en-US" dirty="0"/>
-          </a:p>
-        </p:txBody>
-      </p:sp>
-      <p:sp>
-        <p:nvSpPr>
           <p:cNvPr id="7" name="Date Placeholder 6"/>
           <p:cNvSpPr>
             <a:spLocks noGrp="1"/>
@@ -4401,9 +1700,9 @@
           <a:bodyPr/>
           <a:lstStyle/>
           <a:p>
-            <a:fld id="{9512B3E8-48F1-4B23-8498-D8A04A81EC9C}" type="datetimeFigureOut">
+            <a:fld id="{CBC48EC7-AF6A-48D3-8284-14BACBEBDD84}" type="datetimeFigureOut">
               <a:rPr lang="en-US" smtClean="0"/>
-              <a:t>6/11/2019</a:t>
+              <a:t>6/12/2019</a:t>
             </a:fld>
             <a:endParaRPr lang="en-US" dirty="0"/>
           </a:p>
@@ -4445,8 +1744,32 @@
           <a:p>
             <a:fld id="{4FAB73BC-B049-4115-A692-8D63A059BFB8}" type="slidenum">
               <a:rPr lang="en-US" smtClean="0"/>
+              <a:pPr/>
               <a:t>‹#›</a:t>
             </a:fld>
+            <a:endParaRPr lang="en-US" dirty="0"/>
+          </a:p>
+        </p:txBody>
+      </p:sp>
+      <p:sp>
+        <p:nvSpPr>
+          <p:cNvPr id="10" name="Title 9"/>
+          <p:cNvSpPr>
+            <a:spLocks noGrp="1"/>
+          </p:cNvSpPr>
+          <p:nvPr>
+            <p:ph type="title"/>
+          </p:nvPr>
+        </p:nvSpPr>
+        <p:spPr/>
+        <p:txBody>
+          <a:bodyPr/>
+          <a:lstStyle/>
+          <a:p>
+            <a:r>
+              <a:rPr lang="ru-RU" smtClean="0"/>
+              <a:t>Образец заголовка</a:t>
+            </a:r>
             <a:endParaRPr lang="en-US" dirty="0"/>
           </a:p>
         </p:txBody>
@@ -4454,13 +1777,14 @@
     </p:spTree>
     <p:extLst>
       <p:ext uri="{BB962C8B-B14F-4D97-AF65-F5344CB8AC3E}">
-        <p14:creationId xmlns:p14="http://schemas.microsoft.com/office/powerpoint/2010/main" val="3864973705"/>
+        <p14:creationId xmlns:p14="http://schemas.microsoft.com/office/powerpoint/2010/main" val="3865860865"/>
       </p:ext>
     </p:extLst>
   </p:cSld>
   <p:clrMapOvr>
     <a:masterClrMapping/>
   </p:clrMapOvr>
+  <p:hf sldNum="0" hdr="0" ftr="0" dt="0"/>
 </p:sldLayout>
 </file>
 
@@ -4521,7 +1845,7 @@
           <a:p>
             <a:fld id="{10B90D90-AA62-404D-A741-635B4370F9CB}" type="datetimeFigureOut">
               <a:rPr lang="en-US" smtClean="0"/>
-              <a:t>6/11/2019</a:t>
+              <a:t>6/12/2019</a:t>
             </a:fld>
             <a:endParaRPr lang="en-US" dirty="0"/>
           </a:p>
@@ -4572,7 +1896,7 @@
     </p:spTree>
     <p:extLst>
       <p:ext uri="{BB962C8B-B14F-4D97-AF65-F5344CB8AC3E}">
-        <p14:creationId xmlns:p14="http://schemas.microsoft.com/office/powerpoint/2010/main" val="45313601"/>
+        <p14:creationId xmlns:p14="http://schemas.microsoft.com/office/powerpoint/2010/main" val="61809721"/>
       </p:ext>
     </p:extLst>
   </p:cSld>
@@ -4616,7 +1940,7 @@
           <a:p>
             <a:fld id="{A57002E4-6836-46D1-9DBB-3C27C0DD3A89}" type="datetimeFigureOut">
               <a:rPr lang="en-US" smtClean="0"/>
-              <a:t>6/11/2019</a:t>
+              <a:t>6/12/2019</a:t>
             </a:fld>
             <a:endParaRPr lang="en-US" dirty="0"/>
           </a:p>
@@ -4667,7 +1991,7 @@
     </p:spTree>
     <p:extLst>
       <p:ext uri="{BB962C8B-B14F-4D97-AF65-F5344CB8AC3E}">
-        <p14:creationId xmlns:p14="http://schemas.microsoft.com/office/powerpoint/2010/main" val="1755193054"/>
+        <p14:creationId xmlns:p14="http://schemas.microsoft.com/office/powerpoint/2010/main" val="2476175738"/>
       </p:ext>
     </p:extLst>
   </p:cSld>
@@ -4696,6 +2020,44 @@
       </p:grpSpPr>
       <p:sp>
         <p:nvSpPr>
+          <p:cNvPr id="26" name="Rectangle 25"/>
+          <p:cNvSpPr/>
+          <p:nvPr/>
+        </p:nvSpPr>
+        <p:spPr>
+          <a:xfrm>
+            <a:off x="0" y="0"/>
+            <a:ext cx="6096000" cy="6858000"/>
+          </a:xfrm>
+          <a:prstGeom prst="rect">
+            <a:avLst/>
+          </a:prstGeom>
+          <a:solidFill>
+            <a:schemeClr val="accent2"/>
+          </a:solidFill>
+          <a:ln>
+            <a:noFill/>
+          </a:ln>
+        </p:spPr>
+        <p:style>
+          <a:lnRef idx="2">
+            <a:schemeClr val="accent1">
+              <a:shade val="50000"/>
+            </a:schemeClr>
+          </a:lnRef>
+          <a:fillRef idx="1">
+            <a:schemeClr val="accent1"/>
+          </a:fillRef>
+          <a:effectRef idx="0">
+            <a:schemeClr val="accent1"/>
+          </a:effectRef>
+          <a:fontRef idx="minor">
+            <a:schemeClr val="lt1"/>
+          </a:fontRef>
+        </p:style>
+      </p:sp>
+      <p:sp>
+        <p:nvSpPr>
           <p:cNvPr id="2" name="Title 1"/>
           <p:cNvSpPr>
             <a:spLocks noGrp="1"/>
@@ -4704,19 +2066,31 @@
             <p:ph type="title"/>
           </p:nvPr>
         </p:nvSpPr>
-        <p:spPr>
+        <p:spPr bwMode="blackWhite">
           <a:xfrm>
-            <a:off x="913795" y="609600"/>
-            <a:ext cx="3706889" cy="1821918"/>
+            <a:off x="804672" y="2243828"/>
+            <a:ext cx="4486656" cy="1141497"/>
           </a:xfrm>
+          <a:solidFill>
+            <a:srgbClr val="FFFFFF"/>
+          </a:solidFill>
+          <a:ln>
+            <a:solidFill>
+              <a:srgbClr val="404040"/>
+            </a:solidFill>
+          </a:ln>
         </p:spPr>
         <p:txBody>
-          <a:bodyPr anchor="b">
+          <a:bodyPr anchor="ctr" anchorCtr="1">
             <a:normAutofit/>
           </a:bodyPr>
           <a:lstStyle>
-            <a:lvl1pPr algn="ctr">
-              <a:defRPr sz="2400" b="0"/>
+            <a:lvl1pPr>
+              <a:defRPr sz="2200">
+                <a:solidFill>
+                  <a:srgbClr val="262626"/>
+                </a:solidFill>
+              </a:defRPr>
             </a:lvl1pPr>
           </a:lstStyle>
           <a:p>
@@ -4740,15 +2114,63 @@
         </p:nvSpPr>
         <p:spPr>
           <a:xfrm>
-            <a:off x="4855633" y="609600"/>
-            <a:ext cx="6411924" cy="5181600"/>
+            <a:off x="6736080" y="804672"/>
+            <a:ext cx="4815840" cy="5248656"/>
           </a:xfrm>
         </p:spPr>
         <p:txBody>
           <a:bodyPr>
             <a:normAutofit/>
           </a:bodyPr>
-          <a:lstStyle/>
+          <a:lstStyle>
+            <a:lvl1pPr>
+              <a:defRPr sz="1900">
+                <a:solidFill>
+                  <a:schemeClr val="tx1"/>
+                </a:solidFill>
+              </a:defRPr>
+            </a:lvl1pPr>
+            <a:lvl2pPr>
+              <a:defRPr sz="1600">
+                <a:solidFill>
+                  <a:schemeClr val="tx1"/>
+                </a:solidFill>
+              </a:defRPr>
+            </a:lvl2pPr>
+            <a:lvl3pPr>
+              <a:defRPr sz="1600">
+                <a:solidFill>
+                  <a:schemeClr val="tx1"/>
+                </a:solidFill>
+              </a:defRPr>
+            </a:lvl3pPr>
+            <a:lvl4pPr>
+              <a:defRPr sz="1600">
+                <a:solidFill>
+                  <a:schemeClr val="tx1"/>
+                </a:solidFill>
+              </a:defRPr>
+            </a:lvl4pPr>
+            <a:lvl5pPr>
+              <a:defRPr sz="1600">
+                <a:solidFill>
+                  <a:schemeClr val="tx1"/>
+                </a:solidFill>
+              </a:defRPr>
+            </a:lvl5pPr>
+            <a:lvl6pPr>
+              <a:defRPr sz="1600"/>
+            </a:lvl6pPr>
+            <a:lvl7pPr>
+              <a:defRPr sz="1600"/>
+            </a:lvl7pPr>
+            <a:lvl8pPr>
+              <a:defRPr sz="1600"/>
+            </a:lvl8pPr>
+            <a:lvl9pPr>
+              <a:defRPr sz="1600"/>
+            </a:lvl9pPr>
+          </a:lstStyle>
           <a:p>
             <a:pPr lvl="0"/>
             <a:r>
@@ -4799,50 +2221,54 @@
         </p:nvSpPr>
         <p:spPr>
           <a:xfrm>
-            <a:off x="913795" y="2431518"/>
-            <a:ext cx="3706889" cy="3359681"/>
+            <a:off x="1115568" y="3549918"/>
+            <a:ext cx="3794760" cy="2194036"/>
           </a:xfrm>
         </p:spPr>
         <p:txBody>
-          <a:bodyPr anchor="t">
+          <a:bodyPr anchor="t" anchorCtr="1">
             <a:normAutofit/>
           </a:bodyPr>
           <a:lstStyle>
             <a:lvl1pPr marL="0" indent="0" algn="ctr">
               <a:buNone/>
-              <a:defRPr sz="1600"/>
+              <a:defRPr sz="1500">
+                <a:solidFill>
+                  <a:srgbClr val="FFFFFF"/>
+                </a:solidFill>
+              </a:defRPr>
             </a:lvl1pPr>
             <a:lvl2pPr marL="457200" indent="0">
               <a:buNone/>
-              <a:defRPr sz="1200"/>
+              <a:defRPr sz="1400"/>
             </a:lvl2pPr>
             <a:lvl3pPr marL="914400" indent="0">
               <a:buNone/>
-              <a:defRPr sz="1000"/>
+              <a:defRPr sz="1200"/>
             </a:lvl3pPr>
             <a:lvl4pPr marL="1371600" indent="0">
               <a:buNone/>
-              <a:defRPr sz="900"/>
+              <a:defRPr sz="1000"/>
             </a:lvl4pPr>
             <a:lvl5pPr marL="1828800" indent="0">
               <a:buNone/>
-              <a:defRPr sz="900"/>
+              <a:defRPr sz="1000"/>
             </a:lvl5pPr>
             <a:lvl6pPr marL="2286000" indent="0">
               <a:buNone/>
-              <a:defRPr sz="900"/>
+              <a:defRPr sz="1000"/>
             </a:lvl6pPr>
             <a:lvl7pPr marL="2743200" indent="0">
               <a:buNone/>
-              <a:defRPr sz="900"/>
+              <a:defRPr sz="1000"/>
             </a:lvl7pPr>
             <a:lvl8pPr marL="3200400" indent="0">
               <a:buNone/>
-              <a:defRPr sz="900"/>
+              <a:defRPr sz="1000"/>
             </a:lvl8pPr>
             <a:lvl9pPr marL="3657600" indent="0">
               <a:buNone/>
-              <a:defRPr sz="900"/>
+              <a:defRPr sz="1000"/>
             </a:lvl9pPr>
           </a:lstStyle>
           <a:p>
@@ -4856,7 +2282,7 @@
       </p:sp>
       <p:sp>
         <p:nvSpPr>
-          <p:cNvPr id="5" name="Date Placeholder 4"/>
+          <p:cNvPr id="9" name="Date Placeholder 8"/>
           <p:cNvSpPr>
             <a:spLocks noGrp="1"/>
           </p:cNvSpPr>
@@ -4871,7 +2297,7 @@
           <a:p>
             <a:fld id="{1CF131DD-A141-4471-BCF9-C6073EDD7E20}" type="datetimeFigureOut">
               <a:rPr lang="en-US" smtClean="0"/>
-              <a:t>6/11/2019</a:t>
+              <a:t>6/12/2019</a:t>
             </a:fld>
             <a:endParaRPr lang="en-US" dirty="0"/>
           </a:p>
@@ -4879,7 +2305,7 @@
       </p:sp>
       <p:sp>
         <p:nvSpPr>
-          <p:cNvPr id="6" name="Footer Placeholder 5"/>
+          <p:cNvPr id="10" name="Footer Placeholder 9"/>
           <p:cNvSpPr>
             <a:spLocks noGrp="1"/>
           </p:cNvSpPr>
@@ -4887,10 +2313,25 @@
             <p:ph type="ftr" sz="quarter" idx="11"/>
           </p:nvPr>
         </p:nvSpPr>
-        <p:spPr/>
+        <p:spPr>
+          <a:xfrm>
+            <a:off x="804672" y="6236208"/>
+            <a:ext cx="5124797" cy="320040"/>
+          </a:xfrm>
+        </p:spPr>
         <p:txBody>
           <a:bodyPr/>
-          <a:lstStyle/>
+          <a:lstStyle>
+            <a:lvl1pPr>
+              <a:defRPr>
+                <a:solidFill>
+                  <a:srgbClr val="FFFFFF">
+                    <a:alpha val="70000"/>
+                  </a:srgbClr>
+                </a:solidFill>
+              </a:defRPr>
+            </a:lvl1pPr>
+          </a:lstStyle>
           <a:p>
             <a:endParaRPr lang="en-US" dirty="0"/>
           </a:p>
@@ -4898,7 +2339,7 @@
       </p:sp>
       <p:sp>
         <p:nvSpPr>
-          <p:cNvPr id="7" name="Slide Number Placeholder 6"/>
+          <p:cNvPr id="11" name="Slide Number Placeholder 10"/>
           <p:cNvSpPr>
             <a:spLocks noGrp="1"/>
           </p:cNvSpPr>
@@ -4923,7 +2364,7 @@
     </p:spTree>
     <p:extLst>
       <p:ext uri="{BB962C8B-B14F-4D97-AF65-F5344CB8AC3E}">
-        <p14:creationId xmlns:p14="http://schemas.microsoft.com/office/powerpoint/2010/main" val="3949362047"/>
+        <p14:creationId xmlns:p14="http://schemas.microsoft.com/office/powerpoint/2010/main" val="3822369517"/>
       </p:ext>
     </p:extLst>
   </p:cSld>
@@ -4950,36 +2391,44 @@
           <a:chExt cx="0" cy="0"/>
         </a:xfrm>
       </p:grpSpPr>
-      <p:pic>
-        <p:nvPicPr>
-          <p:cNvPr id="22" name="Picture 21" descr="Slate-V2-HD-vertPhotoInset.png"/>
-          <p:cNvPicPr>
-            <a:picLocks noChangeAspect="1"/>
-          </p:cNvPicPr>
+      <p:sp>
+        <p:nvSpPr>
+          <p:cNvPr id="18" name="Rectangle 17"/>
+          <p:cNvSpPr/>
           <p:nvPr/>
-        </p:nvPicPr>
-        <p:blipFill>
-          <a:blip r:embed="rId2">
-            <a:extLst>
-              <a:ext uri="{28A0092B-C50C-407E-A947-70E740481C1C}">
-                <a14:useLocalDpi xmlns:a14="http://schemas.microsoft.com/office/drawing/2010/main" val="0"/>
-              </a:ext>
-            </a:extLst>
-          </a:blip>
-          <a:stretch>
-            <a:fillRect/>
-          </a:stretch>
-        </p:blipFill>
+        </p:nvSpPr>
         <p:spPr>
           <a:xfrm>
-            <a:off x="7293665" y="609600"/>
-            <a:ext cx="3584166" cy="5204832"/>
+            <a:off x="0" y="0"/>
+            <a:ext cx="6095999" cy="6858000"/>
           </a:xfrm>
           <a:prstGeom prst="rect">
             <a:avLst/>
           </a:prstGeom>
+          <a:solidFill>
+            <a:schemeClr val="accent2"/>
+          </a:solidFill>
+          <a:ln>
+            <a:noFill/>
+          </a:ln>
         </p:spPr>
-      </p:pic>
+        <p:style>
+          <a:lnRef idx="2">
+            <a:schemeClr val="accent1">
+              <a:shade val="50000"/>
+            </a:schemeClr>
+          </a:lnRef>
+          <a:fillRef idx="1">
+            <a:schemeClr val="accent1"/>
+          </a:fillRef>
+          <a:effectRef idx="0">
+            <a:schemeClr val="accent1"/>
+          </a:effectRef>
+          <a:fontRef idx="minor">
+            <a:schemeClr val="lt1"/>
+          </a:fontRef>
+        </p:style>
+      </p:sp>
       <p:sp>
         <p:nvSpPr>
           <p:cNvPr id="2" name="Title 1"/>
@@ -4990,19 +2439,31 @@
             <p:ph type="title"/>
           </p:nvPr>
         </p:nvSpPr>
-        <p:spPr>
+        <p:spPr bwMode="blackWhite">
           <a:xfrm>
-            <a:off x="913795" y="609923"/>
-            <a:ext cx="5934949" cy="1829338"/>
+            <a:off x="808523" y="2243828"/>
+            <a:ext cx="4494998" cy="1134640"/>
           </a:xfrm>
+          <a:solidFill>
+            <a:srgbClr val="FFFFFF"/>
+          </a:solidFill>
+          <a:ln>
+            <a:solidFill>
+              <a:srgbClr val="404040"/>
+            </a:solidFill>
+          </a:ln>
         </p:spPr>
         <p:txBody>
-          <a:bodyPr anchor="b">
+          <a:bodyPr anchor="ctr" anchorCtr="1">
             <a:noAutofit/>
           </a:bodyPr>
           <a:lstStyle>
-            <a:lvl1pPr algn="ctr">
-              <a:defRPr sz="3200" b="0"/>
+            <a:lvl1pPr>
+              <a:defRPr sz="2200">
+                <a:solidFill>
+                  <a:srgbClr val="262626"/>
+                </a:solidFill>
+              </a:defRPr>
             </a:lvl1pPr>
           </a:lstStyle>
           <a:p>
@@ -5026,57 +2487,60 @@
         </p:nvSpPr>
         <p:spPr>
           <a:xfrm>
-            <a:off x="7442551" y="763702"/>
-            <a:ext cx="3275751" cy="4912822"/>
+            <a:off x="6095999" y="0"/>
+            <a:ext cx="6102097" cy="6858000"/>
           </a:xfrm>
-          <a:effectLst>
-            <a:outerShdw blurRad="38100" dist="25400" dir="4440000">
-              <a:srgbClr val="000000">
-                <a:alpha val="36000"/>
-              </a:srgbClr>
-            </a:outerShdw>
-          </a:effectLst>
+          <a:solidFill>
+            <a:schemeClr val="bg1">
+              <a:lumMod val="75000"/>
+            </a:schemeClr>
+          </a:solidFill>
         </p:spPr>
         <p:txBody>
-          <a:bodyPr anchor="t">
-            <a:normAutofit/>
-          </a:bodyPr>
+          <a:bodyPr anchor="t"/>
           <a:lstStyle>
-            <a:lvl1pPr marL="0" indent="0" algn="ctr">
+            <a:lvl1pPr marL="0" indent="0">
               <a:buNone/>
-              <a:defRPr sz="1600"/>
+              <a:defRPr sz="3200">
+                <a:solidFill>
+                  <a:schemeClr val="bg1">
+                    <a:lumMod val="85000"/>
+                    <a:lumOff val="15000"/>
+                  </a:schemeClr>
+                </a:solidFill>
+              </a:defRPr>
             </a:lvl1pPr>
             <a:lvl2pPr marL="457200" indent="0">
               <a:buNone/>
-              <a:defRPr sz="1600"/>
+              <a:defRPr sz="2800"/>
             </a:lvl2pPr>
             <a:lvl3pPr marL="914400" indent="0">
               <a:buNone/>
-              <a:defRPr sz="1600"/>
+              <a:defRPr sz="2400"/>
             </a:lvl3pPr>
             <a:lvl4pPr marL="1371600" indent="0">
               <a:buNone/>
-              <a:defRPr sz="1600"/>
+              <a:defRPr sz="2000"/>
             </a:lvl4pPr>
             <a:lvl5pPr marL="1828800" indent="0">
               <a:buNone/>
-              <a:defRPr sz="1600"/>
+              <a:defRPr sz="2000"/>
             </a:lvl5pPr>
             <a:lvl6pPr marL="2286000" indent="0">
               <a:buNone/>
-              <a:defRPr sz="1600"/>
+              <a:defRPr sz="2000"/>
             </a:lvl6pPr>
             <a:lvl7pPr marL="2743200" indent="0">
               <a:buNone/>
-              <a:defRPr sz="1600"/>
+              <a:defRPr sz="2000"/>
             </a:lvl7pPr>
             <a:lvl8pPr marL="3200400" indent="0">
               <a:buNone/>
-              <a:defRPr sz="1600"/>
+              <a:defRPr sz="2000"/>
             </a:lvl8pPr>
             <a:lvl9pPr marL="3657600" indent="0">
               <a:buNone/>
-              <a:defRPr sz="1600"/>
+              <a:defRPr sz="2000"/>
             </a:lvl9pPr>
           </a:lstStyle>
           <a:p>
@@ -5100,50 +2564,54 @@
         </p:nvSpPr>
         <p:spPr>
           <a:xfrm>
-            <a:off x="913795" y="2439261"/>
-            <a:ext cx="5934949" cy="3376134"/>
+            <a:off x="1115568" y="3549918"/>
+            <a:ext cx="3794760" cy="2194037"/>
           </a:xfrm>
         </p:spPr>
         <p:txBody>
-          <a:bodyPr anchor="t">
+          <a:bodyPr anchor="t" anchorCtr="1">
             <a:normAutofit/>
           </a:bodyPr>
           <a:lstStyle>
             <a:lvl1pPr marL="0" indent="0" algn="ctr">
               <a:buNone/>
-              <a:defRPr sz="1600"/>
+              <a:defRPr sz="1500">
+                <a:solidFill>
+                  <a:srgbClr val="FFFFFF"/>
+                </a:solidFill>
+              </a:defRPr>
             </a:lvl1pPr>
             <a:lvl2pPr marL="457200" indent="0">
               <a:buNone/>
-              <a:defRPr sz="1200"/>
+              <a:defRPr sz="1400"/>
             </a:lvl2pPr>
             <a:lvl3pPr marL="914400" indent="0">
               <a:buNone/>
-              <a:defRPr sz="1000"/>
+              <a:defRPr sz="1200"/>
             </a:lvl3pPr>
             <a:lvl4pPr marL="1371600" indent="0">
               <a:buNone/>
-              <a:defRPr sz="900"/>
+              <a:defRPr sz="1000"/>
             </a:lvl4pPr>
             <a:lvl5pPr marL="1828800" indent="0">
               <a:buNone/>
-              <a:defRPr sz="900"/>
+              <a:defRPr sz="1000"/>
             </a:lvl5pPr>
             <a:lvl6pPr marL="2286000" indent="0">
               <a:buNone/>
-              <a:defRPr sz="900"/>
+              <a:defRPr sz="1000"/>
             </a:lvl6pPr>
             <a:lvl7pPr marL="2743200" indent="0">
               <a:buNone/>
-              <a:defRPr sz="900"/>
+              <a:defRPr sz="1000"/>
             </a:lvl7pPr>
             <a:lvl8pPr marL="3200400" indent="0">
               <a:buNone/>
-              <a:defRPr sz="900"/>
+              <a:defRPr sz="1000"/>
             </a:lvl8pPr>
             <a:lvl9pPr marL="3657600" indent="0">
               <a:buNone/>
-              <a:defRPr sz="900"/>
+              <a:defRPr sz="1000"/>
             </a:lvl9pPr>
           </a:lstStyle>
           <a:p>
@@ -5157,7 +2625,7 @@
       </p:sp>
       <p:sp>
         <p:nvSpPr>
-          <p:cNvPr id="5" name="Date Placeholder 4"/>
+          <p:cNvPr id="8" name="Date Placeholder 7"/>
           <p:cNvSpPr>
             <a:spLocks noGrp="1"/>
           </p:cNvSpPr>
@@ -5168,11 +2636,26 @@
         <p:spPr/>
         <p:txBody>
           <a:bodyPr/>
-          <a:lstStyle/>
+          <a:lstStyle>
+            <a:lvl1pPr>
+              <a:defRPr>
+                <a:solidFill>
+                  <a:srgbClr val="FFFFFF"/>
+                </a:solidFill>
+                <a:effectLst>
+                  <a:outerShdw blurRad="50800" dist="38100" dir="2700000" algn="tl" rotWithShape="0">
+                    <a:prstClr val="black">
+                      <a:alpha val="43000"/>
+                    </a:prstClr>
+                  </a:outerShdw>
+                </a:effectLst>
+              </a:defRPr>
+            </a:lvl1pPr>
+          </a:lstStyle>
           <a:p>
             <a:fld id="{AB334A90-EB03-42F3-8859-2C2B2724C058}" type="datetimeFigureOut">
               <a:rPr lang="en-US" smtClean="0"/>
-              <a:t>6/11/2019</a:t>
+              <a:t>6/12/2019</a:t>
             </a:fld>
             <a:endParaRPr lang="en-US" dirty="0"/>
           </a:p>
@@ -5180,7 +2663,7 @@
       </p:sp>
       <p:sp>
         <p:nvSpPr>
-          <p:cNvPr id="6" name="Footer Placeholder 5"/>
+          <p:cNvPr id="9" name="Footer Placeholder 8"/>
           <p:cNvSpPr>
             <a:spLocks noGrp="1"/>
           </p:cNvSpPr>
@@ -5188,10 +2671,25 @@
             <p:ph type="ftr" sz="quarter" idx="11"/>
           </p:nvPr>
         </p:nvSpPr>
-        <p:spPr/>
+        <p:spPr>
+          <a:xfrm>
+            <a:off x="804672" y="6236208"/>
+            <a:ext cx="5124797" cy="320040"/>
+          </a:xfrm>
+        </p:spPr>
         <p:txBody>
           <a:bodyPr/>
-          <a:lstStyle/>
+          <a:lstStyle>
+            <a:lvl1pPr>
+              <a:defRPr>
+                <a:solidFill>
+                  <a:srgbClr val="FFFFFF">
+                    <a:alpha val="70000"/>
+                  </a:srgbClr>
+                </a:solidFill>
+              </a:defRPr>
+            </a:lvl1pPr>
+          </a:lstStyle>
           <a:p>
             <a:endParaRPr lang="en-US" dirty="0"/>
           </a:p>
@@ -5199,7 +2697,7 @@
       </p:sp>
       <p:sp>
         <p:nvSpPr>
-          <p:cNvPr id="7" name="Slide Number Placeholder 6"/>
+          <p:cNvPr id="10" name="Slide Number Placeholder 9"/>
           <p:cNvSpPr>
             <a:spLocks noGrp="1"/>
           </p:cNvSpPr>
@@ -5224,7 +2722,7 @@
     </p:spTree>
     <p:extLst>
       <p:ext uri="{BB962C8B-B14F-4D97-AF65-F5344CB8AC3E}">
-        <p14:creationId xmlns:p14="http://schemas.microsoft.com/office/powerpoint/2010/main" val="603959829"/>
+        <p14:creationId xmlns:p14="http://schemas.microsoft.com/office/powerpoint/2010/main" val="1331434928"/>
       </p:ext>
     </p:extLst>
   </p:cSld>
@@ -5238,9 +2736,14 @@
 <p:sldMaster xmlns:a="http://schemas.openxmlformats.org/drawingml/2006/main" xmlns:r="http://schemas.openxmlformats.org/officeDocument/2006/relationships" xmlns:p="http://schemas.openxmlformats.org/presentationml/2006/main">
   <p:cSld>
     <p:bg>
-      <p:bgRef idx="1003">
-        <a:schemeClr val="bg2"/>
-      </p:bgRef>
+      <p:bgPr>
+        <a:solidFill>
+          <a:schemeClr val="bg1">
+            <a:lumMod val="95000"/>
+          </a:schemeClr>
+        </a:solidFill>
+        <a:effectLst/>
+      </p:bgPr>
     </p:bg>
     <p:spTree>
       <p:nvGrpSpPr>
@@ -5266,24 +2769,26 @@
             <p:ph type="title"/>
           </p:nvPr>
         </p:nvSpPr>
-        <p:spPr>
+        <p:spPr bwMode="black">
           <a:xfrm>
-            <a:off x="913795" y="609600"/>
-            <a:ext cx="10353762" cy="970450"/>
+            <a:off x="2231136" y="964692"/>
+            <a:ext cx="7729728" cy="1188720"/>
           </a:xfrm>
           <a:prstGeom prst="rect">
             <a:avLst/>
           </a:prstGeom>
-          <a:effectLst>
-            <a:outerShdw blurRad="25400" dir="17880000">
-              <a:srgbClr val="000000">
-                <a:alpha val="46000"/>
-              </a:srgbClr>
-            </a:outerShdw>
-          </a:effectLst>
+          <a:solidFill>
+            <a:srgbClr val="FFFFFF"/>
+          </a:solidFill>
+          <a:ln w="31750" cap="sq">
+            <a:solidFill>
+              <a:srgbClr val="404040"/>
+            </a:solidFill>
+            <a:miter lim="800000"/>
+          </a:ln>
         </p:spPr>
         <p:txBody>
-          <a:bodyPr vert="horz" lIns="91440" tIns="45720" rIns="91440" bIns="45720" rtlCol="0" anchor="ctr">
+          <a:bodyPr vert="horz" lIns="182880" tIns="182880" rIns="182880" bIns="182880" rtlCol="0" anchor="ctr">
             <a:normAutofit/>
           </a:bodyPr>
           <a:lstStyle/>
@@ -5308,60 +2813,52 @@
         </p:nvSpPr>
         <p:spPr>
           <a:xfrm>
-            <a:off x="913795" y="1732449"/>
-            <a:ext cx="10353762" cy="4058751"/>
+            <a:off x="2231136" y="2638044"/>
+            <a:ext cx="7729728" cy="3101983"/>
           </a:xfrm>
           <a:prstGeom prst="rect">
             <a:avLst/>
           </a:prstGeom>
-          <a:effectLst>
-            <a:outerShdw blurRad="25400" dir="17880000">
-              <a:srgbClr val="000000">
-                <a:alpha val="46000"/>
-              </a:srgbClr>
-            </a:outerShdw>
-          </a:effectLst>
         </p:spPr>
         <p:txBody>
-          <a:bodyPr vert="horz" lIns="91440" tIns="45720" rIns="91440" bIns="45720" rtlCol="0" anchor="t">
+          <a:bodyPr vert="horz" lIns="91440" tIns="45720" rIns="91440" bIns="45720" rtlCol="0">
             <a:normAutofit/>
           </a:bodyPr>
           <a:lstStyle/>
           <a:p>
             <a:pPr lvl="0"/>
             <a:r>
-              <a:rPr lang="ru-RU" smtClean="0"/>
-              <a:t>Образец текста</a:t>
+              <a:rPr lang="en-US" dirty="0"/>
+              <a:t>Edit Master text styles</a:t>
             </a:r>
           </a:p>
           <a:p>
             <a:pPr lvl="1"/>
             <a:r>
-              <a:rPr lang="ru-RU" smtClean="0"/>
-              <a:t>Второй уровень</a:t>
+              <a:rPr lang="en-US" dirty="0"/>
+              <a:t>Second level</a:t>
             </a:r>
           </a:p>
           <a:p>
             <a:pPr lvl="2"/>
             <a:r>
-              <a:rPr lang="ru-RU" smtClean="0"/>
-              <a:t>Третий уровень</a:t>
+              <a:rPr lang="en-US" dirty="0"/>
+              <a:t>Third level</a:t>
             </a:r>
           </a:p>
           <a:p>
             <a:pPr lvl="3"/>
             <a:r>
-              <a:rPr lang="ru-RU" smtClean="0"/>
-              <a:t>Четвертый уровень</a:t>
+              <a:rPr lang="en-US" dirty="0"/>
+              <a:t>Fourth level</a:t>
             </a:r>
           </a:p>
           <a:p>
             <a:pPr lvl="4"/>
             <a:r>
-              <a:rPr lang="ru-RU" smtClean="0"/>
-              <a:t>Пятый уровень</a:t>
-            </a:r>
-            <a:endParaRPr lang="en-US" dirty="0"/>
+              <a:rPr lang="en-US" dirty="0"/>
+              <a:t>Fifth level</a:t>
+            </a:r>
           </a:p>
         </p:txBody>
       </p:sp>
@@ -5377,8 +2874,8 @@
         </p:nvSpPr>
         <p:spPr>
           <a:xfrm>
-            <a:off x="7678736" y="5883275"/>
-            <a:ext cx="2743200" cy="365125"/>
+            <a:off x="7821429" y="6238816"/>
+            <a:ext cx="2753746" cy="323968"/>
           </a:xfrm>
           <a:prstGeom prst="rect">
             <a:avLst/>
@@ -5388,26 +2885,19 @@
           <a:bodyPr vert="horz" lIns="91440" tIns="45720" rIns="91440" bIns="45720" rtlCol="0" anchor="ctr"/>
           <a:lstStyle>
             <a:lvl1pPr algn="r">
-              <a:defRPr sz="1000">
+              <a:defRPr sz="1050">
                 <a:solidFill>
                   <a:schemeClr val="tx1">
-                    <a:lumMod val="95000"/>
+                    <a:alpha val="70000"/>
                   </a:schemeClr>
                 </a:solidFill>
-                <a:effectLst>
-                  <a:outerShdw blurRad="50800" dist="38100" dir="2700000" algn="tl" rotWithShape="0">
-                    <a:schemeClr val="bg1">
-                      <a:alpha val="43000"/>
-                    </a:schemeClr>
-                  </a:outerShdw>
-                </a:effectLst>
               </a:defRPr>
             </a:lvl1pPr>
           </a:lstStyle>
           <a:p>
             <a:fld id="{CBC48EC7-AF6A-48D3-8284-14BACBEBDD84}" type="datetimeFigureOut">
               <a:rPr lang="en-US" smtClean="0"/>
-              <a:t>6/11/2019</a:t>
+              <a:t>6/12/2019</a:t>
             </a:fld>
             <a:endParaRPr lang="en-US" dirty="0"/>
           </a:p>
@@ -5425,8 +2915,8 @@
         </p:nvSpPr>
         <p:spPr>
           <a:xfrm>
-            <a:off x="913795" y="5883275"/>
-            <a:ext cx="6672865" cy="365125"/>
+            <a:off x="1600200" y="6236208"/>
+            <a:ext cx="5901189" cy="320040"/>
           </a:xfrm>
           <a:prstGeom prst="rect">
             <a:avLst/>
@@ -5436,19 +2926,12 @@
           <a:bodyPr vert="horz" lIns="91440" tIns="45720" rIns="91440" bIns="45720" rtlCol="0" anchor="ctr"/>
           <a:lstStyle>
             <a:lvl1pPr algn="l">
-              <a:defRPr sz="1000">
+              <a:defRPr sz="1050">
                 <a:solidFill>
                   <a:schemeClr val="tx1">
-                    <a:lumMod val="95000"/>
+                    <a:alpha val="70000"/>
                   </a:schemeClr>
                 </a:solidFill>
-                <a:effectLst>
-                  <a:outerShdw blurRad="50800" dist="38100" dir="2700000" algn="tl" rotWithShape="0">
-                    <a:schemeClr val="bg1">
-                      <a:alpha val="43000"/>
-                    </a:schemeClr>
-                  </a:outerShdw>
-                </a:effectLst>
               </a:defRPr>
             </a:lvl1pPr>
           </a:lstStyle>
@@ -5469,30 +2952,28 @@
         </p:nvSpPr>
         <p:spPr>
           <a:xfrm>
-            <a:off x="10514011" y="5883275"/>
-            <a:ext cx="753545" cy="365125"/>
+            <a:off x="10758922" y="6217920"/>
+            <a:ext cx="365760" cy="365760"/>
           </a:xfrm>
-          <a:prstGeom prst="rect">
+          <a:prstGeom prst="ellipse">
             <a:avLst/>
           </a:prstGeom>
+          <a:solidFill>
+            <a:srgbClr val="1D1D1D">
+              <a:alpha val="70000"/>
+            </a:srgbClr>
+          </a:solidFill>
         </p:spPr>
         <p:txBody>
-          <a:bodyPr vert="horz" lIns="91440" tIns="45720" rIns="91440" bIns="45720" rtlCol="0" anchor="ctr"/>
+          <a:bodyPr vert="horz" lIns="18288" tIns="45720" rIns="18288" bIns="45720" rtlCol="0" anchor="ctr">
+            <a:noAutofit/>
+          </a:bodyPr>
           <a:lstStyle>
-            <a:lvl1pPr algn="r">
-              <a:defRPr sz="1000">
+            <a:lvl1pPr algn="ctr">
+              <a:defRPr sz="1100" spc="0" baseline="0">
                 <a:solidFill>
-                  <a:schemeClr val="tx1">
-                    <a:lumMod val="95000"/>
-                  </a:schemeClr>
+                  <a:srgbClr val="FFFFFF"/>
                 </a:solidFill>
-                <a:effectLst>
-                  <a:outerShdw blurRad="50800" dist="38100" dir="2700000" algn="tl" rotWithShape="0">
-                    <a:schemeClr val="bg1">
-                      <a:alpha val="43000"/>
-                    </a:schemeClr>
-                  </a:outerShdw>
-                </a:effectLst>
               </a:defRPr>
             </a:lvl1pPr>
           </a:lstStyle>
@@ -5509,458 +2990,245 @@
     </p:spTree>
     <p:extLst>
       <p:ext uri="{BB962C8B-B14F-4D97-AF65-F5344CB8AC3E}">
-        <p14:creationId xmlns:p14="http://schemas.microsoft.com/office/powerpoint/2010/main" val="1935453946"/>
+        <p14:creationId xmlns:p14="http://schemas.microsoft.com/office/powerpoint/2010/main" val="2856344013"/>
       </p:ext>
     </p:extLst>
   </p:cSld>
-  <p:clrMap bg1="dk1" tx1="lt1" bg2="dk2" tx2="lt2" accent1="accent1" accent2="accent2" accent3="accent3" accent4="accent4" accent5="accent5" accent6="accent6" hlink="hlink" folHlink="folHlink"/>
+  <p:clrMap bg1="lt1" tx1="dk1" bg2="lt2" tx2="dk2" accent1="accent1" accent2="accent2" accent3="accent3" accent4="accent4" accent5="accent5" accent6="accent6" hlink="hlink" folHlink="folHlink"/>
   <p:sldLayoutIdLst>
-    <p:sldLayoutId id="2147483781" r:id="rId1"/>
-    <p:sldLayoutId id="2147483782" r:id="rId2"/>
-    <p:sldLayoutId id="2147483783" r:id="rId3"/>
-    <p:sldLayoutId id="2147483784" r:id="rId4"/>
-    <p:sldLayoutId id="2147483785" r:id="rId5"/>
-    <p:sldLayoutId id="2147483786" r:id="rId6"/>
-    <p:sldLayoutId id="2147483787" r:id="rId7"/>
-    <p:sldLayoutId id="2147483788" r:id="rId8"/>
-    <p:sldLayoutId id="2147483789" r:id="rId9"/>
-    <p:sldLayoutId id="2147483790" r:id="rId10"/>
-    <p:sldLayoutId id="2147483791" r:id="rId11"/>
-    <p:sldLayoutId id="2147483792" r:id="rId12"/>
-    <p:sldLayoutId id="2147483793" r:id="rId13"/>
-    <p:sldLayoutId id="2147483794" r:id="rId14"/>
-    <p:sldLayoutId id="2147483795" r:id="rId15"/>
-    <p:sldLayoutId id="2147483796" r:id="rId16"/>
-    <p:sldLayoutId id="2147483797" r:id="rId17"/>
+    <p:sldLayoutId id="2147483889" r:id="rId1"/>
+    <p:sldLayoutId id="2147483890" r:id="rId2"/>
+    <p:sldLayoutId id="2147483891" r:id="rId3"/>
+    <p:sldLayoutId id="2147483892" r:id="rId4"/>
+    <p:sldLayoutId id="2147483893" r:id="rId5"/>
+    <p:sldLayoutId id="2147483894" r:id="rId6"/>
+    <p:sldLayoutId id="2147483895" r:id="rId7"/>
+    <p:sldLayoutId id="2147483896" r:id="rId8"/>
+    <p:sldLayoutId id="2147483897" r:id="rId9"/>
+    <p:sldLayoutId id="2147483898" r:id="rId10"/>
+    <p:sldLayoutId id="2147483899" r:id="rId11"/>
   </p:sldLayoutIdLst>
   <p:hf sldNum="0" hdr="0" ftr="0" dt="0"/>
   <p:txStyles>
     <p:titleStyle>
-      <a:lvl1pPr algn="ctr" defTabSz="457200" rtl="0" eaLnBrk="1" latinLnBrk="0" hangingPunct="1">
+      <a:lvl1pPr algn="ctr" defTabSz="914400" rtl="0" eaLnBrk="1" latinLnBrk="0" hangingPunct="1">
+        <a:lnSpc>
+          <a:spcPct val="90000"/>
+        </a:lnSpc>
         <a:spcBef>
           <a:spcPct val="0"/>
         </a:spcBef>
         <a:buNone/>
-        <a:defRPr sz="4000" kern="1200">
-          <a:ln>
-            <a:solidFill>
-              <a:schemeClr val="bg1">
-                <a:lumMod val="75000"/>
-                <a:lumOff val="25000"/>
-                <a:alpha val="10000"/>
-              </a:schemeClr>
-            </a:solidFill>
-          </a:ln>
+        <a:defRPr sz="2800" kern="1200" cap="all" spc="200" baseline="0">
           <a:solidFill>
-            <a:schemeClr val="tx2"/>
+            <a:srgbClr val="262626"/>
           </a:solidFill>
-          <a:effectLst>
-            <a:outerShdw blurRad="9525" dist="25400" dir="14640000" algn="tl" rotWithShape="0">
-              <a:schemeClr val="bg1">
-                <a:alpha val="30000"/>
-              </a:schemeClr>
-            </a:outerShdw>
-          </a:effectLst>
           <a:latin typeface="+mj-lt"/>
           <a:ea typeface="+mj-ea"/>
-          <a:cs typeface="Trebuchet MS"/>
+          <a:cs typeface="+mj-cs"/>
         </a:defRPr>
       </a:lvl1pPr>
-      <a:lvl2pPr eaLnBrk="1" hangingPunct="1">
-        <a:defRPr>
-          <a:solidFill>
-            <a:schemeClr val="tx2"/>
-          </a:solidFill>
-        </a:defRPr>
-      </a:lvl2pPr>
-      <a:lvl3pPr eaLnBrk="1" hangingPunct="1">
-        <a:defRPr>
-          <a:solidFill>
-            <a:schemeClr val="tx2"/>
-          </a:solidFill>
-        </a:defRPr>
-      </a:lvl3pPr>
-      <a:lvl4pPr eaLnBrk="1" hangingPunct="1">
-        <a:defRPr>
-          <a:solidFill>
-            <a:schemeClr val="tx2"/>
-          </a:solidFill>
-        </a:defRPr>
-      </a:lvl4pPr>
-      <a:lvl5pPr eaLnBrk="1" hangingPunct="1">
-        <a:defRPr>
-          <a:solidFill>
-            <a:schemeClr val="tx2"/>
-          </a:solidFill>
-        </a:defRPr>
-      </a:lvl5pPr>
-      <a:lvl6pPr eaLnBrk="1" hangingPunct="1">
-        <a:defRPr>
-          <a:solidFill>
-            <a:schemeClr val="tx2"/>
-          </a:solidFill>
-        </a:defRPr>
-      </a:lvl6pPr>
-      <a:lvl7pPr eaLnBrk="1" hangingPunct="1">
-        <a:defRPr>
-          <a:solidFill>
-            <a:schemeClr val="tx2"/>
-          </a:solidFill>
-        </a:defRPr>
-      </a:lvl7pPr>
-      <a:lvl8pPr eaLnBrk="1" hangingPunct="1">
-        <a:defRPr>
-          <a:solidFill>
-            <a:schemeClr val="tx2"/>
-          </a:solidFill>
-        </a:defRPr>
-      </a:lvl8pPr>
-      <a:lvl9pPr eaLnBrk="1" hangingPunct="1">
-        <a:defRPr>
-          <a:solidFill>
-            <a:schemeClr val="tx2"/>
-          </a:solidFill>
-        </a:defRPr>
-      </a:lvl9pPr>
     </p:titleStyle>
     <p:bodyStyle>
-      <a:lvl1pPr marL="342900" indent="-306000" algn="l" defTabSz="457200" rtl="0" eaLnBrk="1" latinLnBrk="0" hangingPunct="1">
+      <a:lvl1pPr marL="228600" indent="-228600" algn="l" defTabSz="914400" rtl="0" eaLnBrk="1" latinLnBrk="0" hangingPunct="1">
+        <a:lnSpc>
+          <a:spcPct val="100000"/>
+        </a:lnSpc>
         <a:spcBef>
-          <a:spcPct val="20000"/>
+          <a:spcPts val="1000"/>
         </a:spcBef>
-        <a:spcAft>
-          <a:spcPts val="600"/>
-        </a:spcAft>
         <a:buClr>
-          <a:schemeClr val="tx2"/>
+          <a:schemeClr val="accent2"/>
         </a:buClr>
-        <a:buSzPct val="70000"/>
-        <a:buFont typeface="Wingdings 2" charset="2"/>
-        <a:buChar char=""/>
-        <a:defRPr sz="2000" kern="1200">
-          <a:ln>
-            <a:solidFill>
-              <a:schemeClr val="bg1">
-                <a:lumMod val="75000"/>
-                <a:lumOff val="25000"/>
-                <a:alpha val="10000"/>
-              </a:schemeClr>
-            </a:solidFill>
-          </a:ln>
+        <a:buFont typeface="Arial" panose="020B0604020202020204" pitchFamily="34" charset="0"/>
+        <a:buChar char="•"/>
+        <a:defRPr sz="1800" kern="1200">
           <a:solidFill>
-            <a:schemeClr val="tx2"/>
+            <a:schemeClr val="tx1">
+              <a:lumMod val="85000"/>
+              <a:lumOff val="15000"/>
+            </a:schemeClr>
           </a:solidFill>
-          <a:effectLst>
-            <a:outerShdw blurRad="9525" dist="25400" dir="14640000" algn="tl" rotWithShape="0">
-              <a:schemeClr val="bg1">
-                <a:alpha val="30000"/>
-              </a:schemeClr>
-            </a:outerShdw>
-          </a:effectLst>
           <a:latin typeface="+mn-lt"/>
           <a:ea typeface="+mn-ea"/>
           <a:cs typeface="+mn-cs"/>
         </a:defRPr>
       </a:lvl1pPr>
-      <a:lvl2pPr marL="720000" indent="-270000" algn="l" defTabSz="457200" rtl="0" eaLnBrk="1" latinLnBrk="0" hangingPunct="1">
+      <a:lvl2pPr marL="457200" indent="-228600" algn="l" defTabSz="914400" rtl="0" eaLnBrk="1" latinLnBrk="0" hangingPunct="1">
+        <a:lnSpc>
+          <a:spcPct val="100000"/>
+        </a:lnSpc>
         <a:spcBef>
-          <a:spcPct val="20000"/>
+          <a:spcPts val="1000"/>
         </a:spcBef>
-        <a:spcAft>
-          <a:spcPts val="600"/>
-        </a:spcAft>
         <a:buClr>
-          <a:schemeClr val="tx2"/>
+          <a:schemeClr val="accent2"/>
         </a:buClr>
-        <a:buSzPct val="70000"/>
-        <a:buFont typeface="Wingdings 2" charset="2"/>
-        <a:buChar char=""/>
-        <a:defRPr sz="1800" kern="1200">
-          <a:ln>
-            <a:solidFill>
-              <a:schemeClr val="bg1">
-                <a:lumMod val="75000"/>
-                <a:lumOff val="25000"/>
-                <a:alpha val="10000"/>
-              </a:schemeClr>
-            </a:solidFill>
-          </a:ln>
+        <a:buFont typeface="Arial" panose="020B0604020202020204" pitchFamily="34" charset="0"/>
+        <a:buChar char="•"/>
+        <a:defRPr sz="1600" kern="1200">
           <a:solidFill>
-            <a:schemeClr val="tx2"/>
+            <a:schemeClr val="tx1">
+              <a:lumMod val="85000"/>
+              <a:lumOff val="15000"/>
+            </a:schemeClr>
           </a:solidFill>
-          <a:effectLst>
-            <a:outerShdw blurRad="9525" dist="25400" dir="14640000" algn="tl" rotWithShape="0">
-              <a:schemeClr val="bg1">
-                <a:alpha val="30000"/>
-              </a:schemeClr>
-            </a:outerShdw>
-          </a:effectLst>
           <a:latin typeface="+mn-lt"/>
           <a:ea typeface="+mn-ea"/>
           <a:cs typeface="+mn-cs"/>
         </a:defRPr>
       </a:lvl2pPr>
-      <a:lvl3pPr marL="1026000" indent="-216000" algn="l" defTabSz="457200" rtl="0" eaLnBrk="1" latinLnBrk="0" hangingPunct="1">
+      <a:lvl3pPr marL="685800" indent="-228600" algn="l" defTabSz="914400" rtl="0" eaLnBrk="1" latinLnBrk="0" hangingPunct="1">
+        <a:lnSpc>
+          <a:spcPct val="100000"/>
+        </a:lnSpc>
         <a:spcBef>
-          <a:spcPct val="20000"/>
+          <a:spcPts val="1000"/>
         </a:spcBef>
-        <a:spcAft>
-          <a:spcPts val="600"/>
-        </a:spcAft>
         <a:buClr>
-          <a:schemeClr val="tx2"/>
+          <a:schemeClr val="accent2"/>
         </a:buClr>
-        <a:buSzPct val="70000"/>
-        <a:buFont typeface="Wingdings 2" charset="2"/>
-        <a:buChar char=""/>
+        <a:buFont typeface="Arial" panose="020B0604020202020204" pitchFamily="34" charset="0"/>
+        <a:buChar char="•"/>
         <a:defRPr sz="1600" kern="1200">
-          <a:ln>
-            <a:solidFill>
-              <a:schemeClr val="bg1">
-                <a:lumMod val="75000"/>
-                <a:lumOff val="25000"/>
-                <a:alpha val="10000"/>
-              </a:schemeClr>
-            </a:solidFill>
-          </a:ln>
           <a:solidFill>
-            <a:schemeClr val="tx2"/>
+            <a:schemeClr val="tx1">
+              <a:lumMod val="85000"/>
+              <a:lumOff val="15000"/>
+            </a:schemeClr>
           </a:solidFill>
-          <a:effectLst>
-            <a:outerShdw blurRad="9525" dist="25400" dir="14640000" algn="tl" rotWithShape="0">
-              <a:schemeClr val="bg1">
-                <a:alpha val="30000"/>
-              </a:schemeClr>
-            </a:outerShdw>
-          </a:effectLst>
           <a:latin typeface="+mn-lt"/>
           <a:ea typeface="+mn-ea"/>
           <a:cs typeface="+mn-cs"/>
         </a:defRPr>
       </a:lvl3pPr>
-      <a:lvl4pPr marL="1386000" indent="-216000" algn="l" defTabSz="457200" rtl="0" eaLnBrk="1" latinLnBrk="0" hangingPunct="1">
+      <a:lvl4pPr marL="914400" indent="-228600" algn="l" defTabSz="914400" rtl="0" eaLnBrk="1" latinLnBrk="0" hangingPunct="1">
+        <a:lnSpc>
+          <a:spcPct val="100000"/>
+        </a:lnSpc>
         <a:spcBef>
-          <a:spcPct val="20000"/>
+          <a:spcPts val="1000"/>
         </a:spcBef>
-        <a:spcAft>
-          <a:spcPts val="600"/>
-        </a:spcAft>
         <a:buClr>
-          <a:schemeClr val="tx2"/>
+          <a:schemeClr val="accent2"/>
         </a:buClr>
-        <a:buSzPct val="70000"/>
-        <a:buFont typeface="Wingdings 2" charset="2"/>
-        <a:buChar char=""/>
-        <a:defRPr sz="1400" kern="1200">
-          <a:ln>
-            <a:solidFill>
-              <a:schemeClr val="bg1">
-                <a:lumMod val="75000"/>
-                <a:lumOff val="25000"/>
-                <a:alpha val="10000"/>
-              </a:schemeClr>
-            </a:solidFill>
-          </a:ln>
+        <a:buFont typeface="Arial" panose="020B0604020202020204" pitchFamily="34" charset="0"/>
+        <a:buChar char="•"/>
+        <a:defRPr sz="1600" kern="1200">
           <a:solidFill>
-            <a:schemeClr val="tx2"/>
+            <a:schemeClr val="tx1">
+              <a:lumMod val="85000"/>
+              <a:lumOff val="15000"/>
+            </a:schemeClr>
           </a:solidFill>
-          <a:effectLst>
-            <a:outerShdw blurRad="9525" dist="25400" dir="14640000" algn="tl" rotWithShape="0">
-              <a:schemeClr val="bg1">
-                <a:alpha val="30000"/>
-              </a:schemeClr>
-            </a:outerShdw>
-          </a:effectLst>
           <a:latin typeface="+mn-lt"/>
           <a:ea typeface="+mn-ea"/>
           <a:cs typeface="+mn-cs"/>
         </a:defRPr>
       </a:lvl4pPr>
-      <a:lvl5pPr marL="1674000" indent="-216000" algn="l" defTabSz="457200" rtl="0" eaLnBrk="1" latinLnBrk="0" hangingPunct="1">
+      <a:lvl5pPr marL="1143000" indent="-228600" algn="l" defTabSz="914400" rtl="0" eaLnBrk="1" latinLnBrk="0" hangingPunct="1">
+        <a:lnSpc>
+          <a:spcPct val="100000"/>
+        </a:lnSpc>
         <a:spcBef>
-          <a:spcPct val="20000"/>
+          <a:spcPts val="1000"/>
         </a:spcBef>
-        <a:spcAft>
-          <a:spcPts val="600"/>
-        </a:spcAft>
         <a:buClr>
-          <a:schemeClr val="tx2"/>
+          <a:schemeClr val="accent2"/>
         </a:buClr>
-        <a:buSzPct val="70000"/>
-        <a:buFont typeface="Wingdings 2" charset="2"/>
-        <a:buChar char=""/>
-        <a:defRPr sz="1400" kern="1200">
-          <a:ln>
-            <a:solidFill>
-              <a:schemeClr val="bg1">
-                <a:lumMod val="75000"/>
-                <a:lumOff val="25000"/>
-                <a:alpha val="10000"/>
-              </a:schemeClr>
-            </a:solidFill>
-          </a:ln>
+        <a:buFont typeface="Arial" panose="020B0604020202020204" pitchFamily="34" charset="0"/>
+        <a:buChar char="•"/>
+        <a:defRPr sz="1600" kern="1200">
           <a:solidFill>
-            <a:schemeClr val="tx2"/>
+            <a:schemeClr val="tx1">
+              <a:lumMod val="85000"/>
+              <a:lumOff val="15000"/>
+            </a:schemeClr>
           </a:solidFill>
-          <a:effectLst>
-            <a:outerShdw blurRad="9525" dist="25400" dir="14640000" algn="tl" rotWithShape="0">
-              <a:schemeClr val="bg1">
-                <a:alpha val="30000"/>
-              </a:schemeClr>
-            </a:outerShdw>
-          </a:effectLst>
           <a:latin typeface="+mn-lt"/>
           <a:ea typeface="+mn-ea"/>
           <a:cs typeface="+mn-cs"/>
         </a:defRPr>
       </a:lvl5pPr>
-      <a:lvl6pPr marL="2014600" indent="-228600" algn="l" defTabSz="457200" rtl="0" eaLnBrk="1" latinLnBrk="0" hangingPunct="1">
+      <a:lvl6pPr marL="1312863" indent="-228600" algn="l" defTabSz="914400" rtl="0" eaLnBrk="1" latinLnBrk="0" hangingPunct="1">
+        <a:lnSpc>
+          <a:spcPct val="100000"/>
+        </a:lnSpc>
         <a:spcBef>
-          <a:spcPct val="20000"/>
+          <a:spcPts val="1000"/>
         </a:spcBef>
-        <a:spcAft>
-          <a:spcPts val="600"/>
-        </a:spcAft>
         <a:buClr>
-          <a:schemeClr val="tx2"/>
+          <a:schemeClr val="accent2"/>
         </a:buClr>
-        <a:buSzPct val="70000"/>
-        <a:buFont typeface="Wingdings 2" charset="2"/>
-        <a:buChar char=""/>
-        <a:defRPr sz="1400" kern="1200">
-          <a:ln>
-            <a:solidFill>
-              <a:schemeClr val="bg1">
-                <a:lumMod val="75000"/>
-                <a:lumOff val="25000"/>
-                <a:alpha val="10000"/>
-              </a:schemeClr>
-            </a:solidFill>
-          </a:ln>
+        <a:buFont typeface="Arial" panose="020B0604020202020204" pitchFamily="34" charset="0"/>
+        <a:buChar char="•"/>
+        <a:defRPr sz="1600" kern="1200">
           <a:solidFill>
-            <a:schemeClr val="tx2"/>
+            <a:schemeClr val="tx1"/>
           </a:solidFill>
-          <a:effectLst>
-            <a:outerShdw blurRad="9525" dist="25400" dir="14640000" algn="tl" rotWithShape="0">
-              <a:schemeClr val="bg1">
-                <a:alpha val="30000"/>
-              </a:schemeClr>
-            </a:outerShdw>
-          </a:effectLst>
           <a:latin typeface="+mn-lt"/>
           <a:ea typeface="+mn-ea"/>
           <a:cs typeface="+mn-cs"/>
         </a:defRPr>
       </a:lvl6pPr>
-      <a:lvl7pPr marL="2401800" indent="-228600" algn="l" defTabSz="457200" rtl="0" eaLnBrk="1" latinLnBrk="0" hangingPunct="1">
+      <a:lvl7pPr marL="1484313" indent="-228600" algn="l" defTabSz="914400" rtl="0" eaLnBrk="1" latinLnBrk="0" hangingPunct="1">
+        <a:lnSpc>
+          <a:spcPct val="100000"/>
+        </a:lnSpc>
         <a:spcBef>
-          <a:spcPct val="20000"/>
+          <a:spcPts val="1000"/>
         </a:spcBef>
-        <a:spcAft>
-          <a:spcPts val="600"/>
-        </a:spcAft>
         <a:buClr>
-          <a:schemeClr val="tx2"/>
+          <a:schemeClr val="accent2"/>
         </a:buClr>
-        <a:buSzPct val="70000"/>
-        <a:buFont typeface="Wingdings 2" charset="2"/>
-        <a:buChar char=""/>
-        <a:defRPr sz="1400" kern="1200">
-          <a:ln>
-            <a:solidFill>
-              <a:schemeClr val="bg1">
-                <a:lumMod val="75000"/>
-                <a:lumOff val="25000"/>
-                <a:alpha val="10000"/>
-              </a:schemeClr>
-            </a:solidFill>
-          </a:ln>
+        <a:buFont typeface="Arial" panose="020B0604020202020204" pitchFamily="34" charset="0"/>
+        <a:buChar char="•"/>
+        <a:defRPr sz="1600" kern="1200">
           <a:solidFill>
-            <a:schemeClr val="tx2"/>
+            <a:schemeClr val="tx1"/>
           </a:solidFill>
-          <a:effectLst>
-            <a:outerShdw blurRad="9525" dist="25400" dir="14640000" algn="tl" rotWithShape="0">
-              <a:schemeClr val="bg1">
-                <a:alpha val="30000"/>
-              </a:schemeClr>
-            </a:outerShdw>
-          </a:effectLst>
           <a:latin typeface="+mn-lt"/>
           <a:ea typeface="+mn-ea"/>
           <a:cs typeface="+mn-cs"/>
         </a:defRPr>
       </a:lvl7pPr>
-      <a:lvl8pPr marL="2789000" indent="-228600" algn="l" defTabSz="457200" rtl="0" eaLnBrk="1" latinLnBrk="0" hangingPunct="1">
+      <a:lvl8pPr marL="1657350" indent="-228600" algn="l" defTabSz="914400" rtl="0" eaLnBrk="1" latinLnBrk="0" hangingPunct="1">
+        <a:lnSpc>
+          <a:spcPct val="100000"/>
+        </a:lnSpc>
         <a:spcBef>
-          <a:spcPct val="20000"/>
+          <a:spcPts val="1000"/>
         </a:spcBef>
-        <a:spcAft>
-          <a:spcPts val="600"/>
-        </a:spcAft>
         <a:buClr>
-          <a:schemeClr val="tx2"/>
+          <a:schemeClr val="accent2"/>
         </a:buClr>
-        <a:buSzPct val="70000"/>
-        <a:buFont typeface="Wingdings 2" charset="2"/>
-        <a:buChar char=""/>
-        <a:defRPr sz="1400" kern="1200">
-          <a:ln>
-            <a:solidFill>
-              <a:schemeClr val="bg1">
-                <a:lumMod val="75000"/>
-                <a:lumOff val="25000"/>
-                <a:alpha val="10000"/>
-              </a:schemeClr>
-            </a:solidFill>
-          </a:ln>
+        <a:buFont typeface="Arial" panose="020B0604020202020204" pitchFamily="34" charset="0"/>
+        <a:buChar char="•"/>
+        <a:defRPr sz="1600" kern="1200" baseline="0">
           <a:solidFill>
-            <a:schemeClr val="tx2"/>
+            <a:schemeClr val="tx1"/>
           </a:solidFill>
-          <a:effectLst>
-            <a:outerShdw blurRad="9525" dist="25400" dir="14640000" algn="tl" rotWithShape="0">
-              <a:schemeClr val="bg1">
-                <a:alpha val="30000"/>
-              </a:schemeClr>
-            </a:outerShdw>
-          </a:effectLst>
           <a:latin typeface="+mn-lt"/>
           <a:ea typeface="+mn-ea"/>
           <a:cs typeface="+mn-cs"/>
         </a:defRPr>
       </a:lvl8pPr>
-      <a:lvl9pPr marL="3106200" indent="-228600" algn="l" defTabSz="457200" rtl="0" eaLnBrk="1" latinLnBrk="0" hangingPunct="1">
+      <a:lvl9pPr marL="1882775" indent="-228600" algn="l" defTabSz="914400" rtl="0" eaLnBrk="1" latinLnBrk="0" hangingPunct="1">
+        <a:lnSpc>
+          <a:spcPct val="100000"/>
+        </a:lnSpc>
         <a:spcBef>
-          <a:spcPct val="20000"/>
+          <a:spcPts val="1000"/>
         </a:spcBef>
-        <a:spcAft>
-          <a:spcPts val="600"/>
-        </a:spcAft>
         <a:buClr>
-          <a:schemeClr val="tx2"/>
+          <a:schemeClr val="accent2"/>
         </a:buClr>
-        <a:buSzPct val="70000"/>
-        <a:buFont typeface="Wingdings 2" charset="2"/>
-        <a:buChar char=""/>
-        <a:defRPr sz="1400" kern="1200">
-          <a:ln>
-            <a:solidFill>
-              <a:schemeClr val="bg1">
-                <a:lumMod val="75000"/>
-                <a:lumOff val="25000"/>
-                <a:alpha val="10000"/>
-              </a:schemeClr>
-            </a:solidFill>
-          </a:ln>
+        <a:buFont typeface="Arial" panose="020B0604020202020204" pitchFamily="34" charset="0"/>
+        <a:buChar char="•"/>
+        <a:defRPr sz="1600" kern="1200" baseline="0">
           <a:solidFill>
-            <a:schemeClr val="tx2"/>
+            <a:schemeClr val="tx1"/>
           </a:solidFill>
-          <a:effectLst>
-            <a:outerShdw blurRad="9525" dist="25400" dir="14640000" algn="tl" rotWithShape="0">
-              <a:schemeClr val="bg1">
-                <a:alpha val="30000"/>
-              </a:schemeClr>
-            </a:outerShdw>
-          </a:effectLst>
           <a:latin typeface="+mn-lt"/>
           <a:ea typeface="+mn-ea"/>
           <a:cs typeface="+mn-cs"/>
@@ -5971,7 +3239,7 @@
       <a:defPPr>
         <a:defRPr lang="en-US"/>
       </a:defPPr>
-      <a:lvl1pPr marL="0" algn="l" defTabSz="457200" rtl="0" eaLnBrk="1" latinLnBrk="0" hangingPunct="1">
+      <a:lvl1pPr marL="0" algn="l" defTabSz="914400" rtl="0" eaLnBrk="1" latinLnBrk="0" hangingPunct="1">
         <a:defRPr sz="1800" kern="1200">
           <a:solidFill>
             <a:schemeClr val="tx1"/>
@@ -5981,7 +3249,7 @@
           <a:cs typeface="+mn-cs"/>
         </a:defRPr>
       </a:lvl1pPr>
-      <a:lvl2pPr marL="457200" algn="l" defTabSz="457200" rtl="0" eaLnBrk="1" latinLnBrk="0" hangingPunct="1">
+      <a:lvl2pPr marL="457200" algn="l" defTabSz="914400" rtl="0" eaLnBrk="1" latinLnBrk="0" hangingPunct="1">
         <a:defRPr sz="1800" kern="1200">
           <a:solidFill>
             <a:schemeClr val="tx1"/>
@@ -5991,7 +3259,7 @@
           <a:cs typeface="+mn-cs"/>
         </a:defRPr>
       </a:lvl2pPr>
-      <a:lvl3pPr marL="914400" algn="l" defTabSz="457200" rtl="0" eaLnBrk="1" latinLnBrk="0" hangingPunct="1">
+      <a:lvl3pPr marL="914400" algn="l" defTabSz="914400" rtl="0" eaLnBrk="1" latinLnBrk="0" hangingPunct="1">
         <a:defRPr sz="1800" kern="1200">
           <a:solidFill>
             <a:schemeClr val="tx1"/>
@@ -6001,7 +3269,7 @@
           <a:cs typeface="+mn-cs"/>
         </a:defRPr>
       </a:lvl3pPr>
-      <a:lvl4pPr marL="1371600" algn="l" defTabSz="457200" rtl="0" eaLnBrk="1" latinLnBrk="0" hangingPunct="1">
+      <a:lvl4pPr marL="1371600" algn="l" defTabSz="914400" rtl="0" eaLnBrk="1" latinLnBrk="0" hangingPunct="1">
         <a:defRPr sz="1800" kern="1200">
           <a:solidFill>
             <a:schemeClr val="tx1"/>
@@ -6011,7 +3279,7 @@
           <a:cs typeface="+mn-cs"/>
         </a:defRPr>
       </a:lvl4pPr>
-      <a:lvl5pPr marL="1828800" algn="l" defTabSz="457200" rtl="0" eaLnBrk="1" latinLnBrk="0" hangingPunct="1">
+      <a:lvl5pPr marL="1828800" algn="l" defTabSz="914400" rtl="0" eaLnBrk="1" latinLnBrk="0" hangingPunct="1">
         <a:defRPr sz="1800" kern="1200">
           <a:solidFill>
             <a:schemeClr val="tx1"/>
@@ -6021,7 +3289,7 @@
           <a:cs typeface="+mn-cs"/>
         </a:defRPr>
       </a:lvl5pPr>
-      <a:lvl6pPr marL="2286000" algn="l" defTabSz="457200" rtl="0" eaLnBrk="1" latinLnBrk="0" hangingPunct="1">
+      <a:lvl6pPr marL="2286000" algn="l" defTabSz="914400" rtl="0" eaLnBrk="1" latinLnBrk="0" hangingPunct="1">
         <a:defRPr sz="1800" kern="1200">
           <a:solidFill>
             <a:schemeClr val="tx1"/>
@@ -6031,7 +3299,7 @@
           <a:cs typeface="+mn-cs"/>
         </a:defRPr>
       </a:lvl6pPr>
-      <a:lvl7pPr marL="2743200" algn="l" defTabSz="457200" rtl="0" eaLnBrk="1" latinLnBrk="0" hangingPunct="1">
+      <a:lvl7pPr marL="2743200" algn="l" defTabSz="914400" rtl="0" eaLnBrk="1" latinLnBrk="0" hangingPunct="1">
         <a:defRPr sz="1800" kern="1200">
           <a:solidFill>
             <a:schemeClr val="tx1"/>
@@ -6041,7 +3309,7 @@
           <a:cs typeface="+mn-cs"/>
         </a:defRPr>
       </a:lvl7pPr>
-      <a:lvl8pPr marL="3200400" algn="l" defTabSz="457200" rtl="0" eaLnBrk="1" latinLnBrk="0" hangingPunct="1">
+      <a:lvl8pPr marL="3200400" algn="l" defTabSz="914400" rtl="0" eaLnBrk="1" latinLnBrk="0" hangingPunct="1">
         <a:defRPr sz="1800" kern="1200">
           <a:solidFill>
             <a:schemeClr val="tx1"/>
@@ -6051,7 +3319,7 @@
           <a:cs typeface="+mn-cs"/>
         </a:defRPr>
       </a:lvl8pPr>
-      <a:lvl9pPr marL="3657600" algn="l" defTabSz="457200" rtl="0" eaLnBrk="1" latinLnBrk="0" hangingPunct="1">
+      <a:lvl9pPr marL="3657600" algn="l" defTabSz="914400" rtl="0" eaLnBrk="1" latinLnBrk="0" hangingPunct="1">
         <a:defRPr sz="1800" kern="1200">
           <a:solidFill>
             <a:schemeClr val="tx1"/>
@@ -6100,17 +3368,19 @@
           </a:xfrm>
         </p:spPr>
         <p:txBody>
-          <a:bodyPr/>
+          <a:bodyPr>
+            <a:noAutofit/>
+          </a:bodyPr>
           <a:lstStyle/>
           <a:p>
             <a:r>
-              <a:rPr lang="ru-RU" sz="3200" dirty="0" smtClean="0">
+              <a:rPr lang="ru-RU" sz="2400" dirty="0" smtClean="0">
                 <a:latin typeface="Arial" panose="020B0604020202020204" pitchFamily="34" charset="0"/>
                 <a:cs typeface="Arial" panose="020B0604020202020204" pitchFamily="34" charset="0"/>
               </a:rPr>
               <a:t>Разработка системы автоматизированного персонализированного контроля знаний на виртуальных лабораторных стендах</a:t>
             </a:r>
-            <a:endParaRPr lang="ru-RU" sz="3200" dirty="0">
+            <a:endParaRPr lang="ru-RU" sz="2400" dirty="0">
               <a:latin typeface="Arial" panose="020B0604020202020204" pitchFamily="34" charset="0"/>
               <a:cs typeface="Arial" panose="020B0604020202020204" pitchFamily="34" charset="0"/>
             </a:endParaRPr>
@@ -6240,6 +3510,41 @@
       </p:grpSpPr>
       <p:sp>
         <p:nvSpPr>
+          <p:cNvPr id="12" name="Заголовок 1"/>
+          <p:cNvSpPr>
+            <a:spLocks noGrp="1"/>
+          </p:cNvSpPr>
+          <p:nvPr>
+            <p:ph type="title"/>
+          </p:nvPr>
+        </p:nvSpPr>
+        <p:spPr>
+          <a:xfrm>
+            <a:off x="1235075" y="4763"/>
+            <a:ext cx="9937750" cy="1371600"/>
+          </a:xfrm>
+        </p:spPr>
+        <p:txBody>
+          <a:bodyPr/>
+          <a:lstStyle/>
+          <a:p>
+            <a:pPr algn="ctr"/>
+            <a:r>
+              <a:rPr lang="ru-RU" dirty="0" smtClean="0">
+                <a:latin typeface="Arial" panose="020B0604020202020204" pitchFamily="34" charset="0"/>
+                <a:cs typeface="Arial" panose="020B0604020202020204" pitchFamily="34" charset="0"/>
+              </a:rPr>
+              <a:t>Обзор внедренных изменений</a:t>
+            </a:r>
+            <a:endParaRPr lang="ru-RU" dirty="0">
+              <a:latin typeface="Arial" panose="020B0604020202020204" pitchFamily="34" charset="0"/>
+              <a:cs typeface="Arial" panose="020B0604020202020204" pitchFamily="34" charset="0"/>
+            </a:endParaRPr>
+          </a:p>
+        </p:txBody>
+      </p:sp>
+      <p:sp>
+        <p:nvSpPr>
           <p:cNvPr id="3" name="Объект 2"/>
           <p:cNvSpPr>
             <a:spLocks noGrp="1"/>
@@ -6266,35 +3571,7 @@
                 <a:latin typeface="Arial" panose="020B0604020202020204" pitchFamily="34" charset="0"/>
                 <a:cs typeface="Arial" panose="020B0604020202020204" pitchFamily="34" charset="0"/>
               </a:rPr>
-              <a:t>Вывод </a:t>
-            </a:r>
-            <a:r>
-              <a:rPr lang="ru-RU" sz="1900" dirty="0" smtClean="0">
-                <a:latin typeface="Arial" panose="020B0604020202020204" pitchFamily="34" charset="0"/>
-                <a:cs typeface="Arial" panose="020B0604020202020204" pitchFamily="34" charset="0"/>
-              </a:rPr>
-              <a:t>статистики</a:t>
-            </a:r>
-            <a:r>
-              <a:rPr lang="ru-RU" sz="1900" dirty="0" smtClean="0">
-                <a:latin typeface="Arial" panose="020B0604020202020204" pitchFamily="34" charset="0"/>
-                <a:cs typeface="Arial" panose="020B0604020202020204" pitchFamily="34" charset="0"/>
-              </a:rPr>
-              <a:t> </a:t>
-            </a:r>
-            <a:r>
-              <a:rPr lang="ru-RU" sz="1900" dirty="0" smtClean="0">
-                <a:latin typeface="Arial" panose="020B0604020202020204" pitchFamily="34" charset="0"/>
-                <a:cs typeface="Arial" panose="020B0604020202020204" pitchFamily="34" charset="0"/>
-              </a:rPr>
-              <a:t>в виде </a:t>
-            </a:r>
-            <a:r>
-              <a:rPr lang="ru-RU" sz="1900" dirty="0" smtClean="0">
-                <a:latin typeface="Arial" panose="020B0604020202020204" pitchFamily="34" charset="0"/>
-                <a:cs typeface="Arial" panose="020B0604020202020204" pitchFamily="34" charset="0"/>
-              </a:rPr>
-              <a:t>гистограммы</a:t>
+              <a:t>Вывод статистики в виде гистограммы</a:t>
             </a:r>
             <a:endParaRPr lang="ru-RU" sz="1900" dirty="0">
               <a:latin typeface="Arial" panose="020B0604020202020204" pitchFamily="34" charset="0"/>
@@ -6441,41 +3718,6 @@
           </a:ln>
         </p:spPr>
       </p:pic>
-      <p:sp>
-        <p:nvSpPr>
-          <p:cNvPr id="12" name="Заголовок 1"/>
-          <p:cNvSpPr>
-            <a:spLocks noGrp="1"/>
-          </p:cNvSpPr>
-          <p:nvPr>
-            <p:ph type="title"/>
-          </p:nvPr>
-        </p:nvSpPr>
-        <p:spPr>
-          <a:xfrm>
-            <a:off x="1235075" y="4763"/>
-            <a:ext cx="9937750" cy="1371600"/>
-          </a:xfrm>
-        </p:spPr>
-        <p:txBody>
-          <a:bodyPr/>
-          <a:lstStyle/>
-          <a:p>
-            <a:pPr algn="ctr"/>
-            <a:r>
-              <a:rPr lang="ru-RU" dirty="0" smtClean="0">
-                <a:latin typeface="Arial" panose="020B0604020202020204" pitchFamily="34" charset="0"/>
-                <a:cs typeface="Arial" panose="020B0604020202020204" pitchFamily="34" charset="0"/>
-              </a:rPr>
-              <a:t>Обзор внедренных изменений</a:t>
-            </a:r>
-            <a:endParaRPr lang="ru-RU" dirty="0">
-              <a:latin typeface="Arial" panose="020B0604020202020204" pitchFamily="34" charset="0"/>
-              <a:cs typeface="Arial" panose="020B0604020202020204" pitchFamily="34" charset="0"/>
-            </a:endParaRPr>
-          </a:p>
-        </p:txBody>
-      </p:sp>
     </p:spTree>
     <p:extLst>
       <p:ext uri="{BB962C8B-B14F-4D97-AF65-F5344CB8AC3E}">
@@ -6525,6 +3767,41 @@
           <a:chExt cx="0" cy="0"/>
         </a:xfrm>
       </p:grpSpPr>
+      <p:sp>
+        <p:nvSpPr>
+          <p:cNvPr id="10" name="Заголовок 1"/>
+          <p:cNvSpPr>
+            <a:spLocks noGrp="1"/>
+          </p:cNvSpPr>
+          <p:nvPr>
+            <p:ph type="title"/>
+          </p:nvPr>
+        </p:nvSpPr>
+        <p:spPr>
+          <a:xfrm>
+            <a:off x="1235075" y="-3983"/>
+            <a:ext cx="9937750" cy="1371600"/>
+          </a:xfrm>
+        </p:spPr>
+        <p:txBody>
+          <a:bodyPr/>
+          <a:lstStyle/>
+          <a:p>
+            <a:pPr algn="ctr"/>
+            <a:r>
+              <a:rPr lang="ru-RU" dirty="0" smtClean="0">
+                <a:latin typeface="Arial" panose="020B0604020202020204" pitchFamily="34" charset="0"/>
+                <a:cs typeface="Arial" panose="020B0604020202020204" pitchFamily="34" charset="0"/>
+              </a:rPr>
+              <a:t>Обзор внедренных изменений</a:t>
+            </a:r>
+            <a:endParaRPr lang="ru-RU" dirty="0">
+              <a:latin typeface="Arial" panose="020B0604020202020204" pitchFamily="34" charset="0"/>
+              <a:cs typeface="Arial" panose="020B0604020202020204" pitchFamily="34" charset="0"/>
+            </a:endParaRPr>
+          </a:p>
+        </p:txBody>
+      </p:sp>
       <p:sp>
         <p:nvSpPr>
           <p:cNvPr id="3" name="Объект 2"/>
@@ -6731,41 +4008,6 @@
           </a:ln>
         </p:spPr>
       </p:pic>
-      <p:sp>
-        <p:nvSpPr>
-          <p:cNvPr id="10" name="Заголовок 1"/>
-          <p:cNvSpPr>
-            <a:spLocks noGrp="1"/>
-          </p:cNvSpPr>
-          <p:nvPr>
-            <p:ph type="title"/>
-          </p:nvPr>
-        </p:nvSpPr>
-        <p:spPr>
-          <a:xfrm>
-            <a:off x="1235075" y="-3983"/>
-            <a:ext cx="9937750" cy="1371600"/>
-          </a:xfrm>
-        </p:spPr>
-        <p:txBody>
-          <a:bodyPr/>
-          <a:lstStyle/>
-          <a:p>
-            <a:pPr algn="ctr"/>
-            <a:r>
-              <a:rPr lang="ru-RU" dirty="0" smtClean="0">
-                <a:latin typeface="Arial" panose="020B0604020202020204" pitchFamily="34" charset="0"/>
-                <a:cs typeface="Arial" panose="020B0604020202020204" pitchFamily="34" charset="0"/>
-              </a:rPr>
-              <a:t>Обзор внедренных изменений</a:t>
-            </a:r>
-            <a:endParaRPr lang="ru-RU" dirty="0">
-              <a:latin typeface="Arial" panose="020B0604020202020204" pitchFamily="34" charset="0"/>
-              <a:cs typeface="Arial" panose="020B0604020202020204" pitchFamily="34" charset="0"/>
-            </a:endParaRPr>
-          </a:p>
-        </p:txBody>
-      </p:sp>
     </p:spTree>
     <p:extLst>
       <p:ext uri="{BB962C8B-B14F-4D97-AF65-F5344CB8AC3E}">
@@ -6817,6 +4059,41 @@
       </p:grpSpPr>
       <p:sp>
         <p:nvSpPr>
+          <p:cNvPr id="7" name="Заголовок 1"/>
+          <p:cNvSpPr>
+            <a:spLocks noGrp="1"/>
+          </p:cNvSpPr>
+          <p:nvPr>
+            <p:ph type="title"/>
+          </p:nvPr>
+        </p:nvSpPr>
+        <p:spPr>
+          <a:xfrm>
+            <a:off x="1235075" y="4763"/>
+            <a:ext cx="9937750" cy="1371600"/>
+          </a:xfrm>
+        </p:spPr>
+        <p:txBody>
+          <a:bodyPr/>
+          <a:lstStyle/>
+          <a:p>
+            <a:pPr algn="ctr"/>
+            <a:r>
+              <a:rPr lang="ru-RU" dirty="0" smtClean="0">
+                <a:latin typeface="Arial" panose="020B0604020202020204" pitchFamily="34" charset="0"/>
+                <a:cs typeface="Arial" panose="020B0604020202020204" pitchFamily="34" charset="0"/>
+              </a:rPr>
+              <a:t>Обзор внедренных изменений</a:t>
+            </a:r>
+            <a:endParaRPr lang="ru-RU" dirty="0">
+              <a:latin typeface="Arial" panose="020B0604020202020204" pitchFamily="34" charset="0"/>
+              <a:cs typeface="Arial" panose="020B0604020202020204" pitchFamily="34" charset="0"/>
+            </a:endParaRPr>
+          </a:p>
+        </p:txBody>
+      </p:sp>
+      <p:sp>
+        <p:nvSpPr>
           <p:cNvPr id="3" name="Объект 2"/>
           <p:cNvSpPr>
             <a:spLocks noGrp="1"/>
@@ -6980,7 +4257,7 @@
         </p:nvSpPr>
         <p:spPr>
           <a:xfrm>
-            <a:off x="6096000" y="2241550"/>
+            <a:off x="6096000" y="2218015"/>
             <a:ext cx="5076825" cy="369332"/>
           </a:xfrm>
           <a:prstGeom prst="rect">
@@ -7017,41 +4294,6 @@
               <a:t>ctf.school</a:t>
             </a:r>
             <a:endParaRPr lang="ru-RU" b="1" dirty="0">
-              <a:latin typeface="Arial" panose="020B0604020202020204" pitchFamily="34" charset="0"/>
-              <a:cs typeface="Arial" panose="020B0604020202020204" pitchFamily="34" charset="0"/>
-            </a:endParaRPr>
-          </a:p>
-        </p:txBody>
-      </p:sp>
-      <p:sp>
-        <p:nvSpPr>
-          <p:cNvPr id="7" name="Заголовок 1"/>
-          <p:cNvSpPr>
-            <a:spLocks noGrp="1"/>
-          </p:cNvSpPr>
-          <p:nvPr>
-            <p:ph type="title"/>
-          </p:nvPr>
-        </p:nvSpPr>
-        <p:spPr>
-          <a:xfrm>
-            <a:off x="1235075" y="4763"/>
-            <a:ext cx="9937750" cy="1371600"/>
-          </a:xfrm>
-        </p:spPr>
-        <p:txBody>
-          <a:bodyPr/>
-          <a:lstStyle/>
-          <a:p>
-            <a:pPr algn="ctr"/>
-            <a:r>
-              <a:rPr lang="ru-RU" dirty="0" smtClean="0">
-                <a:latin typeface="Arial" panose="020B0604020202020204" pitchFamily="34" charset="0"/>
-                <a:cs typeface="Arial" panose="020B0604020202020204" pitchFamily="34" charset="0"/>
-              </a:rPr>
-              <a:t>Обзор внедренных изменений</a:t>
-            </a:r>
-            <a:endParaRPr lang="ru-RU" dirty="0">
               <a:latin typeface="Arial" panose="020B0604020202020204" pitchFamily="34" charset="0"/>
               <a:cs typeface="Arial" panose="020B0604020202020204" pitchFamily="34" charset="0"/>
             </a:endParaRPr>
@@ -7162,7 +4404,7 @@
         </p:blipFill>
         <p:spPr>
           <a:xfrm>
-            <a:off x="2638650" y="1399381"/>
+            <a:off x="2638650" y="1898145"/>
             <a:ext cx="6914700" cy="4059237"/>
           </a:xfrm>
           <a:prstGeom prst="rect">
@@ -8745,13 +5987,13 @@
         </p:nvSpPr>
         <p:spPr>
           <a:xfrm>
-            <a:off x="1235075" y="1376363"/>
+            <a:off x="1235075" y="1844040"/>
             <a:ext cx="9937750" cy="4450080"/>
           </a:xfrm>
         </p:spPr>
         <p:txBody>
           <a:bodyPr>
-            <a:normAutofit fontScale="92500" lnSpcReduction="10000"/>
+            <a:normAutofit/>
           </a:bodyPr>
           <a:lstStyle/>
           <a:p>
@@ -8828,15 +6070,7 @@
                 <a:latin typeface="Arial" panose="020B0604020202020204" pitchFamily="34" charset="0"/>
                 <a:cs typeface="Arial" panose="020B0604020202020204" pitchFamily="34" charset="0"/>
               </a:rPr>
-              <a:t>Выявлены </a:t>
-            </a:r>
-            <a:r>
-              <a:rPr lang="ru-RU" dirty="0" smtClean="0">
-                <a:effectLst/>
-                <a:latin typeface="Arial" panose="020B0604020202020204" pitchFamily="34" charset="0"/>
-                <a:cs typeface="Arial" panose="020B0604020202020204" pitchFamily="34" charset="0"/>
-              </a:rPr>
-              <a:t>достоинства </a:t>
+              <a:t>Выявлены достоинства </a:t>
             </a:r>
             <a:r>
               <a:rPr lang="ru-RU" dirty="0">
@@ -8881,15 +6115,7 @@
                 <a:latin typeface="Arial" panose="020B0604020202020204" pitchFamily="34" charset="0"/>
                 <a:cs typeface="Arial" panose="020B0604020202020204" pitchFamily="34" charset="0"/>
               </a:rPr>
-              <a:t>Выделена </a:t>
-            </a:r>
-            <a:r>
-              <a:rPr lang="ru-RU" dirty="0" smtClean="0">
-                <a:effectLst/>
-                <a:latin typeface="Arial" panose="020B0604020202020204" pitchFamily="34" charset="0"/>
-                <a:cs typeface="Arial" panose="020B0604020202020204" pitchFamily="34" charset="0"/>
-              </a:rPr>
-              <a:t>система </a:t>
+              <a:t>Выделена система </a:t>
             </a:r>
             <a:r>
               <a:rPr lang="ru-RU" dirty="0">
@@ -8950,15 +6176,7 @@
                 <a:latin typeface="Arial" panose="020B0604020202020204" pitchFamily="34" charset="0"/>
                 <a:cs typeface="Arial" panose="020B0604020202020204" pitchFamily="34" charset="0"/>
               </a:rPr>
-              <a:t>Описаны </a:t>
-            </a:r>
-            <a:r>
-              <a:rPr lang="ru-RU" dirty="0" smtClean="0">
-                <a:effectLst/>
-                <a:latin typeface="Arial" panose="020B0604020202020204" pitchFamily="34" charset="0"/>
-                <a:cs typeface="Arial" panose="020B0604020202020204" pitchFamily="34" charset="0"/>
-              </a:rPr>
-              <a:t>алгоритмы </a:t>
+              <a:t>Описаны алгоритмы </a:t>
             </a:r>
             <a:r>
               <a:rPr lang="ru-RU" dirty="0">
@@ -9003,15 +6221,7 @@
                 <a:latin typeface="Arial" panose="020B0604020202020204" pitchFamily="34" charset="0"/>
                 <a:cs typeface="Arial" panose="020B0604020202020204" pitchFamily="34" charset="0"/>
               </a:rPr>
-              <a:t>Внедрен </a:t>
-            </a:r>
-            <a:r>
-              <a:rPr lang="ru-RU" dirty="0" smtClean="0">
-                <a:effectLst/>
-                <a:latin typeface="Arial" panose="020B0604020202020204" pitchFamily="34" charset="0"/>
-                <a:cs typeface="Arial" panose="020B0604020202020204" pitchFamily="34" charset="0"/>
-              </a:rPr>
-              <a:t>и продемонстрирован </a:t>
+              <a:t>Внедрен и продемонстрирован </a:t>
             </a:r>
             <a:r>
               <a:rPr lang="ru-RU" dirty="0">
@@ -9043,15 +6253,7 @@
                 <a:latin typeface="Arial" panose="020B0604020202020204" pitchFamily="34" charset="0"/>
                 <a:cs typeface="Arial" panose="020B0604020202020204" pitchFamily="34" charset="0"/>
               </a:rPr>
-              <a:t> </a:t>
-            </a:r>
-            <a:r>
-              <a:rPr lang="ru-RU" dirty="0" smtClean="0">
-                <a:effectLst/>
-                <a:latin typeface="Arial" panose="020B0604020202020204" pitchFamily="34" charset="0"/>
-                <a:cs typeface="Arial" panose="020B0604020202020204" pitchFamily="34" charset="0"/>
-              </a:rPr>
-              <a:t>системы</a:t>
+              <a:t> системы</a:t>
             </a:r>
             <a:endParaRPr lang="ru-RU" dirty="0">
               <a:effectLst/>
@@ -9069,7 +6271,7 @@
         </p:nvSpPr>
         <p:spPr>
           <a:xfrm>
-            <a:off x="5915025" y="2055781"/>
+            <a:off x="5900736" y="2191192"/>
             <a:ext cx="390525" cy="400050"/>
           </a:xfrm>
           <a:prstGeom prst="downArrow">
@@ -9117,7 +6319,7 @@
         </p:nvSpPr>
         <p:spPr>
           <a:xfrm>
-            <a:off x="5915025" y="2871130"/>
+            <a:off x="5903505" y="2901276"/>
             <a:ext cx="390525" cy="400050"/>
           </a:xfrm>
           <a:prstGeom prst="downArrow">
@@ -9165,7 +6367,7 @@
         </p:nvSpPr>
         <p:spPr>
           <a:xfrm>
-            <a:off x="5910692" y="3689018"/>
+            <a:off x="5900736" y="3611360"/>
             <a:ext cx="390525" cy="400050"/>
           </a:xfrm>
           <a:prstGeom prst="downArrow">
@@ -9213,7 +6415,7 @@
         </p:nvSpPr>
         <p:spPr>
           <a:xfrm>
-            <a:off x="5910692" y="4506907"/>
+            <a:off x="5900737" y="4293004"/>
             <a:ext cx="390525" cy="400050"/>
           </a:xfrm>
           <a:prstGeom prst="downArrow">
@@ -9314,8 +6516,8 @@
         </p:nvSpPr>
         <p:spPr>
           <a:xfrm>
-            <a:off x="1235075" y="2241550"/>
-            <a:ext cx="9937750" cy="1187450"/>
+            <a:off x="2661573" y="2621050"/>
+            <a:ext cx="7246053" cy="1187450"/>
           </a:xfrm>
         </p:spPr>
         <p:txBody>
@@ -9700,7 +6902,7 @@
         </p:nvSpPr>
         <p:spPr>
           <a:xfrm>
-            <a:off x="5281642" y="1388174"/>
+            <a:off x="5022677" y="1388172"/>
             <a:ext cx="6409113" cy="4885335"/>
           </a:xfrm>
         </p:spPr>
@@ -9947,6 +7149,60 @@
           <a:chExt cx="0" cy="0"/>
         </a:xfrm>
       </p:grpSpPr>
+      <p:sp>
+        <p:nvSpPr>
+          <p:cNvPr id="2" name="Заголовок 1"/>
+          <p:cNvSpPr>
+            <a:spLocks noGrp="1"/>
+          </p:cNvSpPr>
+          <p:nvPr>
+            <p:ph type="title"/>
+          </p:nvPr>
+        </p:nvSpPr>
+        <p:spPr>
+          <a:xfrm>
+            <a:off x="1235075" y="-1"/>
+            <a:ext cx="9937750" cy="1376363"/>
+          </a:xfrm>
+        </p:spPr>
+        <p:txBody>
+          <a:bodyPr>
+            <a:normAutofit/>
+          </a:bodyPr>
+          <a:lstStyle/>
+          <a:p>
+            <a:r>
+              <a:rPr lang="ru-RU" dirty="0">
+                <a:latin typeface="Arial" panose="020B0604020202020204" pitchFamily="34" charset="0"/>
+                <a:cs typeface="Arial" panose="020B0604020202020204" pitchFamily="34" charset="0"/>
+              </a:rPr>
+              <a:t>Сравнение функционала </a:t>
+            </a:r>
+            <a:r>
+              <a:rPr lang="ru-RU" dirty="0" err="1">
+                <a:latin typeface="Arial" panose="020B0604020202020204" pitchFamily="34" charset="0"/>
+                <a:cs typeface="Arial" panose="020B0604020202020204" pitchFamily="34" charset="0"/>
+              </a:rPr>
+              <a:t>жюрейных</a:t>
+            </a:r>
+            <a:r>
+              <a:rPr lang="ru-RU" dirty="0">
+                <a:latin typeface="Arial" panose="020B0604020202020204" pitchFamily="34" charset="0"/>
+                <a:cs typeface="Arial" panose="020B0604020202020204" pitchFamily="34" charset="0"/>
+              </a:rPr>
+              <a:t> </a:t>
+            </a:r>
+            <a:r>
+              <a:rPr lang="ru-RU" dirty="0" smtClean="0">
+                <a:latin typeface="Arial" panose="020B0604020202020204" pitchFamily="34" charset="0"/>
+                <a:cs typeface="Arial" panose="020B0604020202020204" pitchFamily="34" charset="0"/>
+              </a:rPr>
+              <a:t>систем</a:t>
+            </a:r>
+            <a:endParaRPr lang="ru-RU" dirty="0"/>
+          </a:p>
+        </p:txBody>
+      </p:sp>
       <p:graphicFrame>
         <p:nvGraphicFramePr>
           <p:cNvPr id="5" name="Объект 4"/>
@@ -9957,14 +7213,14 @@
             <p:ph idx="1"/>
             <p:extLst>
               <p:ext uri="{D42A27DB-BD31-4B8C-83A1-F6EECF244321}">
-                <p14:modId xmlns:p14="http://schemas.microsoft.com/office/powerpoint/2010/main" val="601465168"/>
+                <p14:modId xmlns:p14="http://schemas.microsoft.com/office/powerpoint/2010/main" val="1119280167"/>
               </p:ext>
             </p:extLst>
           </p:nvPr>
         </p:nvGraphicFramePr>
         <p:xfrm>
-          <a:off x="1729054" y="1388166"/>
-          <a:ext cx="8493551" cy="5088063"/>
+          <a:off x="2130685" y="1459490"/>
+          <a:ext cx="7731514" cy="5299023"/>
         </p:xfrm>
         <a:graphic>
           <a:graphicData uri="http://schemas.openxmlformats.org/drawingml/2006/table">
@@ -9973,42 +7229,42 @@
                 <a:tableStyleId>{5940675A-B579-460E-94D1-54222C63F5DA}</a:tableStyleId>
               </a:tblPr>
               <a:tblGrid>
-                <a:gridCol w="2325228">
+                <a:gridCol w="2116609">
                   <a:extLst>
                     <a:ext uri="{9D8B030D-6E8A-4147-A177-3AD203B41FA5}">
                       <a16:colId xmlns:a16="http://schemas.microsoft.com/office/drawing/2014/main" val="20000"/>
                     </a:ext>
                   </a:extLst>
                 </a:gridCol>
-                <a:gridCol w="1018243">
+                <a:gridCol w="926887">
                   <a:extLst>
                     <a:ext uri="{9D8B030D-6E8A-4147-A177-3AD203B41FA5}">
                       <a16:colId xmlns:a16="http://schemas.microsoft.com/office/drawing/2014/main" val="20001"/>
                     </a:ext>
                   </a:extLst>
                 </a:gridCol>
-                <a:gridCol w="1018243">
+                <a:gridCol w="926887">
                   <a:extLst>
                     <a:ext uri="{9D8B030D-6E8A-4147-A177-3AD203B41FA5}">
                       <a16:colId xmlns:a16="http://schemas.microsoft.com/office/drawing/2014/main" val="20002"/>
                     </a:ext>
                   </a:extLst>
                 </a:gridCol>
-                <a:gridCol w="2095351">
+                <a:gridCol w="1907357">
                   <a:extLst>
                     <a:ext uri="{9D8B030D-6E8A-4147-A177-3AD203B41FA5}">
                       <a16:colId xmlns:a16="http://schemas.microsoft.com/office/drawing/2014/main" val="20003"/>
                     </a:ext>
                   </a:extLst>
                 </a:gridCol>
-                <a:gridCol w="1018243">
+                <a:gridCol w="926887">
                   <a:extLst>
                     <a:ext uri="{9D8B030D-6E8A-4147-A177-3AD203B41FA5}">
                       <a16:colId xmlns:a16="http://schemas.microsoft.com/office/drawing/2014/main" val="20004"/>
                     </a:ext>
                   </a:extLst>
                 </a:gridCol>
-                <a:gridCol w="1018243">
+                <a:gridCol w="926887">
                   <a:extLst>
                     <a:ext uri="{9D8B030D-6E8A-4147-A177-3AD203B41FA5}">
                       <a16:colId xmlns:a16="http://schemas.microsoft.com/office/drawing/2014/main" val="20005"/>
@@ -10046,7 +7302,7 @@
                       </a:endParaRPr>
                     </a:p>
                   </a:txBody>
-                  <a:tcPr marL="45720" marR="45720" marT="0" marB="0" anchor="ctr"/>
+                  <a:tcPr marL="41618" marR="41618" marT="0" marB="0" anchor="ctr"/>
                 </a:tc>
                 <a:tc>
                   <a:txBody>
@@ -10085,7 +7341,7 @@
                       </a:endParaRPr>
                     </a:p>
                   </a:txBody>
-                  <a:tcPr marL="45720" marR="45720" marT="0" marB="0" anchor="ctr"/>
+                  <a:tcPr marL="41618" marR="41618" marT="0" marB="0" anchor="ctr"/>
                 </a:tc>
                 <a:tc>
                   <a:txBody>
@@ -10132,7 +7388,7 @@
                       </a:endParaRPr>
                     </a:p>
                   </a:txBody>
-                  <a:tcPr marL="45720" marR="45720" marT="0" marB="0" anchor="ctr"/>
+                  <a:tcPr marL="41618" marR="41618" marT="0" marB="0" anchor="ctr"/>
                 </a:tc>
                 <a:tc>
                   <a:txBody>
@@ -10179,7 +7435,7 @@
                       </a:endParaRPr>
                     </a:p>
                   </a:txBody>
-                  <a:tcPr marL="45720" marR="45720" marT="0" marB="0" anchor="ctr"/>
+                  <a:tcPr marL="41618" marR="41618" marT="0" marB="0" anchor="ctr"/>
                 </a:tc>
                 <a:tc>
                   <a:txBody>
@@ -10210,7 +7466,7 @@
                       </a:endParaRPr>
                     </a:p>
                   </a:txBody>
-                  <a:tcPr marL="45720" marR="45720" marT="0" marB="0" anchor="ctr"/>
+                  <a:tcPr marL="41618" marR="41618" marT="0" marB="0" anchor="ctr"/>
                 </a:tc>
                 <a:tc>
                   <a:txBody>
@@ -10241,7 +7497,7 @@
                       </a:endParaRPr>
                     </a:p>
                   </a:txBody>
-                  <a:tcPr marL="45720" marR="45720" marT="0" marB="0" anchor="ctr"/>
+                  <a:tcPr marL="41618" marR="41618" marT="0" marB="0" anchor="ctr"/>
                 </a:tc>
                 <a:extLst>
                   <a:ext uri="{0D108BD9-81ED-4DB2-BD59-A6C34878D82A}">
@@ -10287,7 +7543,7 @@
                       </a:endParaRPr>
                     </a:p>
                   </a:txBody>
-                  <a:tcPr marL="45720" marR="45720" marT="0" marB="0" anchor="ctr"/>
+                  <a:tcPr marL="41618" marR="41618" marT="0" marB="0" anchor="ctr"/>
                 </a:tc>
                 <a:tc>
                   <a:txBody>
@@ -10318,7 +7574,7 @@
                       </a:endParaRPr>
                     </a:p>
                   </a:txBody>
-                  <a:tcPr marL="0" marR="180000" marT="0" marB="0" anchor="ctr"/>
+                  <a:tcPr marL="0" marR="163850" marT="0" marB="0" anchor="ctr"/>
                 </a:tc>
                 <a:tc>
                   <a:txBody>
@@ -10356,7 +7612,7 @@
                       </a:endParaRPr>
                     </a:p>
                   </a:txBody>
-                  <a:tcPr marL="0" marR="180000" marT="0" marB="0" anchor="ctr"/>
+                  <a:tcPr marL="0" marR="163850" marT="0" marB="0" anchor="ctr"/>
                 </a:tc>
                 <a:tc>
                   <a:txBody>
@@ -10394,7 +7650,7 @@
                       </a:endParaRPr>
                     </a:p>
                   </a:txBody>
-                  <a:tcPr marL="0" marR="180000" marT="0" marB="0" anchor="ctr"/>
+                  <a:tcPr marL="0" marR="163850" marT="0" marB="0" anchor="ctr"/>
                 </a:tc>
                 <a:tc>
                   <a:txBody>
@@ -10432,7 +7688,7 @@
                       </a:endParaRPr>
                     </a:p>
                   </a:txBody>
-                  <a:tcPr marL="0" marR="180000" marT="0" marB="0" anchor="ctr"/>
+                  <a:tcPr marL="0" marR="163850" marT="0" marB="0" anchor="ctr"/>
                 </a:tc>
                 <a:tc>
                   <a:txBody>
@@ -10470,7 +7726,7 @@
                       </a:endParaRPr>
                     </a:p>
                   </a:txBody>
-                  <a:tcPr marL="0" marR="180000" marT="0" marB="0" anchor="ctr"/>
+                  <a:tcPr marL="0" marR="163850" marT="0" marB="0" anchor="ctr"/>
                 </a:tc>
                 <a:extLst>
                   <a:ext uri="{0D108BD9-81ED-4DB2-BD59-A6C34878D82A}">
@@ -10508,7 +7764,7 @@
                       </a:endParaRPr>
                     </a:p>
                   </a:txBody>
-                  <a:tcPr marL="45720" marR="45720" marT="0" marB="0" anchor="ctr"/>
+                  <a:tcPr marL="41618" marR="41618" marT="0" marB="0" anchor="ctr"/>
                 </a:tc>
                 <a:tc>
                   <a:txBody>
@@ -10546,7 +7802,7 @@
                       </a:endParaRPr>
                     </a:p>
                   </a:txBody>
-                  <a:tcPr marL="0" marR="180000" marT="0" marB="0" anchor="ctr"/>
+                  <a:tcPr marL="0" marR="163850" marT="0" marB="0" anchor="ctr"/>
                 </a:tc>
                 <a:tc>
                   <a:txBody>
@@ -10584,7 +7840,7 @@
                       </a:endParaRPr>
                     </a:p>
                   </a:txBody>
-                  <a:tcPr marL="0" marR="180000" marT="0" marB="0" anchor="ctr"/>
+                  <a:tcPr marL="0" marR="163850" marT="0" marB="0" anchor="ctr"/>
                 </a:tc>
                 <a:tc>
                   <a:txBody>
@@ -10622,7 +7878,7 @@
                       </a:endParaRPr>
                     </a:p>
                   </a:txBody>
-                  <a:tcPr marL="0" marR="180000" marT="0" marB="0" anchor="ctr"/>
+                  <a:tcPr marL="0" marR="163850" marT="0" marB="0" anchor="ctr"/>
                 </a:tc>
                 <a:tc>
                   <a:txBody>
@@ -10660,7 +7916,7 @@
                       </a:endParaRPr>
                     </a:p>
                   </a:txBody>
-                  <a:tcPr marL="0" marR="180000" marT="0" marB="0" anchor="ctr"/>
+                  <a:tcPr marL="0" marR="163850" marT="0" marB="0" anchor="ctr"/>
                 </a:tc>
                 <a:tc>
                   <a:txBody>
@@ -10698,7 +7954,7 @@
                       </a:endParaRPr>
                     </a:p>
                   </a:txBody>
-                  <a:tcPr marL="0" marR="180000" marT="0" marB="0" anchor="ctr"/>
+                  <a:tcPr marL="0" marR="163850" marT="0" marB="0" anchor="ctr"/>
                 </a:tc>
                 <a:extLst>
                   <a:ext uri="{0D108BD9-81ED-4DB2-BD59-A6C34878D82A}">
@@ -10736,7 +7992,7 @@
                       </a:endParaRPr>
                     </a:p>
                   </a:txBody>
-                  <a:tcPr marL="45720" marR="45720" marT="0" marB="0" anchor="ctr"/>
+                  <a:tcPr marL="41618" marR="41618" marT="0" marB="0" anchor="ctr"/>
                 </a:tc>
                 <a:tc>
                   <a:txBody>
@@ -10774,7 +8030,7 @@
                       </a:endParaRPr>
                     </a:p>
                   </a:txBody>
-                  <a:tcPr marL="0" marR="180000" marT="0" marB="0" anchor="ctr"/>
+                  <a:tcPr marL="0" marR="163850" marT="0" marB="0" anchor="ctr"/>
                 </a:tc>
                 <a:tc>
                   <a:txBody>
@@ -10812,7 +8068,7 @@
                       </a:endParaRPr>
                     </a:p>
                   </a:txBody>
-                  <a:tcPr marL="0" marR="180000" marT="0" marB="0" anchor="ctr"/>
+                  <a:tcPr marL="0" marR="163850" marT="0" marB="0" anchor="ctr"/>
                 </a:tc>
                 <a:tc>
                   <a:txBody>
@@ -10850,7 +8106,7 @@
                       </a:endParaRPr>
                     </a:p>
                   </a:txBody>
-                  <a:tcPr marL="0" marR="180000" marT="0" marB="0" anchor="ctr"/>
+                  <a:tcPr marL="0" marR="163850" marT="0" marB="0" anchor="ctr"/>
                 </a:tc>
                 <a:tc>
                   <a:txBody>
@@ -10888,7 +8144,7 @@
                       </a:endParaRPr>
                     </a:p>
                   </a:txBody>
-                  <a:tcPr marL="0" marR="180000" marT="0" marB="0" anchor="ctr"/>
+                  <a:tcPr marL="0" marR="163850" marT="0" marB="0" anchor="ctr"/>
                 </a:tc>
                 <a:tc>
                   <a:txBody>
@@ -10926,7 +8182,7 @@
                       </a:endParaRPr>
                     </a:p>
                   </a:txBody>
-                  <a:tcPr marL="0" marR="180000" marT="0" marB="0" anchor="ctr"/>
+                  <a:tcPr marL="0" marR="163850" marT="0" marB="0" anchor="ctr"/>
                 </a:tc>
                 <a:extLst>
                   <a:ext uri="{0D108BD9-81ED-4DB2-BD59-A6C34878D82A}">
@@ -10954,7 +8210,23 @@
                           <a:latin typeface="Arial" panose="020B0604020202020204" pitchFamily="34" charset="0"/>
                           <a:cs typeface="Arial" panose="020B0604020202020204" pitchFamily="34" charset="0"/>
                         </a:rPr>
-                        <a:t>Различные виды аналитики (таблицы, графики и т.д.)</a:t>
+                        <a:t>Различные виды </a:t>
+                      </a:r>
+                      <a:r>
+                        <a:rPr lang="ru-RU" sz="1200" b="1" dirty="0" smtClean="0">
+                          <a:effectLst/>
+                          <a:latin typeface="Arial" panose="020B0604020202020204" pitchFamily="34" charset="0"/>
+                          <a:cs typeface="Arial" panose="020B0604020202020204" pitchFamily="34" charset="0"/>
+                        </a:rPr>
+                        <a:t>статистики </a:t>
+                      </a:r>
+                      <a:r>
+                        <a:rPr lang="ru-RU" sz="1200" b="1" dirty="0">
+                          <a:effectLst/>
+                          <a:latin typeface="Arial" panose="020B0604020202020204" pitchFamily="34" charset="0"/>
+                          <a:cs typeface="Arial" panose="020B0604020202020204" pitchFamily="34" charset="0"/>
+                        </a:rPr>
+                        <a:t>(таблицы, графики и т.д.)</a:t>
                       </a:r>
                       <a:endParaRPr lang="ru-RU" sz="1200" b="1" dirty="0">
                         <a:effectLst/>
@@ -10964,7 +8236,7 @@
                       </a:endParaRPr>
                     </a:p>
                   </a:txBody>
-                  <a:tcPr marL="45720" marR="45720" marT="0" marB="0" anchor="ctr"/>
+                  <a:tcPr marL="41618" marR="41618" marT="0" marB="0" anchor="ctr"/>
                 </a:tc>
                 <a:tc>
                   <a:txBody>
@@ -11002,7 +8274,7 @@
                       </a:endParaRPr>
                     </a:p>
                   </a:txBody>
-                  <a:tcPr marL="0" marR="180000" marT="0" marB="0" anchor="ctr"/>
+                  <a:tcPr marL="0" marR="163850" marT="0" marB="0" anchor="ctr"/>
                 </a:tc>
                 <a:tc>
                   <a:txBody>
@@ -11040,7 +8312,7 @@
                       </a:endParaRPr>
                     </a:p>
                   </a:txBody>
-                  <a:tcPr marL="0" marR="180000" marT="0" marB="0" anchor="ctr"/>
+                  <a:tcPr marL="0" marR="163850" marT="0" marB="0" anchor="ctr"/>
                 </a:tc>
                 <a:tc>
                   <a:txBody>
@@ -11078,7 +8350,7 @@
                       </a:endParaRPr>
                     </a:p>
                   </a:txBody>
-                  <a:tcPr marL="0" marR="180000" marT="0" marB="0" anchor="ctr"/>
+                  <a:tcPr marL="0" marR="163850" marT="0" marB="0" anchor="ctr"/>
                 </a:tc>
                 <a:tc>
                   <a:txBody>
@@ -11116,7 +8388,7 @@
                       </a:endParaRPr>
                     </a:p>
                   </a:txBody>
-                  <a:tcPr marL="0" marR="180000" marT="0" marB="0" anchor="ctr"/>
+                  <a:tcPr marL="0" marR="163850" marT="0" marB="0" anchor="ctr"/>
                 </a:tc>
                 <a:tc>
                   <a:txBody>
@@ -11154,7 +8426,7 @@
                       </a:endParaRPr>
                     </a:p>
                   </a:txBody>
-                  <a:tcPr marL="0" marR="180000" marT="0" marB="0" anchor="ctr"/>
+                  <a:tcPr marL="0" marR="163850" marT="0" marB="0" anchor="ctr"/>
                 </a:tc>
                 <a:extLst>
                   <a:ext uri="{0D108BD9-81ED-4DB2-BD59-A6C34878D82A}">
@@ -11192,7 +8464,7 @@
                       </a:endParaRPr>
                     </a:p>
                   </a:txBody>
-                  <a:tcPr marL="45720" marR="45720" marT="0" marB="0" anchor="ctr"/>
+                  <a:tcPr marL="41618" marR="41618" marT="0" marB="0" anchor="ctr"/>
                 </a:tc>
                 <a:tc>
                   <a:txBody>
@@ -11230,7 +8502,7 @@
                       </a:endParaRPr>
                     </a:p>
                   </a:txBody>
-                  <a:tcPr marL="0" marR="180000" marT="0" marB="0" anchor="ctr"/>
+                  <a:tcPr marL="0" marR="163850" marT="0" marB="0" anchor="ctr"/>
                 </a:tc>
                 <a:tc>
                   <a:txBody>
@@ -11268,7 +8540,7 @@
                       </a:endParaRPr>
                     </a:p>
                   </a:txBody>
-                  <a:tcPr marL="0" marR="180000" marT="0" marB="0" anchor="ctr"/>
+                  <a:tcPr marL="0" marR="163850" marT="0" marB="0" anchor="ctr"/>
                 </a:tc>
                 <a:tc>
                   <a:txBody>
@@ -11306,7 +8578,7 @@
                       </a:endParaRPr>
                     </a:p>
                   </a:txBody>
-                  <a:tcPr marL="0" marR="180000" marT="0" marB="0" anchor="ctr"/>
+                  <a:tcPr marL="0" marR="163850" marT="0" marB="0" anchor="ctr"/>
                 </a:tc>
                 <a:tc>
                   <a:txBody>
@@ -11344,7 +8616,7 @@
                       </a:endParaRPr>
                     </a:p>
                   </a:txBody>
-                  <a:tcPr marL="0" marR="180000" marT="0" marB="0" anchor="ctr"/>
+                  <a:tcPr marL="0" marR="163850" marT="0" marB="0" anchor="ctr"/>
                 </a:tc>
                 <a:tc>
                   <a:txBody>
@@ -11382,7 +8654,7 @@
                       </a:endParaRPr>
                     </a:p>
                   </a:txBody>
-                  <a:tcPr marL="0" marR="180000" marT="0" marB="0" anchor="ctr"/>
+                  <a:tcPr marL="0" marR="163850" marT="0" marB="0" anchor="ctr"/>
                 </a:tc>
                 <a:extLst>
                   <a:ext uri="{0D108BD9-81ED-4DB2-BD59-A6C34878D82A}">
@@ -11420,7 +8692,7 @@
                       </a:endParaRPr>
                     </a:p>
                   </a:txBody>
-                  <a:tcPr marL="45720" marR="45720" marT="0" marB="0" anchor="ctr"/>
+                  <a:tcPr marL="41618" marR="41618" marT="0" marB="0" anchor="ctr"/>
                 </a:tc>
                 <a:tc>
                   <a:txBody>
@@ -11458,7 +8730,7 @@
                       </a:endParaRPr>
                     </a:p>
                   </a:txBody>
-                  <a:tcPr marL="0" marR="180000" marT="0" marB="0" anchor="ctr"/>
+                  <a:tcPr marL="0" marR="163850" marT="0" marB="0" anchor="ctr"/>
                 </a:tc>
                 <a:tc>
                   <a:txBody>
@@ -11496,7 +8768,7 @@
                       </a:endParaRPr>
                     </a:p>
                   </a:txBody>
-                  <a:tcPr marL="0" marR="180000" marT="0" marB="0" anchor="ctr"/>
+                  <a:tcPr marL="0" marR="163850" marT="0" marB="0" anchor="ctr"/>
                 </a:tc>
                 <a:tc>
                   <a:txBody>
@@ -11534,7 +8806,7 @@
                       </a:endParaRPr>
                     </a:p>
                   </a:txBody>
-                  <a:tcPr marL="0" marR="180000" marT="0" marB="0" anchor="ctr"/>
+                  <a:tcPr marL="0" marR="163850" marT="0" marB="0" anchor="ctr"/>
                 </a:tc>
                 <a:tc>
                   <a:txBody>
@@ -11572,7 +8844,7 @@
                       </a:endParaRPr>
                     </a:p>
                   </a:txBody>
-                  <a:tcPr marL="0" marR="180000" marT="0" marB="0" anchor="ctr"/>
+                  <a:tcPr marL="0" marR="163850" marT="0" marB="0" anchor="ctr"/>
                 </a:tc>
                 <a:tc>
                   <a:txBody>
@@ -11610,7 +8882,7 @@
                       </a:endParaRPr>
                     </a:p>
                   </a:txBody>
-                  <a:tcPr marL="0" marR="180000" marT="0" marB="0" anchor="ctr"/>
+                  <a:tcPr marL="0" marR="163850" marT="0" marB="0" anchor="ctr"/>
                 </a:tc>
                 <a:extLst>
                   <a:ext uri="{0D108BD9-81ED-4DB2-BD59-A6C34878D82A}">
@@ -11648,7 +8920,7 @@
                       </a:endParaRPr>
                     </a:p>
                   </a:txBody>
-                  <a:tcPr marL="45720" marR="45720" marT="0" marB="0" anchor="ctr"/>
+                  <a:tcPr marL="41618" marR="41618" marT="0" marB="0" anchor="ctr"/>
                 </a:tc>
                 <a:tc>
                   <a:txBody>
@@ -11686,7 +8958,7 @@
                       </a:endParaRPr>
                     </a:p>
                   </a:txBody>
-                  <a:tcPr marL="0" marR="180000" marT="0" marB="0" anchor="ctr"/>
+                  <a:tcPr marL="0" marR="163850" marT="0" marB="0" anchor="ctr"/>
                 </a:tc>
                 <a:tc>
                   <a:txBody>
@@ -11724,7 +8996,7 @@
                       </a:endParaRPr>
                     </a:p>
                   </a:txBody>
-                  <a:tcPr marL="0" marR="180000" marT="0" marB="0" anchor="ctr"/>
+                  <a:tcPr marL="0" marR="163850" marT="0" marB="0" anchor="ctr"/>
                 </a:tc>
                 <a:tc>
                   <a:txBody>
@@ -11762,7 +9034,7 @@
                       </a:endParaRPr>
                     </a:p>
                   </a:txBody>
-                  <a:tcPr marL="0" marR="180000" marT="0" marB="0" anchor="ctr"/>
+                  <a:tcPr marL="0" marR="163850" marT="0" marB="0" anchor="ctr"/>
                 </a:tc>
                 <a:tc>
                   <a:txBody>
@@ -11800,7 +9072,7 @@
                       </a:endParaRPr>
                     </a:p>
                   </a:txBody>
-                  <a:tcPr marL="0" marR="180000" marT="0" marB="0" anchor="ctr"/>
+                  <a:tcPr marL="0" marR="163850" marT="0" marB="0" anchor="ctr"/>
                 </a:tc>
                 <a:tc>
                   <a:txBody>
@@ -11838,7 +9110,7 @@
                       </a:endParaRPr>
                     </a:p>
                   </a:txBody>
-                  <a:tcPr marL="0" marR="180000" marT="0" marB="0" anchor="ctr"/>
+                  <a:tcPr marL="0" marR="163850" marT="0" marB="0" anchor="ctr"/>
                 </a:tc>
                 <a:extLst>
                   <a:ext uri="{0D108BD9-81ED-4DB2-BD59-A6C34878D82A}">
@@ -11850,147 +9122,6 @@
           </a:graphicData>
         </a:graphic>
       </p:graphicFrame>
-      <p:sp>
-        <p:nvSpPr>
-          <p:cNvPr id="6" name="Заголовок 1"/>
-          <p:cNvSpPr txBox="1">
-            <a:spLocks/>
-          </p:cNvSpPr>
-          <p:nvPr/>
-        </p:nvSpPr>
-        <p:spPr>
-          <a:xfrm>
-            <a:off x="1235074" y="0"/>
-            <a:ext cx="9937751" cy="1388166"/>
-          </a:xfrm>
-          <a:prstGeom prst="rect">
-            <a:avLst/>
-          </a:prstGeom>
-          <a:effectLst>
-            <a:outerShdw blurRad="25400" dir="17880000">
-              <a:srgbClr val="000000">
-                <a:alpha val="46000"/>
-              </a:srgbClr>
-            </a:outerShdw>
-          </a:effectLst>
-        </p:spPr>
-        <p:txBody>
-          <a:bodyPr vert="horz" lIns="91440" tIns="45720" rIns="91440" bIns="45720" rtlCol="0" anchor="ctr">
-            <a:noAutofit/>
-          </a:bodyPr>
-          <a:lstStyle>
-            <a:lvl1pPr algn="ctr" defTabSz="457200" rtl="0" eaLnBrk="1" latinLnBrk="0" hangingPunct="1">
-              <a:spcBef>
-                <a:spcPct val="0"/>
-              </a:spcBef>
-              <a:buNone/>
-              <a:defRPr sz="2400" b="0" kern="1200">
-                <a:ln>
-                  <a:solidFill>
-                    <a:schemeClr val="bg1">
-                      <a:lumMod val="75000"/>
-                      <a:lumOff val="25000"/>
-                      <a:alpha val="10000"/>
-                    </a:schemeClr>
-                  </a:solidFill>
-                </a:ln>
-                <a:solidFill>
-                  <a:schemeClr val="tx2"/>
-                </a:solidFill>
-                <a:effectLst>
-                  <a:outerShdw blurRad="9525" dist="25400" dir="14640000" algn="tl" rotWithShape="0">
-                    <a:schemeClr val="bg1">
-                      <a:alpha val="30000"/>
-                    </a:schemeClr>
-                  </a:outerShdw>
-                </a:effectLst>
-                <a:latin typeface="+mj-lt"/>
-                <a:ea typeface="+mj-ea"/>
-                <a:cs typeface="Trebuchet MS"/>
-              </a:defRPr>
-            </a:lvl1pPr>
-            <a:lvl2pPr eaLnBrk="1" hangingPunct="1">
-              <a:defRPr>
-                <a:solidFill>
-                  <a:schemeClr val="tx2"/>
-                </a:solidFill>
-              </a:defRPr>
-            </a:lvl2pPr>
-            <a:lvl3pPr eaLnBrk="1" hangingPunct="1">
-              <a:defRPr>
-                <a:solidFill>
-                  <a:schemeClr val="tx2"/>
-                </a:solidFill>
-              </a:defRPr>
-            </a:lvl3pPr>
-            <a:lvl4pPr eaLnBrk="1" hangingPunct="1">
-              <a:defRPr>
-                <a:solidFill>
-                  <a:schemeClr val="tx2"/>
-                </a:solidFill>
-              </a:defRPr>
-            </a:lvl4pPr>
-            <a:lvl5pPr eaLnBrk="1" hangingPunct="1">
-              <a:defRPr>
-                <a:solidFill>
-                  <a:schemeClr val="tx2"/>
-                </a:solidFill>
-              </a:defRPr>
-            </a:lvl5pPr>
-            <a:lvl6pPr eaLnBrk="1" hangingPunct="1">
-              <a:defRPr>
-                <a:solidFill>
-                  <a:schemeClr val="tx2"/>
-                </a:solidFill>
-              </a:defRPr>
-            </a:lvl6pPr>
-            <a:lvl7pPr eaLnBrk="1" hangingPunct="1">
-              <a:defRPr>
-                <a:solidFill>
-                  <a:schemeClr val="tx2"/>
-                </a:solidFill>
-              </a:defRPr>
-            </a:lvl7pPr>
-            <a:lvl8pPr eaLnBrk="1" hangingPunct="1">
-              <a:defRPr>
-                <a:solidFill>
-                  <a:schemeClr val="tx2"/>
-                </a:solidFill>
-              </a:defRPr>
-            </a:lvl8pPr>
-            <a:lvl9pPr eaLnBrk="1" hangingPunct="1">
-              <a:defRPr>
-                <a:solidFill>
-                  <a:schemeClr val="tx2"/>
-                </a:solidFill>
-              </a:defRPr>
-            </a:lvl9pPr>
-          </a:lstStyle>
-          <a:p>
-            <a:r>
-              <a:rPr lang="ru-RU" sz="4000" dirty="0">
-                <a:latin typeface="Arial" panose="020B0604020202020204" pitchFamily="34" charset="0"/>
-                <a:cs typeface="Arial" panose="020B0604020202020204" pitchFamily="34" charset="0"/>
-              </a:rPr>
-              <a:t>Сравнение функционала </a:t>
-            </a:r>
-            <a:r>
-              <a:rPr lang="ru-RU" sz="4000" dirty="0" err="1">
-                <a:latin typeface="Arial" panose="020B0604020202020204" pitchFamily="34" charset="0"/>
-                <a:cs typeface="Arial" panose="020B0604020202020204" pitchFamily="34" charset="0"/>
-              </a:rPr>
-              <a:t>жюрейных</a:t>
-            </a:r>
-            <a:r>
-              <a:rPr lang="ru-RU" sz="4000" dirty="0">
-                <a:latin typeface="Arial" panose="020B0604020202020204" pitchFamily="34" charset="0"/>
-                <a:cs typeface="Arial" panose="020B0604020202020204" pitchFamily="34" charset="0"/>
-              </a:rPr>
-              <a:t> систем</a:t>
-            </a:r>
-          </a:p>
-        </p:txBody>
-      </p:sp>
     </p:spTree>
     <p:extLst>
       <p:ext uri="{BB962C8B-B14F-4D97-AF65-F5344CB8AC3E}">
@@ -12089,13 +9220,13 @@
         </p:nvSpPr>
         <p:spPr>
           <a:xfrm>
-            <a:off x="1244211" y="1376363"/>
+            <a:off x="1161084" y="1376363"/>
             <a:ext cx="10353762" cy="4839650"/>
           </a:xfrm>
         </p:spPr>
         <p:txBody>
           <a:bodyPr>
-            <a:normAutofit fontScale="92500" lnSpcReduction="10000"/>
+            <a:normAutofit lnSpcReduction="10000"/>
           </a:bodyPr>
           <a:lstStyle/>
           <a:p>
@@ -12196,11 +9327,18 @@
               <a:t>2. вывод </a:t>
             </a:r>
             <a:r>
+              <a:rPr lang="ru-RU" dirty="0" smtClean="0">
+                <a:latin typeface="Arial" panose="020B0604020202020204" pitchFamily="34" charset="0"/>
+                <a:cs typeface="Arial" panose="020B0604020202020204" pitchFamily="34" charset="0"/>
+              </a:rPr>
+              <a:t>статистики </a:t>
+            </a:r>
+            <a:r>
               <a:rPr lang="ru-RU" dirty="0">
                 <a:latin typeface="Arial" panose="020B0604020202020204" pitchFamily="34" charset="0"/>
                 <a:cs typeface="Arial" panose="020B0604020202020204" pitchFamily="34" charset="0"/>
               </a:rPr>
-              <a:t>аналитики в виде графиков;</a:t>
+              <a:t>в виде графиков;</a:t>
             </a:r>
           </a:p>
           <a:p>
@@ -12503,7 +9641,7 @@
         </p:nvSpPr>
         <p:spPr>
           <a:xfrm>
-            <a:off x="1235075" y="1376363"/>
+            <a:off x="1235075" y="2013334"/>
             <a:ext cx="6440480" cy="4160767"/>
           </a:xfrm>
         </p:spPr>
@@ -12524,14 +9662,7 @@
                 <a:latin typeface="Arial" panose="020B0604020202020204" pitchFamily="34" charset="0"/>
                 <a:cs typeface="Arial" panose="020B0604020202020204" pitchFamily="34" charset="0"/>
               </a:rPr>
-              <a:t>Для разработки были выбраны следующие программные средства</a:t>
-            </a:r>
-            <a:r>
-              <a:rPr lang="ru-RU" sz="1900" dirty="0" smtClean="0">
-                <a:latin typeface="Arial" panose="020B0604020202020204" pitchFamily="34" charset="0"/>
-                <a:cs typeface="Arial" panose="020B0604020202020204" pitchFamily="34" charset="0"/>
-              </a:rPr>
-              <a:t>:</a:t>
+              <a:t>Для разработки были выбраны следующие программные средства:</a:t>
             </a:r>
           </a:p>
           <a:p>
@@ -12557,14 +9688,7 @@
                 <a:latin typeface="Arial" panose="020B0604020202020204" pitchFamily="34" charset="0"/>
                 <a:cs typeface="Arial" panose="020B0604020202020204" pitchFamily="34" charset="0"/>
               </a:rPr>
-              <a:t>Язык </a:t>
-            </a:r>
-            <a:r>
-              <a:rPr lang="ru-RU" sz="1900" dirty="0" smtClean="0">
-                <a:latin typeface="Arial" panose="020B0604020202020204" pitchFamily="34" charset="0"/>
-                <a:cs typeface="Arial" panose="020B0604020202020204" pitchFamily="34" charset="0"/>
-              </a:rPr>
-              <a:t>программирования: </a:t>
+              <a:t>Язык программирования: </a:t>
             </a:r>
             <a:r>
               <a:rPr lang="en-US" sz="1900" b="1" dirty="0" smtClean="0">
@@ -12589,14 +9713,7 @@
                 <a:latin typeface="Arial" panose="020B0604020202020204" pitchFamily="34" charset="0"/>
                 <a:cs typeface="Arial" panose="020B0604020202020204" pitchFamily="34" charset="0"/>
               </a:rPr>
-              <a:t>СУБД</a:t>
-            </a:r>
-            <a:r>
-              <a:rPr lang="ru-RU" sz="1900" dirty="0" smtClean="0">
-                <a:latin typeface="Arial" panose="020B0604020202020204" pitchFamily="34" charset="0"/>
-                <a:cs typeface="Arial" panose="020B0604020202020204" pitchFamily="34" charset="0"/>
-              </a:rPr>
-              <a:t>: </a:t>
+              <a:t>СУБД: </a:t>
             </a:r>
             <a:r>
               <a:rPr lang="en-US" sz="1900" b="1" dirty="0" smtClean="0">
@@ -12621,14 +9738,7 @@
                 <a:latin typeface="Arial" panose="020B0604020202020204" pitchFamily="34" charset="0"/>
                 <a:cs typeface="Arial" panose="020B0604020202020204" pitchFamily="34" charset="0"/>
               </a:rPr>
-              <a:t>Фреймворк</a:t>
-            </a:r>
-            <a:r>
-              <a:rPr lang="ru-RU" sz="1900" dirty="0" smtClean="0">
-                <a:latin typeface="Arial" panose="020B0604020202020204" pitchFamily="34" charset="0"/>
-                <a:cs typeface="Arial" panose="020B0604020202020204" pitchFamily="34" charset="0"/>
-              </a:rPr>
-              <a:t>: </a:t>
+              <a:t>Фреймворк: </a:t>
             </a:r>
             <a:r>
               <a:rPr lang="en-US" sz="1900" b="1" dirty="0" err="1" smtClean="0">
@@ -12656,14 +9766,7 @@
                 <a:latin typeface="Arial" panose="020B0604020202020204" pitchFamily="34" charset="0"/>
                 <a:cs typeface="Arial" panose="020B0604020202020204" pitchFamily="34" charset="0"/>
               </a:rPr>
-              <a:t>Среда </a:t>
-            </a:r>
-            <a:r>
-              <a:rPr lang="ru-RU" sz="1900" dirty="0" smtClean="0">
-                <a:latin typeface="Arial" panose="020B0604020202020204" pitchFamily="34" charset="0"/>
-                <a:cs typeface="Arial" panose="020B0604020202020204" pitchFamily="34" charset="0"/>
-              </a:rPr>
-              <a:t>разработки: </a:t>
+              <a:t>Среда разработки: </a:t>
             </a:r>
             <a:r>
               <a:rPr lang="en-US" sz="1900" b="1" dirty="0" smtClean="0">
@@ -12723,7 +9826,7 @@
         </p:blipFill>
         <p:spPr bwMode="auto">
           <a:xfrm>
-            <a:off x="7405282" y="5270366"/>
+            <a:off x="7675555" y="5015213"/>
             <a:ext cx="938029" cy="938029"/>
           </a:xfrm>
           <a:prstGeom prst="rect">
@@ -12765,7 +9868,7 @@
         </p:blipFill>
         <p:spPr bwMode="auto">
           <a:xfrm>
-            <a:off x="9008190" y="2148593"/>
+            <a:off x="9616443" y="1749782"/>
             <a:ext cx="983535" cy="983535"/>
           </a:xfrm>
           <a:prstGeom prst="rect">
@@ -12806,7 +9909,7 @@
         </p:blipFill>
         <p:spPr bwMode="auto">
           <a:xfrm>
-            <a:off x="9099459" y="4155819"/>
+            <a:off x="9204234" y="4108807"/>
             <a:ext cx="2133315" cy="1168244"/>
           </a:xfrm>
           <a:prstGeom prst="rect">
@@ -12848,7 +9951,7 @@
         </p:blipFill>
         <p:spPr bwMode="auto">
           <a:xfrm>
-            <a:off x="7879942" y="3597281"/>
+            <a:off x="7675555" y="2991731"/>
             <a:ext cx="1790115" cy="1117076"/>
           </a:xfrm>
           <a:prstGeom prst="rect">
@@ -12975,7 +10078,7 @@
                                           </p:stCondLst>
                                         </p:cTn>
                                         <p:tgtEl>
-                                          <p:spTgt spid="1040"/>
+                                          <p:spTgt spid="1028"/>
                                         </p:tgtEl>
                                         <p:attrNameLst>
                                           <p:attrName>style.visibility</p:attrName>
@@ -12989,7 +10092,7 @@
                                       <p:cBhvr>
                                         <p:cTn id="12" dur="500"/>
                                         <p:tgtEl>
-                                          <p:spTgt spid="1040"/>
+                                          <p:spTgt spid="1028"/>
                                         </p:tgtEl>
                                       </p:cBhvr>
                                     </p:animEffect>
@@ -13028,6 +10131,59 @@
                                           </p:stCondLst>
                                         </p:cTn>
                                         <p:tgtEl>
+                                          <p:spTgt spid="1040"/>
+                                        </p:tgtEl>
+                                        <p:attrNameLst>
+                                          <p:attrName>style.visibility</p:attrName>
+                                        </p:attrNameLst>
+                                      </p:cBhvr>
+                                      <p:to>
+                                        <p:strVal val="visible"/>
+                                      </p:to>
+                                    </p:set>
+                                    <p:animEffect transition="in" filter="fade">
+                                      <p:cBhvr>
+                                        <p:cTn id="17" dur="500"/>
+                                        <p:tgtEl>
+                                          <p:spTgt spid="1040"/>
+                                        </p:tgtEl>
+                                      </p:cBhvr>
+                                    </p:animEffect>
+                                  </p:childTnLst>
+                                </p:cTn>
+                              </p:par>
+                            </p:childTnLst>
+                          </p:cTn>
+                        </p:par>
+                      </p:childTnLst>
+                    </p:cTn>
+                  </p:par>
+                  <p:par>
+                    <p:cTn id="18" fill="hold">
+                      <p:stCondLst>
+                        <p:cond delay="indefinite"/>
+                      </p:stCondLst>
+                      <p:childTnLst>
+                        <p:par>
+                          <p:cTn id="19" fill="hold">
+                            <p:stCondLst>
+                              <p:cond delay="0"/>
+                            </p:stCondLst>
+                            <p:childTnLst>
+                              <p:par>
+                                <p:cTn id="20" presetID="10" presetClass="entr" presetSubtype="0" fill="hold" nodeType="clickEffect">
+                                  <p:stCondLst>
+                                    <p:cond delay="0"/>
+                                  </p:stCondLst>
+                                  <p:childTnLst>
+                                    <p:set>
+                                      <p:cBhvr>
+                                        <p:cTn id="21" dur="1" fill="hold">
+                                          <p:stCondLst>
+                                            <p:cond delay="0"/>
+                                          </p:stCondLst>
+                                        </p:cTn>
+                                        <p:tgtEl>
                                           <p:spTgt spid="1030"/>
                                         </p:tgtEl>
                                         <p:attrNameLst>
@@ -13040,7 +10196,7 @@
                                     </p:set>
                                     <p:animEffect transition="in" filter="fade">
                                       <p:cBhvr>
-                                        <p:cTn id="17" dur="500"/>
+                                        <p:cTn id="22" dur="500"/>
                                         <p:tgtEl>
                                           <p:spTgt spid="1030"/>
                                         </p:tgtEl>
@@ -13099,27 +10255,74 @@
       </p:grpSpPr>
       <p:sp>
         <p:nvSpPr>
+          <p:cNvPr id="2" name="Заголовок 1"/>
+          <p:cNvSpPr>
+            <a:spLocks noGrp="1"/>
+          </p:cNvSpPr>
+          <p:nvPr>
+            <p:ph type="title"/>
+          </p:nvPr>
+        </p:nvSpPr>
+        <p:spPr>
+          <a:xfrm>
+            <a:off x="1235075" y="-1"/>
+            <a:ext cx="9937750" cy="1376363"/>
+          </a:xfrm>
+        </p:spPr>
+        <p:txBody>
+          <a:bodyPr/>
+          <a:lstStyle/>
+          <a:p>
+            <a:r>
+              <a:rPr lang="en-US" dirty="0">
+                <a:latin typeface="Arial" panose="020B0604020202020204" pitchFamily="34" charset="0"/>
+                <a:cs typeface="Arial" panose="020B0604020202020204" pitchFamily="34" charset="0"/>
+              </a:rPr>
+              <a:t>ER-</a:t>
+            </a:r>
+            <a:r>
+              <a:rPr lang="ru-RU" dirty="0">
+                <a:latin typeface="Arial" panose="020B0604020202020204" pitchFamily="34" charset="0"/>
+                <a:cs typeface="Arial" panose="020B0604020202020204" pitchFamily="34" charset="0"/>
+              </a:rPr>
+              <a:t>диаграмма базы данных </a:t>
+            </a:r>
+            <a:r>
+              <a:rPr lang="ru-RU" dirty="0" smtClean="0">
+                <a:latin typeface="Arial" panose="020B0604020202020204" pitchFamily="34" charset="0"/>
+                <a:cs typeface="Arial" panose="020B0604020202020204" pitchFamily="34" charset="0"/>
+              </a:rPr>
+              <a:t>системы</a:t>
+            </a:r>
+            <a:endParaRPr lang="ru-RU" dirty="0"/>
+          </a:p>
+        </p:txBody>
+      </p:sp>
+      <p:sp>
+        <p:nvSpPr>
           <p:cNvPr id="4" name="Текст 3"/>
           <p:cNvSpPr>
             <a:spLocks noGrp="1"/>
           </p:cNvSpPr>
           <p:nvPr>
-            <p:ph type="body" sz="half" idx="2"/>
+            <p:ph type="body" sz="half" idx="4294967295"/>
           </p:nvPr>
         </p:nvSpPr>
         <p:spPr>
           <a:xfrm>
-            <a:off x="8739628" y="5490125"/>
-            <a:ext cx="2831688" cy="1155771"/>
+            <a:off x="9900458" y="5614887"/>
+            <a:ext cx="2291542" cy="1155700"/>
           </a:xfrm>
         </p:spPr>
         <p:txBody>
           <a:bodyPr>
-            <a:normAutofit/>
+            <a:normAutofit fontScale="92500" lnSpcReduction="20000"/>
           </a:bodyPr>
           <a:lstStyle/>
           <a:p>
-            <a:pPr algn="just"/>
+            <a:pPr marL="0" indent="0" algn="just">
+              <a:buNone/>
+            </a:pPr>
             <a:r>
               <a:rPr lang="ru-RU" dirty="0" smtClean="0">
                 <a:latin typeface="Arial" panose="020B0604020202020204" pitchFamily="34" charset="0"/>
@@ -13148,7 +10351,7 @@
         </p:blipFill>
         <p:spPr>
           <a:xfrm>
-            <a:off x="1235075" y="1376363"/>
+            <a:off x="2409824" y="1501054"/>
             <a:ext cx="7372351" cy="5269533"/>
           </a:xfrm>
           <a:prstGeom prst="rect">
@@ -13156,140 +10359,6 @@
           </a:prstGeom>
         </p:spPr>
       </p:pic>
-      <p:sp>
-        <p:nvSpPr>
-          <p:cNvPr id="6" name="Заголовок 1"/>
-          <p:cNvSpPr txBox="1">
-            <a:spLocks/>
-          </p:cNvSpPr>
-          <p:nvPr/>
-        </p:nvSpPr>
-        <p:spPr>
-          <a:xfrm>
-            <a:off x="1244211" y="4763"/>
-            <a:ext cx="9928614" cy="1371600"/>
-          </a:xfrm>
-          <a:prstGeom prst="rect">
-            <a:avLst/>
-          </a:prstGeom>
-          <a:effectLst>
-            <a:outerShdw blurRad="25400" dir="17880000">
-              <a:srgbClr val="000000">
-                <a:alpha val="46000"/>
-              </a:srgbClr>
-            </a:outerShdw>
-          </a:effectLst>
-        </p:spPr>
-        <p:txBody>
-          <a:bodyPr vert="horz" lIns="91440" tIns="45720" rIns="91440" bIns="45720" rtlCol="0" anchor="ctr">
-            <a:normAutofit/>
-          </a:bodyPr>
-          <a:lstStyle>
-            <a:lvl1pPr algn="ctr" defTabSz="457200" rtl="0" eaLnBrk="1" latinLnBrk="0" hangingPunct="1">
-              <a:spcBef>
-                <a:spcPct val="0"/>
-              </a:spcBef>
-              <a:buNone/>
-              <a:defRPr sz="2400" b="0" kern="1200">
-                <a:ln>
-                  <a:solidFill>
-                    <a:schemeClr val="bg1">
-                      <a:lumMod val="75000"/>
-                      <a:lumOff val="25000"/>
-                      <a:alpha val="10000"/>
-                    </a:schemeClr>
-                  </a:solidFill>
-                </a:ln>
-                <a:solidFill>
-                  <a:schemeClr val="tx2"/>
-                </a:solidFill>
-                <a:effectLst>
-                  <a:outerShdw blurRad="9525" dist="25400" dir="14640000" algn="tl" rotWithShape="0">
-                    <a:schemeClr val="bg1">
-                      <a:alpha val="30000"/>
-                    </a:schemeClr>
-                  </a:outerShdw>
-                </a:effectLst>
-                <a:latin typeface="+mj-lt"/>
-                <a:ea typeface="+mj-ea"/>
-                <a:cs typeface="Trebuchet MS"/>
-              </a:defRPr>
-            </a:lvl1pPr>
-            <a:lvl2pPr eaLnBrk="1" hangingPunct="1">
-              <a:defRPr>
-                <a:solidFill>
-                  <a:schemeClr val="tx2"/>
-                </a:solidFill>
-              </a:defRPr>
-            </a:lvl2pPr>
-            <a:lvl3pPr eaLnBrk="1" hangingPunct="1">
-              <a:defRPr>
-                <a:solidFill>
-                  <a:schemeClr val="tx2"/>
-                </a:solidFill>
-              </a:defRPr>
-            </a:lvl3pPr>
-            <a:lvl4pPr eaLnBrk="1" hangingPunct="1">
-              <a:defRPr>
-                <a:solidFill>
-                  <a:schemeClr val="tx2"/>
-                </a:solidFill>
-              </a:defRPr>
-            </a:lvl4pPr>
-            <a:lvl5pPr eaLnBrk="1" hangingPunct="1">
-              <a:defRPr>
-                <a:solidFill>
-                  <a:schemeClr val="tx2"/>
-                </a:solidFill>
-              </a:defRPr>
-            </a:lvl5pPr>
-            <a:lvl6pPr eaLnBrk="1" hangingPunct="1">
-              <a:defRPr>
-                <a:solidFill>
-                  <a:schemeClr val="tx2"/>
-                </a:solidFill>
-              </a:defRPr>
-            </a:lvl6pPr>
-            <a:lvl7pPr eaLnBrk="1" hangingPunct="1">
-              <a:defRPr>
-                <a:solidFill>
-                  <a:schemeClr val="tx2"/>
-                </a:solidFill>
-              </a:defRPr>
-            </a:lvl7pPr>
-            <a:lvl8pPr eaLnBrk="1" hangingPunct="1">
-              <a:defRPr>
-                <a:solidFill>
-                  <a:schemeClr val="tx2"/>
-                </a:solidFill>
-              </a:defRPr>
-            </a:lvl8pPr>
-            <a:lvl9pPr eaLnBrk="1" hangingPunct="1">
-              <a:defRPr>
-                <a:solidFill>
-                  <a:schemeClr val="tx2"/>
-                </a:solidFill>
-              </a:defRPr>
-            </a:lvl9pPr>
-          </a:lstStyle>
-          <a:p>
-            <a:r>
-              <a:rPr lang="en-US" sz="4000" dirty="0">
-                <a:latin typeface="Arial" panose="020B0604020202020204" pitchFamily="34" charset="0"/>
-                <a:cs typeface="Arial" panose="020B0604020202020204" pitchFamily="34" charset="0"/>
-              </a:rPr>
-              <a:t>ER-</a:t>
-            </a:r>
-            <a:r>
-              <a:rPr lang="ru-RU" sz="4000" dirty="0">
-                <a:latin typeface="Arial" panose="020B0604020202020204" pitchFamily="34" charset="0"/>
-                <a:cs typeface="Arial" panose="020B0604020202020204" pitchFamily="34" charset="0"/>
-              </a:rPr>
-              <a:t>диаграмма базы данных системы</a:t>
-            </a:r>
-          </a:p>
-        </p:txBody>
-      </p:sp>
     </p:spTree>
     <p:extLst>
       <p:ext uri="{BB962C8B-B14F-4D97-AF65-F5344CB8AC3E}">
@@ -13441,21 +10510,7 @@
                 <a:latin typeface="Arial" panose="020B0604020202020204" pitchFamily="34" charset="0"/>
                 <a:cs typeface="Arial" panose="020B0604020202020204" pitchFamily="34" charset="0"/>
               </a:rPr>
-              <a:t>Отображение списка команд, </a:t>
-            </a:r>
-            <a:r>
-              <a:rPr lang="ru-RU" sz="1900" dirty="0" smtClean="0">
-                <a:latin typeface="Arial" panose="020B0604020202020204" pitchFamily="34" charset="0"/>
-                <a:cs typeface="Arial" panose="020B0604020202020204" pitchFamily="34" charset="0"/>
-              </a:rPr>
-              <a:t>которые уже решили </a:t>
-            </a:r>
-            <a:r>
-              <a:rPr lang="ru-RU" sz="1900" dirty="0" smtClean="0">
-                <a:latin typeface="Arial" panose="020B0604020202020204" pitchFamily="34" charset="0"/>
-                <a:cs typeface="Arial" panose="020B0604020202020204" pitchFamily="34" charset="0"/>
-              </a:rPr>
-              <a:t>задачу</a:t>
+              <a:t>Отображение списка команд, которые уже решили задачу</a:t>
             </a:r>
             <a:endParaRPr lang="ru-RU" sz="1900" dirty="0">
               <a:latin typeface="Arial" panose="020B0604020202020204" pitchFamily="34" charset="0"/>
@@ -13642,14 +10697,7 @@
                 <a:latin typeface="Arial" panose="020B0604020202020204" pitchFamily="34" charset="0"/>
                 <a:cs typeface="Arial" panose="020B0604020202020204" pitchFamily="34" charset="0"/>
               </a:rPr>
-              <a:t>Возможность редактирования </a:t>
-            </a:r>
-            <a:r>
-              <a:rPr lang="ru-RU" sz="1900" dirty="0" smtClean="0">
-                <a:latin typeface="Arial" panose="020B0604020202020204" pitchFamily="34" charset="0"/>
-                <a:cs typeface="Arial" panose="020B0604020202020204" pitchFamily="34" charset="0"/>
-              </a:rPr>
-              <a:t>информации на главной странице через панель администратора</a:t>
+              <a:t>Возможность редактирования информации на главной странице через панель администратора</a:t>
             </a:r>
             <a:endParaRPr lang="ru-RU" sz="1900" dirty="0">
               <a:latin typeface="Arial" panose="020B0604020202020204" pitchFamily="34" charset="0"/>
@@ -13715,121 +10763,25 @@
       </p:pic>
       <p:sp>
         <p:nvSpPr>
-          <p:cNvPr id="10" name="Заголовок 1"/>
-          <p:cNvSpPr txBox="1">
-            <a:spLocks/>
+          <p:cNvPr id="9" name="Заголовок 1"/>
+          <p:cNvSpPr>
+            <a:spLocks noGrp="1"/>
           </p:cNvSpPr>
-          <p:nvPr/>
+          <p:nvPr>
+            <p:ph type="title"/>
+          </p:nvPr>
         </p:nvSpPr>
         <p:spPr>
           <a:xfrm>
-            <a:off x="1235075" y="0"/>
-            <a:ext cx="9937750" cy="1378913"/>
+            <a:off x="1235075" y="4763"/>
+            <a:ext cx="9937750" cy="1371600"/>
           </a:xfrm>
-          <a:prstGeom prst="rect">
-            <a:avLst/>
-          </a:prstGeom>
-          <a:effectLst>
-            <a:outerShdw blurRad="25400" dir="17880000">
-              <a:srgbClr val="000000">
-                <a:alpha val="46000"/>
-              </a:srgbClr>
-            </a:outerShdw>
-          </a:effectLst>
         </p:spPr>
         <p:txBody>
-          <a:bodyPr vert="horz" lIns="91440" tIns="45720" rIns="91440" bIns="45720" rtlCol="0" anchor="ctr">
-            <a:normAutofit/>
-          </a:bodyPr>
-          <a:lstStyle>
-            <a:lvl1pPr algn="ctr" defTabSz="457200" rtl="0" eaLnBrk="1" latinLnBrk="0" hangingPunct="1">
-              <a:spcBef>
-                <a:spcPct val="0"/>
-              </a:spcBef>
-              <a:buNone/>
-              <a:defRPr sz="4000" kern="1200">
-                <a:ln>
-                  <a:solidFill>
-                    <a:schemeClr val="bg1">
-                      <a:lumMod val="75000"/>
-                      <a:lumOff val="25000"/>
-                      <a:alpha val="10000"/>
-                    </a:schemeClr>
-                  </a:solidFill>
-                </a:ln>
-                <a:solidFill>
-                  <a:schemeClr val="tx2"/>
-                </a:solidFill>
-                <a:effectLst>
-                  <a:outerShdw blurRad="9525" dist="25400" dir="14640000" algn="tl" rotWithShape="0">
-                    <a:schemeClr val="bg1">
-                      <a:alpha val="30000"/>
-                    </a:schemeClr>
-                  </a:outerShdw>
-                </a:effectLst>
-                <a:latin typeface="+mj-lt"/>
-                <a:ea typeface="+mj-ea"/>
-                <a:cs typeface="Trebuchet MS"/>
-              </a:defRPr>
-            </a:lvl1pPr>
-            <a:lvl2pPr eaLnBrk="1" hangingPunct="1">
-              <a:defRPr>
-                <a:solidFill>
-                  <a:schemeClr val="tx2"/>
-                </a:solidFill>
-              </a:defRPr>
-            </a:lvl2pPr>
-            <a:lvl3pPr eaLnBrk="1" hangingPunct="1">
-              <a:defRPr>
-                <a:solidFill>
-                  <a:schemeClr val="tx2"/>
-                </a:solidFill>
-              </a:defRPr>
-            </a:lvl3pPr>
-            <a:lvl4pPr eaLnBrk="1" hangingPunct="1">
-              <a:defRPr>
-                <a:solidFill>
-                  <a:schemeClr val="tx2"/>
-                </a:solidFill>
-              </a:defRPr>
-            </a:lvl4pPr>
-            <a:lvl5pPr eaLnBrk="1" hangingPunct="1">
-              <a:defRPr>
-                <a:solidFill>
-                  <a:schemeClr val="tx2"/>
-                </a:solidFill>
-              </a:defRPr>
-            </a:lvl5pPr>
-            <a:lvl6pPr eaLnBrk="1" hangingPunct="1">
-              <a:defRPr>
-                <a:solidFill>
-                  <a:schemeClr val="tx2"/>
-                </a:solidFill>
-              </a:defRPr>
-            </a:lvl6pPr>
-            <a:lvl7pPr eaLnBrk="1" hangingPunct="1">
-              <a:defRPr>
-                <a:solidFill>
-                  <a:schemeClr val="tx2"/>
-                </a:solidFill>
-              </a:defRPr>
-            </a:lvl7pPr>
-            <a:lvl8pPr eaLnBrk="1" hangingPunct="1">
-              <a:defRPr>
-                <a:solidFill>
-                  <a:schemeClr val="tx2"/>
-                </a:solidFill>
-              </a:defRPr>
-            </a:lvl8pPr>
-            <a:lvl9pPr eaLnBrk="1" hangingPunct="1">
-              <a:defRPr>
-                <a:solidFill>
-                  <a:schemeClr val="tx2"/>
-                </a:solidFill>
-              </a:defRPr>
-            </a:lvl9pPr>
-          </a:lstStyle>
-          <a:p>
+          <a:bodyPr/>
+          <a:lstStyle/>
+          <a:p>
+            <a:pPr algn="ctr"/>
             <a:r>
               <a:rPr lang="ru-RU" dirty="0" smtClean="0">
                 <a:latin typeface="Arial" panose="020B0604020202020204" pitchFamily="34" charset="0"/>
@@ -13877,56 +10829,58 @@
 </file>
 
 <file path=ppt/theme/theme1.xml><?xml version="1.0" encoding="utf-8"?>
-<a:theme xmlns:a="http://schemas.openxmlformats.org/drawingml/2006/main" name="Сланец">
+<a:theme xmlns:a="http://schemas.openxmlformats.org/drawingml/2006/main" name="Parcel">
   <a:themeElements>
-    <a:clrScheme name="Сланец">
+    <a:clrScheme name="Parcel">
       <a:dk1>
-        <a:sysClr val="windowText" lastClr="000000"/>
+        <a:srgbClr val="000000"/>
       </a:dk1>
       <a:lt1>
-        <a:sysClr val="window" lastClr="FFFFFF"/>
+        <a:srgbClr val="FFFFFF"/>
       </a:lt1>
       <a:dk2>
-        <a:srgbClr val="212123"/>
+        <a:srgbClr val="4A5356"/>
       </a:dk2>
       <a:lt2>
-        <a:srgbClr val="DADADA"/>
+        <a:srgbClr val="E8E3CE"/>
       </a:lt2>
       <a:accent1>
-        <a:srgbClr val="BC451B"/>
+        <a:srgbClr val="F6A21D"/>
       </a:accent1>
       <a:accent2>
-        <a:srgbClr val="D3BA68"/>
+        <a:srgbClr val="9BAFB5"/>
       </a:accent2>
       <a:accent3>
-        <a:srgbClr val="BB8640"/>
+        <a:srgbClr val="C96731"/>
       </a:accent3>
       <a:accent4>
-        <a:srgbClr val="AD9277"/>
+        <a:srgbClr val="9CA383"/>
       </a:accent4>
       <a:accent5>
-        <a:srgbClr val="A55A43"/>
+        <a:srgbClr val="87795D"/>
       </a:accent5>
       <a:accent6>
-        <a:srgbClr val="AD9D7B"/>
+        <a:srgbClr val="A0988C"/>
       </a:accent6>
       <a:hlink>
-        <a:srgbClr val="E98052"/>
+        <a:srgbClr val="00B0F0"/>
       </a:hlink>
       <a:folHlink>
-        <a:srgbClr val="F4B69B"/>
+        <a:srgbClr val="738F97"/>
       </a:folHlink>
     </a:clrScheme>
-    <a:fontScheme name="Сланец">
+    <a:fontScheme name="Parcel">
       <a:majorFont>
-        <a:latin typeface="Calisto MT" panose="02040603050505030304"/>
+        <a:latin typeface="Gill Sans MT" panose="020B0502020104020203"/>
         <a:ea typeface=""/>
         <a:cs typeface=""/>
-        <a:font script="Jpan" typeface="ＭＳ Ｐゴシック"/>
-        <a:font script="Hang" typeface="돋움"/>
-        <a:font script="Hans" typeface="方正舒体"/>
+        <a:font script="Grek" typeface="Corbel"/>
+        <a:font script="Cyrl" typeface="Corbel"/>
+        <a:font script="Jpan" typeface="HGｺﾞｼｯｸE"/>
+        <a:font script="Hang" typeface="휴먼매직체"/>
+        <a:font script="Hans" typeface="华文中宋"/>
         <a:font script="Hant" typeface="微軟正黑體"/>
-        <a:font script="Arab" typeface="Arial"/>
+        <a:font script="Arab" typeface="Majalla UI"/>
         <a:font script="Hebr" typeface="Arial"/>
         <a:font script="Thai" typeface="Cordia New"/>
         <a:font script="Ethi" typeface="Nyala"/>
@@ -13949,19 +10903,21 @@
         <a:font script="Laoo" typeface="DokChampa"/>
         <a:font script="Sinh" typeface="Iskoola Pota"/>
         <a:font script="Mong" typeface="Mongolian Baiti"/>
-        <a:font script="Viet" typeface="Arial"/>
+        <a:font script="Viet" typeface="Tahoma"/>
         <a:font script="Uigh" typeface="Microsoft Uighur"/>
         <a:font script="Geor" typeface="Sylfaen"/>
       </a:majorFont>
       <a:minorFont>
-        <a:latin typeface="Calisto MT" panose="02040603050505030304"/>
+        <a:latin typeface="Gill Sans MT" panose="020B0502020104020203"/>
         <a:ea typeface=""/>
         <a:cs typeface=""/>
-        <a:font script="Jpan" typeface="ＭＳ Ｐゴシック"/>
-        <a:font script="Hang" typeface="돋움"/>
-        <a:font script="Hans" typeface="方正舒体"/>
+        <a:font script="Grek" typeface="Corbel"/>
+        <a:font script="Cyrl" typeface="Corbel"/>
+        <a:font script="Jpan" typeface="HGｺﾞｼｯｸE"/>
+        <a:font script="Hang" typeface="휴먼매직체"/>
+        <a:font script="Hans" typeface="华文中宋"/>
         <a:font script="Hant" typeface="微軟正黑體"/>
-        <a:font script="Arab" typeface="Arial"/>
+        <a:font script="Arab" typeface="Majalla UI"/>
         <a:font script="Hebr" typeface="Arial"/>
         <a:font script="Thai" typeface="Cordia New"/>
         <a:font script="Ethi" typeface="Nyala"/>
@@ -13984,12 +10940,12 @@
         <a:font script="Laoo" typeface="DokChampa"/>
         <a:font script="Sinh" typeface="Iskoola Pota"/>
         <a:font script="Mong" typeface="Mongolian Baiti"/>
-        <a:font script="Viet" typeface="Arial"/>
+        <a:font script="Viet" typeface="Tahoma"/>
         <a:font script="Uigh" typeface="Microsoft Uighur"/>
         <a:font script="Geor" typeface="Sylfaen"/>
       </a:minorFont>
     </a:fontScheme>
-    <a:fmtScheme name="Сланец">
+    <a:fmtScheme name="Parcel">
       <a:fillStyleLst>
         <a:solidFill>
           <a:schemeClr val="phClr"/>
@@ -13998,13 +10954,16 @@
           <a:gsLst>
             <a:gs pos="0">
               <a:schemeClr val="phClr">
-                <a:tint val="60000"/>
-                <a:lumMod val="110000"/>
+                <a:tint val="80000"/>
+                <a:satMod val="107000"/>
+                <a:lumMod val="103000"/>
               </a:schemeClr>
             </a:gs>
             <a:gs pos="100000">
               <a:schemeClr val="phClr">
-                <a:tint val="88000"/>
+                <a:tint val="82000"/>
+                <a:satMod val="109000"/>
+                <a:lumMod val="103000"/>
               </a:schemeClr>
             </a:gs>
           </a:gsLst>
@@ -14014,14 +10973,23 @@
           <a:gsLst>
             <a:gs pos="0">
               <a:schemeClr val="phClr">
-                <a:tint val="96000"/>
-                <a:lumMod val="104000"/>
+                <a:tint val="97000"/>
+                <a:satMod val="100000"/>
+                <a:lumMod val="102000"/>
+              </a:schemeClr>
+            </a:gs>
+            <a:gs pos="50000">
+              <a:schemeClr val="phClr">
+                <a:shade val="100000"/>
+                <a:satMod val="103000"/>
+                <a:lumMod val="100000"/>
               </a:schemeClr>
             </a:gs>
             <a:gs pos="100000">
               <a:schemeClr val="phClr">
-                <a:shade val="90000"/>
-                <a:lumMod val="90000"/>
+                <a:shade val="93000"/>
+                <a:satMod val="110000"/>
+                <a:lumMod val="99000"/>
               </a:schemeClr>
             </a:gs>
           </a:gsLst>
@@ -14029,21 +10997,19 @@
         </a:gradFill>
       </a:fillStyleLst>
       <a:lnStyleLst>
-        <a:ln w="9525" cap="rnd" cmpd="sng" algn="ctr">
-          <a:solidFill>
-            <a:schemeClr val="phClr">
-              <a:shade val="90000"/>
-            </a:schemeClr>
-          </a:solidFill>
-          <a:prstDash val="solid"/>
-        </a:ln>
-        <a:ln w="15875" cap="rnd" cmpd="sng" algn="ctr">
+        <a:ln w="6350" cap="flat" cmpd="sng" algn="ctr">
           <a:solidFill>
             <a:schemeClr val="phClr"/>
           </a:solidFill>
           <a:prstDash val="solid"/>
         </a:ln>
-        <a:ln w="25400" cap="rnd" cmpd="sng" algn="ctr">
+        <a:ln w="12700" cap="flat" cmpd="sng" algn="ctr">
+          <a:solidFill>
+            <a:schemeClr val="phClr"/>
+          </a:solidFill>
+          <a:prstDash val="solid"/>
+        </a:ln>
+        <a:ln w="31750" cap="flat" cmpd="sng" algn="ctr">
           <a:solidFill>
             <a:schemeClr val="phClr"/>
           </a:solidFill>
@@ -14055,19 +11021,13 @@
           <a:effectLst/>
         </a:effectStyle>
         <a:effectStyle>
-          <a:effectLst>
-            <a:outerShdw blurRad="63500" dist="25400" dir="5400000" rotWithShape="0">
-              <a:srgbClr val="000000">
-                <a:alpha val="60000"/>
-              </a:srgbClr>
-            </a:outerShdw>
-          </a:effectLst>
+          <a:effectLst/>
         </a:effectStyle>
         <a:effectStyle>
           <a:effectLst>
-            <a:outerShdw blurRad="76200" dist="38100" dir="5400000" rotWithShape="0">
+            <a:outerShdw blurRad="55880" dist="15240" dir="5400000" algn="ctr" rotWithShape="0">
               <a:srgbClr val="000000">
-                <a:alpha val="75000"/>
+                <a:alpha val="45000"/>
               </a:srgbClr>
             </a:outerShdw>
           </a:effectLst>
@@ -14075,12 +11035,10 @@
             <a:camera prst="orthographicFront">
               <a:rot lat="0" lon="0" rev="0"/>
             </a:camera>
-            <a:lightRig rig="threePt" dir="t">
-              <a:rot lat="0" lon="0" rev="1200000"/>
-            </a:lightRig>
+            <a:lightRig rig="brightRoom" dir="tl"/>
           </a:scene3d>
-          <a:sp3d>
-            <a:bevelT w="63500" h="25400" prst="hardEdge"/>
+          <a:sp3d prstMaterial="dkEdge">
+            <a:bevelT w="0" h="0"/>
           </a:sp3d>
         </a:effectStyle>
       </a:effectStyleLst>
@@ -14089,22 +11047,34 @@
           <a:schemeClr val="phClr"/>
         </a:solidFill>
         <a:solidFill>
-          <a:schemeClr val="phClr"/>
+          <a:schemeClr val="phClr">
+            <a:tint val="95000"/>
+            <a:satMod val="170000"/>
+          </a:schemeClr>
         </a:solidFill>
-        <a:blipFill rotWithShape="1">
-          <a:blip xmlns:r="http://schemas.openxmlformats.org/officeDocument/2006/relationships" r:embed="rId1">
-            <a:duotone>
+        <a:gradFill rotWithShape="1">
+          <a:gsLst>
+            <a:gs pos="0">
               <a:schemeClr val="phClr">
-                <a:shade val="80000"/>
+                <a:tint val="97000"/>
+                <a:shade val="100000"/>
+                <a:satMod val="185000"/>
+                <a:lumMod val="120000"/>
+              </a:schemeClr>
+            </a:gs>
+            <a:gs pos="100000">
+              <a:schemeClr val="phClr">
+                <a:tint val="96000"/>
+                <a:shade val="95000"/>
+                <a:satMod val="215000"/>
                 <a:lumMod val="80000"/>
               </a:schemeClr>
-              <a:schemeClr val="phClr">
-                <a:tint val="98000"/>
-              </a:schemeClr>
-            </a:duotone>
-          </a:blip>
-          <a:stretch/>
-        </a:blipFill>
+            </a:gs>
+          </a:gsLst>
+          <a:path path="circle">
+            <a:fillToRect l="50000" t="55000" r="125000" b="100000"/>
+          </a:path>
+        </a:gradFill>
       </a:bgFillStyleLst>
     </a:fmtScheme>
   </a:themeElements>
@@ -14112,7 +11082,7 @@
   <a:extraClrSchemeLst/>
   <a:extLst>
     <a:ext uri="{05A4C25C-085E-4340-85A3-A5531E510DB2}">
-      <thm15:themeFamily xmlns:thm15="http://schemas.microsoft.com/office/thememl/2012/main" name="Slate" id="{C3F70B94-7CE9-428E-ADC1-3269CC2C3385}" vid="{3F2DE9A5-64E6-437C-A389-CC4477E817E8}"/>
+      <thm15:themeFamily xmlns:thm15="http://schemas.microsoft.com/office/thememl/2012/main" name="Parcel" id="{8BEC4385-4EB9-4D53-BFB5-0EA123736B6D}" vid="{4DB32801-28C0-48B0-8C1D-A9A58613615A}"/>
     </a:ext>
   </a:extLst>
 </a:theme>

--- a/Prez.pptx
+++ b/Prez.pptx
@@ -1,26 +1,28 @@
 
 <file path=ppt/presentation.xml><?xml version="1.0" encoding="utf-8"?>
-<p:presentation xmlns:a="http://schemas.openxmlformats.org/drawingml/2006/main" xmlns:r="http://schemas.openxmlformats.org/officeDocument/2006/relationships" xmlns:p="http://schemas.openxmlformats.org/presentationml/2006/main" autoCompressPictures="0">
+<p:presentation xmlns:a="http://schemas.openxmlformats.org/drawingml/2006/main" xmlns:r="http://schemas.openxmlformats.org/officeDocument/2006/relationships" xmlns:p="http://schemas.openxmlformats.org/presentationml/2006/main" showSpecialPlsOnTitleSld="0" autoCompressPictures="0">
   <p:sldMasterIdLst>
     <p:sldMasterId id="2147483888" r:id="rId1"/>
   </p:sldMasterIdLst>
+  <p:notesMasterIdLst>
+    <p:notesMasterId r:id="rId17"/>
+  </p:notesMasterIdLst>
   <p:sldIdLst>
     <p:sldId id="256" r:id="rId2"/>
-    <p:sldId id="257" r:id="rId3"/>
-    <p:sldId id="258" r:id="rId4"/>
-    <p:sldId id="259" r:id="rId5"/>
-    <p:sldId id="260" r:id="rId6"/>
-    <p:sldId id="261" r:id="rId7"/>
-    <p:sldId id="262" r:id="rId8"/>
-    <p:sldId id="263" r:id="rId9"/>
-    <p:sldId id="264" r:id="rId10"/>
-    <p:sldId id="265" r:id="rId11"/>
-    <p:sldId id="266" r:id="rId12"/>
-    <p:sldId id="267" r:id="rId13"/>
-    <p:sldId id="268" r:id="rId14"/>
-    <p:sldId id="269" r:id="rId15"/>
-    <p:sldId id="270" r:id="rId16"/>
-    <p:sldId id="271" r:id="rId17"/>
+    <p:sldId id="258" r:id="rId3"/>
+    <p:sldId id="259" r:id="rId4"/>
+    <p:sldId id="260" r:id="rId5"/>
+    <p:sldId id="261" r:id="rId6"/>
+    <p:sldId id="262" r:id="rId7"/>
+    <p:sldId id="263" r:id="rId8"/>
+    <p:sldId id="264" r:id="rId9"/>
+    <p:sldId id="265" r:id="rId10"/>
+    <p:sldId id="266" r:id="rId11"/>
+    <p:sldId id="267" r:id="rId12"/>
+    <p:sldId id="268" r:id="rId13"/>
+    <p:sldId id="269" r:id="rId14"/>
+    <p:sldId id="270" r:id="rId15"/>
+    <p:sldId id="271" r:id="rId16"/>
   </p:sldIdLst>
   <p:sldSz cx="12192000" cy="6858000"/>
   <p:notesSz cx="6858000" cy="9144000"/>
@@ -158,6 +160,356 @@
 </p:presentation>
 </file>
 
+<file path=ppt/notesMasters/notesMaster1.xml><?xml version="1.0" encoding="utf-8"?>
+<p:notesMaster xmlns:a="http://schemas.openxmlformats.org/drawingml/2006/main" xmlns:r="http://schemas.openxmlformats.org/officeDocument/2006/relationships" xmlns:p="http://schemas.openxmlformats.org/presentationml/2006/main">
+  <p:cSld>
+    <p:bg>
+      <p:bgRef idx="1001">
+        <a:schemeClr val="bg1"/>
+      </p:bgRef>
+    </p:bg>
+    <p:spTree>
+      <p:nvGrpSpPr>
+        <p:cNvPr id="1" name=""/>
+        <p:cNvGrpSpPr/>
+        <p:nvPr/>
+      </p:nvGrpSpPr>
+      <p:grpSpPr>
+        <a:xfrm>
+          <a:off x="0" y="0"/>
+          <a:ext cx="0" cy="0"/>
+          <a:chOff x="0" y="0"/>
+          <a:chExt cx="0" cy="0"/>
+        </a:xfrm>
+      </p:grpSpPr>
+      <p:sp>
+        <p:nvSpPr>
+          <p:cNvPr id="2" name="Верхний колонтитул 1"/>
+          <p:cNvSpPr>
+            <a:spLocks noGrp="1"/>
+          </p:cNvSpPr>
+          <p:nvPr>
+            <p:ph type="hdr" sz="quarter"/>
+          </p:nvPr>
+        </p:nvSpPr>
+        <p:spPr>
+          <a:xfrm>
+            <a:off x="0" y="0"/>
+            <a:ext cx="2971800" cy="458788"/>
+          </a:xfrm>
+          <a:prstGeom prst="rect">
+            <a:avLst/>
+          </a:prstGeom>
+        </p:spPr>
+        <p:txBody>
+          <a:bodyPr vert="horz" lIns="91440" tIns="45720" rIns="91440" bIns="45720" rtlCol="0"/>
+          <a:lstStyle>
+            <a:lvl1pPr algn="l">
+              <a:defRPr sz="1200"/>
+            </a:lvl1pPr>
+          </a:lstStyle>
+          <a:p>
+            <a:endParaRPr lang="ru-RU"/>
+          </a:p>
+        </p:txBody>
+      </p:sp>
+      <p:sp>
+        <p:nvSpPr>
+          <p:cNvPr id="3" name="Дата 2"/>
+          <p:cNvSpPr>
+            <a:spLocks noGrp="1"/>
+          </p:cNvSpPr>
+          <p:nvPr>
+            <p:ph type="dt" idx="1"/>
+          </p:nvPr>
+        </p:nvSpPr>
+        <p:spPr>
+          <a:xfrm>
+            <a:off x="3884613" y="0"/>
+            <a:ext cx="2971800" cy="458788"/>
+          </a:xfrm>
+          <a:prstGeom prst="rect">
+            <a:avLst/>
+          </a:prstGeom>
+        </p:spPr>
+        <p:txBody>
+          <a:bodyPr vert="horz" lIns="91440" tIns="45720" rIns="91440" bIns="45720" rtlCol="0"/>
+          <a:lstStyle>
+            <a:lvl1pPr algn="r">
+              <a:defRPr sz="1200"/>
+            </a:lvl1pPr>
+          </a:lstStyle>
+          <a:p>
+            <a:fld id="{FBE06AD4-4236-4C6A-A51A-74F6DACEC17E}" type="datetimeFigureOut">
+              <a:rPr lang="ru-RU" smtClean="0"/>
+              <a:t>12.06.2019</a:t>
+            </a:fld>
+            <a:endParaRPr lang="ru-RU"/>
+          </a:p>
+        </p:txBody>
+      </p:sp>
+      <p:sp>
+        <p:nvSpPr>
+          <p:cNvPr id="4" name="Образ слайда 3"/>
+          <p:cNvSpPr>
+            <a:spLocks noGrp="1" noRot="1" noChangeAspect="1"/>
+          </p:cNvSpPr>
+          <p:nvPr>
+            <p:ph type="sldImg" idx="2"/>
+          </p:nvPr>
+        </p:nvSpPr>
+        <p:spPr>
+          <a:xfrm>
+            <a:off x="685800" y="1143000"/>
+            <a:ext cx="5486400" cy="3086100"/>
+          </a:xfrm>
+          <a:prstGeom prst="rect">
+            <a:avLst/>
+          </a:prstGeom>
+          <a:noFill/>
+          <a:ln w="12700">
+            <a:solidFill>
+              <a:prstClr val="black"/>
+            </a:solidFill>
+          </a:ln>
+        </p:spPr>
+        <p:txBody>
+          <a:bodyPr vert="horz" lIns="91440" tIns="45720" rIns="91440" bIns="45720" rtlCol="0" anchor="ctr"/>
+          <a:lstStyle/>
+          <a:p>
+            <a:endParaRPr lang="ru-RU"/>
+          </a:p>
+        </p:txBody>
+      </p:sp>
+      <p:sp>
+        <p:nvSpPr>
+          <p:cNvPr id="5" name="Заметки 4"/>
+          <p:cNvSpPr>
+            <a:spLocks noGrp="1"/>
+          </p:cNvSpPr>
+          <p:nvPr>
+            <p:ph type="body" sz="quarter" idx="3"/>
+          </p:nvPr>
+        </p:nvSpPr>
+        <p:spPr>
+          <a:xfrm>
+            <a:off x="685800" y="4400550"/>
+            <a:ext cx="5486400" cy="3600450"/>
+          </a:xfrm>
+          <a:prstGeom prst="rect">
+            <a:avLst/>
+          </a:prstGeom>
+        </p:spPr>
+        <p:txBody>
+          <a:bodyPr vert="horz" lIns="91440" tIns="45720" rIns="91440" bIns="45720" rtlCol="0"/>
+          <a:lstStyle/>
+          <a:p>
+            <a:pPr lvl="0"/>
+            <a:r>
+              <a:rPr lang="ru-RU" smtClean="0"/>
+              <a:t>Образец текста</a:t>
+            </a:r>
+          </a:p>
+          <a:p>
+            <a:pPr lvl="1"/>
+            <a:r>
+              <a:rPr lang="ru-RU" smtClean="0"/>
+              <a:t>Второй уровень</a:t>
+            </a:r>
+          </a:p>
+          <a:p>
+            <a:pPr lvl="2"/>
+            <a:r>
+              <a:rPr lang="ru-RU" smtClean="0"/>
+              <a:t>Третий уровень</a:t>
+            </a:r>
+          </a:p>
+          <a:p>
+            <a:pPr lvl="3"/>
+            <a:r>
+              <a:rPr lang="ru-RU" smtClean="0"/>
+              <a:t>Четвертый уровень</a:t>
+            </a:r>
+          </a:p>
+          <a:p>
+            <a:pPr lvl="4"/>
+            <a:r>
+              <a:rPr lang="ru-RU" smtClean="0"/>
+              <a:t>Пятый уровень</a:t>
+            </a:r>
+            <a:endParaRPr lang="ru-RU"/>
+          </a:p>
+        </p:txBody>
+      </p:sp>
+      <p:sp>
+        <p:nvSpPr>
+          <p:cNvPr id="6" name="Нижний колонтитул 5"/>
+          <p:cNvSpPr>
+            <a:spLocks noGrp="1"/>
+          </p:cNvSpPr>
+          <p:nvPr>
+            <p:ph type="ftr" sz="quarter" idx="4"/>
+          </p:nvPr>
+        </p:nvSpPr>
+        <p:spPr>
+          <a:xfrm>
+            <a:off x="0" y="8685213"/>
+            <a:ext cx="2971800" cy="458787"/>
+          </a:xfrm>
+          <a:prstGeom prst="rect">
+            <a:avLst/>
+          </a:prstGeom>
+        </p:spPr>
+        <p:txBody>
+          <a:bodyPr vert="horz" lIns="91440" tIns="45720" rIns="91440" bIns="45720" rtlCol="0" anchor="b"/>
+          <a:lstStyle>
+            <a:lvl1pPr algn="l">
+              <a:defRPr sz="1200"/>
+            </a:lvl1pPr>
+          </a:lstStyle>
+          <a:p>
+            <a:endParaRPr lang="ru-RU"/>
+          </a:p>
+        </p:txBody>
+      </p:sp>
+      <p:sp>
+        <p:nvSpPr>
+          <p:cNvPr id="7" name="Номер слайда 6"/>
+          <p:cNvSpPr>
+            <a:spLocks noGrp="1"/>
+          </p:cNvSpPr>
+          <p:nvPr>
+            <p:ph type="sldNum" sz="quarter" idx="5"/>
+          </p:nvPr>
+        </p:nvSpPr>
+        <p:spPr>
+          <a:xfrm>
+            <a:off x="3884613" y="8685213"/>
+            <a:ext cx="2971800" cy="458787"/>
+          </a:xfrm>
+          <a:prstGeom prst="rect">
+            <a:avLst/>
+          </a:prstGeom>
+        </p:spPr>
+        <p:txBody>
+          <a:bodyPr vert="horz" lIns="91440" tIns="45720" rIns="91440" bIns="45720" rtlCol="0" anchor="b"/>
+          <a:lstStyle>
+            <a:lvl1pPr algn="r">
+              <a:defRPr sz="1200"/>
+            </a:lvl1pPr>
+          </a:lstStyle>
+          <a:p>
+            <a:fld id="{32BBF484-C072-4385-8CC9-A6875B9E9F69}" type="slidenum">
+              <a:rPr lang="ru-RU" smtClean="0"/>
+              <a:t>‹#›</a:t>
+            </a:fld>
+            <a:endParaRPr lang="ru-RU"/>
+          </a:p>
+        </p:txBody>
+      </p:sp>
+    </p:spTree>
+    <p:extLst>
+      <p:ext uri="{BB962C8B-B14F-4D97-AF65-F5344CB8AC3E}">
+        <p14:creationId xmlns:p14="http://schemas.microsoft.com/office/powerpoint/2010/main" val="2009166924"/>
+      </p:ext>
+    </p:extLst>
+  </p:cSld>
+  <p:clrMap bg1="lt1" tx1="dk1" bg2="lt2" tx2="dk2" accent1="accent1" accent2="accent2" accent3="accent3" accent4="accent4" accent5="accent5" accent6="accent6" hlink="hlink" folHlink="folHlink"/>
+  <p:notesStyle>
+    <a:lvl1pPr marL="0" algn="l" defTabSz="914400" rtl="0" eaLnBrk="1" latinLnBrk="0" hangingPunct="1">
+      <a:defRPr sz="1200" kern="1200">
+        <a:solidFill>
+          <a:schemeClr val="tx1"/>
+        </a:solidFill>
+        <a:latin typeface="+mn-lt"/>
+        <a:ea typeface="+mn-ea"/>
+        <a:cs typeface="+mn-cs"/>
+      </a:defRPr>
+    </a:lvl1pPr>
+    <a:lvl2pPr marL="457200" algn="l" defTabSz="914400" rtl="0" eaLnBrk="1" latinLnBrk="0" hangingPunct="1">
+      <a:defRPr sz="1200" kern="1200">
+        <a:solidFill>
+          <a:schemeClr val="tx1"/>
+        </a:solidFill>
+        <a:latin typeface="+mn-lt"/>
+        <a:ea typeface="+mn-ea"/>
+        <a:cs typeface="+mn-cs"/>
+      </a:defRPr>
+    </a:lvl2pPr>
+    <a:lvl3pPr marL="914400" algn="l" defTabSz="914400" rtl="0" eaLnBrk="1" latinLnBrk="0" hangingPunct="1">
+      <a:defRPr sz="1200" kern="1200">
+        <a:solidFill>
+          <a:schemeClr val="tx1"/>
+        </a:solidFill>
+        <a:latin typeface="+mn-lt"/>
+        <a:ea typeface="+mn-ea"/>
+        <a:cs typeface="+mn-cs"/>
+      </a:defRPr>
+    </a:lvl3pPr>
+    <a:lvl4pPr marL="1371600" algn="l" defTabSz="914400" rtl="0" eaLnBrk="1" latinLnBrk="0" hangingPunct="1">
+      <a:defRPr sz="1200" kern="1200">
+        <a:solidFill>
+          <a:schemeClr val="tx1"/>
+        </a:solidFill>
+        <a:latin typeface="+mn-lt"/>
+        <a:ea typeface="+mn-ea"/>
+        <a:cs typeface="+mn-cs"/>
+      </a:defRPr>
+    </a:lvl4pPr>
+    <a:lvl5pPr marL="1828800" algn="l" defTabSz="914400" rtl="0" eaLnBrk="1" latinLnBrk="0" hangingPunct="1">
+      <a:defRPr sz="1200" kern="1200">
+        <a:solidFill>
+          <a:schemeClr val="tx1"/>
+        </a:solidFill>
+        <a:latin typeface="+mn-lt"/>
+        <a:ea typeface="+mn-ea"/>
+        <a:cs typeface="+mn-cs"/>
+      </a:defRPr>
+    </a:lvl5pPr>
+    <a:lvl6pPr marL="2286000" algn="l" defTabSz="914400" rtl="0" eaLnBrk="1" latinLnBrk="0" hangingPunct="1">
+      <a:defRPr sz="1200" kern="1200">
+        <a:solidFill>
+          <a:schemeClr val="tx1"/>
+        </a:solidFill>
+        <a:latin typeface="+mn-lt"/>
+        <a:ea typeface="+mn-ea"/>
+        <a:cs typeface="+mn-cs"/>
+      </a:defRPr>
+    </a:lvl6pPr>
+    <a:lvl7pPr marL="2743200" algn="l" defTabSz="914400" rtl="0" eaLnBrk="1" latinLnBrk="0" hangingPunct="1">
+      <a:defRPr sz="1200" kern="1200">
+        <a:solidFill>
+          <a:schemeClr val="tx1"/>
+        </a:solidFill>
+        <a:latin typeface="+mn-lt"/>
+        <a:ea typeface="+mn-ea"/>
+        <a:cs typeface="+mn-cs"/>
+      </a:defRPr>
+    </a:lvl7pPr>
+    <a:lvl8pPr marL="3200400" algn="l" defTabSz="914400" rtl="0" eaLnBrk="1" latinLnBrk="0" hangingPunct="1">
+      <a:defRPr sz="1200" kern="1200">
+        <a:solidFill>
+          <a:schemeClr val="tx1"/>
+        </a:solidFill>
+        <a:latin typeface="+mn-lt"/>
+        <a:ea typeface="+mn-ea"/>
+        <a:cs typeface="+mn-cs"/>
+      </a:defRPr>
+    </a:lvl8pPr>
+    <a:lvl9pPr marL="3657600" algn="l" defTabSz="914400" rtl="0" eaLnBrk="1" latinLnBrk="0" hangingPunct="1">
+      <a:defRPr sz="1200" kern="1200">
+        <a:solidFill>
+          <a:schemeClr val="tx1"/>
+        </a:solidFill>
+        <a:latin typeface="+mn-lt"/>
+        <a:ea typeface="+mn-ea"/>
+        <a:cs typeface="+mn-cs"/>
+      </a:defRPr>
+    </a:lvl9pPr>
+  </p:notesStyle>
+</p:notesMaster>
+</file>
+
 <file path=ppt/slideLayouts/slideLayout1.xml><?xml version="1.0" encoding="utf-8"?>
 <p:sldLayout xmlns:a="http://schemas.openxmlformats.org/drawingml/2006/main" xmlns:r="http://schemas.openxmlformats.org/officeDocument/2006/relationships" xmlns:p="http://schemas.openxmlformats.org/presentationml/2006/main" type="title" preserve="1">
   <p:cSld name="Титульный слайд">
@@ -319,7 +671,7 @@
           <a:bodyPr/>
           <a:lstStyle/>
           <a:p>
-            <a:fld id="{DDA51639-B2D6-4652-B8C3-1B4C224A7BAF}" type="datetimeFigureOut">
+            <a:fld id="{77E98EE2-4168-4EEE-A1AD-CBBCBAF10793}" type="datetime1">
               <a:rPr lang="en-US" smtClean="0"/>
               <a:t>6/12/2019</a:t>
             </a:fld>
@@ -490,7 +842,7 @@
           <a:bodyPr/>
           <a:lstStyle/>
           <a:p>
-            <a:fld id="{D11A6AA8-A04B-4104-9AE2-BD48D340E27F}" type="datetimeFigureOut">
+            <a:fld id="{BF401A49-28E3-44BC-A874-99C932589552}" type="datetime1">
               <a:rPr lang="en-US" smtClean="0"/>
               <a:t>6/12/2019</a:t>
             </a:fld>
@@ -670,7 +1022,7 @@
           <a:bodyPr/>
           <a:lstStyle/>
           <a:p>
-            <a:fld id="{B4E0BF79-FAC6-4A96-8DE1-F7B82E2E1652}" type="datetimeFigureOut">
+            <a:fld id="{AC02C9CE-BAAC-4BDD-8E5F-3FEB1A56CBE5}" type="datetime1">
               <a:rPr lang="en-US" smtClean="0"/>
               <a:t>6/12/2019</a:t>
             </a:fld>
@@ -840,7 +1192,7 @@
           <a:bodyPr/>
           <a:lstStyle/>
           <a:p>
-            <a:fld id="{82FF5DD9-2C52-442D-92E2-8072C0C3D7CD}" type="datetimeFigureOut">
+            <a:fld id="{84072343-C3AA-424F-8273-67EB6FBB2498}" type="datetime1">
               <a:rPr lang="en-US" smtClean="0"/>
               <a:t>6/12/2019</a:t>
             </a:fld>
@@ -1109,7 +1461,7 @@
           <a:bodyPr/>
           <a:lstStyle/>
           <a:p>
-            <a:fld id="{C44961B7-6B89-48AB-966F-622E2788EECC}" type="datetimeFigureOut">
+            <a:fld id="{30938DCD-3AA0-471A-BF0C-C46F09559875}" type="datetime1">
               <a:rPr lang="en-US" smtClean="0"/>
               <a:t>6/12/2019</a:t>
             </a:fld>
@@ -1341,7 +1693,7 @@
           <a:bodyPr/>
           <a:lstStyle/>
           <a:p>
-            <a:fld id="{DBD3D6FB-79CC-4683-A046-BBE785BA1BED}" type="datetimeFigureOut">
+            <a:fld id="{AEA8F922-0936-443F-AFF1-E5266F36DB1C}" type="datetime1">
               <a:rPr lang="en-US" smtClean="0"/>
               <a:t>6/12/2019</a:t>
             </a:fld>
@@ -1700,7 +2052,7 @@
           <a:bodyPr/>
           <a:lstStyle/>
           <a:p>
-            <a:fld id="{CBC48EC7-AF6A-48D3-8284-14BACBEBDD84}" type="datetimeFigureOut">
+            <a:fld id="{5654B6F8-8A63-481E-B663-5B59A63538AC}" type="datetime1">
               <a:rPr lang="en-US" smtClean="0"/>
               <a:t>6/12/2019</a:t>
             </a:fld>
@@ -1784,7 +2136,6 @@
   <p:clrMapOvr>
     <a:masterClrMapping/>
   </p:clrMapOvr>
-  <p:hf sldNum="0" hdr="0" ftr="0" dt="0"/>
 </p:sldLayout>
 </file>
 
@@ -1843,7 +2194,7 @@
           <a:bodyPr/>
           <a:lstStyle/>
           <a:p>
-            <a:fld id="{10B90D90-AA62-404D-A741-635B4370F9CB}" type="datetimeFigureOut">
+            <a:fld id="{85202EA4-E976-451B-89ED-A39FABD7025C}" type="datetime1">
               <a:rPr lang="en-US" smtClean="0"/>
               <a:t>6/12/2019</a:t>
             </a:fld>
@@ -1938,7 +2289,7 @@
           <a:bodyPr/>
           <a:lstStyle/>
           <a:p>
-            <a:fld id="{A57002E4-6836-46D1-9DBB-3C27C0DD3A89}" type="datetimeFigureOut">
+            <a:fld id="{EAF6ED36-9472-4C97-826B-440E16947A68}" type="datetime1">
               <a:rPr lang="en-US" smtClean="0"/>
               <a:t>6/12/2019</a:t>
             </a:fld>
@@ -2295,7 +2646,7 @@
           <a:bodyPr/>
           <a:lstStyle/>
           <a:p>
-            <a:fld id="{1CF131DD-A141-4471-BCF9-C6073EDD7E20}" type="datetimeFigureOut">
+            <a:fld id="{9D3F0993-C052-44E9-AE34-C0D9E98D85AD}" type="datetime1">
               <a:rPr lang="en-US" smtClean="0"/>
               <a:t>6/12/2019</a:t>
             </a:fld>
@@ -2653,7 +3004,7 @@
             </a:lvl1pPr>
           </a:lstStyle>
           <a:p>
-            <a:fld id="{AB334A90-EB03-42F3-8859-2C2B2724C058}" type="datetimeFigureOut">
+            <a:fld id="{3E9C5437-80B1-48EB-B34E-B30250E48934}" type="datetime1">
               <a:rPr lang="en-US" smtClean="0"/>
               <a:t>6/12/2019</a:t>
             </a:fld>
@@ -2895,7 +3246,7 @@
             </a:lvl1pPr>
           </a:lstStyle>
           <a:p>
-            <a:fld id="{CBC48EC7-AF6A-48D3-8284-14BACBEBDD84}" type="datetimeFigureOut">
+            <a:fld id="{E16E5A7A-F443-4F94-A6EF-F515F58FBA48}" type="datetime1">
               <a:rPr lang="en-US" smtClean="0"/>
               <a:t>6/12/2019</a:t>
             </a:fld>
@@ -3008,7 +3359,7 @@
     <p:sldLayoutId id="2147483898" r:id="rId10"/>
     <p:sldLayoutId id="2147483899" r:id="rId11"/>
   </p:sldLayoutIdLst>
-  <p:hf sldNum="0" hdr="0" ftr="0" dt="0"/>
+  <p:hf hdr="0" ftr="0" dt="0"/>
   <p:txStyles>
     <p:titleStyle>
       <a:lvl1pPr algn="ctr" defTabSz="914400" rtl="0" eaLnBrk="1" latinLnBrk="0" hangingPunct="1">
@@ -3363,7 +3714,7 @@
         </p:nvSpPr>
         <p:spPr>
           <a:xfrm>
-            <a:off x="1377115" y="1295714"/>
+            <a:off x="1435304" y="2612002"/>
             <a:ext cx="9440034" cy="1828801"/>
           </a:xfrm>
         </p:spPr>
@@ -3399,7 +3750,7 @@
         </p:nvSpPr>
         <p:spPr>
           <a:xfrm>
-            <a:off x="1561708" y="4622795"/>
+            <a:off x="1560576" y="4880489"/>
             <a:ext cx="9070848" cy="728138"/>
           </a:xfrm>
         </p:spPr>
@@ -3456,6 +3807,116 @@
               <a:latin typeface="Arial" panose="020B0604020202020204" pitchFamily="34" charset="0"/>
               <a:cs typeface="Arial" panose="020B0604020202020204" pitchFamily="34" charset="0"/>
             </a:endParaRPr>
+          </a:p>
+        </p:txBody>
+      </p:sp>
+      <p:pic>
+        <p:nvPicPr>
+          <p:cNvPr id="1032" name="Picture 8" descr="ÐÐ°ÑÑÐ¸Ð½ÐºÐ¸ Ð¿Ð¾ Ð·Ð°Ð¿ÑÐ¾ÑÑ Ð¼Ð¸ÑÑÐ° Ð³ÐµÑÐ± pdf"/>
+          <p:cNvPicPr>
+            <a:picLocks noChangeAspect="1" noChangeArrowheads="1"/>
+          </p:cNvPicPr>
+          <p:nvPr/>
+        </p:nvPicPr>
+        <p:blipFill>
+          <a:blip r:embed="rId3">
+            <a:extLst>
+              <a:ext uri="{28A0092B-C50C-407E-A947-70E740481C1C}">
+                <a14:useLocalDpi xmlns:a14="http://schemas.microsoft.com/office/drawing/2010/main" val="0"/>
+              </a:ext>
+            </a:extLst>
+          </a:blip>
+          <a:srcRect/>
+          <a:stretch>
+            <a:fillRect/>
+          </a:stretch>
+        </p:blipFill>
+        <p:spPr bwMode="auto">
+          <a:xfrm>
+            <a:off x="5627452" y="253355"/>
+            <a:ext cx="937096" cy="937096"/>
+          </a:xfrm>
+          <a:prstGeom prst="rect">
+            <a:avLst/>
+          </a:prstGeom>
+          <a:noFill/>
+          <a:extLst>
+            <a:ext uri="{909E8E84-426E-40DD-AFC4-6F175D3DCCD1}">
+              <a14:hiddenFill xmlns:a14="http://schemas.microsoft.com/office/drawing/2010/main">
+                <a:solidFill>
+                  <a:srgbClr val="FFFFFF"/>
+                </a:solidFill>
+              </a14:hiddenFill>
+            </a:ext>
+          </a:extLst>
+        </p:spPr>
+      </p:pic>
+      <p:sp>
+        <p:nvSpPr>
+          <p:cNvPr id="11" name="Прямоугольник 10"/>
+          <p:cNvSpPr/>
+          <p:nvPr/>
+        </p:nvSpPr>
+        <p:spPr>
+          <a:xfrm>
+            <a:off x="2737965" y="1239507"/>
+            <a:ext cx="6716070" cy="1323439"/>
+          </a:xfrm>
+          <a:prstGeom prst="rect">
+            <a:avLst/>
+          </a:prstGeom>
+        </p:spPr>
+        <p:txBody>
+          <a:bodyPr wrap="none">
+            <a:spAutoFit/>
+          </a:bodyPr>
+          <a:lstStyle/>
+          <a:p>
+            <a:pPr algn="ctr"/>
+            <a:r>
+              <a:rPr lang="ru-RU" sz="1600" dirty="0"/>
+              <a:t>МИНОБРНАУКИ </a:t>
+            </a:r>
+            <a:r>
+              <a:rPr lang="ru-RU" sz="1600" dirty="0" smtClean="0"/>
+              <a:t>РОССИИ</a:t>
+            </a:r>
+          </a:p>
+          <a:p>
+            <a:pPr algn="ctr"/>
+            <a:r>
+              <a:rPr lang="ru-RU" sz="1600" dirty="0"/>
+              <a:t>Федеральное государственное бюджетное образовательное учреждение</a:t>
+            </a:r>
+          </a:p>
+          <a:p>
+            <a:pPr algn="ctr"/>
+            <a:r>
+              <a:rPr lang="ru-RU" sz="1600" dirty="0"/>
+              <a:t>высшего образования</a:t>
+            </a:r>
+          </a:p>
+          <a:p>
+            <a:pPr algn="ctr"/>
+            <a:r>
+              <a:rPr lang="ru-RU" sz="1600" b="1" dirty="0"/>
+              <a:t>«МИРЭА </a:t>
+            </a:r>
+            <a:r>
+              <a:rPr lang="ru-RU" sz="1600" b="1" dirty="0" smtClean="0"/>
+              <a:t>- </a:t>
+            </a:r>
+            <a:r>
+              <a:rPr lang="ru-RU" sz="1600" b="1" dirty="0"/>
+              <a:t>Российский технологический университет»</a:t>
+            </a:r>
+          </a:p>
+          <a:p>
+            <a:pPr algn="ctr"/>
+            <a:r>
+              <a:rPr lang="ru-RU" sz="1600" b="1" dirty="0"/>
+              <a:t> РТУ МИРЭА </a:t>
+            </a:r>
           </a:p>
         </p:txBody>
       </p:sp>
@@ -3492,265 +3953,6 @@
 </file>
 
 <file path=ppt/slides/slide10.xml><?xml version="1.0" encoding="utf-8"?>
-<p:sld xmlns:a="http://schemas.openxmlformats.org/drawingml/2006/main" xmlns:r="http://schemas.openxmlformats.org/officeDocument/2006/relationships" xmlns:p="http://schemas.openxmlformats.org/presentationml/2006/main">
-  <p:cSld>
-    <p:spTree>
-      <p:nvGrpSpPr>
-        <p:cNvPr id="1" name=""/>
-        <p:cNvGrpSpPr/>
-        <p:nvPr/>
-      </p:nvGrpSpPr>
-      <p:grpSpPr>
-        <a:xfrm>
-          <a:off x="0" y="0"/>
-          <a:ext cx="0" cy="0"/>
-          <a:chOff x="0" y="0"/>
-          <a:chExt cx="0" cy="0"/>
-        </a:xfrm>
-      </p:grpSpPr>
-      <p:sp>
-        <p:nvSpPr>
-          <p:cNvPr id="12" name="Заголовок 1"/>
-          <p:cNvSpPr>
-            <a:spLocks noGrp="1"/>
-          </p:cNvSpPr>
-          <p:nvPr>
-            <p:ph type="title"/>
-          </p:nvPr>
-        </p:nvSpPr>
-        <p:spPr>
-          <a:xfrm>
-            <a:off x="1235075" y="4763"/>
-            <a:ext cx="9937750" cy="1371600"/>
-          </a:xfrm>
-        </p:spPr>
-        <p:txBody>
-          <a:bodyPr/>
-          <a:lstStyle/>
-          <a:p>
-            <a:pPr algn="ctr"/>
-            <a:r>
-              <a:rPr lang="ru-RU" dirty="0" smtClean="0">
-                <a:latin typeface="Arial" panose="020B0604020202020204" pitchFamily="34" charset="0"/>
-                <a:cs typeface="Arial" panose="020B0604020202020204" pitchFamily="34" charset="0"/>
-              </a:rPr>
-              <a:t>Обзор внедренных изменений</a:t>
-            </a:r>
-            <a:endParaRPr lang="ru-RU" dirty="0">
-              <a:latin typeface="Arial" panose="020B0604020202020204" pitchFamily="34" charset="0"/>
-              <a:cs typeface="Arial" panose="020B0604020202020204" pitchFamily="34" charset="0"/>
-            </a:endParaRPr>
-          </a:p>
-        </p:txBody>
-      </p:sp>
-      <p:sp>
-        <p:nvSpPr>
-          <p:cNvPr id="3" name="Объект 2"/>
-          <p:cNvSpPr>
-            <a:spLocks noGrp="1"/>
-          </p:cNvSpPr>
-          <p:nvPr>
-            <p:ph sz="half" idx="1"/>
-          </p:nvPr>
-        </p:nvSpPr>
-        <p:spPr>
-          <a:xfrm>
-            <a:off x="1235076" y="1399625"/>
-            <a:ext cx="4831762" cy="4058750"/>
-          </a:xfrm>
-        </p:spPr>
-        <p:txBody>
-          <a:bodyPr/>
-          <a:lstStyle/>
-          <a:p>
-            <a:pPr marL="0" indent="0" algn="ctr">
-              <a:buNone/>
-            </a:pPr>
-            <a:r>
-              <a:rPr lang="ru-RU" sz="1900" dirty="0" smtClean="0">
-                <a:latin typeface="Arial" panose="020B0604020202020204" pitchFamily="34" charset="0"/>
-                <a:cs typeface="Arial" panose="020B0604020202020204" pitchFamily="34" charset="0"/>
-              </a:rPr>
-              <a:t>Вывод статистики в виде гистограммы</a:t>
-            </a:r>
-            <a:endParaRPr lang="ru-RU" sz="1900" dirty="0">
-              <a:latin typeface="Arial" panose="020B0604020202020204" pitchFamily="34" charset="0"/>
-              <a:cs typeface="Arial" panose="020B0604020202020204" pitchFamily="34" charset="0"/>
-            </a:endParaRPr>
-          </a:p>
-        </p:txBody>
-      </p:sp>
-      <p:sp>
-        <p:nvSpPr>
-          <p:cNvPr id="4" name="Объект 3"/>
-          <p:cNvSpPr>
-            <a:spLocks noGrp="1"/>
-          </p:cNvSpPr>
-          <p:nvPr>
-            <p:ph sz="half" idx="2"/>
-          </p:nvPr>
-        </p:nvSpPr>
-        <p:spPr>
-          <a:xfrm>
-            <a:off x="6094095" y="1399625"/>
-            <a:ext cx="5064665" cy="4058751"/>
-          </a:xfrm>
-        </p:spPr>
-        <p:txBody>
-          <a:bodyPr>
-            <a:normAutofit/>
-          </a:bodyPr>
-          <a:lstStyle/>
-          <a:p>
-            <a:pPr marL="0" indent="0" algn="ctr">
-              <a:buNone/>
-            </a:pPr>
-            <a:r>
-              <a:rPr lang="ru-RU" sz="1900" dirty="0" smtClean="0">
-                <a:latin typeface="Arial" panose="020B0604020202020204" pitchFamily="34" charset="0"/>
-                <a:cs typeface="Arial" panose="020B0604020202020204" pitchFamily="34" charset="0"/>
-              </a:rPr>
-              <a:t>Возможность самостоятельной регистрации</a:t>
-            </a:r>
-            <a:endParaRPr lang="ru-RU" sz="1900" dirty="0">
-              <a:latin typeface="Arial" panose="020B0604020202020204" pitchFamily="34" charset="0"/>
-              <a:cs typeface="Arial" panose="020B0604020202020204" pitchFamily="34" charset="0"/>
-            </a:endParaRPr>
-          </a:p>
-        </p:txBody>
-      </p:sp>
-      <p:pic>
-        <p:nvPicPr>
-          <p:cNvPr id="9" name="Рисунок 8" descr="https://pp.userapi.com/c850332/v850332090/16303d/lNTKz8zSios.jpg"/>
-          <p:cNvPicPr/>
-          <p:nvPr/>
-        </p:nvPicPr>
-        <p:blipFill>
-          <a:blip r:embed="rId2">
-            <a:extLst>
-              <a:ext uri="{28A0092B-C50C-407E-A947-70E740481C1C}">
-                <a14:useLocalDpi xmlns:a14="http://schemas.microsoft.com/office/drawing/2010/main" val="0"/>
-              </a:ext>
-            </a:extLst>
-          </a:blip>
-          <a:srcRect/>
-          <a:stretch>
-            <a:fillRect/>
-          </a:stretch>
-        </p:blipFill>
-        <p:spPr bwMode="auto">
-          <a:xfrm>
-            <a:off x="1246188" y="2261266"/>
-            <a:ext cx="4849812" cy="2399633"/>
-          </a:xfrm>
-          <a:prstGeom prst="rect">
-            <a:avLst/>
-          </a:prstGeom>
-          <a:noFill/>
-          <a:ln>
-            <a:noFill/>
-          </a:ln>
-        </p:spPr>
-      </p:pic>
-      <p:pic>
-        <p:nvPicPr>
-          <p:cNvPr id="10" name="Рисунок 9" descr="https://pp.userapi.com/c850332/v850332090/16313e/9xtDzNGk2p0.jpg"/>
-          <p:cNvPicPr/>
-          <p:nvPr/>
-        </p:nvPicPr>
-        <p:blipFill>
-          <a:blip r:embed="rId3">
-            <a:extLst>
-              <a:ext uri="{28A0092B-C50C-407E-A947-70E740481C1C}">
-                <a14:useLocalDpi xmlns:a14="http://schemas.microsoft.com/office/drawing/2010/main" val="0"/>
-              </a:ext>
-            </a:extLst>
-          </a:blip>
-          <a:srcRect/>
-          <a:stretch>
-            <a:fillRect/>
-          </a:stretch>
-        </p:blipFill>
-        <p:spPr bwMode="auto">
-          <a:xfrm>
-            <a:off x="6538278" y="2740950"/>
-            <a:ext cx="4119880" cy="1613535"/>
-          </a:xfrm>
-          <a:prstGeom prst="rect">
-            <a:avLst/>
-          </a:prstGeom>
-          <a:noFill/>
-          <a:ln>
-            <a:noFill/>
-          </a:ln>
-        </p:spPr>
-      </p:pic>
-      <p:pic>
-        <p:nvPicPr>
-          <p:cNvPr id="11" name="Рисунок 10" descr="https://pp.userapi.com/c850332/v850332090/163137/gLIGKyj692g.jpg"/>
-          <p:cNvPicPr/>
-          <p:nvPr/>
-        </p:nvPicPr>
-        <p:blipFill>
-          <a:blip r:embed="rId4">
-            <a:extLst>
-              <a:ext uri="{28A0092B-C50C-407E-A947-70E740481C1C}">
-                <a14:useLocalDpi xmlns:a14="http://schemas.microsoft.com/office/drawing/2010/main" val="0"/>
-              </a:ext>
-            </a:extLst>
-          </a:blip>
-          <a:srcRect/>
-          <a:stretch>
-            <a:fillRect/>
-          </a:stretch>
-        </p:blipFill>
-        <p:spPr bwMode="auto">
-          <a:xfrm>
-            <a:off x="6219776" y="2261266"/>
-            <a:ext cx="4788000" cy="318653"/>
-          </a:xfrm>
-          <a:prstGeom prst="rect">
-            <a:avLst/>
-          </a:prstGeom>
-          <a:noFill/>
-          <a:ln>
-            <a:noFill/>
-          </a:ln>
-        </p:spPr>
-      </p:pic>
-    </p:spTree>
-    <p:extLst>
-      <p:ext uri="{BB962C8B-B14F-4D97-AF65-F5344CB8AC3E}">
-        <p14:creationId xmlns:p14="http://schemas.microsoft.com/office/powerpoint/2010/main" val="3550726864"/>
-      </p:ext>
-    </p:extLst>
-  </p:cSld>
-  <p:clrMapOvr>
-    <a:masterClrMapping/>
-  </p:clrMapOvr>
-  <mc:AlternateContent xmlns:mc="http://schemas.openxmlformats.org/markup-compatibility/2006" xmlns:p14="http://schemas.microsoft.com/office/powerpoint/2010/main">
-    <mc:Choice Requires="p14">
-      <p:transition spd="med" p14:dur="700">
-        <p:fade/>
-      </p:transition>
-    </mc:Choice>
-    <mc:Fallback xmlns="">
-      <p:transition spd="med">
-        <p:fade/>
-      </p:transition>
-    </mc:Fallback>
-  </mc:AlternateContent>
-  <p:timing>
-    <p:tnLst>
-      <p:par>
-        <p:cTn id="1" dur="indefinite" restart="never" nodeType="tmRoot"/>
-      </p:par>
-    </p:tnLst>
-  </p:timing>
-</p:sld>
-</file>
-
-<file path=ppt/slides/slide11.xml><?xml version="1.0" encoding="utf-8"?>
 <p:sld xmlns:a="http://schemas.openxmlformats.org/drawingml/2006/main" xmlns:r="http://schemas.openxmlformats.org/officeDocument/2006/relationships" xmlns:p="http://schemas.openxmlformats.org/presentationml/2006/main">
   <p:cSld>
     <p:spTree>
@@ -4008,10 +4210,348 @@
           </a:ln>
         </p:spPr>
       </p:pic>
+      <p:sp>
+        <p:nvSpPr>
+          <p:cNvPr id="2" name="Номер слайда 1"/>
+          <p:cNvSpPr>
+            <a:spLocks noGrp="1"/>
+          </p:cNvSpPr>
+          <p:nvPr>
+            <p:ph type="sldNum" sz="quarter" idx="12"/>
+          </p:nvPr>
+        </p:nvSpPr>
+        <p:spPr/>
+        <p:txBody>
+          <a:bodyPr/>
+          <a:lstStyle/>
+          <a:p>
+            <a:fld id="{4FAB73BC-B049-4115-A692-8D63A059BFB8}" type="slidenum">
+              <a:rPr lang="en-US" smtClean="0"/>
+              <a:t>10</a:t>
+            </a:fld>
+            <a:endParaRPr lang="en-US" dirty="0"/>
+          </a:p>
+        </p:txBody>
+      </p:sp>
     </p:spTree>
     <p:extLst>
       <p:ext uri="{BB962C8B-B14F-4D97-AF65-F5344CB8AC3E}">
         <p14:creationId xmlns:p14="http://schemas.microsoft.com/office/powerpoint/2010/main" val="804519252"/>
+      </p:ext>
+    </p:extLst>
+  </p:cSld>
+  <p:clrMapOvr>
+    <a:masterClrMapping/>
+  </p:clrMapOvr>
+  <mc:AlternateContent xmlns:mc="http://schemas.openxmlformats.org/markup-compatibility/2006" xmlns:p14="http://schemas.microsoft.com/office/powerpoint/2010/main">
+    <mc:Choice Requires="p14">
+      <p:transition spd="med" p14:dur="700">
+        <p:fade/>
+      </p:transition>
+    </mc:Choice>
+    <mc:Fallback xmlns="">
+      <p:transition spd="med">
+        <p:fade/>
+      </p:transition>
+    </mc:Fallback>
+  </mc:AlternateContent>
+  <p:timing>
+    <p:tnLst>
+      <p:par>
+        <p:cTn id="1" dur="indefinite" restart="never" nodeType="tmRoot"/>
+      </p:par>
+    </p:tnLst>
+  </p:timing>
+</p:sld>
+</file>
+
+<file path=ppt/slides/slide11.xml><?xml version="1.0" encoding="utf-8"?>
+<p:sld xmlns:a="http://schemas.openxmlformats.org/drawingml/2006/main" xmlns:r="http://schemas.openxmlformats.org/officeDocument/2006/relationships" xmlns:p="http://schemas.openxmlformats.org/presentationml/2006/main">
+  <p:cSld>
+    <p:spTree>
+      <p:nvGrpSpPr>
+        <p:cNvPr id="1" name=""/>
+        <p:cNvGrpSpPr/>
+        <p:nvPr/>
+      </p:nvGrpSpPr>
+      <p:grpSpPr>
+        <a:xfrm>
+          <a:off x="0" y="0"/>
+          <a:ext cx="0" cy="0"/>
+          <a:chOff x="0" y="0"/>
+          <a:chExt cx="0" cy="0"/>
+        </a:xfrm>
+      </p:grpSpPr>
+      <p:sp>
+        <p:nvSpPr>
+          <p:cNvPr id="7" name="Заголовок 1"/>
+          <p:cNvSpPr>
+            <a:spLocks noGrp="1"/>
+          </p:cNvSpPr>
+          <p:nvPr>
+            <p:ph type="title"/>
+          </p:nvPr>
+        </p:nvSpPr>
+        <p:spPr>
+          <a:xfrm>
+            <a:off x="1235075" y="4763"/>
+            <a:ext cx="9937750" cy="1371600"/>
+          </a:xfrm>
+        </p:spPr>
+        <p:txBody>
+          <a:bodyPr/>
+          <a:lstStyle/>
+          <a:p>
+            <a:pPr algn="ctr"/>
+            <a:r>
+              <a:rPr lang="ru-RU" dirty="0" smtClean="0">
+                <a:latin typeface="Arial" panose="020B0604020202020204" pitchFamily="34" charset="0"/>
+                <a:cs typeface="Arial" panose="020B0604020202020204" pitchFamily="34" charset="0"/>
+              </a:rPr>
+              <a:t>Обзор внедренных изменений</a:t>
+            </a:r>
+            <a:endParaRPr lang="ru-RU" dirty="0">
+              <a:latin typeface="Arial" panose="020B0604020202020204" pitchFamily="34" charset="0"/>
+              <a:cs typeface="Arial" panose="020B0604020202020204" pitchFamily="34" charset="0"/>
+            </a:endParaRPr>
+          </a:p>
+        </p:txBody>
+      </p:sp>
+      <p:sp>
+        <p:nvSpPr>
+          <p:cNvPr id="3" name="Объект 2"/>
+          <p:cNvSpPr>
+            <a:spLocks noGrp="1"/>
+          </p:cNvSpPr>
+          <p:nvPr>
+            <p:ph sz="half" idx="1"/>
+          </p:nvPr>
+        </p:nvSpPr>
+        <p:spPr>
+          <a:xfrm>
+            <a:off x="1235074" y="1376363"/>
+            <a:ext cx="9937751" cy="4233862"/>
+          </a:xfrm>
+        </p:spPr>
+        <p:txBody>
+          <a:bodyPr/>
+          <a:lstStyle/>
+          <a:p>
+            <a:pPr marL="0" indent="0">
+              <a:buNone/>
+            </a:pPr>
+            <a:r>
+              <a:rPr lang="ru-RU" dirty="0" smtClean="0">
+                <a:latin typeface="Arial" panose="020B0604020202020204" pitchFamily="34" charset="0"/>
+                <a:cs typeface="Arial" panose="020B0604020202020204" pitchFamily="34" charset="0"/>
+              </a:rPr>
+              <a:t>     </a:t>
+            </a:r>
+            <a:r>
+              <a:rPr lang="ru-RU" dirty="0">
+                <a:latin typeface="Arial" panose="020B0604020202020204" pitchFamily="34" charset="0"/>
+                <a:cs typeface="Arial" panose="020B0604020202020204" pitchFamily="34" charset="0"/>
+              </a:rPr>
+              <a:t>	 </a:t>
+            </a:r>
+            <a:r>
+              <a:rPr lang="ru-RU" dirty="0" smtClean="0">
+                <a:latin typeface="Arial" panose="020B0604020202020204" pitchFamily="34" charset="0"/>
+                <a:cs typeface="Arial" panose="020B0604020202020204" pitchFamily="34" charset="0"/>
+              </a:rPr>
+              <a:t>       Возможность использования </a:t>
+            </a:r>
+            <a:r>
+              <a:rPr lang="en-US" dirty="0" smtClean="0">
+                <a:latin typeface="Arial" panose="020B0604020202020204" pitchFamily="34" charset="0"/>
+                <a:cs typeface="Arial" panose="020B0604020202020204" pitchFamily="34" charset="0"/>
+              </a:rPr>
+              <a:t>online </a:t>
+            </a:r>
+            <a:r>
+              <a:rPr lang="ru-RU" dirty="0" smtClean="0">
+                <a:latin typeface="Arial" panose="020B0604020202020204" pitchFamily="34" charset="0"/>
+                <a:cs typeface="Arial" panose="020B0604020202020204" pitchFamily="34" charset="0"/>
+              </a:rPr>
+              <a:t>и </a:t>
+            </a:r>
+            <a:r>
+              <a:rPr lang="en-US" dirty="0" smtClean="0">
+                <a:latin typeface="Arial" panose="020B0604020202020204" pitchFamily="34" charset="0"/>
+                <a:cs typeface="Arial" panose="020B0604020202020204" pitchFamily="34" charset="0"/>
+              </a:rPr>
+              <a:t>offline</a:t>
+            </a:r>
+            <a:r>
+              <a:rPr lang="ru-RU" dirty="0" smtClean="0">
+                <a:latin typeface="Arial" panose="020B0604020202020204" pitchFamily="34" charset="0"/>
+                <a:cs typeface="Arial" panose="020B0604020202020204" pitchFamily="34" charset="0"/>
+              </a:rPr>
+              <a:t> версий системы</a:t>
+            </a:r>
+          </a:p>
+          <a:p>
+            <a:endParaRPr lang="en-US" dirty="0" smtClean="0">
+              <a:latin typeface="Arial" panose="020B0604020202020204" pitchFamily="34" charset="0"/>
+              <a:cs typeface="Arial" panose="020B0604020202020204" pitchFamily="34" charset="0"/>
+            </a:endParaRPr>
+          </a:p>
+          <a:p>
+            <a:pPr marL="0" indent="0">
+              <a:buNone/>
+            </a:pPr>
+            <a:r>
+              <a:rPr lang="en-US" dirty="0" smtClean="0">
+                <a:latin typeface="Arial" panose="020B0604020202020204" pitchFamily="34" charset="0"/>
+                <a:cs typeface="Arial" panose="020B0604020202020204" pitchFamily="34" charset="0"/>
+              </a:rPr>
+              <a:t>Offline</a:t>
+            </a:r>
+            <a:r>
+              <a:rPr lang="ru-RU" dirty="0" smtClean="0">
+                <a:latin typeface="Arial" panose="020B0604020202020204" pitchFamily="34" charset="0"/>
+                <a:cs typeface="Arial" panose="020B0604020202020204" pitchFamily="34" charset="0"/>
+              </a:rPr>
+              <a:t>-версия: сервис </a:t>
+            </a:r>
+            <a:r>
+              <a:rPr lang="ru-RU" b="1" dirty="0" smtClean="0">
+                <a:latin typeface="Arial" panose="020B0604020202020204" pitchFamily="34" charset="0"/>
+                <a:cs typeface="Arial" panose="020B0604020202020204" pitchFamily="34" charset="0"/>
+              </a:rPr>
+              <a:t>Яндекс-диск</a:t>
+            </a:r>
+            <a:r>
+              <a:rPr lang="ru-RU" dirty="0" smtClean="0">
+                <a:latin typeface="Arial" panose="020B0604020202020204" pitchFamily="34" charset="0"/>
+                <a:cs typeface="Arial" panose="020B0604020202020204" pitchFamily="34" charset="0"/>
+              </a:rPr>
+              <a:t>.                                  </a:t>
+            </a:r>
+          </a:p>
+          <a:p>
+            <a:pPr marL="0" indent="0">
+              <a:buNone/>
+            </a:pPr>
+            <a:r>
+              <a:rPr lang="ru-RU" dirty="0" smtClean="0">
+                <a:latin typeface="Arial" panose="020B0604020202020204" pitchFamily="34" charset="0"/>
+                <a:cs typeface="Arial" panose="020B0604020202020204" pitchFamily="34" charset="0"/>
+              </a:rPr>
+              <a:t>Содержимое:</a:t>
+            </a:r>
+          </a:p>
+          <a:p>
+            <a:pPr marL="0" indent="0">
+              <a:buNone/>
+            </a:pPr>
+            <a:endParaRPr lang="ru-RU" dirty="0">
+              <a:latin typeface="Arial" panose="020B0604020202020204" pitchFamily="34" charset="0"/>
+              <a:cs typeface="Arial" panose="020B0604020202020204" pitchFamily="34" charset="0"/>
+            </a:endParaRPr>
+          </a:p>
+        </p:txBody>
+      </p:sp>
+      <p:pic>
+        <p:nvPicPr>
+          <p:cNvPr id="9" name="Рисунок 8"/>
+          <p:cNvPicPr/>
+          <p:nvPr/>
+        </p:nvPicPr>
+        <p:blipFill>
+          <a:blip r:embed="rId2"/>
+          <a:stretch>
+            <a:fillRect/>
+          </a:stretch>
+        </p:blipFill>
+        <p:spPr>
+          <a:xfrm>
+            <a:off x="1975485" y="3429000"/>
+            <a:ext cx="3105150" cy="2181225"/>
+          </a:xfrm>
+          <a:prstGeom prst="rect">
+            <a:avLst/>
+          </a:prstGeom>
+        </p:spPr>
+      </p:pic>
+      <p:sp>
+        <p:nvSpPr>
+          <p:cNvPr id="5" name="TextBox 4"/>
+          <p:cNvSpPr txBox="1"/>
+          <p:nvPr/>
+        </p:nvSpPr>
+        <p:spPr>
+          <a:xfrm>
+            <a:off x="6096000" y="2218015"/>
+            <a:ext cx="5076825" cy="369332"/>
+          </a:xfrm>
+          <a:prstGeom prst="rect">
+            <a:avLst/>
+          </a:prstGeom>
+          <a:noFill/>
+        </p:spPr>
+        <p:txBody>
+          <a:bodyPr wrap="square" rtlCol="0">
+            <a:spAutoFit/>
+          </a:bodyPr>
+          <a:lstStyle/>
+          <a:p>
+            <a:pPr algn="ctr"/>
+            <a:r>
+              <a:rPr lang="en-US" dirty="0" smtClean="0">
+                <a:latin typeface="Arial" panose="020B0604020202020204" pitchFamily="34" charset="0"/>
+                <a:cs typeface="Arial" panose="020B0604020202020204" pitchFamily="34" charset="0"/>
+              </a:rPr>
+              <a:t>Online-</a:t>
+            </a:r>
+            <a:r>
+              <a:rPr lang="ru-RU" dirty="0" smtClean="0">
+                <a:latin typeface="Arial" panose="020B0604020202020204" pitchFamily="34" charset="0"/>
+                <a:cs typeface="Arial" panose="020B0604020202020204" pitchFamily="34" charset="0"/>
+              </a:rPr>
+              <a:t>версия: адрес </a:t>
+            </a:r>
+            <a:r>
+              <a:rPr lang="en-US" b="1" dirty="0" err="1" smtClean="0">
+                <a:latin typeface="Arial" panose="020B0604020202020204" pitchFamily="34" charset="0"/>
+                <a:cs typeface="Arial" panose="020B0604020202020204" pitchFamily="34" charset="0"/>
+              </a:rPr>
+              <a:t>ctf.school</a:t>
+            </a:r>
+            <a:endParaRPr lang="ru-RU" b="1" dirty="0">
+              <a:latin typeface="Arial" panose="020B0604020202020204" pitchFamily="34" charset="0"/>
+              <a:cs typeface="Arial" panose="020B0604020202020204" pitchFamily="34" charset="0"/>
+            </a:endParaRPr>
+          </a:p>
+        </p:txBody>
+      </p:sp>
+      <p:sp>
+        <p:nvSpPr>
+          <p:cNvPr id="2" name="Номер слайда 1"/>
+          <p:cNvSpPr>
+            <a:spLocks noGrp="1"/>
+          </p:cNvSpPr>
+          <p:nvPr>
+            <p:ph type="sldNum" sz="quarter" idx="12"/>
+          </p:nvPr>
+        </p:nvSpPr>
+        <p:spPr/>
+        <p:txBody>
+          <a:bodyPr/>
+          <a:lstStyle/>
+          <a:p>
+            <a:fld id="{4FAB73BC-B049-4115-A692-8D63A059BFB8}" type="slidenum">
+              <a:rPr lang="en-US" smtClean="0"/>
+              <a:t>11</a:t>
+            </a:fld>
+            <a:endParaRPr lang="en-US" dirty="0"/>
+          </a:p>
+        </p:txBody>
+      </p:sp>
+    </p:spTree>
+    <p:extLst>
+      <p:ext uri="{BB962C8B-B14F-4D97-AF65-F5344CB8AC3E}">
+        <p14:creationId xmlns:p14="http://schemas.microsoft.com/office/powerpoint/2010/main" val="2391135780"/>
       </p:ext>
     </p:extLst>
   </p:cSld>
@@ -4059,298 +4599,6 @@
       </p:grpSpPr>
       <p:sp>
         <p:nvSpPr>
-          <p:cNvPr id="7" name="Заголовок 1"/>
-          <p:cNvSpPr>
-            <a:spLocks noGrp="1"/>
-          </p:cNvSpPr>
-          <p:nvPr>
-            <p:ph type="title"/>
-          </p:nvPr>
-        </p:nvSpPr>
-        <p:spPr>
-          <a:xfrm>
-            <a:off x="1235075" y="4763"/>
-            <a:ext cx="9937750" cy="1371600"/>
-          </a:xfrm>
-        </p:spPr>
-        <p:txBody>
-          <a:bodyPr/>
-          <a:lstStyle/>
-          <a:p>
-            <a:pPr algn="ctr"/>
-            <a:r>
-              <a:rPr lang="ru-RU" dirty="0" smtClean="0">
-                <a:latin typeface="Arial" panose="020B0604020202020204" pitchFamily="34" charset="0"/>
-                <a:cs typeface="Arial" panose="020B0604020202020204" pitchFamily="34" charset="0"/>
-              </a:rPr>
-              <a:t>Обзор внедренных изменений</a:t>
-            </a:r>
-            <a:endParaRPr lang="ru-RU" dirty="0">
-              <a:latin typeface="Arial" panose="020B0604020202020204" pitchFamily="34" charset="0"/>
-              <a:cs typeface="Arial" panose="020B0604020202020204" pitchFamily="34" charset="0"/>
-            </a:endParaRPr>
-          </a:p>
-        </p:txBody>
-      </p:sp>
-      <p:sp>
-        <p:nvSpPr>
-          <p:cNvPr id="3" name="Объект 2"/>
-          <p:cNvSpPr>
-            <a:spLocks noGrp="1"/>
-          </p:cNvSpPr>
-          <p:nvPr>
-            <p:ph sz="half" idx="1"/>
-          </p:nvPr>
-        </p:nvSpPr>
-        <p:spPr>
-          <a:xfrm>
-            <a:off x="1235074" y="1376363"/>
-            <a:ext cx="9937751" cy="4233862"/>
-          </a:xfrm>
-        </p:spPr>
-        <p:txBody>
-          <a:bodyPr/>
-          <a:lstStyle/>
-          <a:p>
-            <a:pPr marL="0" indent="0">
-              <a:buNone/>
-            </a:pPr>
-            <a:r>
-              <a:rPr lang="ru-RU" dirty="0" smtClean="0">
-                <a:latin typeface="Arial" panose="020B0604020202020204" pitchFamily="34" charset="0"/>
-                <a:cs typeface="Arial" panose="020B0604020202020204" pitchFamily="34" charset="0"/>
-              </a:rPr>
-              <a:t>     </a:t>
-            </a:r>
-            <a:r>
-              <a:rPr lang="ru-RU" dirty="0">
-                <a:latin typeface="Arial" panose="020B0604020202020204" pitchFamily="34" charset="0"/>
-                <a:cs typeface="Arial" panose="020B0604020202020204" pitchFamily="34" charset="0"/>
-              </a:rPr>
-              <a:t>	 </a:t>
-            </a:r>
-            <a:r>
-              <a:rPr lang="ru-RU" dirty="0" smtClean="0">
-                <a:latin typeface="Arial" panose="020B0604020202020204" pitchFamily="34" charset="0"/>
-                <a:cs typeface="Arial" panose="020B0604020202020204" pitchFamily="34" charset="0"/>
-              </a:rPr>
-              <a:t>       Возможность использования </a:t>
-            </a:r>
-            <a:r>
-              <a:rPr lang="en-US" dirty="0" smtClean="0">
-                <a:latin typeface="Arial" panose="020B0604020202020204" pitchFamily="34" charset="0"/>
-                <a:cs typeface="Arial" panose="020B0604020202020204" pitchFamily="34" charset="0"/>
-              </a:rPr>
-              <a:t>online </a:t>
-            </a:r>
-            <a:r>
-              <a:rPr lang="ru-RU" dirty="0" smtClean="0">
-                <a:latin typeface="Arial" panose="020B0604020202020204" pitchFamily="34" charset="0"/>
-                <a:cs typeface="Arial" panose="020B0604020202020204" pitchFamily="34" charset="0"/>
-              </a:rPr>
-              <a:t>и </a:t>
-            </a:r>
-            <a:r>
-              <a:rPr lang="en-US" dirty="0" smtClean="0">
-                <a:latin typeface="Arial" panose="020B0604020202020204" pitchFamily="34" charset="0"/>
-                <a:cs typeface="Arial" panose="020B0604020202020204" pitchFamily="34" charset="0"/>
-              </a:rPr>
-              <a:t>offline</a:t>
-            </a:r>
-            <a:r>
-              <a:rPr lang="ru-RU" dirty="0" smtClean="0">
-                <a:latin typeface="Arial" panose="020B0604020202020204" pitchFamily="34" charset="0"/>
-                <a:cs typeface="Arial" panose="020B0604020202020204" pitchFamily="34" charset="0"/>
-              </a:rPr>
-              <a:t> версий системы</a:t>
-            </a:r>
-          </a:p>
-          <a:p>
-            <a:endParaRPr lang="en-US" dirty="0" smtClean="0">
-              <a:latin typeface="Arial" panose="020B0604020202020204" pitchFamily="34" charset="0"/>
-              <a:cs typeface="Arial" panose="020B0604020202020204" pitchFamily="34" charset="0"/>
-            </a:endParaRPr>
-          </a:p>
-          <a:p>
-            <a:pPr marL="0" indent="0">
-              <a:buNone/>
-            </a:pPr>
-            <a:r>
-              <a:rPr lang="en-US" dirty="0" smtClean="0">
-                <a:latin typeface="Arial" panose="020B0604020202020204" pitchFamily="34" charset="0"/>
-                <a:cs typeface="Arial" panose="020B0604020202020204" pitchFamily="34" charset="0"/>
-              </a:rPr>
-              <a:t>Offline</a:t>
-            </a:r>
-            <a:r>
-              <a:rPr lang="ru-RU" dirty="0" smtClean="0">
-                <a:latin typeface="Arial" panose="020B0604020202020204" pitchFamily="34" charset="0"/>
-                <a:cs typeface="Arial" panose="020B0604020202020204" pitchFamily="34" charset="0"/>
-              </a:rPr>
-              <a:t>-версия: сервис </a:t>
-            </a:r>
-            <a:r>
-              <a:rPr lang="ru-RU" b="1" dirty="0" smtClean="0">
-                <a:latin typeface="Arial" panose="020B0604020202020204" pitchFamily="34" charset="0"/>
-                <a:cs typeface="Arial" panose="020B0604020202020204" pitchFamily="34" charset="0"/>
-              </a:rPr>
-              <a:t>Яндекс-диск</a:t>
-            </a:r>
-            <a:r>
-              <a:rPr lang="ru-RU" dirty="0" smtClean="0">
-                <a:latin typeface="Arial" panose="020B0604020202020204" pitchFamily="34" charset="0"/>
-                <a:cs typeface="Arial" panose="020B0604020202020204" pitchFamily="34" charset="0"/>
-              </a:rPr>
-              <a:t>.                                  </a:t>
-            </a:r>
-          </a:p>
-          <a:p>
-            <a:pPr marL="0" indent="0">
-              <a:buNone/>
-            </a:pPr>
-            <a:r>
-              <a:rPr lang="ru-RU" dirty="0" smtClean="0">
-                <a:latin typeface="Arial" panose="020B0604020202020204" pitchFamily="34" charset="0"/>
-                <a:cs typeface="Arial" panose="020B0604020202020204" pitchFamily="34" charset="0"/>
-              </a:rPr>
-              <a:t>Содержимое:</a:t>
-            </a:r>
-          </a:p>
-          <a:p>
-            <a:pPr marL="0" indent="0">
-              <a:buNone/>
-            </a:pPr>
-            <a:endParaRPr lang="ru-RU" dirty="0">
-              <a:latin typeface="Arial" panose="020B0604020202020204" pitchFamily="34" charset="0"/>
-              <a:cs typeface="Arial" panose="020B0604020202020204" pitchFamily="34" charset="0"/>
-            </a:endParaRPr>
-          </a:p>
-        </p:txBody>
-      </p:sp>
-      <p:pic>
-        <p:nvPicPr>
-          <p:cNvPr id="9" name="Рисунок 8"/>
-          <p:cNvPicPr/>
-          <p:nvPr/>
-        </p:nvPicPr>
-        <p:blipFill>
-          <a:blip r:embed="rId2"/>
-          <a:stretch>
-            <a:fillRect/>
-          </a:stretch>
-        </p:blipFill>
-        <p:spPr>
-          <a:xfrm>
-            <a:off x="1975485" y="3429000"/>
-            <a:ext cx="3105150" cy="2181225"/>
-          </a:xfrm>
-          <a:prstGeom prst="rect">
-            <a:avLst/>
-          </a:prstGeom>
-        </p:spPr>
-      </p:pic>
-      <p:sp>
-        <p:nvSpPr>
-          <p:cNvPr id="5" name="TextBox 4"/>
-          <p:cNvSpPr txBox="1"/>
-          <p:nvPr/>
-        </p:nvSpPr>
-        <p:spPr>
-          <a:xfrm>
-            <a:off x="6096000" y="2218015"/>
-            <a:ext cx="5076825" cy="369332"/>
-          </a:xfrm>
-          <a:prstGeom prst="rect">
-            <a:avLst/>
-          </a:prstGeom>
-          <a:noFill/>
-        </p:spPr>
-        <p:txBody>
-          <a:bodyPr wrap="square" rtlCol="0">
-            <a:spAutoFit/>
-          </a:bodyPr>
-          <a:lstStyle/>
-          <a:p>
-            <a:pPr algn="ctr"/>
-            <a:r>
-              <a:rPr lang="en-US" dirty="0" smtClean="0">
-                <a:latin typeface="Arial" panose="020B0604020202020204" pitchFamily="34" charset="0"/>
-                <a:cs typeface="Arial" panose="020B0604020202020204" pitchFamily="34" charset="0"/>
-              </a:rPr>
-              <a:t>Online-</a:t>
-            </a:r>
-            <a:r>
-              <a:rPr lang="ru-RU" dirty="0" smtClean="0">
-                <a:latin typeface="Arial" panose="020B0604020202020204" pitchFamily="34" charset="0"/>
-                <a:cs typeface="Arial" panose="020B0604020202020204" pitchFamily="34" charset="0"/>
-              </a:rPr>
-              <a:t>версия: адрес </a:t>
-            </a:r>
-            <a:r>
-              <a:rPr lang="en-US" b="1" dirty="0" err="1" smtClean="0">
-                <a:latin typeface="Arial" panose="020B0604020202020204" pitchFamily="34" charset="0"/>
-                <a:cs typeface="Arial" panose="020B0604020202020204" pitchFamily="34" charset="0"/>
-              </a:rPr>
-              <a:t>ctf.school</a:t>
-            </a:r>
-            <a:endParaRPr lang="ru-RU" b="1" dirty="0">
-              <a:latin typeface="Arial" panose="020B0604020202020204" pitchFamily="34" charset="0"/>
-              <a:cs typeface="Arial" panose="020B0604020202020204" pitchFamily="34" charset="0"/>
-            </a:endParaRPr>
-          </a:p>
-        </p:txBody>
-      </p:sp>
-    </p:spTree>
-    <p:extLst>
-      <p:ext uri="{BB962C8B-B14F-4D97-AF65-F5344CB8AC3E}">
-        <p14:creationId xmlns:p14="http://schemas.microsoft.com/office/powerpoint/2010/main" val="2391135780"/>
-      </p:ext>
-    </p:extLst>
-  </p:cSld>
-  <p:clrMapOvr>
-    <a:masterClrMapping/>
-  </p:clrMapOvr>
-  <mc:AlternateContent xmlns:mc="http://schemas.openxmlformats.org/markup-compatibility/2006" xmlns:p14="http://schemas.microsoft.com/office/powerpoint/2010/main">
-    <mc:Choice Requires="p14">
-      <p:transition spd="med" p14:dur="700">
-        <p:fade/>
-      </p:transition>
-    </mc:Choice>
-    <mc:Fallback xmlns="">
-      <p:transition spd="med">
-        <p:fade/>
-      </p:transition>
-    </mc:Fallback>
-  </mc:AlternateContent>
-  <p:timing>
-    <p:tnLst>
-      <p:par>
-        <p:cTn id="1" dur="indefinite" restart="never" nodeType="tmRoot"/>
-      </p:par>
-    </p:tnLst>
-  </p:timing>
-</p:sld>
-</file>
-
-<file path=ppt/slides/slide13.xml><?xml version="1.0" encoding="utf-8"?>
-<p:sld xmlns:a="http://schemas.openxmlformats.org/drawingml/2006/main" xmlns:r="http://schemas.openxmlformats.org/officeDocument/2006/relationships" xmlns:p="http://schemas.openxmlformats.org/presentationml/2006/main">
-  <p:cSld>
-    <p:spTree>
-      <p:nvGrpSpPr>
-        <p:cNvPr id="1" name=""/>
-        <p:cNvGrpSpPr/>
-        <p:nvPr/>
-      </p:nvGrpSpPr>
-      <p:grpSpPr>
-        <a:xfrm>
-          <a:off x="0" y="0"/>
-          <a:ext cx="0" cy="0"/>
-          <a:chOff x="0" y="0"/>
-          <a:chExt cx="0" cy="0"/>
-        </a:xfrm>
-      </p:grpSpPr>
-      <p:sp>
-        <p:nvSpPr>
           <p:cNvPr id="2" name="Заголовок 1"/>
           <p:cNvSpPr>
             <a:spLocks noGrp="1"/>
@@ -4412,6 +4660,30 @@
           </a:prstGeom>
         </p:spPr>
       </p:pic>
+      <p:sp>
+        <p:nvSpPr>
+          <p:cNvPr id="3" name="Номер слайда 2"/>
+          <p:cNvSpPr>
+            <a:spLocks noGrp="1"/>
+          </p:cNvSpPr>
+          <p:nvPr>
+            <p:ph type="sldNum" sz="quarter" idx="12"/>
+          </p:nvPr>
+        </p:nvSpPr>
+        <p:spPr/>
+        <p:txBody>
+          <a:bodyPr/>
+          <a:lstStyle/>
+          <a:p>
+            <a:fld id="{4FAB73BC-B049-4115-A692-8D63A059BFB8}" type="slidenum">
+              <a:rPr lang="en-US" smtClean="0"/>
+              <a:pPr/>
+              <a:t>12</a:t>
+            </a:fld>
+            <a:endParaRPr lang="en-US" dirty="0"/>
+          </a:p>
+        </p:txBody>
+      </p:sp>
     </p:spTree>
     <p:extLst>
       <p:ext uri="{BB962C8B-B14F-4D97-AF65-F5344CB8AC3E}">
@@ -4444,7 +4716,7 @@
 </p:sld>
 </file>
 
-<file path=ppt/slides/slide14.xml><?xml version="1.0" encoding="utf-8"?>
+<file path=ppt/slides/slide13.xml><?xml version="1.0" encoding="utf-8"?>
 <p:sld xmlns:a="http://schemas.openxmlformats.org/drawingml/2006/main" xmlns:r="http://schemas.openxmlformats.org/officeDocument/2006/relationships" xmlns:p="http://schemas.openxmlformats.org/presentationml/2006/main">
   <p:cSld>
     <p:spTree>
@@ -5891,6 +6163,30 @@
           </a:graphicData>
         </a:graphic>
       </p:graphicFrame>
+      <p:sp>
+        <p:nvSpPr>
+          <p:cNvPr id="3" name="Номер слайда 2"/>
+          <p:cNvSpPr>
+            <a:spLocks noGrp="1"/>
+          </p:cNvSpPr>
+          <p:nvPr>
+            <p:ph type="sldNum" sz="quarter" idx="12"/>
+          </p:nvPr>
+        </p:nvSpPr>
+        <p:spPr/>
+        <p:txBody>
+          <a:bodyPr/>
+          <a:lstStyle/>
+          <a:p>
+            <a:fld id="{4FAB73BC-B049-4115-A692-8D63A059BFB8}" type="slidenum">
+              <a:rPr lang="en-US" smtClean="0"/>
+              <a:pPr/>
+              <a:t>13</a:t>
+            </a:fld>
+            <a:endParaRPr lang="en-US" dirty="0"/>
+          </a:p>
+        </p:txBody>
+      </p:sp>
     </p:spTree>
     <p:extLst>
       <p:ext uri="{BB962C8B-B14F-4D97-AF65-F5344CB8AC3E}">
@@ -5923,7 +6219,7 @@
 </p:sld>
 </file>
 
-<file path=ppt/slides/slide15.xml><?xml version="1.0" encoding="utf-8"?>
+<file path=ppt/slides/slide14.xml><?xml version="1.0" encoding="utf-8"?>
 <p:sld xmlns:a="http://schemas.openxmlformats.org/drawingml/2006/main" xmlns:r="http://schemas.openxmlformats.org/officeDocument/2006/relationships" xmlns:p="http://schemas.openxmlformats.org/presentationml/2006/main">
   <p:cSld>
     <p:spTree>
@@ -6455,6 +6751,30 @@
           </a:p>
         </p:txBody>
       </p:sp>
+      <p:sp>
+        <p:nvSpPr>
+          <p:cNvPr id="8" name="Номер слайда 7"/>
+          <p:cNvSpPr>
+            <a:spLocks noGrp="1"/>
+          </p:cNvSpPr>
+          <p:nvPr>
+            <p:ph type="sldNum" sz="quarter" idx="12"/>
+          </p:nvPr>
+        </p:nvSpPr>
+        <p:spPr/>
+        <p:txBody>
+          <a:bodyPr/>
+          <a:lstStyle/>
+          <a:p>
+            <a:fld id="{4FAB73BC-B049-4115-A692-8D63A059BFB8}" type="slidenum">
+              <a:rPr lang="en-US" smtClean="0"/>
+              <a:pPr/>
+              <a:t>14</a:t>
+            </a:fld>
+            <a:endParaRPr lang="en-US" dirty="0"/>
+          </a:p>
+        </p:txBody>
+      </p:sp>
     </p:spTree>
     <p:extLst>
       <p:ext uri="{BB962C8B-B14F-4D97-AF65-F5344CB8AC3E}">
@@ -6487,7 +6807,7 @@
 </p:sld>
 </file>
 
-<file path=ppt/slides/slide16.xml><?xml version="1.0" encoding="utf-8"?>
+<file path=ppt/slides/slide15.xml><?xml version="1.0" encoding="utf-8"?>
 <p:sld xmlns:a="http://schemas.openxmlformats.org/drawingml/2006/main" xmlns:r="http://schemas.openxmlformats.org/officeDocument/2006/relationships" xmlns:p="http://schemas.openxmlformats.org/presentationml/2006/main">
   <p:cSld>
     <p:spTree>
@@ -6599,210 +6919,6 @@
         </p:nvSpPr>
         <p:spPr>
           <a:xfrm>
-            <a:off x="1235075" y="0"/>
-            <a:ext cx="9937750" cy="1376363"/>
-          </a:xfrm>
-        </p:spPr>
-        <p:txBody>
-          <a:bodyPr/>
-          <a:lstStyle/>
-          <a:p>
-            <a:pPr algn="ctr"/>
-            <a:r>
-              <a:rPr lang="ru-RU" dirty="0" smtClean="0">
-                <a:latin typeface="Arial" panose="020B0604020202020204" pitchFamily="34" charset="0"/>
-                <a:cs typeface="Arial" panose="020B0604020202020204" pitchFamily="34" charset="0"/>
-              </a:rPr>
-              <a:t>Актуальность</a:t>
-            </a:r>
-            <a:endParaRPr lang="ru-RU" dirty="0">
-              <a:latin typeface="Arial" panose="020B0604020202020204" pitchFamily="34" charset="0"/>
-              <a:cs typeface="Arial" panose="020B0604020202020204" pitchFamily="34" charset="0"/>
-            </a:endParaRPr>
-          </a:p>
-        </p:txBody>
-      </p:sp>
-      <p:sp>
-        <p:nvSpPr>
-          <p:cNvPr id="3" name="Объект 2"/>
-          <p:cNvSpPr>
-            <a:spLocks noGrp="1"/>
-          </p:cNvSpPr>
-          <p:nvPr>
-            <p:ph idx="1"/>
-          </p:nvPr>
-        </p:nvSpPr>
-        <p:spPr>
-          <a:xfrm>
-            <a:off x="1235075" y="1388170"/>
-            <a:ext cx="10058400" cy="4696749"/>
-          </a:xfrm>
-        </p:spPr>
-        <p:txBody>
-          <a:bodyPr>
-            <a:noAutofit/>
-          </a:bodyPr>
-          <a:lstStyle/>
-          <a:p>
-            <a:pPr>
-              <a:lnSpc>
-                <a:spcPct val="150000"/>
-              </a:lnSpc>
-            </a:pPr>
-            <a:r>
-              <a:rPr lang="ru-RU" sz="2400" dirty="0" smtClean="0">
-                <a:latin typeface="Arial" panose="020B0604020202020204" pitchFamily="34" charset="0"/>
-                <a:cs typeface="Arial" panose="020B0604020202020204" pitchFamily="34" charset="0"/>
-              </a:rPr>
-              <a:t>Улучшенное усвоение студентами полученных знаний путем использования экспериментального обучения</a:t>
-            </a:r>
-          </a:p>
-          <a:p>
-            <a:pPr>
-              <a:lnSpc>
-                <a:spcPct val="150000"/>
-              </a:lnSpc>
-            </a:pPr>
-            <a:r>
-              <a:rPr lang="ru-RU" sz="2400" dirty="0" smtClean="0">
-                <a:latin typeface="Arial" panose="020B0604020202020204" pitchFamily="34" charset="0"/>
-                <a:cs typeface="Arial" panose="020B0604020202020204" pitchFamily="34" charset="0"/>
-              </a:rPr>
-              <a:t>Повышение интереса к обучению</a:t>
-            </a:r>
-          </a:p>
-          <a:p>
-            <a:pPr>
-              <a:lnSpc>
-                <a:spcPct val="150000"/>
-              </a:lnSpc>
-            </a:pPr>
-            <a:r>
-              <a:rPr lang="ru-RU" sz="2400" dirty="0" smtClean="0">
-                <a:latin typeface="Arial" panose="020B0604020202020204" pitchFamily="34" charset="0"/>
-                <a:cs typeface="Arial" panose="020B0604020202020204" pitchFamily="34" charset="0"/>
-              </a:rPr>
-              <a:t>Возможность использования несколькими группами людей одновременно</a:t>
-            </a:r>
-          </a:p>
-          <a:p>
-            <a:pPr>
-              <a:lnSpc>
-                <a:spcPct val="150000"/>
-              </a:lnSpc>
-            </a:pPr>
-            <a:r>
-              <a:rPr lang="ru-RU" sz="2400" dirty="0" smtClean="0">
-                <a:latin typeface="Arial" panose="020B0604020202020204" pitchFamily="34" charset="0"/>
-                <a:cs typeface="Arial" panose="020B0604020202020204" pitchFamily="34" charset="0"/>
-              </a:rPr>
-              <a:t>Набирающее популярность направление</a:t>
-            </a:r>
-          </a:p>
-          <a:p>
-            <a:pPr>
-              <a:lnSpc>
-                <a:spcPct val="150000"/>
-              </a:lnSpc>
-            </a:pPr>
-            <a:r>
-              <a:rPr lang="ru-RU" sz="2400" dirty="0" smtClean="0">
-                <a:latin typeface="Arial" panose="020B0604020202020204" pitchFamily="34" charset="0"/>
-                <a:cs typeface="Arial" panose="020B0604020202020204" pitchFamily="34" charset="0"/>
-              </a:rPr>
-              <a:t>Легкость в управлении и настройке</a:t>
-            </a:r>
-          </a:p>
-          <a:p>
-            <a:endParaRPr lang="ru-RU" sz="2400" dirty="0" smtClean="0">
-              <a:latin typeface="Arial" panose="020B0604020202020204" pitchFamily="34" charset="0"/>
-              <a:cs typeface="Arial" panose="020B0604020202020204" pitchFamily="34" charset="0"/>
-            </a:endParaRPr>
-          </a:p>
-          <a:p>
-            <a:endParaRPr lang="ru-RU" sz="2400" dirty="0" smtClean="0">
-              <a:latin typeface="Arial" panose="020B0604020202020204" pitchFamily="34" charset="0"/>
-              <a:cs typeface="Arial" panose="020B0604020202020204" pitchFamily="34" charset="0"/>
-            </a:endParaRPr>
-          </a:p>
-          <a:p>
-            <a:pPr marL="0" indent="0">
-              <a:buNone/>
-            </a:pPr>
-            <a:endParaRPr lang="ru-RU" sz="2400" dirty="0" smtClean="0">
-              <a:latin typeface="Arial" panose="020B0604020202020204" pitchFamily="34" charset="0"/>
-              <a:cs typeface="Arial" panose="020B0604020202020204" pitchFamily="34" charset="0"/>
-            </a:endParaRPr>
-          </a:p>
-          <a:p>
-            <a:endParaRPr lang="ru-RU" sz="2400" dirty="0" smtClean="0">
-              <a:latin typeface="Arial" panose="020B0604020202020204" pitchFamily="34" charset="0"/>
-              <a:cs typeface="Arial" panose="020B0604020202020204" pitchFamily="34" charset="0"/>
-            </a:endParaRPr>
-          </a:p>
-        </p:txBody>
-      </p:sp>
-    </p:spTree>
-    <p:extLst>
-      <p:ext uri="{BB962C8B-B14F-4D97-AF65-F5344CB8AC3E}">
-        <p14:creationId xmlns:p14="http://schemas.microsoft.com/office/powerpoint/2010/main" val="3664453496"/>
-      </p:ext>
-    </p:extLst>
-  </p:cSld>
-  <p:clrMapOvr>
-    <a:masterClrMapping/>
-  </p:clrMapOvr>
-  <mc:AlternateContent xmlns:mc="http://schemas.openxmlformats.org/markup-compatibility/2006" xmlns:p14="http://schemas.microsoft.com/office/powerpoint/2010/main">
-    <mc:Choice Requires="p14">
-      <p:transition spd="med" p14:dur="700">
-        <p:fade/>
-      </p:transition>
-    </mc:Choice>
-    <mc:Fallback xmlns="">
-      <p:transition spd="med">
-        <p:fade/>
-      </p:transition>
-    </mc:Fallback>
-  </mc:AlternateContent>
-  <p:timing>
-    <p:tnLst>
-      <p:par>
-        <p:cTn id="1" dur="indefinite" restart="never" nodeType="tmRoot"/>
-      </p:par>
-    </p:tnLst>
-  </p:timing>
-</p:sld>
-</file>
-
-<file path=ppt/slides/slide3.xml><?xml version="1.0" encoding="utf-8"?>
-<p:sld xmlns:a="http://schemas.openxmlformats.org/drawingml/2006/main" xmlns:r="http://schemas.openxmlformats.org/officeDocument/2006/relationships" xmlns:p="http://schemas.openxmlformats.org/presentationml/2006/main">
-  <p:cSld>
-    <p:spTree>
-      <p:nvGrpSpPr>
-        <p:cNvPr id="1" name=""/>
-        <p:cNvGrpSpPr/>
-        <p:nvPr/>
-      </p:nvGrpSpPr>
-      <p:grpSpPr>
-        <a:xfrm>
-          <a:off x="0" y="0"/>
-          <a:ext cx="0" cy="0"/>
-          <a:chOff x="0" y="0"/>
-          <a:chExt cx="0" cy="0"/>
-        </a:xfrm>
-      </p:grpSpPr>
-      <p:sp>
-        <p:nvSpPr>
-          <p:cNvPr id="2" name="Заголовок 1"/>
-          <p:cNvSpPr>
-            <a:spLocks noGrp="1"/>
-          </p:cNvSpPr>
-          <p:nvPr>
-            <p:ph type="title"/>
-          </p:nvPr>
-        </p:nvSpPr>
-        <p:spPr>
-          <a:xfrm>
             <a:off x="1235074" y="-1"/>
             <a:ext cx="9937751" cy="1388173"/>
           </a:xfrm>
@@ -7097,6 +7213,29 @@
               <a:latin typeface="Arial" panose="020B0604020202020204" pitchFamily="34" charset="0"/>
               <a:cs typeface="Arial" panose="020B0604020202020204" pitchFamily="34" charset="0"/>
             </a:endParaRPr>
+          </a:p>
+        </p:txBody>
+      </p:sp>
+      <p:sp>
+        <p:nvSpPr>
+          <p:cNvPr id="5" name="Номер слайда 4"/>
+          <p:cNvSpPr>
+            <a:spLocks noGrp="1"/>
+          </p:cNvSpPr>
+          <p:nvPr>
+            <p:ph type="sldNum" sz="quarter" idx="12"/>
+          </p:nvPr>
+        </p:nvSpPr>
+        <p:spPr/>
+        <p:txBody>
+          <a:bodyPr/>
+          <a:lstStyle/>
+          <a:p>
+            <a:fld id="{4FAB73BC-B049-4115-A692-8D63A059BFB8}" type="slidenum">
+              <a:rPr lang="en-US" smtClean="0"/>
+              <a:t>2</a:t>
+            </a:fld>
+            <a:endParaRPr lang="en-US" dirty="0"/>
           </a:p>
         </p:txBody>
       </p:sp>
@@ -7132,7 +7271,7 @@
 </p:sld>
 </file>
 
-<file path=ppt/slides/slide4.xml><?xml version="1.0" encoding="utf-8"?>
+<file path=ppt/slides/slide3.xml><?xml version="1.0" encoding="utf-8"?>
 <p:sld xmlns:a="http://schemas.openxmlformats.org/drawingml/2006/main" xmlns:r="http://schemas.openxmlformats.org/officeDocument/2006/relationships" xmlns:p="http://schemas.openxmlformats.org/presentationml/2006/main">
   <p:cSld>
     <p:spTree>
@@ -9122,6 +9261,30 @@
           </a:graphicData>
         </a:graphic>
       </p:graphicFrame>
+      <p:sp>
+        <p:nvSpPr>
+          <p:cNvPr id="3" name="Номер слайда 2"/>
+          <p:cNvSpPr>
+            <a:spLocks noGrp="1"/>
+          </p:cNvSpPr>
+          <p:nvPr>
+            <p:ph type="sldNum" sz="quarter" idx="12"/>
+          </p:nvPr>
+        </p:nvSpPr>
+        <p:spPr/>
+        <p:txBody>
+          <a:bodyPr/>
+          <a:lstStyle/>
+          <a:p>
+            <a:fld id="{4FAB73BC-B049-4115-A692-8D63A059BFB8}" type="slidenum">
+              <a:rPr lang="en-US" smtClean="0"/>
+              <a:pPr/>
+              <a:t>3</a:t>
+            </a:fld>
+            <a:endParaRPr lang="en-US" dirty="0"/>
+          </a:p>
+        </p:txBody>
+      </p:sp>
     </p:spTree>
     <p:extLst>
       <p:ext uri="{BB962C8B-B14F-4D97-AF65-F5344CB8AC3E}">
@@ -9154,7 +9317,7 @@
 </p:sld>
 </file>
 
-<file path=ppt/slides/slide5.xml><?xml version="1.0" encoding="utf-8"?>
+<file path=ppt/slides/slide4.xml><?xml version="1.0" encoding="utf-8"?>
 <p:sld xmlns:a="http://schemas.openxmlformats.org/drawingml/2006/main" xmlns:r="http://schemas.openxmlformats.org/officeDocument/2006/relationships" xmlns:p="http://schemas.openxmlformats.org/presentationml/2006/main">
   <p:cSld>
     <p:spTree>
@@ -9277,8 +9440,19 @@
                 <a:latin typeface="Arial" panose="020B0604020202020204" pitchFamily="34" charset="0"/>
                 <a:cs typeface="Arial" panose="020B0604020202020204" pitchFamily="34" charset="0"/>
               </a:rPr>
-              <a:t>рейтинг сложности задачи;</a:t>
-            </a:r>
+              <a:t>рейтинг сложности </a:t>
+            </a:r>
+            <a:r>
+              <a:rPr lang="ru-RU" dirty="0" smtClean="0">
+                <a:latin typeface="Arial" panose="020B0604020202020204" pitchFamily="34" charset="0"/>
+                <a:cs typeface="Arial" panose="020B0604020202020204" pitchFamily="34" charset="0"/>
+              </a:rPr>
+              <a:t>задачи;</a:t>
+            </a:r>
+            <a:endParaRPr lang="ru-RU" dirty="0">
+              <a:latin typeface="Arial" panose="020B0604020202020204" pitchFamily="34" charset="0"/>
+              <a:cs typeface="Arial" panose="020B0604020202020204" pitchFamily="34" charset="0"/>
+            </a:endParaRPr>
           </a:p>
           <a:p>
             <a:pPr marL="0" indent="0" defTabSz="266700">
@@ -9324,14 +9498,7 @@
                 <a:latin typeface="Arial" panose="020B0604020202020204" pitchFamily="34" charset="0"/>
                 <a:cs typeface="Arial" panose="020B0604020202020204" pitchFamily="34" charset="0"/>
               </a:rPr>
-              <a:t>2. вывод </a:t>
-            </a:r>
-            <a:r>
-              <a:rPr lang="ru-RU" dirty="0" smtClean="0">
-                <a:latin typeface="Arial" panose="020B0604020202020204" pitchFamily="34" charset="0"/>
-                <a:cs typeface="Arial" panose="020B0604020202020204" pitchFamily="34" charset="0"/>
-              </a:rPr>
-              <a:t>статистики </a:t>
+              <a:t>2. вывод статистики </a:t>
             </a:r>
             <a:r>
               <a:rPr lang="ru-RU" dirty="0">
@@ -9540,6 +9707,30 @@
               <a:latin typeface="Arial" panose="020B0604020202020204" pitchFamily="34" charset="0"/>
               <a:cs typeface="Arial" panose="020B0604020202020204" pitchFamily="34" charset="0"/>
             </a:endParaRPr>
+          </a:p>
+        </p:txBody>
+      </p:sp>
+      <p:sp>
+        <p:nvSpPr>
+          <p:cNvPr id="4" name="Номер слайда 3"/>
+          <p:cNvSpPr>
+            <a:spLocks noGrp="1"/>
+          </p:cNvSpPr>
+          <p:nvPr>
+            <p:ph type="sldNum" sz="quarter" idx="12"/>
+          </p:nvPr>
+        </p:nvSpPr>
+        <p:spPr/>
+        <p:txBody>
+          <a:bodyPr/>
+          <a:lstStyle/>
+          <a:p>
+            <a:fld id="{4FAB73BC-B049-4115-A692-8D63A059BFB8}" type="slidenum">
+              <a:rPr lang="en-US" smtClean="0"/>
+              <a:pPr/>
+              <a:t>4</a:t>
+            </a:fld>
+            <a:endParaRPr lang="en-US" dirty="0"/>
           </a:p>
         </p:txBody>
       </p:sp>
@@ -9575,7 +9766,7 @@
 </p:sld>
 </file>
 
-<file path=ppt/slides/slide6.xml><?xml version="1.0" encoding="utf-8"?>
+<file path=ppt/slides/slide5.xml><?xml version="1.0" encoding="utf-8"?>
 <p:sld xmlns:a="http://schemas.openxmlformats.org/drawingml/2006/main" xmlns:r="http://schemas.openxmlformats.org/officeDocument/2006/relationships" xmlns:p="http://schemas.openxmlformats.org/presentationml/2006/main">
   <p:cSld>
     <p:spTree>
@@ -9969,6 +10160,30 @@
           </a:extLst>
         </p:spPr>
       </p:pic>
+      <p:sp>
+        <p:nvSpPr>
+          <p:cNvPr id="4" name="Номер слайда 3"/>
+          <p:cNvSpPr>
+            <a:spLocks noGrp="1"/>
+          </p:cNvSpPr>
+          <p:nvPr>
+            <p:ph type="sldNum" sz="quarter" idx="12"/>
+          </p:nvPr>
+        </p:nvSpPr>
+        <p:spPr/>
+        <p:txBody>
+          <a:bodyPr/>
+          <a:lstStyle/>
+          <a:p>
+            <a:fld id="{4FAB73BC-B049-4115-A692-8D63A059BFB8}" type="slidenum">
+              <a:rPr lang="en-US" smtClean="0"/>
+              <a:pPr/>
+              <a:t>5</a:t>
+            </a:fld>
+            <a:endParaRPr lang="en-US" dirty="0"/>
+          </a:p>
+        </p:txBody>
+      </p:sp>
     </p:spTree>
     <p:extLst>
       <p:ext uri="{BB962C8B-B14F-4D97-AF65-F5344CB8AC3E}">
@@ -10236,7 +10451,7 @@
 </p:sld>
 </file>
 
-<file path=ppt/slides/slide7.xml><?xml version="1.0" encoding="utf-8"?>
+<file path=ppt/slides/slide6.xml><?xml version="1.0" encoding="utf-8"?>
 <p:sld xmlns:a="http://schemas.openxmlformats.org/drawingml/2006/main" xmlns:r="http://schemas.openxmlformats.org/officeDocument/2006/relationships" xmlns:p="http://schemas.openxmlformats.org/presentationml/2006/main">
   <p:cSld>
     <p:spTree>
@@ -10310,7 +10525,7 @@
         </p:nvSpPr>
         <p:spPr>
           <a:xfrm>
-            <a:off x="9900458" y="5614887"/>
+            <a:off x="9796031" y="4775302"/>
             <a:ext cx="2291542" cy="1155700"/>
           </a:xfrm>
         </p:spPr>
@@ -10359,6 +10574,30 @@
           </a:prstGeom>
         </p:spPr>
       </p:pic>
+      <p:sp>
+        <p:nvSpPr>
+          <p:cNvPr id="3" name="Номер слайда 2"/>
+          <p:cNvSpPr>
+            <a:spLocks noGrp="1"/>
+          </p:cNvSpPr>
+          <p:nvPr>
+            <p:ph type="sldNum" sz="quarter" idx="12"/>
+          </p:nvPr>
+        </p:nvSpPr>
+        <p:spPr/>
+        <p:txBody>
+          <a:bodyPr/>
+          <a:lstStyle/>
+          <a:p>
+            <a:fld id="{4FAB73BC-B049-4115-A692-8D63A059BFB8}" type="slidenum">
+              <a:rPr lang="en-US" smtClean="0"/>
+              <a:pPr/>
+              <a:t>6</a:t>
+            </a:fld>
+            <a:endParaRPr lang="en-US" dirty="0"/>
+          </a:p>
+        </p:txBody>
+      </p:sp>
     </p:spTree>
     <p:extLst>
       <p:ext uri="{BB962C8B-B14F-4D97-AF65-F5344CB8AC3E}">
@@ -10391,7 +10630,7 @@
 </p:sld>
 </file>
 
-<file path=ppt/slides/slide8.xml><?xml version="1.0" encoding="utf-8"?>
+<file path=ppt/slides/slide7.xml><?xml version="1.0" encoding="utf-8"?>
 <p:sld xmlns:a="http://schemas.openxmlformats.org/drawingml/2006/main" xmlns:r="http://schemas.openxmlformats.org/officeDocument/2006/relationships" xmlns:p="http://schemas.openxmlformats.org/presentationml/2006/main">
   <p:cSld>
     <p:spTree>
@@ -10581,6 +10820,29 @@
           </a:ln>
         </p:spPr>
       </p:pic>
+      <p:sp>
+        <p:nvSpPr>
+          <p:cNvPr id="7" name="Номер слайда 6"/>
+          <p:cNvSpPr>
+            <a:spLocks noGrp="1"/>
+          </p:cNvSpPr>
+          <p:nvPr>
+            <p:ph type="sldNum" sz="quarter" idx="12"/>
+          </p:nvPr>
+        </p:nvSpPr>
+        <p:spPr/>
+        <p:txBody>
+          <a:bodyPr/>
+          <a:lstStyle/>
+          <a:p>
+            <a:fld id="{4FAB73BC-B049-4115-A692-8D63A059BFB8}" type="slidenum">
+              <a:rPr lang="en-US" smtClean="0"/>
+              <a:t>7</a:t>
+            </a:fld>
+            <a:endParaRPr lang="en-US" dirty="0"/>
+          </a:p>
+        </p:txBody>
+      </p:sp>
     </p:spTree>
     <p:extLst>
       <p:ext uri="{BB962C8B-B14F-4D97-AF65-F5344CB8AC3E}">
@@ -10613,7 +10875,7 @@
 </p:sld>
 </file>
 
-<file path=ppt/slides/slide9.xml><?xml version="1.0" encoding="utf-8"?>
+<file path=ppt/slides/slide8.xml><?xml version="1.0" encoding="utf-8"?>
 <p:sld xmlns:a="http://schemas.openxmlformats.org/drawingml/2006/main" xmlns:r="http://schemas.openxmlformats.org/officeDocument/2006/relationships" xmlns:p="http://schemas.openxmlformats.org/presentationml/2006/main">
   <p:cSld>
     <p:spTree>
@@ -10796,10 +11058,315 @@
           </a:p>
         </p:txBody>
       </p:sp>
+      <p:sp>
+        <p:nvSpPr>
+          <p:cNvPr id="2" name="Номер слайда 1"/>
+          <p:cNvSpPr>
+            <a:spLocks noGrp="1"/>
+          </p:cNvSpPr>
+          <p:nvPr>
+            <p:ph type="sldNum" sz="quarter" idx="12"/>
+          </p:nvPr>
+        </p:nvSpPr>
+        <p:spPr/>
+        <p:txBody>
+          <a:bodyPr/>
+          <a:lstStyle/>
+          <a:p>
+            <a:fld id="{4FAB73BC-B049-4115-A692-8D63A059BFB8}" type="slidenum">
+              <a:rPr lang="en-US" smtClean="0"/>
+              <a:t>8</a:t>
+            </a:fld>
+            <a:endParaRPr lang="en-US" dirty="0"/>
+          </a:p>
+        </p:txBody>
+      </p:sp>
     </p:spTree>
     <p:extLst>
       <p:ext uri="{BB962C8B-B14F-4D97-AF65-F5344CB8AC3E}">
         <p14:creationId xmlns:p14="http://schemas.microsoft.com/office/powerpoint/2010/main" val="109404328"/>
+      </p:ext>
+    </p:extLst>
+  </p:cSld>
+  <p:clrMapOvr>
+    <a:masterClrMapping/>
+  </p:clrMapOvr>
+  <mc:AlternateContent xmlns:mc="http://schemas.openxmlformats.org/markup-compatibility/2006" xmlns:p14="http://schemas.microsoft.com/office/powerpoint/2010/main">
+    <mc:Choice Requires="p14">
+      <p:transition spd="med" p14:dur="700">
+        <p:fade/>
+      </p:transition>
+    </mc:Choice>
+    <mc:Fallback xmlns="">
+      <p:transition spd="med">
+        <p:fade/>
+      </p:transition>
+    </mc:Fallback>
+  </mc:AlternateContent>
+  <p:timing>
+    <p:tnLst>
+      <p:par>
+        <p:cTn id="1" dur="indefinite" restart="never" nodeType="tmRoot"/>
+      </p:par>
+    </p:tnLst>
+  </p:timing>
+</p:sld>
+</file>
+
+<file path=ppt/slides/slide9.xml><?xml version="1.0" encoding="utf-8"?>
+<p:sld xmlns:a="http://schemas.openxmlformats.org/drawingml/2006/main" xmlns:r="http://schemas.openxmlformats.org/officeDocument/2006/relationships" xmlns:p="http://schemas.openxmlformats.org/presentationml/2006/main">
+  <p:cSld>
+    <p:spTree>
+      <p:nvGrpSpPr>
+        <p:cNvPr id="1" name=""/>
+        <p:cNvGrpSpPr/>
+        <p:nvPr/>
+      </p:nvGrpSpPr>
+      <p:grpSpPr>
+        <a:xfrm>
+          <a:off x="0" y="0"/>
+          <a:ext cx="0" cy="0"/>
+          <a:chOff x="0" y="0"/>
+          <a:chExt cx="0" cy="0"/>
+        </a:xfrm>
+      </p:grpSpPr>
+      <p:sp>
+        <p:nvSpPr>
+          <p:cNvPr id="12" name="Заголовок 1"/>
+          <p:cNvSpPr>
+            <a:spLocks noGrp="1"/>
+          </p:cNvSpPr>
+          <p:nvPr>
+            <p:ph type="title"/>
+          </p:nvPr>
+        </p:nvSpPr>
+        <p:spPr>
+          <a:xfrm>
+            <a:off x="1235075" y="4763"/>
+            <a:ext cx="9937750" cy="1371600"/>
+          </a:xfrm>
+        </p:spPr>
+        <p:txBody>
+          <a:bodyPr/>
+          <a:lstStyle/>
+          <a:p>
+            <a:pPr algn="ctr"/>
+            <a:r>
+              <a:rPr lang="ru-RU" dirty="0" smtClean="0">
+                <a:latin typeface="Arial" panose="020B0604020202020204" pitchFamily="34" charset="0"/>
+                <a:cs typeface="Arial" panose="020B0604020202020204" pitchFamily="34" charset="0"/>
+              </a:rPr>
+              <a:t>Обзор внедренных изменений</a:t>
+            </a:r>
+            <a:endParaRPr lang="ru-RU" dirty="0">
+              <a:latin typeface="Arial" panose="020B0604020202020204" pitchFamily="34" charset="0"/>
+              <a:cs typeface="Arial" panose="020B0604020202020204" pitchFamily="34" charset="0"/>
+            </a:endParaRPr>
+          </a:p>
+        </p:txBody>
+      </p:sp>
+      <p:sp>
+        <p:nvSpPr>
+          <p:cNvPr id="3" name="Объект 2"/>
+          <p:cNvSpPr>
+            <a:spLocks noGrp="1"/>
+          </p:cNvSpPr>
+          <p:nvPr>
+            <p:ph sz="half" idx="1"/>
+          </p:nvPr>
+        </p:nvSpPr>
+        <p:spPr>
+          <a:xfrm>
+            <a:off x="1235076" y="1399625"/>
+            <a:ext cx="4831762" cy="4058750"/>
+          </a:xfrm>
+        </p:spPr>
+        <p:txBody>
+          <a:bodyPr/>
+          <a:lstStyle/>
+          <a:p>
+            <a:pPr marL="0" indent="0" algn="ctr">
+              <a:buNone/>
+            </a:pPr>
+            <a:r>
+              <a:rPr lang="ru-RU" sz="1900" dirty="0" smtClean="0">
+                <a:latin typeface="Arial" panose="020B0604020202020204" pitchFamily="34" charset="0"/>
+                <a:cs typeface="Arial" panose="020B0604020202020204" pitchFamily="34" charset="0"/>
+              </a:rPr>
+              <a:t>Вывод статистики в виде гистограммы</a:t>
+            </a:r>
+            <a:endParaRPr lang="ru-RU" sz="1900" dirty="0">
+              <a:latin typeface="Arial" panose="020B0604020202020204" pitchFamily="34" charset="0"/>
+              <a:cs typeface="Arial" panose="020B0604020202020204" pitchFamily="34" charset="0"/>
+            </a:endParaRPr>
+          </a:p>
+        </p:txBody>
+      </p:sp>
+      <p:sp>
+        <p:nvSpPr>
+          <p:cNvPr id="4" name="Объект 3"/>
+          <p:cNvSpPr>
+            <a:spLocks noGrp="1"/>
+          </p:cNvSpPr>
+          <p:nvPr>
+            <p:ph sz="half" idx="2"/>
+          </p:nvPr>
+        </p:nvSpPr>
+        <p:spPr>
+          <a:xfrm>
+            <a:off x="6094095" y="1399625"/>
+            <a:ext cx="5064665" cy="4058751"/>
+          </a:xfrm>
+        </p:spPr>
+        <p:txBody>
+          <a:bodyPr>
+            <a:normAutofit/>
+          </a:bodyPr>
+          <a:lstStyle/>
+          <a:p>
+            <a:pPr marL="0" indent="0" algn="ctr">
+              <a:buNone/>
+            </a:pPr>
+            <a:r>
+              <a:rPr lang="ru-RU" sz="1900" dirty="0" smtClean="0">
+                <a:latin typeface="Arial" panose="020B0604020202020204" pitchFamily="34" charset="0"/>
+                <a:cs typeface="Arial" panose="020B0604020202020204" pitchFamily="34" charset="0"/>
+              </a:rPr>
+              <a:t>Возможность самостоятельной регистрации</a:t>
+            </a:r>
+            <a:endParaRPr lang="ru-RU" sz="1900" dirty="0">
+              <a:latin typeface="Arial" panose="020B0604020202020204" pitchFamily="34" charset="0"/>
+              <a:cs typeface="Arial" panose="020B0604020202020204" pitchFamily="34" charset="0"/>
+            </a:endParaRPr>
+          </a:p>
+        </p:txBody>
+      </p:sp>
+      <p:pic>
+        <p:nvPicPr>
+          <p:cNvPr id="9" name="Рисунок 8" descr="https://pp.userapi.com/c850332/v850332090/16303d/lNTKz8zSios.jpg"/>
+          <p:cNvPicPr/>
+          <p:nvPr/>
+        </p:nvPicPr>
+        <p:blipFill>
+          <a:blip r:embed="rId2">
+            <a:extLst>
+              <a:ext uri="{28A0092B-C50C-407E-A947-70E740481C1C}">
+                <a14:useLocalDpi xmlns:a14="http://schemas.microsoft.com/office/drawing/2010/main" val="0"/>
+              </a:ext>
+            </a:extLst>
+          </a:blip>
+          <a:srcRect/>
+          <a:stretch>
+            <a:fillRect/>
+          </a:stretch>
+        </p:blipFill>
+        <p:spPr bwMode="auto">
+          <a:xfrm>
+            <a:off x="1246188" y="2261266"/>
+            <a:ext cx="4849812" cy="2399633"/>
+          </a:xfrm>
+          <a:prstGeom prst="rect">
+            <a:avLst/>
+          </a:prstGeom>
+          <a:noFill/>
+          <a:ln>
+            <a:noFill/>
+          </a:ln>
+        </p:spPr>
+      </p:pic>
+      <p:pic>
+        <p:nvPicPr>
+          <p:cNvPr id="10" name="Рисунок 9" descr="https://pp.userapi.com/c850332/v850332090/16313e/9xtDzNGk2p0.jpg"/>
+          <p:cNvPicPr/>
+          <p:nvPr/>
+        </p:nvPicPr>
+        <p:blipFill>
+          <a:blip r:embed="rId3">
+            <a:extLst>
+              <a:ext uri="{28A0092B-C50C-407E-A947-70E740481C1C}">
+                <a14:useLocalDpi xmlns:a14="http://schemas.microsoft.com/office/drawing/2010/main" val="0"/>
+              </a:ext>
+            </a:extLst>
+          </a:blip>
+          <a:srcRect/>
+          <a:stretch>
+            <a:fillRect/>
+          </a:stretch>
+        </p:blipFill>
+        <p:spPr bwMode="auto">
+          <a:xfrm>
+            <a:off x="6538278" y="2740950"/>
+            <a:ext cx="4119880" cy="1613535"/>
+          </a:xfrm>
+          <a:prstGeom prst="rect">
+            <a:avLst/>
+          </a:prstGeom>
+          <a:noFill/>
+          <a:ln>
+            <a:noFill/>
+          </a:ln>
+        </p:spPr>
+      </p:pic>
+      <p:pic>
+        <p:nvPicPr>
+          <p:cNvPr id="11" name="Рисунок 10" descr="https://pp.userapi.com/c850332/v850332090/163137/gLIGKyj692g.jpg"/>
+          <p:cNvPicPr/>
+          <p:nvPr/>
+        </p:nvPicPr>
+        <p:blipFill>
+          <a:blip r:embed="rId4">
+            <a:extLst>
+              <a:ext uri="{28A0092B-C50C-407E-A947-70E740481C1C}">
+                <a14:useLocalDpi xmlns:a14="http://schemas.microsoft.com/office/drawing/2010/main" val="0"/>
+              </a:ext>
+            </a:extLst>
+          </a:blip>
+          <a:srcRect/>
+          <a:stretch>
+            <a:fillRect/>
+          </a:stretch>
+        </p:blipFill>
+        <p:spPr bwMode="auto">
+          <a:xfrm>
+            <a:off x="6219776" y="2261266"/>
+            <a:ext cx="4788000" cy="318653"/>
+          </a:xfrm>
+          <a:prstGeom prst="rect">
+            <a:avLst/>
+          </a:prstGeom>
+          <a:noFill/>
+          <a:ln>
+            <a:noFill/>
+          </a:ln>
+        </p:spPr>
+      </p:pic>
+      <p:sp>
+        <p:nvSpPr>
+          <p:cNvPr id="2" name="Номер слайда 1"/>
+          <p:cNvSpPr>
+            <a:spLocks noGrp="1"/>
+          </p:cNvSpPr>
+          <p:nvPr>
+            <p:ph type="sldNum" sz="quarter" idx="12"/>
+          </p:nvPr>
+        </p:nvSpPr>
+        <p:spPr/>
+        <p:txBody>
+          <a:bodyPr/>
+          <a:lstStyle/>
+          <a:p>
+            <a:fld id="{4FAB73BC-B049-4115-A692-8D63A059BFB8}" type="slidenum">
+              <a:rPr lang="en-US" smtClean="0"/>
+              <a:t>9</a:t>
+            </a:fld>
+            <a:endParaRPr lang="en-US" dirty="0"/>
+          </a:p>
+        </p:txBody>
+      </p:sp>
+    </p:spTree>
+    <p:extLst>
+      <p:ext uri="{BB962C8B-B14F-4D97-AF65-F5344CB8AC3E}">
+        <p14:creationId xmlns:p14="http://schemas.microsoft.com/office/powerpoint/2010/main" val="3550726864"/>
       </p:ext>
     </p:extLst>
   </p:cSld>
@@ -11086,4 +11653,265 @@
     </a:ext>
   </a:extLst>
 </a:theme>
+</file>
+
+<file path=ppt/theme/theme2.xml><?xml version="1.0" encoding="utf-8"?>
+<a:theme xmlns:a="http://schemas.openxmlformats.org/drawingml/2006/main" name="Тема Office">
+  <a:themeElements>
+    <a:clrScheme name="Стандартная">
+      <a:dk1>
+        <a:sysClr val="windowText" lastClr="000000"/>
+      </a:dk1>
+      <a:lt1>
+        <a:sysClr val="window" lastClr="FFFFFF"/>
+      </a:lt1>
+      <a:dk2>
+        <a:srgbClr val="44546A"/>
+      </a:dk2>
+      <a:lt2>
+        <a:srgbClr val="E7E6E6"/>
+      </a:lt2>
+      <a:accent1>
+        <a:srgbClr val="5B9BD5"/>
+      </a:accent1>
+      <a:accent2>
+        <a:srgbClr val="ED7D31"/>
+      </a:accent2>
+      <a:accent3>
+        <a:srgbClr val="A5A5A5"/>
+      </a:accent3>
+      <a:accent4>
+        <a:srgbClr val="FFC000"/>
+      </a:accent4>
+      <a:accent5>
+        <a:srgbClr val="4472C4"/>
+      </a:accent5>
+      <a:accent6>
+        <a:srgbClr val="70AD47"/>
+      </a:accent6>
+      <a:hlink>
+        <a:srgbClr val="0563C1"/>
+      </a:hlink>
+      <a:folHlink>
+        <a:srgbClr val="954F72"/>
+      </a:folHlink>
+    </a:clrScheme>
+    <a:fontScheme name="Стандартная">
+      <a:majorFont>
+        <a:latin typeface="Calibri Light" panose="020F0302020204030204"/>
+        <a:ea typeface=""/>
+        <a:cs typeface=""/>
+        <a:font script="Jpan" typeface="游ゴシック Light"/>
+        <a:font script="Hang" typeface="맑은 고딕"/>
+        <a:font script="Hans" typeface="等线 Light"/>
+        <a:font script="Hant" typeface="新細明體"/>
+        <a:font script="Arab" typeface="Times New Roman"/>
+        <a:font script="Hebr" typeface="Times New Roman"/>
+        <a:font script="Thai" typeface="Angsana New"/>
+        <a:font script="Ethi" typeface="Nyala"/>
+        <a:font script="Beng" typeface="Vrinda"/>
+        <a:font script="Gujr" typeface="Shruti"/>
+        <a:font script="Khmr" typeface="MoolBoran"/>
+        <a:font script="Knda" typeface="Tunga"/>
+        <a:font script="Guru" typeface="Raavi"/>
+        <a:font script="Cans" typeface="Euphemia"/>
+        <a:font script="Cher" typeface="Plantagenet Cherokee"/>
+        <a:font script="Yiii" typeface="Microsoft Yi Baiti"/>
+        <a:font script="Tibt" typeface="Microsoft Himalaya"/>
+        <a:font script="Thaa" typeface="MV Boli"/>
+        <a:font script="Deva" typeface="Mangal"/>
+        <a:font script="Telu" typeface="Gautami"/>
+        <a:font script="Taml" typeface="Latha"/>
+        <a:font script="Syrc" typeface="Estrangelo Edessa"/>
+        <a:font script="Orya" typeface="Kalinga"/>
+        <a:font script="Mlym" typeface="Kartika"/>
+        <a:font script="Laoo" typeface="DokChampa"/>
+        <a:font script="Sinh" typeface="Iskoola Pota"/>
+        <a:font script="Mong" typeface="Mongolian Baiti"/>
+        <a:font script="Viet" typeface="Times New Roman"/>
+        <a:font script="Uigh" typeface="Microsoft Uighur"/>
+        <a:font script="Geor" typeface="Sylfaen"/>
+      </a:majorFont>
+      <a:minorFont>
+        <a:latin typeface="Calibri" panose="020F0502020204030204"/>
+        <a:ea typeface=""/>
+        <a:cs typeface=""/>
+        <a:font script="Jpan" typeface="游ゴシック"/>
+        <a:font script="Hang" typeface="맑은 고딕"/>
+        <a:font script="Hans" typeface="等线"/>
+        <a:font script="Hant" typeface="新細明體"/>
+        <a:font script="Arab" typeface="Arial"/>
+        <a:font script="Hebr" typeface="Arial"/>
+        <a:font script="Thai" typeface="Cordia New"/>
+        <a:font script="Ethi" typeface="Nyala"/>
+        <a:font script="Beng" typeface="Vrinda"/>
+        <a:font script="Gujr" typeface="Shruti"/>
+        <a:font script="Khmr" typeface="DaunPenh"/>
+        <a:font script="Knda" typeface="Tunga"/>
+        <a:font script="Guru" typeface="Raavi"/>
+        <a:font script="Cans" typeface="Euphemia"/>
+        <a:font script="Cher" typeface="Plantagenet Cherokee"/>
+        <a:font script="Yiii" typeface="Microsoft Yi Baiti"/>
+        <a:font script="Tibt" typeface="Microsoft Himalaya"/>
+        <a:font script="Thaa" typeface="MV Boli"/>
+        <a:font script="Deva" typeface="Mangal"/>
+        <a:font script="Telu" typeface="Gautami"/>
+        <a:font script="Taml" typeface="Latha"/>
+        <a:font script="Syrc" typeface="Estrangelo Edessa"/>
+        <a:font script="Orya" typeface="Kalinga"/>
+        <a:font script="Mlym" typeface="Kartika"/>
+        <a:font script="Laoo" typeface="DokChampa"/>
+        <a:font script="Sinh" typeface="Iskoola Pota"/>
+        <a:font script="Mong" typeface="Mongolian Baiti"/>
+        <a:font script="Viet" typeface="Arial"/>
+        <a:font script="Uigh" typeface="Microsoft Uighur"/>
+        <a:font script="Geor" typeface="Sylfaen"/>
+      </a:minorFont>
+    </a:fontScheme>
+    <a:fmtScheme name="Стандартная">
+      <a:fillStyleLst>
+        <a:solidFill>
+          <a:schemeClr val="phClr"/>
+        </a:solidFill>
+        <a:gradFill rotWithShape="1">
+          <a:gsLst>
+            <a:gs pos="0">
+              <a:schemeClr val="phClr">
+                <a:lumMod val="110000"/>
+                <a:satMod val="105000"/>
+                <a:tint val="67000"/>
+              </a:schemeClr>
+            </a:gs>
+            <a:gs pos="50000">
+              <a:schemeClr val="phClr">
+                <a:lumMod val="105000"/>
+                <a:satMod val="103000"/>
+                <a:tint val="73000"/>
+              </a:schemeClr>
+            </a:gs>
+            <a:gs pos="100000">
+              <a:schemeClr val="phClr">
+                <a:lumMod val="105000"/>
+                <a:satMod val="109000"/>
+                <a:tint val="81000"/>
+              </a:schemeClr>
+            </a:gs>
+          </a:gsLst>
+          <a:lin ang="5400000" scaled="0"/>
+        </a:gradFill>
+        <a:gradFill rotWithShape="1">
+          <a:gsLst>
+            <a:gs pos="0">
+              <a:schemeClr val="phClr">
+                <a:satMod val="103000"/>
+                <a:lumMod val="102000"/>
+                <a:tint val="94000"/>
+              </a:schemeClr>
+            </a:gs>
+            <a:gs pos="50000">
+              <a:schemeClr val="phClr">
+                <a:satMod val="110000"/>
+                <a:lumMod val="100000"/>
+                <a:shade val="100000"/>
+              </a:schemeClr>
+            </a:gs>
+            <a:gs pos="100000">
+              <a:schemeClr val="phClr">
+                <a:lumMod val="99000"/>
+                <a:satMod val="120000"/>
+                <a:shade val="78000"/>
+              </a:schemeClr>
+            </a:gs>
+          </a:gsLst>
+          <a:lin ang="5400000" scaled="0"/>
+        </a:gradFill>
+      </a:fillStyleLst>
+      <a:lnStyleLst>
+        <a:ln w="6350" cap="flat" cmpd="sng" algn="ctr">
+          <a:solidFill>
+            <a:schemeClr val="phClr"/>
+          </a:solidFill>
+          <a:prstDash val="solid"/>
+          <a:miter lim="800000"/>
+        </a:ln>
+        <a:ln w="12700" cap="flat" cmpd="sng" algn="ctr">
+          <a:solidFill>
+            <a:schemeClr val="phClr"/>
+          </a:solidFill>
+          <a:prstDash val="solid"/>
+          <a:miter lim="800000"/>
+        </a:ln>
+        <a:ln w="19050" cap="flat" cmpd="sng" algn="ctr">
+          <a:solidFill>
+            <a:schemeClr val="phClr"/>
+          </a:solidFill>
+          <a:prstDash val="solid"/>
+          <a:miter lim="800000"/>
+        </a:ln>
+      </a:lnStyleLst>
+      <a:effectStyleLst>
+        <a:effectStyle>
+          <a:effectLst/>
+        </a:effectStyle>
+        <a:effectStyle>
+          <a:effectLst/>
+        </a:effectStyle>
+        <a:effectStyle>
+          <a:effectLst>
+            <a:outerShdw blurRad="57150" dist="19050" dir="5400000" algn="ctr" rotWithShape="0">
+              <a:srgbClr val="000000">
+                <a:alpha val="63000"/>
+              </a:srgbClr>
+            </a:outerShdw>
+          </a:effectLst>
+        </a:effectStyle>
+      </a:effectStyleLst>
+      <a:bgFillStyleLst>
+        <a:solidFill>
+          <a:schemeClr val="phClr"/>
+        </a:solidFill>
+        <a:solidFill>
+          <a:schemeClr val="phClr">
+            <a:tint val="95000"/>
+            <a:satMod val="170000"/>
+          </a:schemeClr>
+        </a:solidFill>
+        <a:gradFill rotWithShape="1">
+          <a:gsLst>
+            <a:gs pos="0">
+              <a:schemeClr val="phClr">
+                <a:tint val="93000"/>
+                <a:satMod val="150000"/>
+                <a:shade val="98000"/>
+                <a:lumMod val="102000"/>
+              </a:schemeClr>
+            </a:gs>
+            <a:gs pos="50000">
+              <a:schemeClr val="phClr">
+                <a:tint val="98000"/>
+                <a:satMod val="130000"/>
+                <a:shade val="90000"/>
+                <a:lumMod val="103000"/>
+              </a:schemeClr>
+            </a:gs>
+            <a:gs pos="100000">
+              <a:schemeClr val="phClr">
+                <a:shade val="63000"/>
+                <a:satMod val="120000"/>
+              </a:schemeClr>
+            </a:gs>
+          </a:gsLst>
+          <a:lin ang="5400000" scaled="0"/>
+        </a:gradFill>
+      </a:bgFillStyleLst>
+    </a:fmtScheme>
+  </a:themeElements>
+  <a:objectDefaults/>
+  <a:extraClrSchemeLst/>
+  <a:extLst>
+    <a:ext uri="{05A4C25C-085E-4340-85A3-A5531E510DB2}">
+      <thm15:themeFamily xmlns:thm15="http://schemas.microsoft.com/office/thememl/2012/main" name="Office Theme" id="{62F939B6-93AF-4DB8-9C6B-D6C7DFDC589F}" vid="{4A3C46E8-61CC-4603-A589-7422A47A8E4A}"/>
+    </a:ext>
+  </a:extLst>
+</a:theme>
 </file>
--- a/Prez.pptx
+++ b/Prez.pptx
@@ -242,7 +242,7 @@
           <a:p>
             <a:fld id="{FBE06AD4-4236-4C6A-A51A-74F6DACEC17E}" type="datetimeFigureOut">
               <a:rPr lang="ru-RU" smtClean="0"/>
-              <a:t>12.06.2019</a:t>
+              <a:t>16.06.2019</a:t>
             </a:fld>
             <a:endParaRPr lang="ru-RU"/>
           </a:p>
@@ -673,7 +673,7 @@
           <a:p>
             <a:fld id="{77E98EE2-4168-4EEE-A1AD-CBBCBAF10793}" type="datetime1">
               <a:rPr lang="en-US" smtClean="0"/>
-              <a:t>6/12/2019</a:t>
+              <a:t>6/16/2019</a:t>
             </a:fld>
             <a:endParaRPr lang="en-US" dirty="0"/>
           </a:p>
@@ -844,7 +844,7 @@
           <a:p>
             <a:fld id="{BF401A49-28E3-44BC-A874-99C932589552}" type="datetime1">
               <a:rPr lang="en-US" smtClean="0"/>
-              <a:t>6/12/2019</a:t>
+              <a:t>6/16/2019</a:t>
             </a:fld>
             <a:endParaRPr lang="en-US" dirty="0"/>
           </a:p>
@@ -1024,7 +1024,7 @@
           <a:p>
             <a:fld id="{AC02C9CE-BAAC-4BDD-8E5F-3FEB1A56CBE5}" type="datetime1">
               <a:rPr lang="en-US" smtClean="0"/>
-              <a:t>6/12/2019</a:t>
+              <a:t>6/16/2019</a:t>
             </a:fld>
             <a:endParaRPr lang="en-US" dirty="0"/>
           </a:p>
@@ -1194,7 +1194,7 @@
           <a:p>
             <a:fld id="{84072343-C3AA-424F-8273-67EB6FBB2498}" type="datetime1">
               <a:rPr lang="en-US" smtClean="0"/>
-              <a:t>6/12/2019</a:t>
+              <a:t>6/16/2019</a:t>
             </a:fld>
             <a:endParaRPr lang="en-US" dirty="0"/>
           </a:p>
@@ -1463,7 +1463,7 @@
           <a:p>
             <a:fld id="{30938DCD-3AA0-471A-BF0C-C46F09559875}" type="datetime1">
               <a:rPr lang="en-US" smtClean="0"/>
-              <a:t>6/12/2019</a:t>
+              <a:t>6/16/2019</a:t>
             </a:fld>
             <a:endParaRPr lang="en-US" dirty="0"/>
           </a:p>
@@ -1695,7 +1695,7 @@
           <a:p>
             <a:fld id="{AEA8F922-0936-443F-AFF1-E5266F36DB1C}" type="datetime1">
               <a:rPr lang="en-US" smtClean="0"/>
-              <a:t>6/12/2019</a:t>
+              <a:t>6/16/2019</a:t>
             </a:fld>
             <a:endParaRPr lang="en-US" dirty="0"/>
           </a:p>
@@ -2054,7 +2054,7 @@
           <a:p>
             <a:fld id="{5654B6F8-8A63-481E-B663-5B59A63538AC}" type="datetime1">
               <a:rPr lang="en-US" smtClean="0"/>
-              <a:t>6/12/2019</a:t>
+              <a:t>6/16/2019</a:t>
             </a:fld>
             <a:endParaRPr lang="en-US" dirty="0"/>
           </a:p>
@@ -2196,7 +2196,7 @@
           <a:p>
             <a:fld id="{85202EA4-E976-451B-89ED-A39FABD7025C}" type="datetime1">
               <a:rPr lang="en-US" smtClean="0"/>
-              <a:t>6/12/2019</a:t>
+              <a:t>6/16/2019</a:t>
             </a:fld>
             <a:endParaRPr lang="en-US" dirty="0"/>
           </a:p>
@@ -2291,7 +2291,7 @@
           <a:p>
             <a:fld id="{EAF6ED36-9472-4C97-826B-440E16947A68}" type="datetime1">
               <a:rPr lang="en-US" smtClean="0"/>
-              <a:t>6/12/2019</a:t>
+              <a:t>6/16/2019</a:t>
             </a:fld>
             <a:endParaRPr lang="en-US" dirty="0"/>
           </a:p>
@@ -2648,7 +2648,7 @@
           <a:p>
             <a:fld id="{9D3F0993-C052-44E9-AE34-C0D9E98D85AD}" type="datetime1">
               <a:rPr lang="en-US" smtClean="0"/>
-              <a:t>6/12/2019</a:t>
+              <a:t>6/16/2019</a:t>
             </a:fld>
             <a:endParaRPr lang="en-US" dirty="0"/>
           </a:p>
@@ -3006,7 +3006,7 @@
           <a:p>
             <a:fld id="{3E9C5437-80B1-48EB-B34E-B30250E48934}" type="datetime1">
               <a:rPr lang="en-US" smtClean="0"/>
-              <a:t>6/12/2019</a:t>
+              <a:t>6/16/2019</a:t>
             </a:fld>
             <a:endParaRPr lang="en-US" dirty="0"/>
           </a:p>
@@ -3248,7 +3248,7 @@
           <a:p>
             <a:fld id="{E16E5A7A-F443-4F94-A6EF-F515F58FBA48}" type="datetime1">
               <a:rPr lang="en-US" smtClean="0"/>
-              <a:t>6/12/2019</a:t>
+              <a:t>6/16/2019</a:t>
             </a:fld>
             <a:endParaRPr lang="en-US" dirty="0"/>
           </a:p>
@@ -3819,7 +3819,7 @@
           <p:nvPr/>
         </p:nvPicPr>
         <p:blipFill>
-          <a:blip r:embed="rId3">
+          <a:blip r:embed="rId2">
             <a:extLst>
               <a:ext uri="{28A0092B-C50C-407E-A947-70E740481C1C}">
                 <a14:useLocalDpi xmlns:a14="http://schemas.microsoft.com/office/drawing/2010/main" val="0"/>

--- a/Prez.pptx
+++ b/Prez.pptx
@@ -5,7 +5,7 @@
     <p:sldMasterId id="2147483888" r:id="rId1"/>
   </p:sldMasterIdLst>
   <p:notesMasterIdLst>
-    <p:notesMasterId r:id="rId17"/>
+    <p:notesMasterId r:id="rId15"/>
   </p:notesMasterIdLst>
   <p:sldIdLst>
     <p:sldId id="256" r:id="rId2"/>
@@ -19,10 +19,8 @@
     <p:sldId id="265" r:id="rId10"/>
     <p:sldId id="266" r:id="rId11"/>
     <p:sldId id="267" r:id="rId12"/>
-    <p:sldId id="268" r:id="rId13"/>
-    <p:sldId id="269" r:id="rId14"/>
-    <p:sldId id="270" r:id="rId15"/>
-    <p:sldId id="271" r:id="rId16"/>
+    <p:sldId id="270" r:id="rId13"/>
+    <p:sldId id="271" r:id="rId14"/>
   </p:sldIdLst>
   <p:sldSz cx="12192000" cy="6858000"/>
   <p:notesSz cx="6858000" cy="9144000"/>
@@ -242,7 +240,7 @@
           <a:p>
             <a:fld id="{FBE06AD4-4236-4C6A-A51A-74F6DACEC17E}" type="datetimeFigureOut">
               <a:rPr lang="ru-RU" smtClean="0"/>
-              <a:t>16.06.2019</a:t>
+              <a:t>20.06.2019</a:t>
             </a:fld>
             <a:endParaRPr lang="ru-RU"/>
           </a:p>
@@ -673,7 +671,7 @@
           <a:p>
             <a:fld id="{77E98EE2-4168-4EEE-A1AD-CBBCBAF10793}" type="datetime1">
               <a:rPr lang="en-US" smtClean="0"/>
-              <a:t>6/16/2019</a:t>
+              <a:t>6/20/2019</a:t>
             </a:fld>
             <a:endParaRPr lang="en-US" dirty="0"/>
           </a:p>
@@ -844,7 +842,7 @@
           <a:p>
             <a:fld id="{BF401A49-28E3-44BC-A874-99C932589552}" type="datetime1">
               <a:rPr lang="en-US" smtClean="0"/>
-              <a:t>6/16/2019</a:t>
+              <a:t>6/20/2019</a:t>
             </a:fld>
             <a:endParaRPr lang="en-US" dirty="0"/>
           </a:p>
@@ -1024,7 +1022,7 @@
           <a:p>
             <a:fld id="{AC02C9CE-BAAC-4BDD-8E5F-3FEB1A56CBE5}" type="datetime1">
               <a:rPr lang="en-US" smtClean="0"/>
-              <a:t>6/16/2019</a:t>
+              <a:t>6/20/2019</a:t>
             </a:fld>
             <a:endParaRPr lang="en-US" dirty="0"/>
           </a:p>
@@ -1194,7 +1192,7 @@
           <a:p>
             <a:fld id="{84072343-C3AA-424F-8273-67EB6FBB2498}" type="datetime1">
               <a:rPr lang="en-US" smtClean="0"/>
-              <a:t>6/16/2019</a:t>
+              <a:t>6/20/2019</a:t>
             </a:fld>
             <a:endParaRPr lang="en-US" dirty="0"/>
           </a:p>
@@ -1463,7 +1461,7 @@
           <a:p>
             <a:fld id="{30938DCD-3AA0-471A-BF0C-C46F09559875}" type="datetime1">
               <a:rPr lang="en-US" smtClean="0"/>
-              <a:t>6/16/2019</a:t>
+              <a:t>6/20/2019</a:t>
             </a:fld>
             <a:endParaRPr lang="en-US" dirty="0"/>
           </a:p>
@@ -1695,7 +1693,7 @@
           <a:p>
             <a:fld id="{AEA8F922-0936-443F-AFF1-E5266F36DB1C}" type="datetime1">
               <a:rPr lang="en-US" smtClean="0"/>
-              <a:t>6/16/2019</a:t>
+              <a:t>6/20/2019</a:t>
             </a:fld>
             <a:endParaRPr lang="en-US" dirty="0"/>
           </a:p>
@@ -2054,7 +2052,7 @@
           <a:p>
             <a:fld id="{5654B6F8-8A63-481E-B663-5B59A63538AC}" type="datetime1">
               <a:rPr lang="en-US" smtClean="0"/>
-              <a:t>6/16/2019</a:t>
+              <a:t>6/20/2019</a:t>
             </a:fld>
             <a:endParaRPr lang="en-US" dirty="0"/>
           </a:p>
@@ -2196,7 +2194,7 @@
           <a:p>
             <a:fld id="{85202EA4-E976-451B-89ED-A39FABD7025C}" type="datetime1">
               <a:rPr lang="en-US" smtClean="0"/>
-              <a:t>6/16/2019</a:t>
+              <a:t>6/20/2019</a:t>
             </a:fld>
             <a:endParaRPr lang="en-US" dirty="0"/>
           </a:p>
@@ -2291,7 +2289,7 @@
           <a:p>
             <a:fld id="{EAF6ED36-9472-4C97-826B-440E16947A68}" type="datetime1">
               <a:rPr lang="en-US" smtClean="0"/>
-              <a:t>6/16/2019</a:t>
+              <a:t>6/20/2019</a:t>
             </a:fld>
             <a:endParaRPr lang="en-US" dirty="0"/>
           </a:p>
@@ -2648,7 +2646,7 @@
           <a:p>
             <a:fld id="{9D3F0993-C052-44E9-AE34-C0D9E98D85AD}" type="datetime1">
               <a:rPr lang="en-US" smtClean="0"/>
-              <a:t>6/16/2019</a:t>
+              <a:t>6/20/2019</a:t>
             </a:fld>
             <a:endParaRPr lang="en-US" dirty="0"/>
           </a:p>
@@ -3006,7 +3004,7 @@
           <a:p>
             <a:fld id="{3E9C5437-80B1-48EB-B34E-B30250E48934}" type="datetime1">
               <a:rPr lang="en-US" smtClean="0"/>
-              <a:t>6/16/2019</a:t>
+              <a:t>6/20/2019</a:t>
             </a:fld>
             <a:endParaRPr lang="en-US" dirty="0"/>
           </a:p>
@@ -3248,7 +3246,7 @@
           <a:p>
             <a:fld id="{E16E5A7A-F443-4F94-A6EF-F515F58FBA48}" type="datetime1">
               <a:rPr lang="en-US" smtClean="0"/>
-              <a:t>6/16/2019</a:t>
+              <a:t>6/20/2019</a:t>
             </a:fld>
             <a:endParaRPr lang="en-US" dirty="0"/>
           </a:p>
@@ -3803,6 +3801,22 @@
               </a:rPr>
               <a:t>Иванова И.А.</a:t>
             </a:r>
+          </a:p>
+          <a:p>
+            <a:r>
+              <a:rPr lang="ru-RU" sz="1600" dirty="0" smtClean="0">
+                <a:latin typeface="Arial" panose="020B0604020202020204" pitchFamily="34" charset="0"/>
+                <a:cs typeface="Arial" panose="020B0604020202020204" pitchFamily="34" charset="0"/>
+              </a:rPr>
+              <a:t>Консультант: </a:t>
+            </a:r>
+            <a:r>
+              <a:rPr lang="ru-RU" sz="1600" b="1" dirty="0" smtClean="0">
+                <a:latin typeface="Arial" panose="020B0604020202020204" pitchFamily="34" charset="0"/>
+                <a:cs typeface="Arial" panose="020B0604020202020204" pitchFamily="34" charset="0"/>
+              </a:rPr>
+              <a:t>Гришин А.А.</a:t>
+            </a:r>
             <a:endParaRPr lang="ru-RU" sz="1600" b="1" dirty="0">
               <a:latin typeface="Arial" panose="020B0604020202020204" pitchFamily="34" charset="0"/>
               <a:cs typeface="Arial" panose="020B0604020202020204" pitchFamily="34" charset="0"/>
@@ -3989,13 +4003,19 @@
           <a:bodyPr/>
           <a:lstStyle/>
           <a:p>
-            <a:pPr algn="ctr"/>
+            <a:r>
+              <a:rPr lang="ru-RU" dirty="0">
+                <a:latin typeface="Arial" panose="020B0604020202020204" pitchFamily="34" charset="0"/>
+                <a:cs typeface="Arial" panose="020B0604020202020204" pitchFamily="34" charset="0"/>
+              </a:rPr>
+              <a:t>Демонстрация </a:t>
+            </a:r>
             <a:r>
               <a:rPr lang="ru-RU" dirty="0" smtClean="0">
                 <a:latin typeface="Arial" panose="020B0604020202020204" pitchFamily="34" charset="0"/>
                 <a:cs typeface="Arial" panose="020B0604020202020204" pitchFamily="34" charset="0"/>
               </a:rPr>
-              <a:t>Обзор внедренных изменений</a:t>
+              <a:t>внедренных изменений</a:t>
             </a:r>
             <a:endParaRPr lang="ru-RU" dirty="0">
               <a:latin typeface="Arial" panose="020B0604020202020204" pitchFamily="34" charset="0"/>
@@ -4233,6 +4253,80 @@
           </a:p>
         </p:txBody>
       </p:sp>
+      <p:sp>
+        <p:nvSpPr>
+          <p:cNvPr id="11" name="Прямоугольник 10"/>
+          <p:cNvSpPr/>
+          <p:nvPr/>
+        </p:nvSpPr>
+        <p:spPr>
+          <a:xfrm>
+            <a:off x="6574470" y="5297254"/>
+            <a:ext cx="4119881" cy="646331"/>
+          </a:xfrm>
+          <a:prstGeom prst="rect">
+            <a:avLst/>
+          </a:prstGeom>
+        </p:spPr>
+        <p:txBody>
+          <a:bodyPr wrap="square">
+            <a:spAutoFit/>
+          </a:bodyPr>
+          <a:lstStyle/>
+          <a:p>
+            <a:pPr algn="ctr"/>
+            <a:r>
+              <a:rPr lang="ru-RU" dirty="0"/>
+              <a:t>Ранее </a:t>
+            </a:r>
+            <a:r>
+              <a:rPr lang="ru-RU" dirty="0" smtClean="0"/>
+              <a:t>данная возможность отсутствовала</a:t>
+            </a:r>
+            <a:r>
+              <a:rPr lang="ru-RU" dirty="0"/>
+              <a:t>.</a:t>
+            </a:r>
+          </a:p>
+        </p:txBody>
+      </p:sp>
+      <p:sp>
+        <p:nvSpPr>
+          <p:cNvPr id="13" name="Прямоугольник 12"/>
+          <p:cNvSpPr/>
+          <p:nvPr/>
+        </p:nvSpPr>
+        <p:spPr>
+          <a:xfrm>
+            <a:off x="1600573" y="5297254"/>
+            <a:ext cx="4119881" cy="369332"/>
+          </a:xfrm>
+          <a:prstGeom prst="rect">
+            <a:avLst/>
+          </a:prstGeom>
+        </p:spPr>
+        <p:txBody>
+          <a:bodyPr wrap="square">
+            <a:spAutoFit/>
+          </a:bodyPr>
+          <a:lstStyle/>
+          <a:p>
+            <a:pPr algn="ctr"/>
+            <a:r>
+              <a:rPr lang="ru-RU" dirty="0"/>
+              <a:t>Ранее </a:t>
+            </a:r>
+            <a:r>
+              <a:rPr lang="ru-RU" dirty="0" smtClean="0"/>
+              <a:t>данная функция отсутствовала</a:t>
+            </a:r>
+            <a:r>
+              <a:rPr lang="ru-RU" dirty="0"/>
+              <a:t>.</a:t>
+            </a:r>
+          </a:p>
+        </p:txBody>
+      </p:sp>
     </p:spTree>
     <p:extLst>
       <p:ext uri="{BB962C8B-B14F-4D97-AF65-F5344CB8AC3E}">
@@ -4302,13 +4396,19 @@
           <a:bodyPr/>
           <a:lstStyle/>
           <a:p>
-            <a:pPr algn="ctr"/>
+            <a:r>
+              <a:rPr lang="ru-RU" dirty="0">
+                <a:latin typeface="Arial" panose="020B0604020202020204" pitchFamily="34" charset="0"/>
+                <a:cs typeface="Arial" panose="020B0604020202020204" pitchFamily="34" charset="0"/>
+              </a:rPr>
+              <a:t>Демонстрация </a:t>
+            </a:r>
             <a:r>
               <a:rPr lang="ru-RU" dirty="0" smtClean="0">
                 <a:latin typeface="Arial" panose="020B0604020202020204" pitchFamily="34" charset="0"/>
                 <a:cs typeface="Arial" panose="020B0604020202020204" pitchFamily="34" charset="0"/>
               </a:rPr>
-              <a:t>Обзор внедренных изменений</a:t>
+              <a:t>внедренных изменений</a:t>
             </a:r>
             <a:endParaRPr lang="ru-RU" dirty="0">
               <a:latin typeface="Arial" panose="020B0604020202020204" pitchFamily="34" charset="0"/>
@@ -4545,6 +4645,43 @@
               <a:t>11</a:t>
             </a:fld>
             <a:endParaRPr lang="en-US" dirty="0"/>
+          </a:p>
+        </p:txBody>
+      </p:sp>
+      <p:sp>
+        <p:nvSpPr>
+          <p:cNvPr id="8" name="Прямоугольник 7"/>
+          <p:cNvSpPr/>
+          <p:nvPr/>
+        </p:nvSpPr>
+        <p:spPr>
+          <a:xfrm>
+            <a:off x="4036059" y="5937349"/>
+            <a:ext cx="4119881" cy="646331"/>
+          </a:xfrm>
+          <a:prstGeom prst="rect">
+            <a:avLst/>
+          </a:prstGeom>
+        </p:spPr>
+        <p:txBody>
+          <a:bodyPr wrap="square">
+            <a:spAutoFit/>
+          </a:bodyPr>
+          <a:lstStyle/>
+          <a:p>
+            <a:pPr algn="ctr"/>
+            <a:r>
+              <a:rPr lang="ru-RU" dirty="0"/>
+              <a:t>Ранее </a:t>
+            </a:r>
+            <a:r>
+              <a:rPr lang="ru-RU" dirty="0" smtClean="0"/>
+              <a:t>данная возможность отсутствовала</a:t>
+            </a:r>
+            <a:r>
+              <a:rPr lang="ru-RU" dirty="0"/>
+              <a:t>.</a:t>
+            </a:r>
           </a:p>
         </p:txBody>
       </p:sp>
@@ -4609,14 +4746,12 @@
         </p:nvSpPr>
         <p:spPr>
           <a:xfrm>
-            <a:off x="1235075" y="4763"/>
-            <a:ext cx="9937750" cy="1371600"/>
+            <a:off x="1224391" y="4763"/>
+            <a:ext cx="9948433" cy="1371600"/>
           </a:xfrm>
         </p:spPr>
         <p:txBody>
-          <a:bodyPr>
-            <a:normAutofit/>
-          </a:bodyPr>
+          <a:bodyPr/>
           <a:lstStyle/>
           <a:p>
             <a:pPr algn="ctr"/>
@@ -4625,7 +4760,7 @@
                 <a:latin typeface="Arial" panose="020B0604020202020204" pitchFamily="34" charset="0"/>
                 <a:cs typeface="Arial" panose="020B0604020202020204" pitchFamily="34" charset="0"/>
               </a:rPr>
-              <a:t>Обновленная структура приложения</a:t>
+              <a:t>Выводы</a:t>
             </a:r>
             <a:endParaRPr lang="ru-RU" dirty="0">
               <a:latin typeface="Arial" panose="020B0604020202020204" pitchFamily="34" charset="0"/>
@@ -4634,1656 +4769,19 @@
           </a:p>
         </p:txBody>
       </p:sp>
-      <p:pic>
-        <p:nvPicPr>
-          <p:cNvPr id="4" name="Объект 3"/>
-          <p:cNvPicPr>
-            <a:picLocks noGrp="1"/>
-          </p:cNvPicPr>
+      <p:sp>
+        <p:nvSpPr>
+          <p:cNvPr id="3" name="Объект 2"/>
+          <p:cNvSpPr>
+            <a:spLocks noGrp="1"/>
+          </p:cNvSpPr>
           <p:nvPr>
             <p:ph idx="1"/>
           </p:nvPr>
-        </p:nvPicPr>
-        <p:blipFill>
-          <a:blip r:embed="rId2"/>
-          <a:stretch>
-            <a:fillRect/>
-          </a:stretch>
-        </p:blipFill>
+        </p:nvSpPr>
         <p:spPr>
           <a:xfrm>
-            <a:off x="2638650" y="1898145"/>
-            <a:ext cx="6914700" cy="4059237"/>
-          </a:xfrm>
-          <a:prstGeom prst="rect">
-            <a:avLst/>
-          </a:prstGeom>
-        </p:spPr>
-      </p:pic>
-      <p:sp>
-        <p:nvSpPr>
-          <p:cNvPr id="3" name="Номер слайда 2"/>
-          <p:cNvSpPr>
-            <a:spLocks noGrp="1"/>
-          </p:cNvSpPr>
-          <p:nvPr>
-            <p:ph type="sldNum" sz="quarter" idx="12"/>
-          </p:nvPr>
-        </p:nvSpPr>
-        <p:spPr/>
-        <p:txBody>
-          <a:bodyPr/>
-          <a:lstStyle/>
-          <a:p>
-            <a:fld id="{4FAB73BC-B049-4115-A692-8D63A059BFB8}" type="slidenum">
-              <a:rPr lang="en-US" smtClean="0"/>
-              <a:pPr/>
-              <a:t>12</a:t>
-            </a:fld>
-            <a:endParaRPr lang="en-US" dirty="0"/>
-          </a:p>
-        </p:txBody>
-      </p:sp>
-    </p:spTree>
-    <p:extLst>
-      <p:ext uri="{BB962C8B-B14F-4D97-AF65-F5344CB8AC3E}">
-        <p14:creationId xmlns:p14="http://schemas.microsoft.com/office/powerpoint/2010/main" val="2486388092"/>
-      </p:ext>
-    </p:extLst>
-  </p:cSld>
-  <p:clrMapOvr>
-    <a:masterClrMapping/>
-  </p:clrMapOvr>
-  <mc:AlternateContent xmlns:mc="http://schemas.openxmlformats.org/markup-compatibility/2006" xmlns:p14="http://schemas.microsoft.com/office/powerpoint/2010/main">
-    <mc:Choice Requires="p14">
-      <p:transition spd="med" p14:dur="700">
-        <p:fade/>
-      </p:transition>
-    </mc:Choice>
-    <mc:Fallback xmlns="">
-      <p:transition spd="med">
-        <p:fade/>
-      </p:transition>
-    </mc:Fallback>
-  </mc:AlternateContent>
-  <p:timing>
-    <p:tnLst>
-      <p:par>
-        <p:cTn id="1" dur="indefinite" restart="never" nodeType="tmRoot"/>
-      </p:par>
-    </p:tnLst>
-  </p:timing>
-</p:sld>
-</file>
-
-<file path=ppt/slides/slide13.xml><?xml version="1.0" encoding="utf-8"?>
-<p:sld xmlns:a="http://schemas.openxmlformats.org/drawingml/2006/main" xmlns:r="http://schemas.openxmlformats.org/officeDocument/2006/relationships" xmlns:p="http://schemas.openxmlformats.org/presentationml/2006/main">
-  <p:cSld>
-    <p:spTree>
-      <p:nvGrpSpPr>
-        <p:cNvPr id="1" name=""/>
-        <p:cNvGrpSpPr/>
-        <p:nvPr/>
-      </p:nvGrpSpPr>
-      <p:grpSpPr>
-        <a:xfrm>
-          <a:off x="0" y="0"/>
-          <a:ext cx="0" cy="0"/>
-          <a:chOff x="0" y="0"/>
-          <a:chExt cx="0" cy="0"/>
-        </a:xfrm>
-      </p:grpSpPr>
-      <p:sp>
-        <p:nvSpPr>
-          <p:cNvPr id="2" name="Заголовок 1"/>
-          <p:cNvSpPr>
-            <a:spLocks noGrp="1"/>
-          </p:cNvSpPr>
-          <p:nvPr>
-            <p:ph type="title"/>
-          </p:nvPr>
-        </p:nvSpPr>
-        <p:spPr>
-          <a:xfrm>
-            <a:off x="1235075" y="4763"/>
-            <a:ext cx="9937750" cy="1371600"/>
-          </a:xfrm>
-        </p:spPr>
-        <p:txBody>
-          <a:bodyPr>
-            <a:normAutofit/>
-          </a:bodyPr>
-          <a:lstStyle/>
-          <a:p>
-            <a:pPr algn="ctr"/>
-            <a:r>
-              <a:rPr lang="ru-RU" dirty="0">
-                <a:latin typeface="Arial" panose="020B0604020202020204" pitchFamily="34" charset="0"/>
-                <a:cs typeface="Arial" panose="020B0604020202020204" pitchFamily="34" charset="0"/>
-              </a:rPr>
-              <a:t>Смета затрат на разработку и внедрение системы</a:t>
-            </a:r>
-          </a:p>
-        </p:txBody>
-      </p:sp>
-      <p:graphicFrame>
-        <p:nvGraphicFramePr>
-          <p:cNvPr id="4" name="Объект 3"/>
-          <p:cNvGraphicFramePr>
-            <a:graphicFrameLocks noGrp="1"/>
-          </p:cNvGraphicFramePr>
-          <p:nvPr>
-            <p:ph idx="1"/>
-            <p:extLst>
-              <p:ext uri="{D42A27DB-BD31-4B8C-83A1-F6EECF244321}">
-                <p14:modId xmlns:p14="http://schemas.microsoft.com/office/powerpoint/2010/main" val="987403949"/>
-              </p:ext>
-            </p:extLst>
-          </p:nvPr>
-        </p:nvGraphicFramePr>
-        <p:xfrm>
-          <a:off x="1235075" y="1818323"/>
-          <a:ext cx="9427405" cy="3785395"/>
-        </p:xfrm>
-        <a:graphic>
-          <a:graphicData uri="http://schemas.openxmlformats.org/drawingml/2006/table">
-            <a:tbl>
-              <a:tblPr>
-                <a:tableStyleId>{616DA210-FB5B-4158-B5E0-FEB733F419BA}</a:tableStyleId>
-              </a:tblPr>
-              <a:tblGrid>
-                <a:gridCol w="443442">
-                  <a:extLst>
-                    <a:ext uri="{9D8B030D-6E8A-4147-A177-3AD203B41FA5}">
-                      <a16:colId xmlns:a16="http://schemas.microsoft.com/office/drawing/2014/main" val="3794025007"/>
-                    </a:ext>
-                  </a:extLst>
-                </a:gridCol>
-                <a:gridCol w="4447963">
-                  <a:extLst>
-                    <a:ext uri="{9D8B030D-6E8A-4147-A177-3AD203B41FA5}">
-                      <a16:colId xmlns:a16="http://schemas.microsoft.com/office/drawing/2014/main" val="1166824866"/>
-                    </a:ext>
-                  </a:extLst>
-                </a:gridCol>
-                <a:gridCol w="1512000">
-                  <a:extLst>
-                    <a:ext uri="{9D8B030D-6E8A-4147-A177-3AD203B41FA5}">
-                      <a16:colId xmlns:a16="http://schemas.microsoft.com/office/drawing/2014/main" val="372619694"/>
-                    </a:ext>
-                  </a:extLst>
-                </a:gridCol>
-                <a:gridCol w="1512000">
-                  <a:extLst>
-                    <a:ext uri="{9D8B030D-6E8A-4147-A177-3AD203B41FA5}">
-                      <a16:colId xmlns:a16="http://schemas.microsoft.com/office/drawing/2014/main" val="1770883337"/>
-                    </a:ext>
-                  </a:extLst>
-                </a:gridCol>
-                <a:gridCol w="1512000">
-                  <a:extLst>
-                    <a:ext uri="{9D8B030D-6E8A-4147-A177-3AD203B41FA5}">
-                      <a16:colId xmlns:a16="http://schemas.microsoft.com/office/drawing/2014/main" val="3231319376"/>
-                    </a:ext>
-                  </a:extLst>
-                </a:gridCol>
-              </a:tblGrid>
-              <a:tr h="757237">
-                <a:tc>
-                  <a:txBody>
-                    <a:bodyPr/>
-                    <a:lstStyle/>
-                    <a:p>
-                      <a:pPr algn="ctr">
-                        <a:lnSpc>
-                          <a:spcPct val="150000"/>
-                        </a:lnSpc>
-                        <a:spcAft>
-                          <a:spcPts val="600"/>
-                        </a:spcAft>
-                      </a:pPr>
-                      <a:r>
-                        <a:rPr lang="ru-RU" sz="1400" b="1" dirty="0">
-                          <a:effectLst/>
-                          <a:latin typeface="Arial" panose="020B0604020202020204" pitchFamily="34" charset="0"/>
-                          <a:cs typeface="Arial" panose="020B0604020202020204" pitchFamily="34" charset="0"/>
-                        </a:rPr>
-                        <a:t>№</a:t>
-                      </a:r>
-                      <a:endParaRPr lang="ru-RU" sz="1200" b="1" dirty="0">
-                        <a:effectLst/>
-                        <a:latin typeface="Arial" panose="020B0604020202020204" pitchFamily="34" charset="0"/>
-                        <a:ea typeface="Times New Roman" panose="02020603050405020304" pitchFamily="18" charset="0"/>
-                        <a:cs typeface="Arial" panose="020B0604020202020204" pitchFamily="34" charset="0"/>
-                      </a:endParaRPr>
-                    </a:p>
-                  </a:txBody>
-                  <a:tcPr marL="68580" marR="68580" marT="0" marB="0" anchor="ctr"/>
-                </a:tc>
-                <a:tc>
-                  <a:txBody>
-                    <a:bodyPr/>
-                    <a:lstStyle/>
-                    <a:p>
-                      <a:pPr algn="l">
-                        <a:lnSpc>
-                          <a:spcPct val="150000"/>
-                        </a:lnSpc>
-                        <a:spcAft>
-                          <a:spcPts val="600"/>
-                        </a:spcAft>
-                      </a:pPr>
-                      <a:r>
-                        <a:rPr lang="ru-RU" sz="1400" b="1" dirty="0">
-                          <a:effectLst/>
-                          <a:latin typeface="Arial" panose="020B0604020202020204" pitchFamily="34" charset="0"/>
-                          <a:cs typeface="Arial" panose="020B0604020202020204" pitchFamily="34" charset="0"/>
-                        </a:rPr>
-                        <a:t>Наименование статей</a:t>
-                      </a:r>
-                      <a:endParaRPr lang="ru-RU" sz="1200" b="1" dirty="0">
-                        <a:effectLst/>
-                        <a:latin typeface="Arial" panose="020B0604020202020204" pitchFamily="34" charset="0"/>
-                        <a:ea typeface="Times New Roman" panose="02020603050405020304" pitchFamily="18" charset="0"/>
-                        <a:cs typeface="Arial" panose="020B0604020202020204" pitchFamily="34" charset="0"/>
-                      </a:endParaRPr>
-                    </a:p>
-                  </a:txBody>
-                  <a:tcPr marL="68580" marR="68580" marT="0" marB="0" anchor="ctr"/>
-                </a:tc>
-                <a:tc>
-                  <a:txBody>
-                    <a:bodyPr/>
-                    <a:lstStyle/>
-                    <a:p>
-                      <a:pPr algn="ctr">
-                        <a:lnSpc>
-                          <a:spcPct val="150000"/>
-                        </a:lnSpc>
-                        <a:spcAft>
-                          <a:spcPts val="600"/>
-                        </a:spcAft>
-                      </a:pPr>
-                      <a:r>
-                        <a:rPr lang="ru-RU" sz="1400" b="1" dirty="0">
-                          <a:effectLst/>
-                          <a:latin typeface="Arial" panose="020B0604020202020204" pitchFamily="34" charset="0"/>
-                          <a:cs typeface="Arial" panose="020B0604020202020204" pitchFamily="34" charset="0"/>
-                        </a:rPr>
-                        <a:t>Обозначение</a:t>
-                      </a:r>
-                      <a:endParaRPr lang="ru-RU" sz="1200" b="1" dirty="0">
-                        <a:effectLst/>
-                        <a:latin typeface="Arial" panose="020B0604020202020204" pitchFamily="34" charset="0"/>
-                        <a:ea typeface="Times New Roman" panose="02020603050405020304" pitchFamily="18" charset="0"/>
-                        <a:cs typeface="Arial" panose="020B0604020202020204" pitchFamily="34" charset="0"/>
-                      </a:endParaRPr>
-                    </a:p>
-                  </a:txBody>
-                  <a:tcPr marL="68580" marR="68580" marT="0" marB="0" anchor="ctr"/>
-                </a:tc>
-                <a:tc>
-                  <a:txBody>
-                    <a:bodyPr/>
-                    <a:lstStyle/>
-                    <a:p>
-                      <a:pPr algn="ctr">
-                        <a:lnSpc>
-                          <a:spcPct val="150000"/>
-                        </a:lnSpc>
-                        <a:spcAft>
-                          <a:spcPts val="600"/>
-                        </a:spcAft>
-                      </a:pPr>
-                      <a:r>
-                        <a:rPr lang="ru-RU" sz="1400" b="1" dirty="0">
-                          <a:effectLst/>
-                          <a:latin typeface="Arial" panose="020B0604020202020204" pitchFamily="34" charset="0"/>
-                          <a:cs typeface="Arial" panose="020B0604020202020204" pitchFamily="34" charset="0"/>
-                        </a:rPr>
-                        <a:t>Сумма, руб.</a:t>
-                      </a:r>
-                      <a:endParaRPr lang="ru-RU" sz="1200" b="1" dirty="0">
-                        <a:effectLst/>
-                        <a:latin typeface="Arial" panose="020B0604020202020204" pitchFamily="34" charset="0"/>
-                        <a:ea typeface="Times New Roman" panose="02020603050405020304" pitchFamily="18" charset="0"/>
-                        <a:cs typeface="Arial" panose="020B0604020202020204" pitchFamily="34" charset="0"/>
-                      </a:endParaRPr>
-                    </a:p>
-                  </a:txBody>
-                  <a:tcPr marL="68580" marR="68580" marT="0" marB="0" anchor="ctr"/>
-                </a:tc>
-                <a:tc>
-                  <a:txBody>
-                    <a:bodyPr/>
-                    <a:lstStyle/>
-                    <a:p>
-                      <a:pPr algn="ctr">
-                        <a:lnSpc>
-                          <a:spcPct val="150000"/>
-                        </a:lnSpc>
-                        <a:spcAft>
-                          <a:spcPts val="600"/>
-                        </a:spcAft>
-                      </a:pPr>
-                      <a:r>
-                        <a:rPr lang="ru-RU" sz="1400" b="1" dirty="0">
-                          <a:effectLst/>
-                          <a:latin typeface="Arial" panose="020B0604020202020204" pitchFamily="34" charset="0"/>
-                          <a:cs typeface="Arial" panose="020B0604020202020204" pitchFamily="34" charset="0"/>
-                        </a:rPr>
-                        <a:t>В % к итогу</a:t>
-                      </a:r>
-                      <a:endParaRPr lang="ru-RU" sz="1200" b="1" dirty="0">
-                        <a:effectLst/>
-                        <a:latin typeface="Arial" panose="020B0604020202020204" pitchFamily="34" charset="0"/>
-                        <a:ea typeface="Times New Roman" panose="02020603050405020304" pitchFamily="18" charset="0"/>
-                        <a:cs typeface="Arial" panose="020B0604020202020204" pitchFamily="34" charset="0"/>
-                      </a:endParaRPr>
-                    </a:p>
-                  </a:txBody>
-                  <a:tcPr marL="68580" marR="68580" marT="0" marB="0" anchor="ctr"/>
-                </a:tc>
-                <a:extLst>
-                  <a:ext uri="{0D108BD9-81ED-4DB2-BD59-A6C34878D82A}">
-                    <a16:rowId xmlns:a16="http://schemas.microsoft.com/office/drawing/2014/main" val="4141477705"/>
-                  </a:ext>
-                </a:extLst>
-              </a:tr>
-              <a:tr h="432594">
-                <a:tc>
-                  <a:txBody>
-                    <a:bodyPr/>
-                    <a:lstStyle/>
-                    <a:p>
-                      <a:pPr algn="ctr">
-                        <a:lnSpc>
-                          <a:spcPct val="150000"/>
-                        </a:lnSpc>
-                        <a:spcAft>
-                          <a:spcPts val="600"/>
-                        </a:spcAft>
-                      </a:pPr>
-                      <a:r>
-                        <a:rPr lang="ru-RU" sz="1400" b="1" dirty="0">
-                          <a:effectLst/>
-                          <a:latin typeface="Arial" panose="020B0604020202020204" pitchFamily="34" charset="0"/>
-                          <a:cs typeface="Arial" panose="020B0604020202020204" pitchFamily="34" charset="0"/>
-                        </a:rPr>
-                        <a:t>1</a:t>
-                      </a:r>
-                      <a:endParaRPr lang="ru-RU" sz="1200" b="1" dirty="0">
-                        <a:effectLst/>
-                        <a:latin typeface="Arial" panose="020B0604020202020204" pitchFamily="34" charset="0"/>
-                        <a:ea typeface="Times New Roman" panose="02020603050405020304" pitchFamily="18" charset="0"/>
-                        <a:cs typeface="Arial" panose="020B0604020202020204" pitchFamily="34" charset="0"/>
-                      </a:endParaRPr>
-                    </a:p>
-                  </a:txBody>
-                  <a:tcPr marL="68580" marR="68580" marT="0" marB="0" anchor="ctr"/>
-                </a:tc>
-                <a:tc>
-                  <a:txBody>
-                    <a:bodyPr/>
-                    <a:lstStyle/>
-                    <a:p>
-                      <a:pPr algn="l">
-                        <a:lnSpc>
-                          <a:spcPct val="100000"/>
-                        </a:lnSpc>
-                        <a:spcAft>
-                          <a:spcPts val="0"/>
-                        </a:spcAft>
-                      </a:pPr>
-                      <a:r>
-                        <a:rPr lang="ru-RU" sz="1400" dirty="0">
-                          <a:effectLst/>
-                          <a:latin typeface="Arial" panose="020B0604020202020204" pitchFamily="34" charset="0"/>
-                          <a:cs typeface="Arial" panose="020B0604020202020204" pitchFamily="34" charset="0"/>
-                        </a:rPr>
-                        <a:t>Основная заработная плата</a:t>
-                      </a:r>
-                      <a:endParaRPr lang="ru-RU" sz="1200" dirty="0">
-                        <a:effectLst/>
-                        <a:latin typeface="Arial" panose="020B0604020202020204" pitchFamily="34" charset="0"/>
-                        <a:ea typeface="Times New Roman" panose="02020603050405020304" pitchFamily="18" charset="0"/>
-                        <a:cs typeface="Arial" panose="020B0604020202020204" pitchFamily="34" charset="0"/>
-                      </a:endParaRPr>
-                    </a:p>
-                  </a:txBody>
-                  <a:tcPr marL="68580" marR="68580" marT="0" marB="0" anchor="ctr"/>
-                </a:tc>
-                <a:tc>
-                  <a:txBody>
-                    <a:bodyPr/>
-                    <a:lstStyle/>
-                    <a:p>
-                      <a:pPr algn="ctr">
-                        <a:lnSpc>
-                          <a:spcPct val="100000"/>
-                        </a:lnSpc>
-                        <a:spcAft>
-                          <a:spcPts val="0"/>
-                        </a:spcAft>
-                      </a:pPr>
-                      <a:r>
-                        <a:rPr lang="ru-RU" sz="1400" dirty="0" err="1">
-                          <a:effectLst/>
-                          <a:latin typeface="Arial" panose="020B0604020202020204" pitchFamily="34" charset="0"/>
-                          <a:cs typeface="Arial" panose="020B0604020202020204" pitchFamily="34" charset="0"/>
-                        </a:rPr>
-                        <a:t>С</a:t>
-                      </a:r>
-                      <a:r>
-                        <a:rPr lang="ru-RU" sz="1400" baseline="-25000" dirty="0" err="1">
-                          <a:effectLst/>
-                          <a:latin typeface="Arial" panose="020B0604020202020204" pitchFamily="34" charset="0"/>
-                          <a:cs typeface="Arial" panose="020B0604020202020204" pitchFamily="34" charset="0"/>
-                        </a:rPr>
-                        <a:t>осн</a:t>
-                      </a:r>
-                      <a:endParaRPr lang="ru-RU" sz="1200" dirty="0">
-                        <a:effectLst/>
-                        <a:latin typeface="Arial" panose="020B0604020202020204" pitchFamily="34" charset="0"/>
-                        <a:ea typeface="Times New Roman" panose="02020603050405020304" pitchFamily="18" charset="0"/>
-                        <a:cs typeface="Arial" panose="020B0604020202020204" pitchFamily="34" charset="0"/>
-                      </a:endParaRPr>
-                    </a:p>
-                  </a:txBody>
-                  <a:tcPr marL="68580" marR="68580" marT="0" marB="0" anchor="ctr"/>
-                </a:tc>
-                <a:tc>
-                  <a:txBody>
-                    <a:bodyPr/>
-                    <a:lstStyle/>
-                    <a:p>
-                      <a:pPr algn="ctr">
-                        <a:lnSpc>
-                          <a:spcPct val="100000"/>
-                        </a:lnSpc>
-                        <a:spcAft>
-                          <a:spcPts val="0"/>
-                        </a:spcAft>
-                      </a:pPr>
-                      <a:r>
-                        <a:rPr lang="ru-RU" sz="1400" dirty="0">
-                          <a:effectLst/>
-                          <a:latin typeface="Arial" panose="020B0604020202020204" pitchFamily="34" charset="0"/>
-                          <a:cs typeface="Arial" panose="020B0604020202020204" pitchFamily="34" charset="0"/>
-                        </a:rPr>
-                        <a:t>168000</a:t>
-                      </a:r>
-                      <a:endParaRPr lang="ru-RU" sz="1200" dirty="0">
-                        <a:effectLst/>
-                        <a:latin typeface="Arial" panose="020B0604020202020204" pitchFamily="34" charset="0"/>
-                        <a:ea typeface="Times New Roman" panose="02020603050405020304" pitchFamily="18" charset="0"/>
-                        <a:cs typeface="Arial" panose="020B0604020202020204" pitchFamily="34" charset="0"/>
-                      </a:endParaRPr>
-                    </a:p>
-                  </a:txBody>
-                  <a:tcPr marL="68580" marR="68580" marT="0" marB="0" anchor="ctr"/>
-                </a:tc>
-                <a:tc>
-                  <a:txBody>
-                    <a:bodyPr/>
-                    <a:lstStyle/>
-                    <a:p>
-                      <a:pPr algn="ctr">
-                        <a:lnSpc>
-                          <a:spcPct val="100000"/>
-                        </a:lnSpc>
-                        <a:spcAft>
-                          <a:spcPts val="0"/>
-                        </a:spcAft>
-                      </a:pPr>
-                      <a:r>
-                        <a:rPr lang="ru-RU" sz="1400" dirty="0">
-                          <a:effectLst/>
-                          <a:latin typeface="Arial" panose="020B0604020202020204" pitchFamily="34" charset="0"/>
-                          <a:cs typeface="Arial" panose="020B0604020202020204" pitchFamily="34" charset="0"/>
-                        </a:rPr>
-                        <a:t>42,05</a:t>
-                      </a:r>
-                      <a:endParaRPr lang="ru-RU" sz="1200" dirty="0">
-                        <a:effectLst/>
-                        <a:latin typeface="Arial" panose="020B0604020202020204" pitchFamily="34" charset="0"/>
-                        <a:ea typeface="Times New Roman" panose="02020603050405020304" pitchFamily="18" charset="0"/>
-                        <a:cs typeface="Arial" panose="020B0604020202020204" pitchFamily="34" charset="0"/>
-                      </a:endParaRPr>
-                    </a:p>
-                  </a:txBody>
-                  <a:tcPr marL="68580" marR="68580" marT="0" marB="0" anchor="ctr"/>
-                </a:tc>
-                <a:extLst>
-                  <a:ext uri="{0D108BD9-81ED-4DB2-BD59-A6C34878D82A}">
-                    <a16:rowId xmlns:a16="http://schemas.microsoft.com/office/drawing/2014/main" val="1275288051"/>
-                  </a:ext>
-                </a:extLst>
-              </a:tr>
-              <a:tr h="432594">
-                <a:tc>
-                  <a:txBody>
-                    <a:bodyPr/>
-                    <a:lstStyle/>
-                    <a:p>
-                      <a:pPr algn="ctr">
-                        <a:lnSpc>
-                          <a:spcPct val="150000"/>
-                        </a:lnSpc>
-                        <a:spcAft>
-                          <a:spcPts val="600"/>
-                        </a:spcAft>
-                      </a:pPr>
-                      <a:r>
-                        <a:rPr lang="ru-RU" sz="1400" b="1" dirty="0">
-                          <a:effectLst/>
-                          <a:latin typeface="Arial" panose="020B0604020202020204" pitchFamily="34" charset="0"/>
-                          <a:cs typeface="Arial" panose="020B0604020202020204" pitchFamily="34" charset="0"/>
-                        </a:rPr>
-                        <a:t>2</a:t>
-                      </a:r>
-                      <a:endParaRPr lang="ru-RU" sz="1200" b="1" dirty="0">
-                        <a:effectLst/>
-                        <a:latin typeface="Arial" panose="020B0604020202020204" pitchFamily="34" charset="0"/>
-                        <a:ea typeface="Times New Roman" panose="02020603050405020304" pitchFamily="18" charset="0"/>
-                        <a:cs typeface="Arial" panose="020B0604020202020204" pitchFamily="34" charset="0"/>
-                      </a:endParaRPr>
-                    </a:p>
-                  </a:txBody>
-                  <a:tcPr marL="68580" marR="68580" marT="0" marB="0" anchor="ctr"/>
-                </a:tc>
-                <a:tc>
-                  <a:txBody>
-                    <a:bodyPr/>
-                    <a:lstStyle/>
-                    <a:p>
-                      <a:pPr algn="l">
-                        <a:lnSpc>
-                          <a:spcPct val="100000"/>
-                        </a:lnSpc>
-                        <a:spcAft>
-                          <a:spcPts val="0"/>
-                        </a:spcAft>
-                      </a:pPr>
-                      <a:r>
-                        <a:rPr lang="ru-RU" sz="1400" dirty="0">
-                          <a:effectLst/>
-                          <a:latin typeface="Arial" panose="020B0604020202020204" pitchFamily="34" charset="0"/>
-                          <a:cs typeface="Arial" panose="020B0604020202020204" pitchFamily="34" charset="0"/>
-                        </a:rPr>
-                        <a:t>Дополнительная заработная плата</a:t>
-                      </a:r>
-                      <a:endParaRPr lang="ru-RU" sz="1200" dirty="0">
-                        <a:effectLst/>
-                        <a:latin typeface="Arial" panose="020B0604020202020204" pitchFamily="34" charset="0"/>
-                        <a:ea typeface="Times New Roman" panose="02020603050405020304" pitchFamily="18" charset="0"/>
-                        <a:cs typeface="Arial" panose="020B0604020202020204" pitchFamily="34" charset="0"/>
-                      </a:endParaRPr>
-                    </a:p>
-                  </a:txBody>
-                  <a:tcPr marL="68580" marR="68580" marT="0" marB="0" anchor="ctr"/>
-                </a:tc>
-                <a:tc>
-                  <a:txBody>
-                    <a:bodyPr/>
-                    <a:lstStyle/>
-                    <a:p>
-                      <a:pPr algn="ctr">
-                        <a:lnSpc>
-                          <a:spcPct val="100000"/>
-                        </a:lnSpc>
-                        <a:spcAft>
-                          <a:spcPts val="0"/>
-                        </a:spcAft>
-                      </a:pPr>
-                      <a:r>
-                        <a:rPr lang="ru-RU" sz="1400" dirty="0" err="1">
-                          <a:effectLst/>
-                          <a:latin typeface="Arial" panose="020B0604020202020204" pitchFamily="34" charset="0"/>
-                          <a:cs typeface="Arial" panose="020B0604020202020204" pitchFamily="34" charset="0"/>
-                        </a:rPr>
-                        <a:t>С</a:t>
-                      </a:r>
-                      <a:r>
-                        <a:rPr lang="ru-RU" sz="1400" baseline="-25000" dirty="0" err="1">
-                          <a:effectLst/>
-                          <a:latin typeface="Arial" panose="020B0604020202020204" pitchFamily="34" charset="0"/>
-                          <a:cs typeface="Arial" panose="020B0604020202020204" pitchFamily="34" charset="0"/>
-                        </a:rPr>
-                        <a:t>доп</a:t>
-                      </a:r>
-                      <a:endParaRPr lang="ru-RU" sz="1200" dirty="0">
-                        <a:effectLst/>
-                        <a:latin typeface="Arial" panose="020B0604020202020204" pitchFamily="34" charset="0"/>
-                        <a:ea typeface="Times New Roman" panose="02020603050405020304" pitchFamily="18" charset="0"/>
-                        <a:cs typeface="Arial" panose="020B0604020202020204" pitchFamily="34" charset="0"/>
-                      </a:endParaRPr>
-                    </a:p>
-                  </a:txBody>
-                  <a:tcPr marL="68580" marR="68580" marT="0" marB="0" anchor="ctr"/>
-                </a:tc>
-                <a:tc>
-                  <a:txBody>
-                    <a:bodyPr/>
-                    <a:lstStyle/>
-                    <a:p>
-                      <a:pPr algn="ctr">
-                        <a:lnSpc>
-                          <a:spcPct val="100000"/>
-                        </a:lnSpc>
-                        <a:spcAft>
-                          <a:spcPts val="0"/>
-                        </a:spcAft>
-                      </a:pPr>
-                      <a:r>
-                        <a:rPr lang="ru-RU" sz="1400" dirty="0">
-                          <a:effectLst/>
-                          <a:latin typeface="Arial" panose="020B0604020202020204" pitchFamily="34" charset="0"/>
-                          <a:cs typeface="Arial" panose="020B0604020202020204" pitchFamily="34" charset="0"/>
-                        </a:rPr>
-                        <a:t>16800</a:t>
-                      </a:r>
-                      <a:endParaRPr lang="ru-RU" sz="1200" dirty="0">
-                        <a:effectLst/>
-                        <a:latin typeface="Arial" panose="020B0604020202020204" pitchFamily="34" charset="0"/>
-                        <a:ea typeface="Times New Roman" panose="02020603050405020304" pitchFamily="18" charset="0"/>
-                        <a:cs typeface="Arial" panose="020B0604020202020204" pitchFamily="34" charset="0"/>
-                      </a:endParaRPr>
-                    </a:p>
-                  </a:txBody>
-                  <a:tcPr marL="68580" marR="68580" marT="0" marB="0" anchor="ctr"/>
-                </a:tc>
-                <a:tc>
-                  <a:txBody>
-                    <a:bodyPr/>
-                    <a:lstStyle/>
-                    <a:p>
-                      <a:pPr algn="ctr">
-                        <a:lnSpc>
-                          <a:spcPct val="100000"/>
-                        </a:lnSpc>
-                        <a:spcAft>
-                          <a:spcPts val="0"/>
-                        </a:spcAft>
-                      </a:pPr>
-                      <a:r>
-                        <a:rPr lang="ru-RU" sz="1400" dirty="0">
-                          <a:effectLst/>
-                          <a:latin typeface="Arial" panose="020B0604020202020204" pitchFamily="34" charset="0"/>
-                          <a:cs typeface="Arial" panose="020B0604020202020204" pitchFamily="34" charset="0"/>
-                        </a:rPr>
-                        <a:t>4,20</a:t>
-                      </a:r>
-                      <a:endParaRPr lang="ru-RU" sz="1200" dirty="0">
-                        <a:effectLst/>
-                        <a:latin typeface="Arial" panose="020B0604020202020204" pitchFamily="34" charset="0"/>
-                        <a:ea typeface="Times New Roman" panose="02020603050405020304" pitchFamily="18" charset="0"/>
-                        <a:cs typeface="Arial" panose="020B0604020202020204" pitchFamily="34" charset="0"/>
-                      </a:endParaRPr>
-                    </a:p>
-                  </a:txBody>
-                  <a:tcPr marL="68580" marR="68580" marT="0" marB="0" anchor="ctr"/>
-                </a:tc>
-                <a:extLst>
-                  <a:ext uri="{0D108BD9-81ED-4DB2-BD59-A6C34878D82A}">
-                    <a16:rowId xmlns:a16="http://schemas.microsoft.com/office/drawing/2014/main" val="4214390978"/>
-                  </a:ext>
-                </a:extLst>
-              </a:tr>
-              <a:tr h="432594">
-                <a:tc>
-                  <a:txBody>
-                    <a:bodyPr/>
-                    <a:lstStyle/>
-                    <a:p>
-                      <a:pPr algn="ctr">
-                        <a:lnSpc>
-                          <a:spcPct val="150000"/>
-                        </a:lnSpc>
-                        <a:spcAft>
-                          <a:spcPts val="600"/>
-                        </a:spcAft>
-                      </a:pPr>
-                      <a:r>
-                        <a:rPr lang="ru-RU" sz="1400" b="1" dirty="0">
-                          <a:effectLst/>
-                          <a:latin typeface="Arial" panose="020B0604020202020204" pitchFamily="34" charset="0"/>
-                          <a:cs typeface="Arial" panose="020B0604020202020204" pitchFamily="34" charset="0"/>
-                        </a:rPr>
-                        <a:t>3</a:t>
-                      </a:r>
-                      <a:endParaRPr lang="ru-RU" sz="1200" b="1" dirty="0">
-                        <a:effectLst/>
-                        <a:latin typeface="Arial" panose="020B0604020202020204" pitchFamily="34" charset="0"/>
-                        <a:ea typeface="Times New Roman" panose="02020603050405020304" pitchFamily="18" charset="0"/>
-                        <a:cs typeface="Arial" panose="020B0604020202020204" pitchFamily="34" charset="0"/>
-                      </a:endParaRPr>
-                    </a:p>
-                  </a:txBody>
-                  <a:tcPr marL="68580" marR="68580" marT="0" marB="0" anchor="ctr"/>
-                </a:tc>
-                <a:tc>
-                  <a:txBody>
-                    <a:bodyPr/>
-                    <a:lstStyle/>
-                    <a:p>
-                      <a:pPr algn="l">
-                        <a:lnSpc>
-                          <a:spcPct val="100000"/>
-                        </a:lnSpc>
-                        <a:spcAft>
-                          <a:spcPts val="0"/>
-                        </a:spcAft>
-                      </a:pPr>
-                      <a:r>
-                        <a:rPr lang="ru-RU" sz="1400" dirty="0">
-                          <a:effectLst/>
-                          <a:latin typeface="Arial" panose="020B0604020202020204" pitchFamily="34" charset="0"/>
-                          <a:cs typeface="Arial" panose="020B0604020202020204" pitchFamily="34" charset="0"/>
-                        </a:rPr>
-                        <a:t>Отчисления на социальные нужды</a:t>
-                      </a:r>
-                      <a:endParaRPr lang="ru-RU" sz="1200" dirty="0">
-                        <a:effectLst/>
-                        <a:latin typeface="Arial" panose="020B0604020202020204" pitchFamily="34" charset="0"/>
-                        <a:ea typeface="Times New Roman" panose="02020603050405020304" pitchFamily="18" charset="0"/>
-                        <a:cs typeface="Arial" panose="020B0604020202020204" pitchFamily="34" charset="0"/>
-                      </a:endParaRPr>
-                    </a:p>
-                  </a:txBody>
-                  <a:tcPr marL="68580" marR="68580" marT="0" marB="0" anchor="ctr"/>
-                </a:tc>
-                <a:tc>
-                  <a:txBody>
-                    <a:bodyPr/>
-                    <a:lstStyle/>
-                    <a:p>
-                      <a:pPr algn="ctr">
-                        <a:lnSpc>
-                          <a:spcPct val="100000"/>
-                        </a:lnSpc>
-                        <a:spcAft>
-                          <a:spcPts val="0"/>
-                        </a:spcAft>
-                      </a:pPr>
-                      <a:r>
-                        <a:rPr lang="ru-RU" sz="1400" dirty="0" err="1">
-                          <a:effectLst/>
-                          <a:latin typeface="Arial" panose="020B0604020202020204" pitchFamily="34" charset="0"/>
-                          <a:cs typeface="Arial" panose="020B0604020202020204" pitchFamily="34" charset="0"/>
-                        </a:rPr>
-                        <a:t>С</a:t>
-                      </a:r>
-                      <a:r>
-                        <a:rPr lang="ru-RU" sz="1400" baseline="-25000" dirty="0" err="1">
-                          <a:effectLst/>
-                          <a:latin typeface="Arial" panose="020B0604020202020204" pitchFamily="34" charset="0"/>
-                          <a:cs typeface="Arial" panose="020B0604020202020204" pitchFamily="34" charset="0"/>
-                        </a:rPr>
-                        <a:t>соц</a:t>
-                      </a:r>
-                      <a:endParaRPr lang="ru-RU" sz="1200" dirty="0">
-                        <a:effectLst/>
-                        <a:latin typeface="Arial" panose="020B0604020202020204" pitchFamily="34" charset="0"/>
-                        <a:ea typeface="Times New Roman" panose="02020603050405020304" pitchFamily="18" charset="0"/>
-                        <a:cs typeface="Arial" panose="020B0604020202020204" pitchFamily="34" charset="0"/>
-                      </a:endParaRPr>
-                    </a:p>
-                  </a:txBody>
-                  <a:tcPr marL="68580" marR="68580" marT="0" marB="0" anchor="ctr"/>
-                </a:tc>
-                <a:tc>
-                  <a:txBody>
-                    <a:bodyPr/>
-                    <a:lstStyle/>
-                    <a:p>
-                      <a:pPr algn="ctr">
-                        <a:lnSpc>
-                          <a:spcPct val="100000"/>
-                        </a:lnSpc>
-                        <a:spcAft>
-                          <a:spcPts val="0"/>
-                        </a:spcAft>
-                      </a:pPr>
-                      <a:r>
-                        <a:rPr lang="ru-RU" sz="1400" dirty="0">
-                          <a:effectLst/>
-                          <a:latin typeface="Arial" panose="020B0604020202020204" pitchFamily="34" charset="0"/>
-                          <a:cs typeface="Arial" panose="020B0604020202020204" pitchFamily="34" charset="0"/>
-                        </a:rPr>
-                        <a:t>48048</a:t>
-                      </a:r>
-                      <a:endParaRPr lang="ru-RU" sz="1200" dirty="0">
-                        <a:effectLst/>
-                        <a:latin typeface="Arial" panose="020B0604020202020204" pitchFamily="34" charset="0"/>
-                        <a:ea typeface="Times New Roman" panose="02020603050405020304" pitchFamily="18" charset="0"/>
-                        <a:cs typeface="Arial" panose="020B0604020202020204" pitchFamily="34" charset="0"/>
-                      </a:endParaRPr>
-                    </a:p>
-                  </a:txBody>
-                  <a:tcPr marL="68580" marR="68580" marT="0" marB="0" anchor="ctr"/>
-                </a:tc>
-                <a:tc>
-                  <a:txBody>
-                    <a:bodyPr/>
-                    <a:lstStyle/>
-                    <a:p>
-                      <a:pPr algn="ctr">
-                        <a:lnSpc>
-                          <a:spcPct val="100000"/>
-                        </a:lnSpc>
-                        <a:spcAft>
-                          <a:spcPts val="0"/>
-                        </a:spcAft>
-                      </a:pPr>
-                      <a:r>
-                        <a:rPr lang="ru-RU" sz="1400" dirty="0">
-                          <a:effectLst/>
-                          <a:latin typeface="Arial" panose="020B0604020202020204" pitchFamily="34" charset="0"/>
-                          <a:cs typeface="Arial" panose="020B0604020202020204" pitchFamily="34" charset="0"/>
-                        </a:rPr>
-                        <a:t>12,02</a:t>
-                      </a:r>
-                      <a:endParaRPr lang="ru-RU" sz="1200" dirty="0">
-                        <a:effectLst/>
-                        <a:latin typeface="Arial" panose="020B0604020202020204" pitchFamily="34" charset="0"/>
-                        <a:ea typeface="Times New Roman" panose="02020603050405020304" pitchFamily="18" charset="0"/>
-                        <a:cs typeface="Arial" panose="020B0604020202020204" pitchFamily="34" charset="0"/>
-                      </a:endParaRPr>
-                    </a:p>
-                  </a:txBody>
-                  <a:tcPr marL="68580" marR="68580" marT="0" marB="0" anchor="ctr"/>
-                </a:tc>
-                <a:extLst>
-                  <a:ext uri="{0D108BD9-81ED-4DB2-BD59-A6C34878D82A}">
-                    <a16:rowId xmlns:a16="http://schemas.microsoft.com/office/drawing/2014/main" val="804980022"/>
-                  </a:ext>
-                </a:extLst>
-              </a:tr>
-              <a:tr h="432594">
-                <a:tc>
-                  <a:txBody>
-                    <a:bodyPr/>
-                    <a:lstStyle/>
-                    <a:p>
-                      <a:pPr algn="ctr">
-                        <a:lnSpc>
-                          <a:spcPct val="150000"/>
-                        </a:lnSpc>
-                        <a:spcAft>
-                          <a:spcPts val="600"/>
-                        </a:spcAft>
-                      </a:pPr>
-                      <a:r>
-                        <a:rPr lang="ru-RU" sz="1400" b="1" dirty="0">
-                          <a:effectLst/>
-                          <a:latin typeface="Arial" panose="020B0604020202020204" pitchFamily="34" charset="0"/>
-                          <a:cs typeface="Arial" panose="020B0604020202020204" pitchFamily="34" charset="0"/>
-                        </a:rPr>
-                        <a:t>4</a:t>
-                      </a:r>
-                      <a:endParaRPr lang="ru-RU" sz="1200" b="1" dirty="0">
-                        <a:effectLst/>
-                        <a:latin typeface="Arial" panose="020B0604020202020204" pitchFamily="34" charset="0"/>
-                        <a:ea typeface="Times New Roman" panose="02020603050405020304" pitchFamily="18" charset="0"/>
-                        <a:cs typeface="Arial" panose="020B0604020202020204" pitchFamily="34" charset="0"/>
-                      </a:endParaRPr>
-                    </a:p>
-                  </a:txBody>
-                  <a:tcPr marL="68580" marR="68580" marT="0" marB="0" anchor="ctr"/>
-                </a:tc>
-                <a:tc>
-                  <a:txBody>
-                    <a:bodyPr/>
-                    <a:lstStyle/>
-                    <a:p>
-                      <a:pPr algn="l">
-                        <a:lnSpc>
-                          <a:spcPct val="100000"/>
-                        </a:lnSpc>
-                        <a:spcAft>
-                          <a:spcPts val="0"/>
-                        </a:spcAft>
-                      </a:pPr>
-                      <a:r>
-                        <a:rPr lang="ru-RU" sz="1400" dirty="0">
-                          <a:effectLst/>
-                          <a:latin typeface="Arial" panose="020B0604020202020204" pitchFamily="34" charset="0"/>
-                          <a:cs typeface="Arial" panose="020B0604020202020204" pitchFamily="34" charset="0"/>
-                        </a:rPr>
-                        <a:t>Материалы</a:t>
-                      </a:r>
-                      <a:endParaRPr lang="ru-RU" sz="1200" dirty="0">
-                        <a:effectLst/>
-                        <a:latin typeface="Arial" panose="020B0604020202020204" pitchFamily="34" charset="0"/>
-                        <a:ea typeface="Times New Roman" panose="02020603050405020304" pitchFamily="18" charset="0"/>
-                        <a:cs typeface="Arial" panose="020B0604020202020204" pitchFamily="34" charset="0"/>
-                      </a:endParaRPr>
-                    </a:p>
-                  </a:txBody>
-                  <a:tcPr marL="68580" marR="68580" marT="0" marB="0" anchor="ctr"/>
-                </a:tc>
-                <a:tc>
-                  <a:txBody>
-                    <a:bodyPr/>
-                    <a:lstStyle/>
-                    <a:p>
-                      <a:pPr algn="ctr">
-                        <a:lnSpc>
-                          <a:spcPct val="100000"/>
-                        </a:lnSpc>
-                        <a:spcAft>
-                          <a:spcPts val="0"/>
-                        </a:spcAft>
-                      </a:pPr>
-                      <a:r>
-                        <a:rPr lang="ru-RU" sz="1400" dirty="0" err="1">
-                          <a:effectLst/>
-                          <a:latin typeface="Arial" panose="020B0604020202020204" pitchFamily="34" charset="0"/>
-                          <a:cs typeface="Arial" panose="020B0604020202020204" pitchFamily="34" charset="0"/>
-                        </a:rPr>
-                        <a:t>С</a:t>
-                      </a:r>
-                      <a:r>
-                        <a:rPr lang="ru-RU" sz="1400" baseline="-25000" dirty="0" err="1">
-                          <a:effectLst/>
-                          <a:latin typeface="Arial" panose="020B0604020202020204" pitchFamily="34" charset="0"/>
-                          <a:cs typeface="Arial" panose="020B0604020202020204" pitchFamily="34" charset="0"/>
-                        </a:rPr>
-                        <a:t>мат</a:t>
-                      </a:r>
-                      <a:endParaRPr lang="ru-RU" sz="1200" dirty="0">
-                        <a:effectLst/>
-                        <a:latin typeface="Arial" panose="020B0604020202020204" pitchFamily="34" charset="0"/>
-                        <a:ea typeface="Times New Roman" panose="02020603050405020304" pitchFamily="18" charset="0"/>
-                        <a:cs typeface="Arial" panose="020B0604020202020204" pitchFamily="34" charset="0"/>
-                      </a:endParaRPr>
-                    </a:p>
-                  </a:txBody>
-                  <a:tcPr marL="68580" marR="68580" marT="0" marB="0" anchor="ctr"/>
-                </a:tc>
-                <a:tc>
-                  <a:txBody>
-                    <a:bodyPr/>
-                    <a:lstStyle/>
-                    <a:p>
-                      <a:pPr algn="ctr">
-                        <a:lnSpc>
-                          <a:spcPct val="100000"/>
-                        </a:lnSpc>
-                        <a:spcAft>
-                          <a:spcPts val="0"/>
-                        </a:spcAft>
-                      </a:pPr>
-                      <a:r>
-                        <a:rPr lang="ru-RU" sz="1400" dirty="0">
-                          <a:effectLst/>
-                          <a:latin typeface="Arial" panose="020B0604020202020204" pitchFamily="34" charset="0"/>
-                          <a:cs typeface="Arial" panose="020B0604020202020204" pitchFamily="34" charset="0"/>
-                        </a:rPr>
-                        <a:t>2800</a:t>
-                      </a:r>
-                      <a:endParaRPr lang="ru-RU" sz="1200" dirty="0">
-                        <a:effectLst/>
-                        <a:latin typeface="Arial" panose="020B0604020202020204" pitchFamily="34" charset="0"/>
-                        <a:ea typeface="Times New Roman" panose="02020603050405020304" pitchFamily="18" charset="0"/>
-                        <a:cs typeface="Arial" panose="020B0604020202020204" pitchFamily="34" charset="0"/>
-                      </a:endParaRPr>
-                    </a:p>
-                  </a:txBody>
-                  <a:tcPr marL="68580" marR="68580" marT="0" marB="0" anchor="ctr"/>
-                </a:tc>
-                <a:tc>
-                  <a:txBody>
-                    <a:bodyPr/>
-                    <a:lstStyle/>
-                    <a:p>
-                      <a:pPr algn="ctr">
-                        <a:lnSpc>
-                          <a:spcPct val="100000"/>
-                        </a:lnSpc>
-                        <a:spcAft>
-                          <a:spcPts val="0"/>
-                        </a:spcAft>
-                      </a:pPr>
-                      <a:r>
-                        <a:rPr lang="ru-RU" sz="1400" dirty="0">
-                          <a:effectLst/>
-                          <a:latin typeface="Arial" panose="020B0604020202020204" pitchFamily="34" charset="0"/>
-                          <a:cs typeface="Arial" panose="020B0604020202020204" pitchFamily="34" charset="0"/>
-                        </a:rPr>
-                        <a:t>1,14</a:t>
-                      </a:r>
-                      <a:endParaRPr lang="ru-RU" sz="1200" dirty="0">
-                        <a:effectLst/>
-                        <a:latin typeface="Arial" panose="020B0604020202020204" pitchFamily="34" charset="0"/>
-                        <a:ea typeface="Times New Roman" panose="02020603050405020304" pitchFamily="18" charset="0"/>
-                        <a:cs typeface="Arial" panose="020B0604020202020204" pitchFamily="34" charset="0"/>
-                      </a:endParaRPr>
-                    </a:p>
-                  </a:txBody>
-                  <a:tcPr marL="68580" marR="68580" marT="0" marB="0" anchor="ctr"/>
-                </a:tc>
-                <a:extLst>
-                  <a:ext uri="{0D108BD9-81ED-4DB2-BD59-A6C34878D82A}">
-                    <a16:rowId xmlns:a16="http://schemas.microsoft.com/office/drawing/2014/main" val="3071728000"/>
-                  </a:ext>
-                </a:extLst>
-              </a:tr>
-              <a:tr h="432594">
-                <a:tc>
-                  <a:txBody>
-                    <a:bodyPr/>
-                    <a:lstStyle/>
-                    <a:p>
-                      <a:pPr algn="ctr">
-                        <a:lnSpc>
-                          <a:spcPct val="150000"/>
-                        </a:lnSpc>
-                        <a:spcAft>
-                          <a:spcPts val="600"/>
-                        </a:spcAft>
-                      </a:pPr>
-                      <a:r>
-                        <a:rPr lang="ru-RU" sz="1400" b="1" dirty="0">
-                          <a:effectLst/>
-                          <a:latin typeface="Arial" panose="020B0604020202020204" pitchFamily="34" charset="0"/>
-                          <a:cs typeface="Arial" panose="020B0604020202020204" pitchFamily="34" charset="0"/>
-                        </a:rPr>
-                        <a:t>5</a:t>
-                      </a:r>
-                      <a:endParaRPr lang="ru-RU" sz="1200" b="1" dirty="0">
-                        <a:effectLst/>
-                        <a:latin typeface="Arial" panose="020B0604020202020204" pitchFamily="34" charset="0"/>
-                        <a:ea typeface="Times New Roman" panose="02020603050405020304" pitchFamily="18" charset="0"/>
-                        <a:cs typeface="Arial" panose="020B0604020202020204" pitchFamily="34" charset="0"/>
-                      </a:endParaRPr>
-                    </a:p>
-                  </a:txBody>
-                  <a:tcPr marL="68580" marR="68580" marT="0" marB="0" anchor="ctr"/>
-                </a:tc>
-                <a:tc>
-                  <a:txBody>
-                    <a:bodyPr/>
-                    <a:lstStyle/>
-                    <a:p>
-                      <a:pPr algn="l">
-                        <a:lnSpc>
-                          <a:spcPct val="100000"/>
-                        </a:lnSpc>
-                        <a:spcAft>
-                          <a:spcPts val="0"/>
-                        </a:spcAft>
-                      </a:pPr>
-                      <a:r>
-                        <a:rPr lang="ru-RU" sz="1400" dirty="0">
-                          <a:effectLst/>
-                          <a:latin typeface="Arial" panose="020B0604020202020204" pitchFamily="34" charset="0"/>
-                          <a:cs typeface="Arial" panose="020B0604020202020204" pitchFamily="34" charset="0"/>
-                        </a:rPr>
-                        <a:t>Стоимость машинного времени</a:t>
-                      </a:r>
-                      <a:endParaRPr lang="ru-RU" sz="1200" dirty="0">
-                        <a:effectLst/>
-                        <a:latin typeface="Arial" panose="020B0604020202020204" pitchFamily="34" charset="0"/>
-                        <a:ea typeface="Times New Roman" panose="02020603050405020304" pitchFamily="18" charset="0"/>
-                        <a:cs typeface="Arial" panose="020B0604020202020204" pitchFamily="34" charset="0"/>
-                      </a:endParaRPr>
-                    </a:p>
-                  </a:txBody>
-                  <a:tcPr marL="68580" marR="68580" marT="0" marB="0" anchor="ctr"/>
-                </a:tc>
-                <a:tc>
-                  <a:txBody>
-                    <a:bodyPr/>
-                    <a:lstStyle/>
-                    <a:p>
-                      <a:pPr algn="ctr">
-                        <a:lnSpc>
-                          <a:spcPct val="100000"/>
-                        </a:lnSpc>
-                        <a:spcAft>
-                          <a:spcPts val="0"/>
-                        </a:spcAft>
-                      </a:pPr>
-                      <a:r>
-                        <a:rPr lang="ru-RU" sz="1400" dirty="0" err="1">
-                          <a:effectLst/>
-                          <a:latin typeface="Arial" panose="020B0604020202020204" pitchFamily="34" charset="0"/>
-                          <a:cs typeface="Arial" panose="020B0604020202020204" pitchFamily="34" charset="0"/>
-                        </a:rPr>
-                        <a:t>С</a:t>
-                      </a:r>
-                      <a:r>
-                        <a:rPr lang="ru-RU" sz="1400" baseline="-25000" dirty="0" err="1">
-                          <a:effectLst/>
-                          <a:latin typeface="Arial" panose="020B0604020202020204" pitchFamily="34" charset="0"/>
-                          <a:cs typeface="Arial" panose="020B0604020202020204" pitchFamily="34" charset="0"/>
-                        </a:rPr>
-                        <a:t>маш.вр</a:t>
-                      </a:r>
-                      <a:endParaRPr lang="ru-RU" sz="1200" dirty="0">
-                        <a:effectLst/>
-                        <a:latin typeface="Arial" panose="020B0604020202020204" pitchFamily="34" charset="0"/>
-                        <a:ea typeface="Times New Roman" panose="02020603050405020304" pitchFamily="18" charset="0"/>
-                        <a:cs typeface="Arial" panose="020B0604020202020204" pitchFamily="34" charset="0"/>
-                      </a:endParaRPr>
-                    </a:p>
-                  </a:txBody>
-                  <a:tcPr marL="68580" marR="68580" marT="0" marB="0" anchor="ctr"/>
-                </a:tc>
-                <a:tc>
-                  <a:txBody>
-                    <a:bodyPr/>
-                    <a:lstStyle/>
-                    <a:p>
-                      <a:pPr algn="ctr">
-                        <a:lnSpc>
-                          <a:spcPct val="100000"/>
-                        </a:lnSpc>
-                        <a:spcAft>
-                          <a:spcPts val="0"/>
-                        </a:spcAft>
-                      </a:pPr>
-                      <a:r>
-                        <a:rPr lang="ru-RU" sz="1400" dirty="0">
-                          <a:effectLst/>
-                          <a:latin typeface="Arial" panose="020B0604020202020204" pitchFamily="34" charset="0"/>
-                          <a:cs typeface="Arial" panose="020B0604020202020204" pitchFamily="34" charset="0"/>
-                        </a:rPr>
-                        <a:t>28224</a:t>
-                      </a:r>
-                      <a:endParaRPr lang="ru-RU" sz="1200" dirty="0">
-                        <a:effectLst/>
-                        <a:latin typeface="Arial" panose="020B0604020202020204" pitchFamily="34" charset="0"/>
-                        <a:ea typeface="Times New Roman" panose="02020603050405020304" pitchFamily="18" charset="0"/>
-                        <a:cs typeface="Arial" panose="020B0604020202020204" pitchFamily="34" charset="0"/>
-                      </a:endParaRPr>
-                    </a:p>
-                  </a:txBody>
-                  <a:tcPr marL="68580" marR="68580" marT="0" marB="0" anchor="ctr"/>
-                </a:tc>
-                <a:tc>
-                  <a:txBody>
-                    <a:bodyPr/>
-                    <a:lstStyle/>
-                    <a:p>
-                      <a:pPr algn="ctr">
-                        <a:lnSpc>
-                          <a:spcPct val="100000"/>
-                        </a:lnSpc>
-                        <a:spcAft>
-                          <a:spcPts val="0"/>
-                        </a:spcAft>
-                      </a:pPr>
-                      <a:r>
-                        <a:rPr lang="ru-RU" sz="1400" dirty="0">
-                          <a:effectLst/>
-                          <a:latin typeface="Arial" panose="020B0604020202020204" pitchFamily="34" charset="0"/>
-                          <a:cs typeface="Arial" panose="020B0604020202020204" pitchFamily="34" charset="0"/>
-                        </a:rPr>
-                        <a:t>15,36</a:t>
-                      </a:r>
-                      <a:endParaRPr lang="ru-RU" sz="1200" dirty="0">
-                        <a:effectLst/>
-                        <a:latin typeface="Arial" panose="020B0604020202020204" pitchFamily="34" charset="0"/>
-                        <a:ea typeface="Times New Roman" panose="02020603050405020304" pitchFamily="18" charset="0"/>
-                        <a:cs typeface="Arial" panose="020B0604020202020204" pitchFamily="34" charset="0"/>
-                      </a:endParaRPr>
-                    </a:p>
-                  </a:txBody>
-                  <a:tcPr marL="68580" marR="68580" marT="0" marB="0" anchor="ctr"/>
-                </a:tc>
-                <a:extLst>
-                  <a:ext uri="{0D108BD9-81ED-4DB2-BD59-A6C34878D82A}">
-                    <a16:rowId xmlns:a16="http://schemas.microsoft.com/office/drawing/2014/main" val="2472447315"/>
-                  </a:ext>
-                </a:extLst>
-              </a:tr>
-              <a:tr h="432594">
-                <a:tc>
-                  <a:txBody>
-                    <a:bodyPr/>
-                    <a:lstStyle/>
-                    <a:p>
-                      <a:pPr algn="ctr">
-                        <a:lnSpc>
-                          <a:spcPct val="150000"/>
-                        </a:lnSpc>
-                        <a:spcAft>
-                          <a:spcPts val="600"/>
-                        </a:spcAft>
-                      </a:pPr>
-                      <a:r>
-                        <a:rPr lang="ru-RU" sz="1400" b="1" dirty="0">
-                          <a:effectLst/>
-                          <a:latin typeface="Arial" panose="020B0604020202020204" pitchFamily="34" charset="0"/>
-                          <a:cs typeface="Arial" panose="020B0604020202020204" pitchFamily="34" charset="0"/>
-                        </a:rPr>
-                        <a:t>6</a:t>
-                      </a:r>
-                      <a:endParaRPr lang="ru-RU" sz="1200" b="1" dirty="0">
-                        <a:effectLst/>
-                        <a:latin typeface="Arial" panose="020B0604020202020204" pitchFamily="34" charset="0"/>
-                        <a:ea typeface="Times New Roman" panose="02020603050405020304" pitchFamily="18" charset="0"/>
-                        <a:cs typeface="Arial" panose="020B0604020202020204" pitchFamily="34" charset="0"/>
-                      </a:endParaRPr>
-                    </a:p>
-                  </a:txBody>
-                  <a:tcPr marL="68580" marR="68580" marT="0" marB="0" anchor="ctr"/>
-                </a:tc>
-                <a:tc>
-                  <a:txBody>
-                    <a:bodyPr/>
-                    <a:lstStyle/>
-                    <a:p>
-                      <a:pPr algn="l">
-                        <a:lnSpc>
-                          <a:spcPct val="100000"/>
-                        </a:lnSpc>
-                        <a:spcAft>
-                          <a:spcPts val="0"/>
-                        </a:spcAft>
-                      </a:pPr>
-                      <a:r>
-                        <a:rPr lang="ru-RU" sz="1400" dirty="0">
-                          <a:effectLst/>
-                          <a:latin typeface="Arial" panose="020B0604020202020204" pitchFamily="34" charset="0"/>
-                          <a:cs typeface="Arial" panose="020B0604020202020204" pitchFamily="34" charset="0"/>
-                        </a:rPr>
-                        <a:t>Накладные расходы</a:t>
-                      </a:r>
-                      <a:endParaRPr lang="ru-RU" sz="1200" dirty="0">
-                        <a:effectLst/>
-                        <a:latin typeface="Arial" panose="020B0604020202020204" pitchFamily="34" charset="0"/>
-                        <a:ea typeface="Times New Roman" panose="02020603050405020304" pitchFamily="18" charset="0"/>
-                        <a:cs typeface="Arial" panose="020B0604020202020204" pitchFamily="34" charset="0"/>
-                      </a:endParaRPr>
-                    </a:p>
-                  </a:txBody>
-                  <a:tcPr marL="68580" marR="68580" marT="0" marB="0" anchor="ctr"/>
-                </a:tc>
-                <a:tc>
-                  <a:txBody>
-                    <a:bodyPr/>
-                    <a:lstStyle/>
-                    <a:p>
-                      <a:pPr algn="ctr">
-                        <a:lnSpc>
-                          <a:spcPct val="100000"/>
-                        </a:lnSpc>
-                        <a:spcAft>
-                          <a:spcPts val="0"/>
-                        </a:spcAft>
-                      </a:pPr>
-                      <a:r>
-                        <a:rPr lang="ru-RU" sz="1400">
-                          <a:effectLst/>
-                          <a:latin typeface="Arial" panose="020B0604020202020204" pitchFamily="34" charset="0"/>
-                          <a:cs typeface="Arial" panose="020B0604020202020204" pitchFamily="34" charset="0"/>
-                        </a:rPr>
-                        <a:t>С</a:t>
-                      </a:r>
-                      <a:r>
-                        <a:rPr lang="ru-RU" sz="1400" baseline="-25000">
-                          <a:effectLst/>
-                          <a:latin typeface="Arial" panose="020B0604020202020204" pitchFamily="34" charset="0"/>
-                          <a:cs typeface="Arial" panose="020B0604020202020204" pitchFamily="34" charset="0"/>
-                        </a:rPr>
-                        <a:t>н</a:t>
-                      </a:r>
-                      <a:endParaRPr lang="ru-RU" sz="1200">
-                        <a:effectLst/>
-                        <a:latin typeface="Arial" panose="020B0604020202020204" pitchFamily="34" charset="0"/>
-                        <a:ea typeface="Times New Roman" panose="02020603050405020304" pitchFamily="18" charset="0"/>
-                        <a:cs typeface="Arial" panose="020B0604020202020204" pitchFamily="34" charset="0"/>
-                      </a:endParaRPr>
-                    </a:p>
-                  </a:txBody>
-                  <a:tcPr marL="68580" marR="68580" marT="0" marB="0" anchor="ctr"/>
-                </a:tc>
-                <a:tc>
-                  <a:txBody>
-                    <a:bodyPr/>
-                    <a:lstStyle/>
-                    <a:p>
-                      <a:pPr algn="ctr">
-                        <a:lnSpc>
-                          <a:spcPct val="100000"/>
-                        </a:lnSpc>
-                        <a:spcAft>
-                          <a:spcPts val="0"/>
-                        </a:spcAft>
-                      </a:pPr>
-                      <a:r>
-                        <a:rPr lang="ru-RU" sz="1400" dirty="0">
-                          <a:effectLst/>
-                          <a:latin typeface="Arial" panose="020B0604020202020204" pitchFamily="34" charset="0"/>
-                          <a:cs typeface="Arial" panose="020B0604020202020204" pitchFamily="34" charset="0"/>
-                        </a:rPr>
-                        <a:t>100800</a:t>
-                      </a:r>
-                      <a:endParaRPr lang="ru-RU" sz="1200" dirty="0">
-                        <a:effectLst/>
-                        <a:latin typeface="Arial" panose="020B0604020202020204" pitchFamily="34" charset="0"/>
-                        <a:ea typeface="Times New Roman" panose="02020603050405020304" pitchFamily="18" charset="0"/>
-                        <a:cs typeface="Arial" panose="020B0604020202020204" pitchFamily="34" charset="0"/>
-                      </a:endParaRPr>
-                    </a:p>
-                  </a:txBody>
-                  <a:tcPr marL="68580" marR="68580" marT="0" marB="0" anchor="ctr"/>
-                </a:tc>
-                <a:tc>
-                  <a:txBody>
-                    <a:bodyPr/>
-                    <a:lstStyle/>
-                    <a:p>
-                      <a:pPr algn="ctr">
-                        <a:lnSpc>
-                          <a:spcPct val="100000"/>
-                        </a:lnSpc>
-                        <a:spcAft>
-                          <a:spcPts val="0"/>
-                        </a:spcAft>
-                      </a:pPr>
-                      <a:r>
-                        <a:rPr lang="ru-RU" sz="1400" dirty="0">
-                          <a:effectLst/>
-                          <a:latin typeface="Arial" panose="020B0604020202020204" pitchFamily="34" charset="0"/>
-                          <a:cs typeface="Arial" panose="020B0604020202020204" pitchFamily="34" charset="0"/>
-                        </a:rPr>
-                        <a:t>25,23</a:t>
-                      </a:r>
-                      <a:endParaRPr lang="ru-RU" sz="1200" dirty="0">
-                        <a:effectLst/>
-                        <a:latin typeface="Arial" panose="020B0604020202020204" pitchFamily="34" charset="0"/>
-                        <a:ea typeface="Times New Roman" panose="02020603050405020304" pitchFamily="18" charset="0"/>
-                        <a:cs typeface="Arial" panose="020B0604020202020204" pitchFamily="34" charset="0"/>
-                      </a:endParaRPr>
-                    </a:p>
-                  </a:txBody>
-                  <a:tcPr marL="68580" marR="68580" marT="0" marB="0" anchor="ctr"/>
-                </a:tc>
-                <a:extLst>
-                  <a:ext uri="{0D108BD9-81ED-4DB2-BD59-A6C34878D82A}">
-                    <a16:rowId xmlns:a16="http://schemas.microsoft.com/office/drawing/2014/main" val="3941867509"/>
-                  </a:ext>
-                </a:extLst>
-              </a:tr>
-              <a:tr h="432594">
-                <a:tc gridSpan="2">
-                  <a:txBody>
-                    <a:bodyPr/>
-                    <a:lstStyle/>
-                    <a:p>
-                      <a:pPr algn="l">
-                        <a:lnSpc>
-                          <a:spcPct val="100000"/>
-                        </a:lnSpc>
-                        <a:spcAft>
-                          <a:spcPts val="0"/>
-                        </a:spcAft>
-                      </a:pPr>
-                      <a:r>
-                        <a:rPr lang="ru-RU" sz="1400" b="1" dirty="0">
-                          <a:effectLst/>
-                          <a:latin typeface="Arial" panose="020B0604020202020204" pitchFamily="34" charset="0"/>
-                          <a:cs typeface="Arial" panose="020B0604020202020204" pitchFamily="34" charset="0"/>
-                        </a:rPr>
-                        <a:t>Итого:</a:t>
-                      </a:r>
-                      <a:endParaRPr lang="ru-RU" sz="1200" b="1" dirty="0">
-                        <a:effectLst/>
-                        <a:latin typeface="Arial" panose="020B0604020202020204" pitchFamily="34" charset="0"/>
-                        <a:ea typeface="Times New Roman" panose="02020603050405020304" pitchFamily="18" charset="0"/>
-                        <a:cs typeface="Arial" panose="020B0604020202020204" pitchFamily="34" charset="0"/>
-                      </a:endParaRPr>
-                    </a:p>
-                  </a:txBody>
-                  <a:tcPr marL="68580" marR="68580" marT="0" marB="0" anchor="ctr"/>
-                </a:tc>
-                <a:tc hMerge="1">
-                  <a:txBody>
-                    <a:bodyPr/>
-                    <a:lstStyle/>
-                    <a:p>
-                      <a:endParaRPr lang="ru-RU"/>
-                    </a:p>
-                  </a:txBody>
-                  <a:tcPr/>
-                </a:tc>
-                <a:tc>
-                  <a:txBody>
-                    <a:bodyPr/>
-                    <a:lstStyle/>
-                    <a:p>
-                      <a:pPr algn="ctr">
-                        <a:lnSpc>
-                          <a:spcPct val="100000"/>
-                        </a:lnSpc>
-                        <a:spcAft>
-                          <a:spcPts val="0"/>
-                        </a:spcAft>
-                      </a:pPr>
-                      <a:r>
-                        <a:rPr lang="ru-RU" sz="1400">
-                          <a:effectLst/>
-                          <a:latin typeface="Arial" panose="020B0604020202020204" pitchFamily="34" charset="0"/>
-                          <a:cs typeface="Arial" panose="020B0604020202020204" pitchFamily="34" charset="0"/>
-                        </a:rPr>
-                        <a:t>С</a:t>
-                      </a:r>
-                      <a:r>
-                        <a:rPr lang="ru-RU" sz="1400" baseline="-25000">
-                          <a:effectLst/>
-                          <a:latin typeface="Arial" panose="020B0604020202020204" pitchFamily="34" charset="0"/>
-                          <a:cs typeface="Arial" panose="020B0604020202020204" pitchFamily="34" charset="0"/>
-                        </a:rPr>
-                        <a:t>пр</a:t>
-                      </a:r>
-                      <a:endParaRPr lang="ru-RU" sz="1200">
-                        <a:effectLst/>
-                        <a:latin typeface="Arial" panose="020B0604020202020204" pitchFamily="34" charset="0"/>
-                        <a:ea typeface="Times New Roman" panose="02020603050405020304" pitchFamily="18" charset="0"/>
-                        <a:cs typeface="Arial" panose="020B0604020202020204" pitchFamily="34" charset="0"/>
-                      </a:endParaRPr>
-                    </a:p>
-                  </a:txBody>
-                  <a:tcPr marL="68580" marR="68580" marT="0" marB="0" anchor="ctr"/>
-                </a:tc>
-                <a:tc>
-                  <a:txBody>
-                    <a:bodyPr/>
-                    <a:lstStyle/>
-                    <a:p>
-                      <a:pPr algn="ctr">
-                        <a:lnSpc>
-                          <a:spcPct val="100000"/>
-                        </a:lnSpc>
-                        <a:spcAft>
-                          <a:spcPts val="0"/>
-                        </a:spcAft>
-                      </a:pPr>
-                      <a:r>
-                        <a:rPr lang="ru-RU" sz="1400">
-                          <a:effectLst/>
-                          <a:latin typeface="Arial" panose="020B0604020202020204" pitchFamily="34" charset="0"/>
-                          <a:cs typeface="Arial" panose="020B0604020202020204" pitchFamily="34" charset="0"/>
-                        </a:rPr>
-                        <a:t>364672</a:t>
-                      </a:r>
-                      <a:endParaRPr lang="ru-RU" sz="1200">
-                        <a:effectLst/>
-                        <a:latin typeface="Arial" panose="020B0604020202020204" pitchFamily="34" charset="0"/>
-                        <a:ea typeface="Times New Roman" panose="02020603050405020304" pitchFamily="18" charset="0"/>
-                        <a:cs typeface="Arial" panose="020B0604020202020204" pitchFamily="34" charset="0"/>
-                      </a:endParaRPr>
-                    </a:p>
-                  </a:txBody>
-                  <a:tcPr marL="68580" marR="68580" marT="0" marB="0" anchor="ctr"/>
-                </a:tc>
-                <a:tc>
-                  <a:txBody>
-                    <a:bodyPr/>
-                    <a:lstStyle/>
-                    <a:p>
-                      <a:pPr algn="ctr">
-                        <a:lnSpc>
-                          <a:spcPct val="100000"/>
-                        </a:lnSpc>
-                        <a:spcAft>
-                          <a:spcPts val="0"/>
-                        </a:spcAft>
-                      </a:pPr>
-                      <a:r>
-                        <a:rPr lang="ru-RU" sz="1400" dirty="0">
-                          <a:effectLst/>
-                          <a:latin typeface="Arial" panose="020B0604020202020204" pitchFamily="34" charset="0"/>
-                          <a:cs typeface="Arial" panose="020B0604020202020204" pitchFamily="34" charset="0"/>
-                        </a:rPr>
-                        <a:t>100</a:t>
-                      </a:r>
-                      <a:endParaRPr lang="ru-RU" sz="1200" dirty="0">
-                        <a:effectLst/>
-                        <a:latin typeface="Arial" panose="020B0604020202020204" pitchFamily="34" charset="0"/>
-                        <a:ea typeface="Times New Roman" panose="02020603050405020304" pitchFamily="18" charset="0"/>
-                        <a:cs typeface="Arial" panose="020B0604020202020204" pitchFamily="34" charset="0"/>
-                      </a:endParaRPr>
-                    </a:p>
-                  </a:txBody>
-                  <a:tcPr marL="68580" marR="68580" marT="0" marB="0" anchor="ctr"/>
-                </a:tc>
-                <a:extLst>
-                  <a:ext uri="{0D108BD9-81ED-4DB2-BD59-A6C34878D82A}">
-                    <a16:rowId xmlns:a16="http://schemas.microsoft.com/office/drawing/2014/main" val="2374553418"/>
-                  </a:ext>
-                </a:extLst>
-              </a:tr>
-            </a:tbl>
-          </a:graphicData>
-        </a:graphic>
-      </p:graphicFrame>
-      <p:sp>
-        <p:nvSpPr>
-          <p:cNvPr id="3" name="Номер слайда 2"/>
-          <p:cNvSpPr>
-            <a:spLocks noGrp="1"/>
-          </p:cNvSpPr>
-          <p:nvPr>
-            <p:ph type="sldNum" sz="quarter" idx="12"/>
-          </p:nvPr>
-        </p:nvSpPr>
-        <p:spPr/>
-        <p:txBody>
-          <a:bodyPr/>
-          <a:lstStyle/>
-          <a:p>
-            <a:fld id="{4FAB73BC-B049-4115-A692-8D63A059BFB8}" type="slidenum">
-              <a:rPr lang="en-US" smtClean="0"/>
-              <a:pPr/>
-              <a:t>13</a:t>
-            </a:fld>
-            <a:endParaRPr lang="en-US" dirty="0"/>
-          </a:p>
-        </p:txBody>
-      </p:sp>
-    </p:spTree>
-    <p:extLst>
-      <p:ext uri="{BB962C8B-B14F-4D97-AF65-F5344CB8AC3E}">
-        <p14:creationId xmlns:p14="http://schemas.microsoft.com/office/powerpoint/2010/main" val="167044076"/>
-      </p:ext>
-    </p:extLst>
-  </p:cSld>
-  <p:clrMapOvr>
-    <a:masterClrMapping/>
-  </p:clrMapOvr>
-  <mc:AlternateContent xmlns:mc="http://schemas.openxmlformats.org/markup-compatibility/2006" xmlns:p14="http://schemas.microsoft.com/office/powerpoint/2010/main">
-    <mc:Choice Requires="p14">
-      <p:transition spd="med" p14:dur="700">
-        <p:fade/>
-      </p:transition>
-    </mc:Choice>
-    <mc:Fallback xmlns="">
-      <p:transition spd="med">
-        <p:fade/>
-      </p:transition>
-    </mc:Fallback>
-  </mc:AlternateContent>
-  <p:timing>
-    <p:tnLst>
-      <p:par>
-        <p:cTn id="1" dur="indefinite" restart="never" nodeType="tmRoot"/>
-      </p:par>
-    </p:tnLst>
-  </p:timing>
-</p:sld>
-</file>
-
-<file path=ppt/slides/slide14.xml><?xml version="1.0" encoding="utf-8"?>
-<p:sld xmlns:a="http://schemas.openxmlformats.org/drawingml/2006/main" xmlns:r="http://schemas.openxmlformats.org/officeDocument/2006/relationships" xmlns:p="http://schemas.openxmlformats.org/presentationml/2006/main">
-  <p:cSld>
-    <p:spTree>
-      <p:nvGrpSpPr>
-        <p:cNvPr id="1" name=""/>
-        <p:cNvGrpSpPr/>
-        <p:nvPr/>
-      </p:nvGrpSpPr>
-      <p:grpSpPr>
-        <a:xfrm>
-          <a:off x="0" y="0"/>
-          <a:ext cx="0" cy="0"/>
-          <a:chOff x="0" y="0"/>
-          <a:chExt cx="0" cy="0"/>
-        </a:xfrm>
-      </p:grpSpPr>
-      <p:sp>
-        <p:nvSpPr>
-          <p:cNvPr id="2" name="Заголовок 1"/>
-          <p:cNvSpPr>
-            <a:spLocks noGrp="1"/>
-          </p:cNvSpPr>
-          <p:nvPr>
-            <p:ph type="title"/>
-          </p:nvPr>
-        </p:nvSpPr>
-        <p:spPr>
-          <a:xfrm>
-            <a:off x="1224391" y="4763"/>
-            <a:ext cx="9948433" cy="1371600"/>
-          </a:xfrm>
-        </p:spPr>
-        <p:txBody>
-          <a:bodyPr/>
-          <a:lstStyle/>
-          <a:p>
-            <a:pPr algn="ctr"/>
-            <a:r>
-              <a:rPr lang="ru-RU" dirty="0" smtClean="0">
-                <a:latin typeface="Arial" panose="020B0604020202020204" pitchFamily="34" charset="0"/>
-                <a:cs typeface="Arial" panose="020B0604020202020204" pitchFamily="34" charset="0"/>
-              </a:rPr>
-              <a:t>Выводы</a:t>
-            </a:r>
-            <a:endParaRPr lang="ru-RU" dirty="0">
-              <a:latin typeface="Arial" panose="020B0604020202020204" pitchFamily="34" charset="0"/>
-              <a:cs typeface="Arial" panose="020B0604020202020204" pitchFamily="34" charset="0"/>
-            </a:endParaRPr>
-          </a:p>
-        </p:txBody>
-      </p:sp>
-      <p:sp>
-        <p:nvSpPr>
-          <p:cNvPr id="3" name="Объект 2"/>
-          <p:cNvSpPr>
-            <a:spLocks noGrp="1"/>
-          </p:cNvSpPr>
-          <p:nvPr>
-            <p:ph idx="1"/>
-          </p:nvPr>
-        </p:nvSpPr>
-        <p:spPr>
-          <a:xfrm>
-            <a:off x="1235075" y="1844040"/>
+            <a:off x="1235075" y="2133600"/>
             <a:ext cx="9937750" cy="4450080"/>
           </a:xfrm>
         </p:spPr>
@@ -6472,7 +4970,7 @@
                 <a:latin typeface="Arial" panose="020B0604020202020204" pitchFamily="34" charset="0"/>
                 <a:cs typeface="Arial" panose="020B0604020202020204" pitchFamily="34" charset="0"/>
               </a:rPr>
-              <a:t>Описаны алгоритмы </a:t>
+              <a:t>Разработан, внедрен и продемонстрирован </a:t>
             </a:r>
             <a:r>
               <a:rPr lang="ru-RU" dirty="0">
@@ -6480,7 +4978,7 @@
                 <a:latin typeface="Arial" panose="020B0604020202020204" pitchFamily="34" charset="0"/>
                 <a:cs typeface="Arial" panose="020B0604020202020204" pitchFamily="34" charset="0"/>
               </a:rPr>
-              <a:t>работы новых и обновленных функций </a:t>
+              <a:t>новый функционал выбранной для </a:t>
             </a:r>
             <a:r>
               <a:rPr lang="ru-RU" dirty="0" smtClean="0">
@@ -6488,7 +4986,7 @@
                 <a:latin typeface="Arial" panose="020B0604020202020204" pitchFamily="34" charset="0"/>
                 <a:cs typeface="Arial" panose="020B0604020202020204" pitchFamily="34" charset="0"/>
               </a:rPr>
-              <a:t>системы</a:t>
+              <a:t>доработки</a:t>
             </a:r>
           </a:p>
           <a:p>
@@ -6498,51 +4996,6 @@
               </a:spcBef>
               <a:buNone/>
             </a:pPr>
-            <a:endParaRPr lang="ru-RU" dirty="0" smtClean="0">
-              <a:effectLst/>
-              <a:latin typeface="Arial" panose="020B0604020202020204" pitchFamily="34" charset="0"/>
-              <a:cs typeface="Arial" panose="020B0604020202020204" pitchFamily="34" charset="0"/>
-            </a:endParaRPr>
-          </a:p>
-          <a:p>
-            <a:pPr marL="0" indent="0" algn="ctr">
-              <a:spcBef>
-                <a:spcPts val="600"/>
-              </a:spcBef>
-              <a:buNone/>
-            </a:pPr>
-            <a:r>
-              <a:rPr lang="ru-RU" dirty="0" smtClean="0">
-                <a:effectLst/>
-                <a:latin typeface="Arial" panose="020B0604020202020204" pitchFamily="34" charset="0"/>
-                <a:cs typeface="Arial" panose="020B0604020202020204" pitchFamily="34" charset="0"/>
-              </a:rPr>
-              <a:t>Внедрен и продемонстрирован </a:t>
-            </a:r>
-            <a:r>
-              <a:rPr lang="ru-RU" dirty="0">
-                <a:effectLst/>
-                <a:latin typeface="Arial" panose="020B0604020202020204" pitchFamily="34" charset="0"/>
-                <a:cs typeface="Arial" panose="020B0604020202020204" pitchFamily="34" charset="0"/>
-              </a:rPr>
-              <a:t>новый функционал выбранной для </a:t>
-            </a:r>
-            <a:r>
-              <a:rPr lang="ru-RU" dirty="0" smtClean="0">
-                <a:effectLst/>
-                <a:latin typeface="Arial" panose="020B0604020202020204" pitchFamily="34" charset="0"/>
-                <a:cs typeface="Arial" panose="020B0604020202020204" pitchFamily="34" charset="0"/>
-              </a:rPr>
-              <a:t>доработки</a:t>
-            </a:r>
-          </a:p>
-          <a:p>
-            <a:pPr marL="0" indent="0" algn="ctr">
-              <a:spcBef>
-                <a:spcPts val="600"/>
-              </a:spcBef>
-              <a:buNone/>
-            </a:pPr>
             <a:r>
               <a:rPr lang="ru-RU" dirty="0" smtClean="0">
                 <a:effectLst/>
@@ -6567,7 +5020,7 @@
         </p:nvSpPr>
         <p:spPr>
           <a:xfrm>
-            <a:off x="5900736" y="2191192"/>
+            <a:off x="5897968" y="2501304"/>
             <a:ext cx="390525" cy="400050"/>
           </a:xfrm>
           <a:prstGeom prst="downArrow">
@@ -6615,7 +5068,7 @@
         </p:nvSpPr>
         <p:spPr>
           <a:xfrm>
-            <a:off x="5903505" y="2901276"/>
+            <a:off x="5900737" y="3211388"/>
             <a:ext cx="390525" cy="400050"/>
           </a:xfrm>
           <a:prstGeom prst="downArrow">
@@ -6657,13 +5110,13 @@
       </p:sp>
       <p:sp>
         <p:nvSpPr>
-          <p:cNvPr id="6" name="Стрелка вниз 5"/>
+          <p:cNvPr id="7" name="Стрелка вниз 6"/>
           <p:cNvSpPr/>
           <p:nvPr/>
         </p:nvSpPr>
         <p:spPr>
           <a:xfrm>
-            <a:off x="5900736" y="3611360"/>
+            <a:off x="5897967" y="3958590"/>
             <a:ext cx="390525" cy="400050"/>
           </a:xfrm>
           <a:prstGeom prst="downArrow">
@@ -6705,54 +5158,6 @@
       </p:sp>
       <p:sp>
         <p:nvSpPr>
-          <p:cNvPr id="7" name="Стрелка вниз 6"/>
-          <p:cNvSpPr/>
-          <p:nvPr/>
-        </p:nvSpPr>
-        <p:spPr>
-          <a:xfrm>
-            <a:off x="5900737" y="4293004"/>
-            <a:ext cx="390525" cy="400050"/>
-          </a:xfrm>
-          <a:prstGeom prst="downArrow">
-            <a:avLst/>
-          </a:prstGeom>
-          <a:solidFill>
-            <a:schemeClr val="bg2"/>
-          </a:solidFill>
-          <a:ln>
-            <a:solidFill>
-              <a:schemeClr val="tx1"/>
-            </a:solidFill>
-          </a:ln>
-        </p:spPr>
-        <p:style>
-          <a:lnRef idx="2">
-            <a:schemeClr val="accent1">
-              <a:shade val="50000"/>
-            </a:schemeClr>
-          </a:lnRef>
-          <a:fillRef idx="1">
-            <a:schemeClr val="accent1"/>
-          </a:fillRef>
-          <a:effectRef idx="0">
-            <a:schemeClr val="accent1"/>
-          </a:effectRef>
-          <a:fontRef idx="minor">
-            <a:schemeClr val="lt1"/>
-          </a:fontRef>
-        </p:style>
-        <p:txBody>
-          <a:bodyPr rtlCol="0" anchor="ctr"/>
-          <a:lstStyle/>
-          <a:p>
-            <a:pPr algn="ctr"/>
-            <a:endParaRPr lang="ru-RU"/>
-          </a:p>
-        </p:txBody>
-      </p:sp>
-      <p:sp>
-        <p:nvSpPr>
           <p:cNvPr id="8" name="Номер слайда 7"/>
           <p:cNvSpPr>
             <a:spLocks noGrp="1"/>
@@ -6769,7 +5174,7 @@
             <a:fld id="{4FAB73BC-B049-4115-A692-8D63A059BFB8}" type="slidenum">
               <a:rPr lang="en-US" smtClean="0"/>
               <a:pPr/>
-              <a:t>14</a:t>
+              <a:t>12</a:t>
             </a:fld>
             <a:endParaRPr lang="en-US" dirty="0"/>
           </a:p>
@@ -6807,7 +5212,7 @@
 </p:sld>
 </file>
 
-<file path=ppt/slides/slide15.xml><?xml version="1.0" encoding="utf-8"?>
+<file path=ppt/slides/slide13.xml><?xml version="1.0" encoding="utf-8"?>
 <p:sld xmlns:a="http://schemas.openxmlformats.org/drawingml/2006/main" xmlns:r="http://schemas.openxmlformats.org/officeDocument/2006/relationships" xmlns:p="http://schemas.openxmlformats.org/presentationml/2006/main">
   <p:cSld>
     <p:spTree>
@@ -7154,7 +5559,14 @@
                 <a:latin typeface="Arial" panose="020B0604020202020204" pitchFamily="34" charset="0"/>
                 <a:cs typeface="Arial" panose="020B0604020202020204" pitchFamily="34" charset="0"/>
               </a:rPr>
-              <a:t>список исправлений и доработок.</a:t>
+              <a:t>список исправлений и доработок</a:t>
+            </a:r>
+            <a:r>
+              <a:rPr lang="ru-RU" sz="1900" dirty="0" smtClean="0">
+                <a:latin typeface="Arial" panose="020B0604020202020204" pitchFamily="34" charset="0"/>
+                <a:cs typeface="Arial" panose="020B0604020202020204" pitchFamily="34" charset="0"/>
+              </a:rPr>
+              <a:t>.</a:t>
             </a:r>
           </a:p>
           <a:p>
@@ -7170,30 +5582,7 @@
                 <a:latin typeface="Arial" panose="020B0604020202020204" pitchFamily="34" charset="0"/>
                 <a:cs typeface="Arial" panose="020B0604020202020204" pitchFamily="34" charset="0"/>
               </a:rPr>
-              <a:t>Описать </a:t>
-            </a:r>
-            <a:r>
-              <a:rPr lang="ru-RU" sz="1900" dirty="0">
-                <a:latin typeface="Arial" panose="020B0604020202020204" pitchFamily="34" charset="0"/>
-                <a:cs typeface="Arial" panose="020B0604020202020204" pitchFamily="34" charset="0"/>
-              </a:rPr>
-              <a:t>алгоритмы работы новых и обновленных функций системы.</a:t>
-            </a:r>
-          </a:p>
-          <a:p>
-            <a:pPr marL="342900" indent="-342900">
-              <a:lnSpc>
-                <a:spcPct val="130000"/>
-              </a:lnSpc>
-              <a:buFont typeface="+mj-lt"/>
-              <a:buAutoNum type="arabicPeriod"/>
-            </a:pPr>
-            <a:r>
-              <a:rPr lang="ru-RU" sz="1900" dirty="0" smtClean="0">
-                <a:latin typeface="Arial" panose="020B0604020202020204" pitchFamily="34" charset="0"/>
-                <a:cs typeface="Arial" panose="020B0604020202020204" pitchFamily="34" charset="0"/>
-              </a:rPr>
-              <a:t>Внедрить и продемонстрировать новый </a:t>
+              <a:t>Разработать, внедрить и продемонстрировать новый </a:t>
             </a:r>
             <a:r>
               <a:rPr lang="ru-RU" sz="1900" dirty="0">
@@ -9404,7 +7793,7 @@
                 <a:latin typeface="Arial" panose="020B0604020202020204" pitchFamily="34" charset="0"/>
                 <a:cs typeface="Arial" panose="020B0604020202020204" pitchFamily="34" charset="0"/>
               </a:rPr>
-              <a:t>1. отображение </a:t>
+              <a:t>1. Отображение </a:t>
             </a:r>
             <a:r>
               <a:rPr lang="ru-RU" dirty="0">
@@ -10552,10 +8941,36 @@
           </a:p>
         </p:txBody>
       </p:sp>
+      <p:sp>
+        <p:nvSpPr>
+          <p:cNvPr id="3" name="Номер слайда 2"/>
+          <p:cNvSpPr>
+            <a:spLocks noGrp="1"/>
+          </p:cNvSpPr>
+          <p:nvPr>
+            <p:ph type="sldNum" sz="quarter" idx="12"/>
+          </p:nvPr>
+        </p:nvSpPr>
+        <p:spPr/>
+        <p:txBody>
+          <a:bodyPr/>
+          <a:lstStyle/>
+          <a:p>
+            <a:fld id="{4FAB73BC-B049-4115-A692-8D63A059BFB8}" type="slidenum">
+              <a:rPr lang="en-US" smtClean="0"/>
+              <a:pPr/>
+              <a:t>6</a:t>
+            </a:fld>
+            <a:endParaRPr lang="en-US" dirty="0"/>
+          </a:p>
+        </p:txBody>
+      </p:sp>
       <p:pic>
         <p:nvPicPr>
           <p:cNvPr id="5" name="Рисунок 4"/>
-          <p:cNvPicPr/>
+          <p:cNvPicPr>
+            <a:picLocks noChangeAspect="1"/>
+          </p:cNvPicPr>
           <p:nvPr/>
         </p:nvPicPr>
         <p:blipFill>
@@ -10566,38 +8981,14 @@
         </p:blipFill>
         <p:spPr>
           <a:xfrm>
-            <a:off x="2409824" y="1501054"/>
-            <a:ext cx="7372351" cy="5269533"/>
+            <a:off x="2958183" y="1600027"/>
+            <a:ext cx="6275633" cy="5050155"/>
           </a:xfrm>
           <a:prstGeom prst="rect">
             <a:avLst/>
           </a:prstGeom>
         </p:spPr>
       </p:pic>
-      <p:sp>
-        <p:nvSpPr>
-          <p:cNvPr id="3" name="Номер слайда 2"/>
-          <p:cNvSpPr>
-            <a:spLocks noGrp="1"/>
-          </p:cNvSpPr>
-          <p:nvPr>
-            <p:ph type="sldNum" sz="quarter" idx="12"/>
-          </p:nvPr>
-        </p:nvSpPr>
-        <p:spPr/>
-        <p:txBody>
-          <a:bodyPr/>
-          <a:lstStyle/>
-          <a:p>
-            <a:fld id="{4FAB73BC-B049-4115-A692-8D63A059BFB8}" type="slidenum">
-              <a:rPr lang="en-US" smtClean="0"/>
-              <a:pPr/>
-              <a:t>6</a:t>
-            </a:fld>
-            <a:endParaRPr lang="en-US" dirty="0"/>
-          </a:p>
-        </p:txBody>
-      </p:sp>
     </p:spTree>
     <p:extLst>
       <p:ext uri="{BB962C8B-B14F-4D97-AF65-F5344CB8AC3E}">
@@ -10673,7 +9064,7 @@
                 <a:latin typeface="Arial" panose="020B0604020202020204" pitchFamily="34" charset="0"/>
                 <a:cs typeface="Arial" panose="020B0604020202020204" pitchFamily="34" charset="0"/>
               </a:rPr>
-              <a:t>Обзор внедренных изменений</a:t>
+              <a:t>Демонстрация внедренных изменений</a:t>
             </a:r>
             <a:endParaRPr lang="ru-RU" dirty="0">
               <a:latin typeface="Arial" panose="020B0604020202020204" pitchFamily="34" charset="0"/>
@@ -10758,35 +9149,6 @@
           </a:p>
         </p:txBody>
       </p:sp>
-      <p:pic>
-        <p:nvPicPr>
-          <p:cNvPr id="5" name="Рисунок 4"/>
-          <p:cNvPicPr/>
-          <p:nvPr/>
-        </p:nvPicPr>
-        <p:blipFill rotWithShape="1">
-          <a:blip r:embed="rId2"/>
-          <a:srcRect l="4138" r="3661"/>
-          <a:stretch/>
-        </p:blipFill>
-        <p:spPr bwMode="auto">
-          <a:xfrm>
-            <a:off x="1234440" y="2252553"/>
-            <a:ext cx="4860925" cy="2469276"/>
-          </a:xfrm>
-          <a:prstGeom prst="rect">
-            <a:avLst/>
-          </a:prstGeom>
-          <a:ln>
-            <a:noFill/>
-          </a:ln>
-          <a:extLst>
-            <a:ext uri="{53640926-AAD7-44D8-BBD7-CCE9431645EC}">
-              <a14:shadowObscured xmlns:a14="http://schemas.microsoft.com/office/drawing/2010/main"/>
-            </a:ext>
-          </a:extLst>
-        </p:spPr>
-      </p:pic>
       <p:pic>
         <p:nvPicPr>
           <p:cNvPr id="6" name="Рисунок 5" descr="https://pp.userapi.com/c849332/v849332915/193572/-hyaAp6fFGo.jpg"/>
@@ -10794,7 +9156,7 @@
           <p:nvPr/>
         </p:nvPicPr>
         <p:blipFill>
-          <a:blip r:embed="rId3">
+          <a:blip r:embed="rId2">
             <a:extLst>
               <a:ext uri="{28A0092B-C50C-407E-A947-70E740481C1C}">
                 <a14:useLocalDpi xmlns:a14="http://schemas.microsoft.com/office/drawing/2010/main" val="0"/>
@@ -10840,6 +9202,90 @@
               <a:t>7</a:t>
             </a:fld>
             <a:endParaRPr lang="en-US" dirty="0"/>
+          </a:p>
+        </p:txBody>
+      </p:sp>
+      <p:sp>
+        <p:nvSpPr>
+          <p:cNvPr id="8" name="Прямоугольник 7"/>
+          <p:cNvSpPr/>
+          <p:nvPr/>
+        </p:nvSpPr>
+        <p:spPr>
+          <a:xfrm>
+            <a:off x="1735282" y="4973449"/>
+            <a:ext cx="3859876" cy="1200329"/>
+          </a:xfrm>
+          <a:prstGeom prst="rect">
+            <a:avLst/>
+          </a:prstGeom>
+        </p:spPr>
+        <p:txBody>
+          <a:bodyPr wrap="square">
+            <a:spAutoFit/>
+          </a:bodyPr>
+          <a:lstStyle/>
+          <a:p>
+            <a:pPr algn="ctr"/>
+            <a:r>
+              <a:rPr lang="ru-RU" dirty="0" smtClean="0"/>
+              <a:t>Ранее в разделе заданий отсутствовало описание уровня сложности задачи и название задачи.</a:t>
+            </a:r>
+            <a:endParaRPr lang="ru-RU" dirty="0"/>
+          </a:p>
+        </p:txBody>
+      </p:sp>
+      <p:pic>
+        <p:nvPicPr>
+          <p:cNvPr id="9" name="Рисунок 8"/>
+          <p:cNvPicPr>
+            <a:picLocks noChangeAspect="1"/>
+          </p:cNvPicPr>
+          <p:nvPr/>
+        </p:nvPicPr>
+        <p:blipFill>
+          <a:blip r:embed="rId3"/>
+          <a:stretch>
+            <a:fillRect/>
+          </a:stretch>
+        </p:blipFill>
+        <p:spPr>
+          <a:xfrm>
+            <a:off x="1235075" y="2241550"/>
+            <a:ext cx="4854246" cy="2596457"/>
+          </a:xfrm>
+          <a:prstGeom prst="rect">
+            <a:avLst/>
+          </a:prstGeom>
+        </p:spPr>
+      </p:pic>
+      <p:sp>
+        <p:nvSpPr>
+          <p:cNvPr id="11" name="Прямоугольник 10"/>
+          <p:cNvSpPr/>
+          <p:nvPr/>
+        </p:nvSpPr>
+        <p:spPr>
+          <a:xfrm>
+            <a:off x="6770593" y="4973449"/>
+            <a:ext cx="3859876" cy="646331"/>
+          </a:xfrm>
+          <a:prstGeom prst="rect">
+            <a:avLst/>
+          </a:prstGeom>
+        </p:spPr>
+        <p:txBody>
+          <a:bodyPr wrap="square">
+            <a:spAutoFit/>
+          </a:bodyPr>
+          <a:lstStyle/>
+          <a:p>
+            <a:pPr algn="ctr"/>
+            <a:r>
+              <a:rPr lang="ru-RU" dirty="0" smtClean="0"/>
+              <a:t>Ранее отображение данного списка отсутствовало.</a:t>
+            </a:r>
+            <a:endParaRPr lang="ru-RU" dirty="0"/>
           </a:p>
         </p:txBody>
       </p:sp>
@@ -11043,13 +9489,19 @@
           <a:bodyPr/>
           <a:lstStyle/>
           <a:p>
-            <a:pPr algn="ctr"/>
+            <a:r>
+              <a:rPr lang="ru-RU" dirty="0">
+                <a:latin typeface="Arial" panose="020B0604020202020204" pitchFamily="34" charset="0"/>
+                <a:cs typeface="Arial" panose="020B0604020202020204" pitchFamily="34" charset="0"/>
+              </a:rPr>
+              <a:t>Демонстрация </a:t>
+            </a:r>
             <a:r>
               <a:rPr lang="ru-RU" dirty="0" smtClean="0">
                 <a:latin typeface="Arial" panose="020B0604020202020204" pitchFamily="34" charset="0"/>
                 <a:cs typeface="Arial" panose="020B0604020202020204" pitchFamily="34" charset="0"/>
               </a:rPr>
-              <a:t>Обзор внедренных изменений</a:t>
+              <a:t>внедренных изменений</a:t>
             </a:r>
             <a:endParaRPr lang="ru-RU" dirty="0">
               <a:latin typeface="Arial" panose="020B0604020202020204" pitchFamily="34" charset="0"/>
@@ -11078,6 +9530,66 @@
               <a:t>8</a:t>
             </a:fld>
             <a:endParaRPr lang="en-US" dirty="0"/>
+          </a:p>
+        </p:txBody>
+      </p:sp>
+      <p:sp>
+        <p:nvSpPr>
+          <p:cNvPr id="10" name="Прямоугольник 9"/>
+          <p:cNvSpPr/>
+          <p:nvPr/>
+        </p:nvSpPr>
+        <p:spPr>
+          <a:xfrm>
+            <a:off x="1734387" y="5200471"/>
+            <a:ext cx="3859876" cy="646331"/>
+          </a:xfrm>
+          <a:prstGeom prst="rect">
+            <a:avLst/>
+          </a:prstGeom>
+        </p:spPr>
+        <p:txBody>
+          <a:bodyPr wrap="square">
+            <a:spAutoFit/>
+          </a:bodyPr>
+          <a:lstStyle/>
+          <a:p>
+            <a:pPr algn="ctr"/>
+            <a:r>
+              <a:rPr lang="ru-RU" dirty="0" smtClean="0"/>
+              <a:t>Ранее данная инструкция отсутствовала.</a:t>
+            </a:r>
+            <a:endParaRPr lang="ru-RU" dirty="0"/>
+          </a:p>
+        </p:txBody>
+      </p:sp>
+      <p:sp>
+        <p:nvSpPr>
+          <p:cNvPr id="11" name="Прямоугольник 10"/>
+          <p:cNvSpPr/>
+          <p:nvPr/>
+        </p:nvSpPr>
+        <p:spPr>
+          <a:xfrm>
+            <a:off x="7022177" y="5200471"/>
+            <a:ext cx="3859876" cy="646331"/>
+          </a:xfrm>
+          <a:prstGeom prst="rect">
+            <a:avLst/>
+          </a:prstGeom>
+        </p:spPr>
+        <p:txBody>
+          <a:bodyPr wrap="square">
+            <a:spAutoFit/>
+          </a:bodyPr>
+          <a:lstStyle/>
+          <a:p>
+            <a:pPr algn="ctr"/>
+            <a:r>
+              <a:rPr lang="ru-RU" dirty="0" smtClean="0"/>
+              <a:t>Ранее данная возможность отсутствовала.</a:t>
+            </a:r>
+            <a:endParaRPr lang="ru-RU" dirty="0"/>
           </a:p>
         </p:txBody>
       </p:sp>
@@ -11150,13 +9662,19 @@
           <a:bodyPr/>
           <a:lstStyle/>
           <a:p>
-            <a:pPr algn="ctr"/>
+            <a:r>
+              <a:rPr lang="ru-RU" dirty="0">
+                <a:latin typeface="Arial" panose="020B0604020202020204" pitchFamily="34" charset="0"/>
+                <a:cs typeface="Arial" panose="020B0604020202020204" pitchFamily="34" charset="0"/>
+              </a:rPr>
+              <a:t>Демонстрация </a:t>
+            </a:r>
             <a:r>
               <a:rPr lang="ru-RU" dirty="0" smtClean="0">
                 <a:latin typeface="Arial" panose="020B0604020202020204" pitchFamily="34" charset="0"/>
                 <a:cs typeface="Arial" panose="020B0604020202020204" pitchFamily="34" charset="0"/>
               </a:rPr>
-              <a:t>Обзор внедренных изменений</a:t>
+              <a:t>внедренных изменений</a:t>
             </a:r>
             <a:endParaRPr lang="ru-RU" dirty="0">
               <a:latin typeface="Arial" panose="020B0604020202020204" pitchFamily="34" charset="0"/>
@@ -11360,6 +9878,73 @@
               <a:t>9</a:t>
             </a:fld>
             <a:endParaRPr lang="en-US" dirty="0"/>
+          </a:p>
+        </p:txBody>
+      </p:sp>
+      <p:sp>
+        <p:nvSpPr>
+          <p:cNvPr id="13" name="Прямоугольник 12"/>
+          <p:cNvSpPr/>
+          <p:nvPr/>
+        </p:nvSpPr>
+        <p:spPr>
+          <a:xfrm>
+            <a:off x="1721019" y="5017591"/>
+            <a:ext cx="3859876" cy="646331"/>
+          </a:xfrm>
+          <a:prstGeom prst="rect">
+            <a:avLst/>
+          </a:prstGeom>
+        </p:spPr>
+        <p:txBody>
+          <a:bodyPr wrap="square">
+            <a:spAutoFit/>
+          </a:bodyPr>
+          <a:lstStyle/>
+          <a:p>
+            <a:pPr algn="ctr"/>
+            <a:r>
+              <a:rPr lang="ru-RU" dirty="0" smtClean="0"/>
+              <a:t>Ранее любая статистика, кроме табличной, отсутствовала.</a:t>
+            </a:r>
+            <a:endParaRPr lang="ru-RU" dirty="0"/>
+          </a:p>
+        </p:txBody>
+      </p:sp>
+      <p:sp>
+        <p:nvSpPr>
+          <p:cNvPr id="5" name="Прямоугольник 4"/>
+          <p:cNvSpPr/>
+          <p:nvPr/>
+        </p:nvSpPr>
+        <p:spPr>
+          <a:xfrm>
+            <a:off x="6538277" y="5014295"/>
+            <a:ext cx="4119881" cy="646331"/>
+          </a:xfrm>
+          <a:prstGeom prst="rect">
+            <a:avLst/>
+          </a:prstGeom>
+        </p:spPr>
+        <p:txBody>
+          <a:bodyPr wrap="square">
+            <a:spAutoFit/>
+          </a:bodyPr>
+          <a:lstStyle/>
+          <a:p>
+            <a:pPr algn="ctr"/>
+            <a:r>
+              <a:rPr lang="ru-RU" dirty="0"/>
+              <a:t>Ранее </a:t>
+            </a:r>
+            <a:r>
+              <a:rPr lang="ru-RU" dirty="0" smtClean="0"/>
+              <a:t>данная возможность отсутствовала</a:t>
+            </a:r>
+            <a:r>
+              <a:rPr lang="ru-RU" dirty="0"/>
+              <a:t>.</a:t>
+            </a:r>
           </a:p>
         </p:txBody>
       </p:sp>

--- a/Prez.pptx
+++ b/Prez.pptx
@@ -240,7 +240,7 @@
           <a:p>
             <a:fld id="{FBE06AD4-4236-4C6A-A51A-74F6DACEC17E}" type="datetimeFigureOut">
               <a:rPr lang="ru-RU" smtClean="0"/>
-              <a:t>20.06.2019</a:t>
+              <a:t>23.06.2019</a:t>
             </a:fld>
             <a:endParaRPr lang="ru-RU"/>
           </a:p>
@@ -671,7 +671,7 @@
           <a:p>
             <a:fld id="{77E98EE2-4168-4EEE-A1AD-CBBCBAF10793}" type="datetime1">
               <a:rPr lang="en-US" smtClean="0"/>
-              <a:t>6/20/2019</a:t>
+              <a:t>6/23/2019</a:t>
             </a:fld>
             <a:endParaRPr lang="en-US" dirty="0"/>
           </a:p>
@@ -842,7 +842,7 @@
           <a:p>
             <a:fld id="{BF401A49-28E3-44BC-A874-99C932589552}" type="datetime1">
               <a:rPr lang="en-US" smtClean="0"/>
-              <a:t>6/20/2019</a:t>
+              <a:t>6/23/2019</a:t>
             </a:fld>
             <a:endParaRPr lang="en-US" dirty="0"/>
           </a:p>
@@ -1022,7 +1022,7 @@
           <a:p>
             <a:fld id="{AC02C9CE-BAAC-4BDD-8E5F-3FEB1A56CBE5}" type="datetime1">
               <a:rPr lang="en-US" smtClean="0"/>
-              <a:t>6/20/2019</a:t>
+              <a:t>6/23/2019</a:t>
             </a:fld>
             <a:endParaRPr lang="en-US" dirty="0"/>
           </a:p>
@@ -1192,7 +1192,7 @@
           <a:p>
             <a:fld id="{84072343-C3AA-424F-8273-67EB6FBB2498}" type="datetime1">
               <a:rPr lang="en-US" smtClean="0"/>
-              <a:t>6/20/2019</a:t>
+              <a:t>6/23/2019</a:t>
             </a:fld>
             <a:endParaRPr lang="en-US" dirty="0"/>
           </a:p>
@@ -1461,7 +1461,7 @@
           <a:p>
             <a:fld id="{30938DCD-3AA0-471A-BF0C-C46F09559875}" type="datetime1">
               <a:rPr lang="en-US" smtClean="0"/>
-              <a:t>6/20/2019</a:t>
+              <a:t>6/23/2019</a:t>
             </a:fld>
             <a:endParaRPr lang="en-US" dirty="0"/>
           </a:p>
@@ -1693,7 +1693,7 @@
           <a:p>
             <a:fld id="{AEA8F922-0936-443F-AFF1-E5266F36DB1C}" type="datetime1">
               <a:rPr lang="en-US" smtClean="0"/>
-              <a:t>6/20/2019</a:t>
+              <a:t>6/23/2019</a:t>
             </a:fld>
             <a:endParaRPr lang="en-US" dirty="0"/>
           </a:p>
@@ -2052,7 +2052,7 @@
           <a:p>
             <a:fld id="{5654B6F8-8A63-481E-B663-5B59A63538AC}" type="datetime1">
               <a:rPr lang="en-US" smtClean="0"/>
-              <a:t>6/20/2019</a:t>
+              <a:t>6/23/2019</a:t>
             </a:fld>
             <a:endParaRPr lang="en-US" dirty="0"/>
           </a:p>
@@ -2194,7 +2194,7 @@
           <a:p>
             <a:fld id="{85202EA4-E976-451B-89ED-A39FABD7025C}" type="datetime1">
               <a:rPr lang="en-US" smtClean="0"/>
-              <a:t>6/20/2019</a:t>
+              <a:t>6/23/2019</a:t>
             </a:fld>
             <a:endParaRPr lang="en-US" dirty="0"/>
           </a:p>
@@ -2289,7 +2289,7 @@
           <a:p>
             <a:fld id="{EAF6ED36-9472-4C97-826B-440E16947A68}" type="datetime1">
               <a:rPr lang="en-US" smtClean="0"/>
-              <a:t>6/20/2019</a:t>
+              <a:t>6/23/2019</a:t>
             </a:fld>
             <a:endParaRPr lang="en-US" dirty="0"/>
           </a:p>
@@ -2646,7 +2646,7 @@
           <a:p>
             <a:fld id="{9D3F0993-C052-44E9-AE34-C0D9E98D85AD}" type="datetime1">
               <a:rPr lang="en-US" smtClean="0"/>
-              <a:t>6/20/2019</a:t>
+              <a:t>6/23/2019</a:t>
             </a:fld>
             <a:endParaRPr lang="en-US" dirty="0"/>
           </a:p>
@@ -3004,7 +3004,7 @@
           <a:p>
             <a:fld id="{3E9C5437-80B1-48EB-B34E-B30250E48934}" type="datetime1">
               <a:rPr lang="en-US" smtClean="0"/>
-              <a:t>6/20/2019</a:t>
+              <a:t>6/23/2019</a:t>
             </a:fld>
             <a:endParaRPr lang="en-US" dirty="0"/>
           </a:p>
@@ -3246,7 +3246,7 @@
           <a:p>
             <a:fld id="{E16E5A7A-F443-4F94-A6EF-F515F58FBA48}" type="datetime1">
               <a:rPr lang="en-US" smtClean="0"/>
-              <a:t>6/20/2019</a:t>
+              <a:t>6/23/2019</a:t>
             </a:fld>
             <a:endParaRPr lang="en-US" dirty="0"/>
           </a:p>
@@ -5760,42 +5760,42 @@
                 <a:gridCol w="2116609">
                   <a:extLst>
                     <a:ext uri="{9D8B030D-6E8A-4147-A177-3AD203B41FA5}">
-                      <a16:colId xmlns:a16="http://schemas.microsoft.com/office/drawing/2014/main" val="20000"/>
+                      <a16:colId xmlns="" xmlns:a16="http://schemas.microsoft.com/office/drawing/2014/main" val="20000"/>
                     </a:ext>
                   </a:extLst>
                 </a:gridCol>
                 <a:gridCol w="926887">
                   <a:extLst>
                     <a:ext uri="{9D8B030D-6E8A-4147-A177-3AD203B41FA5}">
-                      <a16:colId xmlns:a16="http://schemas.microsoft.com/office/drawing/2014/main" val="20001"/>
+                      <a16:colId xmlns="" xmlns:a16="http://schemas.microsoft.com/office/drawing/2014/main" val="20001"/>
                     </a:ext>
                   </a:extLst>
                 </a:gridCol>
                 <a:gridCol w="926887">
                   <a:extLst>
                     <a:ext uri="{9D8B030D-6E8A-4147-A177-3AD203B41FA5}">
-                      <a16:colId xmlns:a16="http://schemas.microsoft.com/office/drawing/2014/main" val="20002"/>
+                      <a16:colId xmlns="" xmlns:a16="http://schemas.microsoft.com/office/drawing/2014/main" val="20002"/>
                     </a:ext>
                   </a:extLst>
                 </a:gridCol>
                 <a:gridCol w="1907357">
                   <a:extLst>
                     <a:ext uri="{9D8B030D-6E8A-4147-A177-3AD203B41FA5}">
-                      <a16:colId xmlns:a16="http://schemas.microsoft.com/office/drawing/2014/main" val="20003"/>
+                      <a16:colId xmlns="" xmlns:a16="http://schemas.microsoft.com/office/drawing/2014/main" val="20003"/>
                     </a:ext>
                   </a:extLst>
                 </a:gridCol>
                 <a:gridCol w="926887">
                   <a:extLst>
                     <a:ext uri="{9D8B030D-6E8A-4147-A177-3AD203B41FA5}">
-                      <a16:colId xmlns:a16="http://schemas.microsoft.com/office/drawing/2014/main" val="20004"/>
+                      <a16:colId xmlns="" xmlns:a16="http://schemas.microsoft.com/office/drawing/2014/main" val="20004"/>
                     </a:ext>
                   </a:extLst>
                 </a:gridCol>
                 <a:gridCol w="926887">
                   <a:extLst>
                     <a:ext uri="{9D8B030D-6E8A-4147-A177-3AD203B41FA5}">
-                      <a16:colId xmlns:a16="http://schemas.microsoft.com/office/drawing/2014/main" val="20005"/>
+                      <a16:colId xmlns="" xmlns:a16="http://schemas.microsoft.com/office/drawing/2014/main" val="20005"/>
                     </a:ext>
                   </a:extLst>
                 </a:gridCol>
@@ -6029,7 +6029,7 @@
                 </a:tc>
                 <a:extLst>
                   <a:ext uri="{0D108BD9-81ED-4DB2-BD59-A6C34878D82A}">
-                    <a16:rowId xmlns:a16="http://schemas.microsoft.com/office/drawing/2014/main" val="10000"/>
+                    <a16:rowId xmlns="" xmlns:a16="http://schemas.microsoft.com/office/drawing/2014/main" val="10000"/>
                   </a:ext>
                 </a:extLst>
               </a:tr>
@@ -6258,7 +6258,7 @@
                 </a:tc>
                 <a:extLst>
                   <a:ext uri="{0D108BD9-81ED-4DB2-BD59-A6C34878D82A}">
-                    <a16:rowId xmlns:a16="http://schemas.microsoft.com/office/drawing/2014/main" val="10001"/>
+                    <a16:rowId xmlns="" xmlns:a16="http://schemas.microsoft.com/office/drawing/2014/main" val="10001"/>
                   </a:ext>
                 </a:extLst>
               </a:tr>
@@ -6486,7 +6486,7 @@
                 </a:tc>
                 <a:extLst>
                   <a:ext uri="{0D108BD9-81ED-4DB2-BD59-A6C34878D82A}">
-                    <a16:rowId xmlns:a16="http://schemas.microsoft.com/office/drawing/2014/main" val="10002"/>
+                    <a16:rowId xmlns="" xmlns:a16="http://schemas.microsoft.com/office/drawing/2014/main" val="10002"/>
                   </a:ext>
                 </a:extLst>
               </a:tr>
@@ -6714,7 +6714,7 @@
                 </a:tc>
                 <a:extLst>
                   <a:ext uri="{0D108BD9-81ED-4DB2-BD59-A6C34878D82A}">
-                    <a16:rowId xmlns:a16="http://schemas.microsoft.com/office/drawing/2014/main" val="10003"/>
+                    <a16:rowId xmlns="" xmlns:a16="http://schemas.microsoft.com/office/drawing/2014/main" val="10003"/>
                   </a:ext>
                 </a:extLst>
               </a:tr>
@@ -6958,7 +6958,7 @@
                 </a:tc>
                 <a:extLst>
                   <a:ext uri="{0D108BD9-81ED-4DB2-BD59-A6C34878D82A}">
-                    <a16:rowId xmlns:a16="http://schemas.microsoft.com/office/drawing/2014/main" val="10004"/>
+                    <a16:rowId xmlns="" xmlns:a16="http://schemas.microsoft.com/office/drawing/2014/main" val="10004"/>
                   </a:ext>
                 </a:extLst>
               </a:tr>
@@ -7186,7 +7186,7 @@
                 </a:tc>
                 <a:extLst>
                   <a:ext uri="{0D108BD9-81ED-4DB2-BD59-A6C34878D82A}">
-                    <a16:rowId xmlns:a16="http://schemas.microsoft.com/office/drawing/2014/main" val="10005"/>
+                    <a16:rowId xmlns="" xmlns:a16="http://schemas.microsoft.com/office/drawing/2014/main" val="10005"/>
                   </a:ext>
                 </a:extLst>
               </a:tr>
@@ -7414,7 +7414,7 @@
                 </a:tc>
                 <a:extLst>
                   <a:ext uri="{0D108BD9-81ED-4DB2-BD59-A6C34878D82A}">
-                    <a16:rowId xmlns:a16="http://schemas.microsoft.com/office/drawing/2014/main" val="10006"/>
+                    <a16:rowId xmlns="" xmlns:a16="http://schemas.microsoft.com/office/drawing/2014/main" val="10006"/>
                   </a:ext>
                 </a:extLst>
               </a:tr>
@@ -7642,7 +7642,7 @@
                 </a:tc>
                 <a:extLst>
                   <a:ext uri="{0D108BD9-81ED-4DB2-BD59-A6C34878D82A}">
-                    <a16:rowId xmlns:a16="http://schemas.microsoft.com/office/drawing/2014/main" val="10007"/>
+                    <a16:rowId xmlns="" xmlns:a16="http://schemas.microsoft.com/office/drawing/2014/main" val="10007"/>
                   </a:ext>
                 </a:extLst>
               </a:tr>
@@ -8967,7 +8967,7 @@
       </p:sp>
       <p:pic>
         <p:nvPicPr>
-          <p:cNvPr id="5" name="Рисунок 4"/>
+          <p:cNvPr id="6" name="Рисунок 5"/>
           <p:cNvPicPr>
             <a:picLocks noChangeAspect="1"/>
           </p:cNvPicPr>
@@ -8981,8 +8981,8 @@
         </p:blipFill>
         <p:spPr>
           <a:xfrm>
-            <a:off x="2958183" y="1600027"/>
-            <a:ext cx="6275633" cy="5050155"/>
+            <a:off x="2960758" y="1616960"/>
+            <a:ext cx="6270484" cy="5048187"/>
           </a:xfrm>
           <a:prstGeom prst="rect">
             <a:avLst/>
